--- a/trunk/presentasi PCD.pptx
+++ b/trunk/presentasi PCD.pptx
@@ -2422,6 +2422,11 @@
   </dgm:cxnLst>
   <dgm:bg/>
   <dgm:whole/>
+  <dgm:extLst>
+    <a:ext uri="http://schemas.microsoft.com/office/drawing/2008/diagram">
+      <dsp:dataModelExt xmlns:dsp="http://schemas.microsoft.com/office/drawing/2008/diagram" xmlns="" relId="rId6" minVer="http://schemas.openxmlformats.org/drawingml/2006/diagram"/>
+    </a:ext>
+  </dgm:extLst>
 </dgm:dataModel>
 </file>
 
@@ -2999,7 +3004,2097 @@
   </dgm:cxnLst>
   <dgm:bg/>
   <dgm:whole/>
+  <dgm:extLst>
+    <a:ext uri="http://schemas.microsoft.com/office/drawing/2008/diagram">
+      <dsp:dataModelExt xmlns:dsp="http://schemas.microsoft.com/office/drawing/2008/diagram" xmlns="" relId="rId6" minVer="http://schemas.openxmlformats.org/drawingml/2006/diagram"/>
+    </a:ext>
+  </dgm:extLst>
 </dgm:dataModel>
+</file>
+
+<file path=ppt/diagrams/drawing1.xml><?xml version="1.0" encoding="utf-8"?>
+<dsp:drawing xmlns:dgm="http://schemas.openxmlformats.org/drawingml/2006/diagram" xmlns:a="http://schemas.openxmlformats.org/drawingml/2006/main" xmlns:dsp="http://schemas.microsoft.com/office/drawing/2008/diagram">
+  <dsp:spTree>
+    <dsp:nvGrpSpPr>
+      <dsp:cNvPr id="0" name=""/>
+      <dsp:cNvGrpSpPr/>
+    </dsp:nvGrpSpPr>
+    <dsp:grpSpPr/>
+    <dsp:sp modelId="{78FAE01D-C99E-401B-9F00-92A8B840D561}">
+      <dsp:nvSpPr>
+        <dsp:cNvPr id="0" name=""/>
+        <dsp:cNvSpPr/>
+      </dsp:nvSpPr>
+      <dsp:spPr>
+        <a:xfrm>
+          <a:off x="610388" y="2544"/>
+          <a:ext cx="1844426" cy="1106656"/>
+        </a:xfrm>
+        <a:prstGeom prst="roundRect">
+          <a:avLst>
+            <a:gd name="adj" fmla="val 10000"/>
+          </a:avLst>
+        </a:prstGeom>
+        <a:solidFill>
+          <a:schemeClr val="lt1">
+            <a:hueOff val="0"/>
+            <a:satOff val="0"/>
+            <a:lumOff val="0"/>
+            <a:alphaOff val="0"/>
+          </a:schemeClr>
+        </a:solidFill>
+        <a:ln w="25400" cap="flat" cmpd="sng" algn="ctr">
+          <a:solidFill>
+            <a:schemeClr val="dk1">
+              <a:shade val="80000"/>
+              <a:hueOff val="0"/>
+              <a:satOff val="0"/>
+              <a:lumOff val="0"/>
+              <a:alphaOff val="0"/>
+            </a:schemeClr>
+          </a:solidFill>
+          <a:prstDash val="solid"/>
+        </a:ln>
+        <a:effectLst/>
+      </dsp:spPr>
+      <dsp:style>
+        <a:lnRef idx="2">
+          <a:scrgbClr r="0" g="0" b="0"/>
+        </a:lnRef>
+        <a:fillRef idx="1">
+          <a:scrgbClr r="0" g="0" b="0"/>
+        </a:fillRef>
+        <a:effectRef idx="0">
+          <a:scrgbClr r="0" g="0" b="0"/>
+        </a:effectRef>
+        <a:fontRef idx="minor">
+          <a:schemeClr val="lt1"/>
+        </a:fontRef>
+      </dsp:style>
+      <dsp:txBody>
+        <a:bodyPr spcFirstLastPara="0" vert="horz" wrap="square" lIns="60960" tIns="60960" rIns="60960" bIns="60960" numCol="1" spcCol="1270" anchor="ctr" anchorCtr="0">
+          <a:noAutofit/>
+        </a:bodyPr>
+        <a:lstStyle/>
+        <a:p>
+          <a:pPr lvl="0" algn="ctr" defTabSz="711200">
+            <a:lnSpc>
+              <a:spcPct val="90000"/>
+            </a:lnSpc>
+            <a:spcBef>
+              <a:spcPct val="0"/>
+            </a:spcBef>
+            <a:spcAft>
+              <a:spcPct val="35000"/>
+            </a:spcAft>
+          </a:pPr>
+          <a:r>
+            <a:rPr lang="en-US" sz="1600" kern="1200" dirty="0"/>
+            <a:t>Citra </a:t>
+          </a:r>
+          <a:r>
+            <a:rPr lang="en-US" sz="1600" kern="1200" dirty="0" err="1"/>
+            <a:t>masukan</a:t>
+          </a:r>
+          <a:endParaRPr lang="en-US" sz="1600" kern="1200" dirty="0"/>
+        </a:p>
+      </dsp:txBody>
+      <dsp:txXfrm>
+        <a:off x="610388" y="2544"/>
+        <a:ext cx="1844426" cy="1106656"/>
+      </dsp:txXfrm>
+    </dsp:sp>
+    <dsp:sp modelId="{1C20E7E1-B861-46FA-89FB-04AF53D19429}">
+      <dsp:nvSpPr>
+        <dsp:cNvPr id="0" name=""/>
+        <dsp:cNvSpPr/>
+      </dsp:nvSpPr>
+      <dsp:spPr>
+        <a:xfrm>
+          <a:off x="2617125" y="327164"/>
+          <a:ext cx="391018" cy="457417"/>
+        </a:xfrm>
+        <a:prstGeom prst="rightArrow">
+          <a:avLst>
+            <a:gd name="adj1" fmla="val 60000"/>
+            <a:gd name="adj2" fmla="val 50000"/>
+          </a:avLst>
+        </a:prstGeom>
+        <a:solidFill>
+          <a:schemeClr val="dk1">
+            <a:tint val="60000"/>
+            <a:hueOff val="0"/>
+            <a:satOff val="0"/>
+            <a:lumOff val="0"/>
+            <a:alphaOff val="0"/>
+          </a:schemeClr>
+        </a:solidFill>
+        <a:ln>
+          <a:noFill/>
+        </a:ln>
+        <a:effectLst/>
+      </dsp:spPr>
+      <dsp:style>
+        <a:lnRef idx="0">
+          <a:scrgbClr r="0" g="0" b="0"/>
+        </a:lnRef>
+        <a:fillRef idx="1">
+          <a:scrgbClr r="0" g="0" b="0"/>
+        </a:fillRef>
+        <a:effectRef idx="0">
+          <a:scrgbClr r="0" g="0" b="0"/>
+        </a:effectRef>
+        <a:fontRef idx="minor">
+          <a:schemeClr val="lt1"/>
+        </a:fontRef>
+      </dsp:style>
+      <dsp:txBody>
+        <a:bodyPr spcFirstLastPara="0" vert="horz" wrap="square" lIns="0" tIns="0" rIns="0" bIns="0" numCol="1" spcCol="1270" anchor="ctr" anchorCtr="0">
+          <a:noAutofit/>
+        </a:bodyPr>
+        <a:lstStyle/>
+        <a:p>
+          <a:pPr lvl="0" algn="ctr" defTabSz="577850">
+            <a:lnSpc>
+              <a:spcPct val="90000"/>
+            </a:lnSpc>
+            <a:spcBef>
+              <a:spcPct val="0"/>
+            </a:spcBef>
+            <a:spcAft>
+              <a:spcPct val="35000"/>
+            </a:spcAft>
+          </a:pPr>
+          <a:endParaRPr lang="en-US" sz="1300" kern="1200"/>
+        </a:p>
+      </dsp:txBody>
+      <dsp:txXfrm>
+        <a:off x="2617125" y="327164"/>
+        <a:ext cx="391018" cy="457417"/>
+      </dsp:txXfrm>
+    </dsp:sp>
+    <dsp:sp modelId="{4CFD68F7-BD2F-4F54-9A7F-9BC0F9283BCB}">
+      <dsp:nvSpPr>
+        <dsp:cNvPr id="0" name=""/>
+        <dsp:cNvSpPr/>
+      </dsp:nvSpPr>
+      <dsp:spPr>
+        <a:xfrm>
+          <a:off x="3192586" y="2544"/>
+          <a:ext cx="1844426" cy="1106656"/>
+        </a:xfrm>
+        <a:prstGeom prst="roundRect">
+          <a:avLst>
+            <a:gd name="adj" fmla="val 10000"/>
+          </a:avLst>
+        </a:prstGeom>
+        <a:solidFill>
+          <a:schemeClr val="lt1">
+            <a:hueOff val="0"/>
+            <a:satOff val="0"/>
+            <a:lumOff val="0"/>
+            <a:alphaOff val="0"/>
+          </a:schemeClr>
+        </a:solidFill>
+        <a:ln w="25400" cap="flat" cmpd="sng" algn="ctr">
+          <a:solidFill>
+            <a:schemeClr val="dk1">
+              <a:shade val="80000"/>
+              <a:hueOff val="0"/>
+              <a:satOff val="0"/>
+              <a:lumOff val="0"/>
+              <a:alphaOff val="0"/>
+            </a:schemeClr>
+          </a:solidFill>
+          <a:prstDash val="solid"/>
+        </a:ln>
+        <a:effectLst/>
+      </dsp:spPr>
+      <dsp:style>
+        <a:lnRef idx="2">
+          <a:scrgbClr r="0" g="0" b="0"/>
+        </a:lnRef>
+        <a:fillRef idx="1">
+          <a:scrgbClr r="0" g="0" b="0"/>
+        </a:fillRef>
+        <a:effectRef idx="0">
+          <a:scrgbClr r="0" g="0" b="0"/>
+        </a:effectRef>
+        <a:fontRef idx="minor">
+          <a:schemeClr val="lt1"/>
+        </a:fontRef>
+      </dsp:style>
+      <dsp:txBody>
+        <a:bodyPr spcFirstLastPara="0" vert="horz" wrap="square" lIns="60960" tIns="60960" rIns="60960" bIns="60960" numCol="1" spcCol="1270" anchor="ctr" anchorCtr="0">
+          <a:noAutofit/>
+        </a:bodyPr>
+        <a:lstStyle/>
+        <a:p>
+          <a:pPr lvl="0" algn="ctr" defTabSz="711200">
+            <a:lnSpc>
+              <a:spcPct val="90000"/>
+            </a:lnSpc>
+            <a:spcBef>
+              <a:spcPct val="0"/>
+            </a:spcBef>
+            <a:spcAft>
+              <a:spcPct val="35000"/>
+            </a:spcAft>
+          </a:pPr>
+          <a:r>
+            <a:rPr lang="en-US" sz="1600" kern="1200" dirty="0" err="1"/>
+            <a:t>Preproses</a:t>
+          </a:r>
+          <a:endParaRPr lang="en-US" sz="1600" kern="1200" dirty="0"/>
+        </a:p>
+      </dsp:txBody>
+      <dsp:txXfrm>
+        <a:off x="3192586" y="2544"/>
+        <a:ext cx="1844426" cy="1106656"/>
+      </dsp:txXfrm>
+    </dsp:sp>
+    <dsp:sp modelId="{7898C570-DD0C-49D8-9DF6-BC165A14530A}">
+      <dsp:nvSpPr>
+        <dsp:cNvPr id="0" name=""/>
+        <dsp:cNvSpPr/>
+      </dsp:nvSpPr>
+      <dsp:spPr>
+        <a:xfrm>
+          <a:off x="5199323" y="327164"/>
+          <a:ext cx="391018" cy="457417"/>
+        </a:xfrm>
+        <a:prstGeom prst="rightArrow">
+          <a:avLst>
+            <a:gd name="adj1" fmla="val 60000"/>
+            <a:gd name="adj2" fmla="val 50000"/>
+          </a:avLst>
+        </a:prstGeom>
+        <a:solidFill>
+          <a:schemeClr val="dk1">
+            <a:tint val="60000"/>
+            <a:hueOff val="0"/>
+            <a:satOff val="0"/>
+            <a:lumOff val="0"/>
+            <a:alphaOff val="0"/>
+          </a:schemeClr>
+        </a:solidFill>
+        <a:ln>
+          <a:noFill/>
+        </a:ln>
+        <a:effectLst/>
+      </dsp:spPr>
+      <dsp:style>
+        <a:lnRef idx="0">
+          <a:scrgbClr r="0" g="0" b="0"/>
+        </a:lnRef>
+        <a:fillRef idx="1">
+          <a:scrgbClr r="0" g="0" b="0"/>
+        </a:fillRef>
+        <a:effectRef idx="0">
+          <a:scrgbClr r="0" g="0" b="0"/>
+        </a:effectRef>
+        <a:fontRef idx="minor">
+          <a:schemeClr val="lt1"/>
+        </a:fontRef>
+      </dsp:style>
+      <dsp:txBody>
+        <a:bodyPr spcFirstLastPara="0" vert="horz" wrap="square" lIns="0" tIns="0" rIns="0" bIns="0" numCol="1" spcCol="1270" anchor="ctr" anchorCtr="0">
+          <a:noAutofit/>
+        </a:bodyPr>
+        <a:lstStyle/>
+        <a:p>
+          <a:pPr lvl="0" algn="ctr" defTabSz="577850">
+            <a:lnSpc>
+              <a:spcPct val="90000"/>
+            </a:lnSpc>
+            <a:spcBef>
+              <a:spcPct val="0"/>
+            </a:spcBef>
+            <a:spcAft>
+              <a:spcPct val="35000"/>
+            </a:spcAft>
+          </a:pPr>
+          <a:endParaRPr lang="en-US" sz="1300" kern="1200"/>
+        </a:p>
+      </dsp:txBody>
+      <dsp:txXfrm>
+        <a:off x="5199323" y="327164"/>
+        <a:ext cx="391018" cy="457417"/>
+      </dsp:txXfrm>
+    </dsp:sp>
+    <dsp:sp modelId="{C7573516-AD6A-43AC-9AB6-333F541BB073}">
+      <dsp:nvSpPr>
+        <dsp:cNvPr id="0" name=""/>
+        <dsp:cNvSpPr/>
+      </dsp:nvSpPr>
+      <dsp:spPr>
+        <a:xfrm>
+          <a:off x="5774784" y="2544"/>
+          <a:ext cx="1844426" cy="1106656"/>
+        </a:xfrm>
+        <a:prstGeom prst="roundRect">
+          <a:avLst>
+            <a:gd name="adj" fmla="val 10000"/>
+          </a:avLst>
+        </a:prstGeom>
+        <a:solidFill>
+          <a:schemeClr val="lt1">
+            <a:hueOff val="0"/>
+            <a:satOff val="0"/>
+            <a:lumOff val="0"/>
+            <a:alphaOff val="0"/>
+          </a:schemeClr>
+        </a:solidFill>
+        <a:ln w="25400" cap="flat" cmpd="sng" algn="ctr">
+          <a:solidFill>
+            <a:schemeClr val="dk1">
+              <a:shade val="80000"/>
+              <a:hueOff val="0"/>
+              <a:satOff val="0"/>
+              <a:lumOff val="0"/>
+              <a:alphaOff val="0"/>
+            </a:schemeClr>
+          </a:solidFill>
+          <a:prstDash val="solid"/>
+        </a:ln>
+        <a:effectLst/>
+      </dsp:spPr>
+      <dsp:style>
+        <a:lnRef idx="2">
+          <a:scrgbClr r="0" g="0" b="0"/>
+        </a:lnRef>
+        <a:fillRef idx="1">
+          <a:scrgbClr r="0" g="0" b="0"/>
+        </a:fillRef>
+        <a:effectRef idx="0">
+          <a:scrgbClr r="0" g="0" b="0"/>
+        </a:effectRef>
+        <a:fontRef idx="minor">
+          <a:schemeClr val="lt1"/>
+        </a:fontRef>
+      </dsp:style>
+      <dsp:txBody>
+        <a:bodyPr spcFirstLastPara="0" vert="horz" wrap="square" lIns="60960" tIns="60960" rIns="60960" bIns="60960" numCol="1" spcCol="1270" anchor="ctr" anchorCtr="0">
+          <a:noAutofit/>
+        </a:bodyPr>
+        <a:lstStyle/>
+        <a:p>
+          <a:pPr lvl="0" algn="ctr" defTabSz="711200">
+            <a:lnSpc>
+              <a:spcPct val="90000"/>
+            </a:lnSpc>
+            <a:spcBef>
+              <a:spcPct val="0"/>
+            </a:spcBef>
+            <a:spcAft>
+              <a:spcPct val="35000"/>
+            </a:spcAft>
+          </a:pPr>
+          <a:r>
+            <a:rPr lang="en-US" sz="1600" kern="1200" dirty="0" err="1"/>
+            <a:t>Ekstraksi</a:t>
+          </a:r>
+          <a:r>
+            <a:rPr lang="en-US" sz="1600" kern="1200" dirty="0"/>
+            <a:t> </a:t>
+          </a:r>
+          <a:r>
+            <a:rPr lang="en-US" sz="1600" kern="1200" dirty="0" err="1"/>
+            <a:t>kotak</a:t>
+          </a:r>
+          <a:r>
+            <a:rPr lang="en-US" sz="1600" kern="1200" dirty="0"/>
+            <a:t> </a:t>
+          </a:r>
+          <a:r>
+            <a:rPr lang="en-US" sz="1600" kern="1200" dirty="0" err="1"/>
+            <a:t>nomor</a:t>
+          </a:r>
+          <a:endParaRPr lang="en-US" sz="1600" kern="1200" dirty="0"/>
+        </a:p>
+      </dsp:txBody>
+      <dsp:txXfrm>
+        <a:off x="5774784" y="2544"/>
+        <a:ext cx="1844426" cy="1106656"/>
+      </dsp:txXfrm>
+    </dsp:sp>
+    <dsp:sp modelId="{C844DEAF-2913-407F-9B3B-5E1C708B9722}">
+      <dsp:nvSpPr>
+        <dsp:cNvPr id="0" name=""/>
+        <dsp:cNvSpPr/>
+      </dsp:nvSpPr>
+      <dsp:spPr>
+        <a:xfrm rot="5400000">
+          <a:off x="6501488" y="1238311"/>
+          <a:ext cx="391018" cy="457417"/>
+        </a:xfrm>
+        <a:prstGeom prst="rightArrow">
+          <a:avLst>
+            <a:gd name="adj1" fmla="val 60000"/>
+            <a:gd name="adj2" fmla="val 50000"/>
+          </a:avLst>
+        </a:prstGeom>
+        <a:solidFill>
+          <a:schemeClr val="dk1">
+            <a:tint val="60000"/>
+            <a:hueOff val="0"/>
+            <a:satOff val="0"/>
+            <a:lumOff val="0"/>
+            <a:alphaOff val="0"/>
+          </a:schemeClr>
+        </a:solidFill>
+        <a:ln>
+          <a:noFill/>
+        </a:ln>
+        <a:effectLst/>
+      </dsp:spPr>
+      <dsp:style>
+        <a:lnRef idx="0">
+          <a:scrgbClr r="0" g="0" b="0"/>
+        </a:lnRef>
+        <a:fillRef idx="1">
+          <a:scrgbClr r="0" g="0" b="0"/>
+        </a:fillRef>
+        <a:effectRef idx="0">
+          <a:scrgbClr r="0" g="0" b="0"/>
+        </a:effectRef>
+        <a:fontRef idx="minor">
+          <a:schemeClr val="lt1"/>
+        </a:fontRef>
+      </dsp:style>
+      <dsp:txBody>
+        <a:bodyPr spcFirstLastPara="0" vert="horz" wrap="square" lIns="0" tIns="0" rIns="0" bIns="0" numCol="1" spcCol="1270" anchor="ctr" anchorCtr="0">
+          <a:noAutofit/>
+        </a:bodyPr>
+        <a:lstStyle/>
+        <a:p>
+          <a:pPr lvl="0" algn="ctr" defTabSz="577850">
+            <a:lnSpc>
+              <a:spcPct val="90000"/>
+            </a:lnSpc>
+            <a:spcBef>
+              <a:spcPct val="0"/>
+            </a:spcBef>
+            <a:spcAft>
+              <a:spcPct val="35000"/>
+            </a:spcAft>
+          </a:pPr>
+          <a:endParaRPr lang="en-US" sz="1300" kern="1200"/>
+        </a:p>
+      </dsp:txBody>
+      <dsp:txXfrm rot="5400000">
+        <a:off x="6501488" y="1238311"/>
+        <a:ext cx="391018" cy="457417"/>
+      </dsp:txXfrm>
+    </dsp:sp>
+    <dsp:sp modelId="{E1576FDB-F8F2-4259-ACE8-1315BC127357}">
+      <dsp:nvSpPr>
+        <dsp:cNvPr id="0" name=""/>
+        <dsp:cNvSpPr/>
+      </dsp:nvSpPr>
+      <dsp:spPr>
+        <a:xfrm>
+          <a:off x="5774784" y="1846971"/>
+          <a:ext cx="1844426" cy="1106656"/>
+        </a:xfrm>
+        <a:prstGeom prst="roundRect">
+          <a:avLst>
+            <a:gd name="adj" fmla="val 10000"/>
+          </a:avLst>
+        </a:prstGeom>
+        <a:solidFill>
+          <a:schemeClr val="lt1">
+            <a:hueOff val="0"/>
+            <a:satOff val="0"/>
+            <a:lumOff val="0"/>
+            <a:alphaOff val="0"/>
+          </a:schemeClr>
+        </a:solidFill>
+        <a:ln w="25400" cap="flat" cmpd="sng" algn="ctr">
+          <a:solidFill>
+            <a:schemeClr val="dk1">
+              <a:shade val="80000"/>
+              <a:hueOff val="0"/>
+              <a:satOff val="0"/>
+              <a:lumOff val="0"/>
+              <a:alphaOff val="0"/>
+            </a:schemeClr>
+          </a:solidFill>
+          <a:prstDash val="solid"/>
+        </a:ln>
+        <a:effectLst/>
+      </dsp:spPr>
+      <dsp:style>
+        <a:lnRef idx="2">
+          <a:scrgbClr r="0" g="0" b="0"/>
+        </a:lnRef>
+        <a:fillRef idx="1">
+          <a:scrgbClr r="0" g="0" b="0"/>
+        </a:fillRef>
+        <a:effectRef idx="0">
+          <a:scrgbClr r="0" g="0" b="0"/>
+        </a:effectRef>
+        <a:fontRef idx="minor">
+          <a:schemeClr val="lt1"/>
+        </a:fontRef>
+      </dsp:style>
+      <dsp:txBody>
+        <a:bodyPr spcFirstLastPara="0" vert="horz" wrap="square" lIns="60960" tIns="60960" rIns="60960" bIns="60960" numCol="1" spcCol="1270" anchor="ctr" anchorCtr="0">
+          <a:noAutofit/>
+        </a:bodyPr>
+        <a:lstStyle/>
+        <a:p>
+          <a:pPr lvl="0" algn="ctr" defTabSz="711200">
+            <a:lnSpc>
+              <a:spcPct val="90000"/>
+            </a:lnSpc>
+            <a:spcBef>
+              <a:spcPct val="0"/>
+            </a:spcBef>
+            <a:spcAft>
+              <a:spcPct val="35000"/>
+            </a:spcAft>
+          </a:pPr>
+          <a:r>
+            <a:rPr lang="en-US" sz="1600" kern="1200" dirty="0" err="1"/>
+            <a:t>Pengkondisian</a:t>
+          </a:r>
+          <a:r>
+            <a:rPr lang="en-US" sz="1600" kern="1200" dirty="0"/>
+            <a:t> </a:t>
+          </a:r>
+          <a:r>
+            <a:rPr lang="en-US" sz="1600" kern="1200" dirty="0" err="1"/>
+            <a:t>kotak</a:t>
+          </a:r>
+          <a:r>
+            <a:rPr lang="en-US" sz="1600" kern="1200" dirty="0"/>
+            <a:t> </a:t>
+          </a:r>
+          <a:r>
+            <a:rPr lang="en-US" sz="1600" kern="1200" dirty="0" err="1"/>
+            <a:t>nomor</a:t>
+          </a:r>
+          <a:endParaRPr lang="en-US" sz="1600" kern="1200" dirty="0"/>
+        </a:p>
+      </dsp:txBody>
+      <dsp:txXfrm>
+        <a:off x="5774784" y="1846971"/>
+        <a:ext cx="1844426" cy="1106656"/>
+      </dsp:txXfrm>
+    </dsp:sp>
+    <dsp:sp modelId="{E4416027-269B-421F-AA19-F82C909CB313}">
+      <dsp:nvSpPr>
+        <dsp:cNvPr id="0" name=""/>
+        <dsp:cNvSpPr/>
+      </dsp:nvSpPr>
+      <dsp:spPr>
+        <a:xfrm rot="10800000">
+          <a:off x="5221456" y="2171591"/>
+          <a:ext cx="391018" cy="457417"/>
+        </a:xfrm>
+        <a:prstGeom prst="rightArrow">
+          <a:avLst>
+            <a:gd name="adj1" fmla="val 60000"/>
+            <a:gd name="adj2" fmla="val 50000"/>
+          </a:avLst>
+        </a:prstGeom>
+        <a:solidFill>
+          <a:schemeClr val="dk1">
+            <a:tint val="60000"/>
+            <a:hueOff val="0"/>
+            <a:satOff val="0"/>
+            <a:lumOff val="0"/>
+            <a:alphaOff val="0"/>
+          </a:schemeClr>
+        </a:solidFill>
+        <a:ln>
+          <a:noFill/>
+        </a:ln>
+        <a:effectLst/>
+      </dsp:spPr>
+      <dsp:style>
+        <a:lnRef idx="0">
+          <a:scrgbClr r="0" g="0" b="0"/>
+        </a:lnRef>
+        <a:fillRef idx="1">
+          <a:scrgbClr r="0" g="0" b="0"/>
+        </a:fillRef>
+        <a:effectRef idx="0">
+          <a:scrgbClr r="0" g="0" b="0"/>
+        </a:effectRef>
+        <a:fontRef idx="minor">
+          <a:schemeClr val="lt1"/>
+        </a:fontRef>
+      </dsp:style>
+      <dsp:txBody>
+        <a:bodyPr spcFirstLastPara="0" vert="horz" wrap="square" lIns="0" tIns="0" rIns="0" bIns="0" numCol="1" spcCol="1270" anchor="ctr" anchorCtr="0">
+          <a:noAutofit/>
+        </a:bodyPr>
+        <a:lstStyle/>
+        <a:p>
+          <a:pPr lvl="0" algn="ctr" defTabSz="577850">
+            <a:lnSpc>
+              <a:spcPct val="90000"/>
+            </a:lnSpc>
+            <a:spcBef>
+              <a:spcPct val="0"/>
+            </a:spcBef>
+            <a:spcAft>
+              <a:spcPct val="35000"/>
+            </a:spcAft>
+          </a:pPr>
+          <a:endParaRPr lang="en-US" sz="1300" kern="1200"/>
+        </a:p>
+      </dsp:txBody>
+      <dsp:txXfrm rot="10800000">
+        <a:off x="5221456" y="2171591"/>
+        <a:ext cx="391018" cy="457417"/>
+      </dsp:txXfrm>
+    </dsp:sp>
+    <dsp:sp modelId="{FC061BB6-4386-4944-8E93-C2FD8342698E}">
+      <dsp:nvSpPr>
+        <dsp:cNvPr id="0" name=""/>
+        <dsp:cNvSpPr/>
+      </dsp:nvSpPr>
+      <dsp:spPr>
+        <a:xfrm>
+          <a:off x="3192586" y="1846971"/>
+          <a:ext cx="1844426" cy="1106656"/>
+        </a:xfrm>
+        <a:prstGeom prst="roundRect">
+          <a:avLst>
+            <a:gd name="adj" fmla="val 10000"/>
+          </a:avLst>
+        </a:prstGeom>
+        <a:solidFill>
+          <a:schemeClr val="lt1">
+            <a:hueOff val="0"/>
+            <a:satOff val="0"/>
+            <a:lumOff val="0"/>
+            <a:alphaOff val="0"/>
+          </a:schemeClr>
+        </a:solidFill>
+        <a:ln w="25400" cap="flat" cmpd="sng" algn="ctr">
+          <a:solidFill>
+            <a:schemeClr val="dk1">
+              <a:shade val="80000"/>
+              <a:hueOff val="0"/>
+              <a:satOff val="0"/>
+              <a:lumOff val="0"/>
+              <a:alphaOff val="0"/>
+            </a:schemeClr>
+          </a:solidFill>
+          <a:prstDash val="solid"/>
+        </a:ln>
+        <a:effectLst/>
+      </dsp:spPr>
+      <dsp:style>
+        <a:lnRef idx="2">
+          <a:scrgbClr r="0" g="0" b="0"/>
+        </a:lnRef>
+        <a:fillRef idx="1">
+          <a:scrgbClr r="0" g="0" b="0"/>
+        </a:fillRef>
+        <a:effectRef idx="0">
+          <a:scrgbClr r="0" g="0" b="0"/>
+        </a:effectRef>
+        <a:fontRef idx="minor">
+          <a:schemeClr val="lt1"/>
+        </a:fontRef>
+      </dsp:style>
+      <dsp:txBody>
+        <a:bodyPr spcFirstLastPara="0" vert="horz" wrap="square" lIns="60960" tIns="60960" rIns="60960" bIns="60960" numCol="1" spcCol="1270" anchor="ctr" anchorCtr="0">
+          <a:noAutofit/>
+        </a:bodyPr>
+        <a:lstStyle/>
+        <a:p>
+          <a:pPr lvl="0" algn="ctr" defTabSz="711200">
+            <a:lnSpc>
+              <a:spcPct val="90000"/>
+            </a:lnSpc>
+            <a:spcBef>
+              <a:spcPct val="0"/>
+            </a:spcBef>
+            <a:spcAft>
+              <a:spcPct val="35000"/>
+            </a:spcAft>
+          </a:pPr>
+          <a:r>
+            <a:rPr lang="en-US" sz="1600" kern="1200" dirty="0" err="1"/>
+            <a:t>Segmentasi</a:t>
+          </a:r>
+          <a:r>
+            <a:rPr lang="en-US" sz="1600" kern="1200" dirty="0"/>
+            <a:t> </a:t>
+          </a:r>
+          <a:r>
+            <a:rPr lang="en-US" sz="1600" kern="1200" dirty="0" err="1"/>
+            <a:t>karakter</a:t>
+          </a:r>
+          <a:r>
+            <a:rPr lang="en-US" sz="1600" kern="1200" dirty="0"/>
+            <a:t> </a:t>
+          </a:r>
+          <a:r>
+            <a:rPr lang="en-US" sz="1600" kern="1200" dirty="0" err="1"/>
+            <a:t>dalam</a:t>
+          </a:r>
+          <a:r>
+            <a:rPr lang="en-US" sz="1600" kern="1200" dirty="0"/>
+            <a:t> </a:t>
+          </a:r>
+          <a:r>
+            <a:rPr lang="en-US" sz="1600" kern="1200" dirty="0" err="1"/>
+            <a:t>kotak</a:t>
+          </a:r>
+          <a:r>
+            <a:rPr lang="en-US" sz="1600" kern="1200" dirty="0"/>
+            <a:t> </a:t>
+          </a:r>
+          <a:r>
+            <a:rPr lang="en-US" sz="1600" kern="1200" dirty="0" err="1"/>
+            <a:t>nomor</a:t>
+          </a:r>
+          <a:r>
+            <a:rPr lang="en-US" sz="1600" kern="1200" dirty="0"/>
+            <a:t> </a:t>
+          </a:r>
+          <a:r>
+            <a:rPr lang="en-US" sz="1600" kern="1200" dirty="0" err="1"/>
+            <a:t>hasil</a:t>
+          </a:r>
+          <a:r>
+            <a:rPr lang="en-US" sz="1600" kern="1200" dirty="0"/>
+            <a:t> </a:t>
+          </a:r>
+          <a:r>
+            <a:rPr lang="en-US" sz="1600" kern="1200" dirty="0" err="1"/>
+            <a:t>ekstraksi</a:t>
+          </a:r>
+          <a:endParaRPr lang="en-US" sz="1600" kern="1200" dirty="0"/>
+        </a:p>
+      </dsp:txBody>
+      <dsp:txXfrm>
+        <a:off x="3192586" y="1846971"/>
+        <a:ext cx="1844426" cy="1106656"/>
+      </dsp:txXfrm>
+    </dsp:sp>
+    <dsp:sp modelId="{6319F187-2A32-43D9-A5E9-3B5FA5BEEDE2}">
+      <dsp:nvSpPr>
+        <dsp:cNvPr id="0" name=""/>
+        <dsp:cNvSpPr/>
+      </dsp:nvSpPr>
+      <dsp:spPr>
+        <a:xfrm rot="10800000">
+          <a:off x="2639258" y="2171591"/>
+          <a:ext cx="391018" cy="457417"/>
+        </a:xfrm>
+        <a:prstGeom prst="rightArrow">
+          <a:avLst>
+            <a:gd name="adj1" fmla="val 60000"/>
+            <a:gd name="adj2" fmla="val 50000"/>
+          </a:avLst>
+        </a:prstGeom>
+        <a:solidFill>
+          <a:schemeClr val="dk1">
+            <a:tint val="60000"/>
+            <a:hueOff val="0"/>
+            <a:satOff val="0"/>
+            <a:lumOff val="0"/>
+            <a:alphaOff val="0"/>
+          </a:schemeClr>
+        </a:solidFill>
+        <a:ln>
+          <a:noFill/>
+        </a:ln>
+        <a:effectLst/>
+      </dsp:spPr>
+      <dsp:style>
+        <a:lnRef idx="0">
+          <a:scrgbClr r="0" g="0" b="0"/>
+        </a:lnRef>
+        <a:fillRef idx="1">
+          <a:scrgbClr r="0" g="0" b="0"/>
+        </a:fillRef>
+        <a:effectRef idx="0">
+          <a:scrgbClr r="0" g="0" b="0"/>
+        </a:effectRef>
+        <a:fontRef idx="minor">
+          <a:schemeClr val="lt1"/>
+        </a:fontRef>
+      </dsp:style>
+      <dsp:txBody>
+        <a:bodyPr spcFirstLastPara="0" vert="horz" wrap="square" lIns="0" tIns="0" rIns="0" bIns="0" numCol="1" spcCol="1270" anchor="ctr" anchorCtr="0">
+          <a:noAutofit/>
+        </a:bodyPr>
+        <a:lstStyle/>
+        <a:p>
+          <a:pPr lvl="0" algn="ctr" defTabSz="577850">
+            <a:lnSpc>
+              <a:spcPct val="90000"/>
+            </a:lnSpc>
+            <a:spcBef>
+              <a:spcPct val="0"/>
+            </a:spcBef>
+            <a:spcAft>
+              <a:spcPct val="35000"/>
+            </a:spcAft>
+          </a:pPr>
+          <a:endParaRPr lang="en-US" sz="1300" kern="1200"/>
+        </a:p>
+      </dsp:txBody>
+      <dsp:txXfrm rot="10800000">
+        <a:off x="2639258" y="2171591"/>
+        <a:ext cx="391018" cy="457417"/>
+      </dsp:txXfrm>
+    </dsp:sp>
+    <dsp:sp modelId="{99D525DB-8BA2-4D6A-9D36-4C140A9EA81C}">
+      <dsp:nvSpPr>
+        <dsp:cNvPr id="0" name=""/>
+        <dsp:cNvSpPr/>
+      </dsp:nvSpPr>
+      <dsp:spPr>
+        <a:xfrm>
+          <a:off x="610388" y="1846971"/>
+          <a:ext cx="1844426" cy="1106656"/>
+        </a:xfrm>
+        <a:prstGeom prst="roundRect">
+          <a:avLst>
+            <a:gd name="adj" fmla="val 10000"/>
+          </a:avLst>
+        </a:prstGeom>
+        <a:solidFill>
+          <a:schemeClr val="lt1">
+            <a:hueOff val="0"/>
+            <a:satOff val="0"/>
+            <a:lumOff val="0"/>
+            <a:alphaOff val="0"/>
+          </a:schemeClr>
+        </a:solidFill>
+        <a:ln w="25400" cap="flat" cmpd="sng" algn="ctr">
+          <a:solidFill>
+            <a:schemeClr val="dk1">
+              <a:shade val="80000"/>
+              <a:hueOff val="0"/>
+              <a:satOff val="0"/>
+              <a:lumOff val="0"/>
+              <a:alphaOff val="0"/>
+            </a:schemeClr>
+          </a:solidFill>
+          <a:prstDash val="solid"/>
+        </a:ln>
+        <a:effectLst/>
+      </dsp:spPr>
+      <dsp:style>
+        <a:lnRef idx="2">
+          <a:scrgbClr r="0" g="0" b="0"/>
+        </a:lnRef>
+        <a:fillRef idx="1">
+          <a:scrgbClr r="0" g="0" b="0"/>
+        </a:fillRef>
+        <a:effectRef idx="0">
+          <a:scrgbClr r="0" g="0" b="0"/>
+        </a:effectRef>
+        <a:fontRef idx="minor">
+          <a:schemeClr val="lt1"/>
+        </a:fontRef>
+      </dsp:style>
+      <dsp:txBody>
+        <a:bodyPr spcFirstLastPara="0" vert="horz" wrap="square" lIns="60960" tIns="60960" rIns="60960" bIns="60960" numCol="1" spcCol="1270" anchor="ctr" anchorCtr="0">
+          <a:noAutofit/>
+        </a:bodyPr>
+        <a:lstStyle/>
+        <a:p>
+          <a:pPr lvl="0" algn="ctr" defTabSz="711200">
+            <a:lnSpc>
+              <a:spcPct val="90000"/>
+            </a:lnSpc>
+            <a:spcBef>
+              <a:spcPct val="0"/>
+            </a:spcBef>
+            <a:spcAft>
+              <a:spcPct val="35000"/>
+            </a:spcAft>
+          </a:pPr>
+          <a:r>
+            <a:rPr lang="en-US" sz="1600" kern="1200" dirty="0" err="1"/>
+            <a:t>Identifikasi</a:t>
+          </a:r>
+          <a:r>
+            <a:rPr lang="en-US" sz="1600" kern="1200" dirty="0"/>
+            <a:t> </a:t>
+          </a:r>
+          <a:r>
+            <a:rPr lang="en-US" sz="1600" kern="1200" dirty="0" err="1"/>
+            <a:t>karakter</a:t>
+          </a:r>
+          <a:endParaRPr lang="en-US" sz="1600" kern="1200" dirty="0"/>
+        </a:p>
+      </dsp:txBody>
+      <dsp:txXfrm>
+        <a:off x="610388" y="1846971"/>
+        <a:ext cx="1844426" cy="1106656"/>
+      </dsp:txXfrm>
+    </dsp:sp>
+    <dsp:sp modelId="{63C647CF-5D9C-4BF0-B4EC-652F2CA9C436}">
+      <dsp:nvSpPr>
+        <dsp:cNvPr id="0" name=""/>
+        <dsp:cNvSpPr/>
+      </dsp:nvSpPr>
+      <dsp:spPr>
+        <a:xfrm rot="5400000">
+          <a:off x="1337093" y="3082737"/>
+          <a:ext cx="391018" cy="457417"/>
+        </a:xfrm>
+        <a:prstGeom prst="rightArrow">
+          <a:avLst>
+            <a:gd name="adj1" fmla="val 60000"/>
+            <a:gd name="adj2" fmla="val 50000"/>
+          </a:avLst>
+        </a:prstGeom>
+        <a:solidFill>
+          <a:schemeClr val="dk1">
+            <a:tint val="60000"/>
+            <a:hueOff val="0"/>
+            <a:satOff val="0"/>
+            <a:lumOff val="0"/>
+            <a:alphaOff val="0"/>
+          </a:schemeClr>
+        </a:solidFill>
+        <a:ln>
+          <a:noFill/>
+        </a:ln>
+        <a:effectLst/>
+      </dsp:spPr>
+      <dsp:style>
+        <a:lnRef idx="0">
+          <a:scrgbClr r="0" g="0" b="0"/>
+        </a:lnRef>
+        <a:fillRef idx="1">
+          <a:scrgbClr r="0" g="0" b="0"/>
+        </a:fillRef>
+        <a:effectRef idx="0">
+          <a:scrgbClr r="0" g="0" b="0"/>
+        </a:effectRef>
+        <a:fontRef idx="minor">
+          <a:schemeClr val="lt1"/>
+        </a:fontRef>
+      </dsp:style>
+      <dsp:txBody>
+        <a:bodyPr spcFirstLastPara="0" vert="horz" wrap="square" lIns="0" tIns="0" rIns="0" bIns="0" numCol="1" spcCol="1270" anchor="ctr" anchorCtr="0">
+          <a:noAutofit/>
+        </a:bodyPr>
+        <a:lstStyle/>
+        <a:p>
+          <a:pPr lvl="0" algn="ctr" defTabSz="577850">
+            <a:lnSpc>
+              <a:spcPct val="90000"/>
+            </a:lnSpc>
+            <a:spcBef>
+              <a:spcPct val="0"/>
+            </a:spcBef>
+            <a:spcAft>
+              <a:spcPct val="35000"/>
+            </a:spcAft>
+          </a:pPr>
+          <a:endParaRPr lang="en-US" sz="1300" kern="1200"/>
+        </a:p>
+      </dsp:txBody>
+      <dsp:txXfrm rot="5400000">
+        <a:off x="1337093" y="3082737"/>
+        <a:ext cx="391018" cy="457417"/>
+      </dsp:txXfrm>
+    </dsp:sp>
+    <dsp:sp modelId="{3355C1BA-1B71-49DC-B66E-A3DFC7D244F7}">
+      <dsp:nvSpPr>
+        <dsp:cNvPr id="0" name=""/>
+        <dsp:cNvSpPr/>
+      </dsp:nvSpPr>
+      <dsp:spPr>
+        <a:xfrm>
+          <a:off x="610388" y="3691398"/>
+          <a:ext cx="1844426" cy="1106656"/>
+        </a:xfrm>
+        <a:prstGeom prst="roundRect">
+          <a:avLst>
+            <a:gd name="adj" fmla="val 10000"/>
+          </a:avLst>
+        </a:prstGeom>
+        <a:solidFill>
+          <a:schemeClr val="lt1">
+            <a:hueOff val="0"/>
+            <a:satOff val="0"/>
+            <a:lumOff val="0"/>
+            <a:alphaOff val="0"/>
+          </a:schemeClr>
+        </a:solidFill>
+        <a:ln w="25400" cap="flat" cmpd="sng" algn="ctr">
+          <a:solidFill>
+            <a:schemeClr val="dk1">
+              <a:shade val="80000"/>
+              <a:hueOff val="0"/>
+              <a:satOff val="0"/>
+              <a:lumOff val="0"/>
+              <a:alphaOff val="0"/>
+            </a:schemeClr>
+          </a:solidFill>
+          <a:prstDash val="solid"/>
+        </a:ln>
+        <a:effectLst/>
+      </dsp:spPr>
+      <dsp:style>
+        <a:lnRef idx="2">
+          <a:scrgbClr r="0" g="0" b="0"/>
+        </a:lnRef>
+        <a:fillRef idx="1">
+          <a:scrgbClr r="0" g="0" b="0"/>
+        </a:fillRef>
+        <a:effectRef idx="0">
+          <a:scrgbClr r="0" g="0" b="0"/>
+        </a:effectRef>
+        <a:fontRef idx="minor">
+          <a:schemeClr val="lt1"/>
+        </a:fontRef>
+      </dsp:style>
+      <dsp:txBody>
+        <a:bodyPr spcFirstLastPara="0" vert="horz" wrap="square" lIns="60960" tIns="60960" rIns="60960" bIns="60960" numCol="1" spcCol="1270" anchor="ctr" anchorCtr="0">
+          <a:noAutofit/>
+        </a:bodyPr>
+        <a:lstStyle/>
+        <a:p>
+          <a:pPr lvl="0" algn="ctr" defTabSz="711200">
+            <a:lnSpc>
+              <a:spcPct val="90000"/>
+            </a:lnSpc>
+            <a:spcBef>
+              <a:spcPct val="0"/>
+            </a:spcBef>
+            <a:spcAft>
+              <a:spcPct val="35000"/>
+            </a:spcAft>
+          </a:pPr>
+          <a:r>
+            <a:rPr lang="en-US" sz="1600" kern="1200" dirty="0" err="1"/>
+            <a:t>Menampilkan</a:t>
+          </a:r>
+          <a:r>
+            <a:rPr lang="en-US" sz="1600" kern="1200" dirty="0"/>
+            <a:t> </a:t>
+          </a:r>
+          <a:r>
+            <a:rPr lang="en-US" sz="1600" kern="1200" dirty="0" err="1"/>
+            <a:t>karakter</a:t>
+          </a:r>
+          <a:r>
+            <a:rPr lang="en-US" sz="1600" kern="1200" dirty="0"/>
+            <a:t> </a:t>
+          </a:r>
+          <a:r>
+            <a:rPr lang="en-US" sz="1600" kern="1200" dirty="0" err="1"/>
+            <a:t>hasil</a:t>
+          </a:r>
+          <a:r>
+            <a:rPr lang="en-US" sz="1600" kern="1200" dirty="0"/>
+            <a:t> </a:t>
+          </a:r>
+          <a:r>
+            <a:rPr lang="en-US" sz="1600" kern="1200" dirty="0" err="1"/>
+            <a:t>identifikasi</a:t>
+          </a:r>
+          <a:endParaRPr lang="en-US" sz="1600" kern="1200" dirty="0"/>
+        </a:p>
+      </dsp:txBody>
+      <dsp:txXfrm>
+        <a:off x="610388" y="3691398"/>
+        <a:ext cx="1844426" cy="1106656"/>
+      </dsp:txXfrm>
+    </dsp:sp>
+  </dsp:spTree>
+</dsp:drawing>
+</file>
+
+<file path=ppt/diagrams/drawing2.xml><?xml version="1.0" encoding="utf-8"?>
+<dsp:drawing xmlns:dgm="http://schemas.openxmlformats.org/drawingml/2006/diagram" xmlns:a="http://schemas.openxmlformats.org/drawingml/2006/main" xmlns:dsp="http://schemas.microsoft.com/office/drawing/2008/diagram">
+  <dsp:spTree>
+    <dsp:nvGrpSpPr>
+      <dsp:cNvPr id="0" name=""/>
+      <dsp:cNvGrpSpPr/>
+    </dsp:nvGrpSpPr>
+    <dsp:grpSpPr/>
+    <dsp:sp modelId="{8B327C0D-3AB1-414F-AE4A-BEE462050732}">
+      <dsp:nvSpPr>
+        <dsp:cNvPr id="0" name=""/>
+        <dsp:cNvSpPr/>
+      </dsp:nvSpPr>
+      <dsp:spPr>
+        <a:xfrm>
+          <a:off x="700247" y="1864"/>
+          <a:ext cx="1757027" cy="1054216"/>
+        </a:xfrm>
+        <a:prstGeom prst="roundRect">
+          <a:avLst>
+            <a:gd name="adj" fmla="val 10000"/>
+          </a:avLst>
+        </a:prstGeom>
+        <a:solidFill>
+          <a:schemeClr val="lt1">
+            <a:hueOff val="0"/>
+            <a:satOff val="0"/>
+            <a:lumOff val="0"/>
+            <a:alphaOff val="0"/>
+          </a:schemeClr>
+        </a:solidFill>
+        <a:ln w="25400" cap="flat" cmpd="sng" algn="ctr">
+          <a:solidFill>
+            <a:schemeClr val="dk1">
+              <a:shade val="80000"/>
+              <a:hueOff val="0"/>
+              <a:satOff val="0"/>
+              <a:lumOff val="0"/>
+              <a:alphaOff val="0"/>
+            </a:schemeClr>
+          </a:solidFill>
+          <a:prstDash val="solid"/>
+        </a:ln>
+        <a:effectLst/>
+      </dsp:spPr>
+      <dsp:style>
+        <a:lnRef idx="2">
+          <a:scrgbClr r="0" g="0" b="0"/>
+        </a:lnRef>
+        <a:fillRef idx="1">
+          <a:scrgbClr r="0" g="0" b="0"/>
+        </a:fillRef>
+        <a:effectRef idx="0">
+          <a:scrgbClr r="0" g="0" b="0"/>
+        </a:effectRef>
+        <a:fontRef idx="minor">
+          <a:schemeClr val="lt1"/>
+        </a:fontRef>
+      </dsp:style>
+      <dsp:txBody>
+        <a:bodyPr spcFirstLastPara="0" vert="horz" wrap="square" lIns="76200" tIns="76200" rIns="76200" bIns="76200" numCol="1" spcCol="1270" anchor="ctr" anchorCtr="0">
+          <a:noAutofit/>
+        </a:bodyPr>
+        <a:lstStyle/>
+        <a:p>
+          <a:pPr lvl="0" algn="ctr" defTabSz="889000">
+            <a:lnSpc>
+              <a:spcPct val="90000"/>
+            </a:lnSpc>
+            <a:spcBef>
+              <a:spcPct val="0"/>
+            </a:spcBef>
+            <a:spcAft>
+              <a:spcPct val="35000"/>
+            </a:spcAft>
+          </a:pPr>
+          <a:r>
+            <a:rPr lang="en-US" sz="2000" kern="1200"/>
+            <a:t>Input Citra</a:t>
+          </a:r>
+        </a:p>
+      </dsp:txBody>
+      <dsp:txXfrm>
+        <a:off x="700247" y="1864"/>
+        <a:ext cx="1757027" cy="1054216"/>
+      </dsp:txXfrm>
+    </dsp:sp>
+    <dsp:sp modelId="{041F78FE-7A93-4081-9A13-4959F1F912F9}">
+      <dsp:nvSpPr>
+        <dsp:cNvPr id="0" name=""/>
+        <dsp:cNvSpPr/>
+      </dsp:nvSpPr>
+      <dsp:spPr>
+        <a:xfrm>
+          <a:off x="2611893" y="311100"/>
+          <a:ext cx="372489" cy="435742"/>
+        </a:xfrm>
+        <a:prstGeom prst="rightArrow">
+          <a:avLst>
+            <a:gd name="adj1" fmla="val 60000"/>
+            <a:gd name="adj2" fmla="val 50000"/>
+          </a:avLst>
+        </a:prstGeom>
+        <a:solidFill>
+          <a:schemeClr val="dk1">
+            <a:tint val="60000"/>
+            <a:hueOff val="0"/>
+            <a:satOff val="0"/>
+            <a:lumOff val="0"/>
+            <a:alphaOff val="0"/>
+          </a:schemeClr>
+        </a:solidFill>
+        <a:ln>
+          <a:noFill/>
+        </a:ln>
+        <a:effectLst/>
+      </dsp:spPr>
+      <dsp:style>
+        <a:lnRef idx="0">
+          <a:scrgbClr r="0" g="0" b="0"/>
+        </a:lnRef>
+        <a:fillRef idx="1">
+          <a:scrgbClr r="0" g="0" b="0"/>
+        </a:fillRef>
+        <a:effectRef idx="0">
+          <a:scrgbClr r="0" g="0" b="0"/>
+        </a:effectRef>
+        <a:fontRef idx="minor">
+          <a:schemeClr val="lt1"/>
+        </a:fontRef>
+      </dsp:style>
+      <dsp:txBody>
+        <a:bodyPr spcFirstLastPara="0" vert="horz" wrap="square" lIns="0" tIns="0" rIns="0" bIns="0" numCol="1" spcCol="1270" anchor="ctr" anchorCtr="0">
+          <a:noAutofit/>
+        </a:bodyPr>
+        <a:lstStyle/>
+        <a:p>
+          <a:pPr lvl="0" algn="ctr" defTabSz="711200">
+            <a:lnSpc>
+              <a:spcPct val="90000"/>
+            </a:lnSpc>
+            <a:spcBef>
+              <a:spcPct val="0"/>
+            </a:spcBef>
+            <a:spcAft>
+              <a:spcPct val="35000"/>
+            </a:spcAft>
+          </a:pPr>
+          <a:endParaRPr lang="en-US" sz="1600" kern="1200"/>
+        </a:p>
+      </dsp:txBody>
+      <dsp:txXfrm>
+        <a:off x="2611893" y="311100"/>
+        <a:ext cx="372489" cy="435742"/>
+      </dsp:txXfrm>
+    </dsp:sp>
+    <dsp:sp modelId="{C34910B9-0085-4690-9B46-29DE22DB7B09}">
+      <dsp:nvSpPr>
+        <dsp:cNvPr id="0" name=""/>
+        <dsp:cNvSpPr/>
+      </dsp:nvSpPr>
+      <dsp:spPr>
+        <a:xfrm>
+          <a:off x="3160086" y="1864"/>
+          <a:ext cx="1757027" cy="1054216"/>
+        </a:xfrm>
+        <a:prstGeom prst="roundRect">
+          <a:avLst>
+            <a:gd name="adj" fmla="val 10000"/>
+          </a:avLst>
+        </a:prstGeom>
+        <a:solidFill>
+          <a:schemeClr val="lt1">
+            <a:hueOff val="0"/>
+            <a:satOff val="0"/>
+            <a:lumOff val="0"/>
+            <a:alphaOff val="0"/>
+          </a:schemeClr>
+        </a:solidFill>
+        <a:ln w="25400" cap="flat" cmpd="sng" algn="ctr">
+          <a:solidFill>
+            <a:schemeClr val="dk1">
+              <a:shade val="80000"/>
+              <a:hueOff val="0"/>
+              <a:satOff val="0"/>
+              <a:lumOff val="0"/>
+              <a:alphaOff val="0"/>
+            </a:schemeClr>
+          </a:solidFill>
+          <a:prstDash val="solid"/>
+        </a:ln>
+        <a:effectLst/>
+      </dsp:spPr>
+      <dsp:style>
+        <a:lnRef idx="2">
+          <a:scrgbClr r="0" g="0" b="0"/>
+        </a:lnRef>
+        <a:fillRef idx="1">
+          <a:scrgbClr r="0" g="0" b="0"/>
+        </a:fillRef>
+        <a:effectRef idx="0">
+          <a:scrgbClr r="0" g="0" b="0"/>
+        </a:effectRef>
+        <a:fontRef idx="minor">
+          <a:schemeClr val="lt1"/>
+        </a:fontRef>
+      </dsp:style>
+      <dsp:txBody>
+        <a:bodyPr spcFirstLastPara="0" vert="horz" wrap="square" lIns="76200" tIns="76200" rIns="76200" bIns="76200" numCol="1" spcCol="1270" anchor="ctr" anchorCtr="0">
+          <a:noAutofit/>
+        </a:bodyPr>
+        <a:lstStyle/>
+        <a:p>
+          <a:pPr lvl="0" algn="ctr" defTabSz="889000">
+            <a:lnSpc>
+              <a:spcPct val="90000"/>
+            </a:lnSpc>
+            <a:spcBef>
+              <a:spcPct val="0"/>
+            </a:spcBef>
+            <a:spcAft>
+              <a:spcPct val="35000"/>
+            </a:spcAft>
+          </a:pPr>
+          <a:r>
+            <a:rPr lang="en-US" sz="2000" i="1" kern="1200"/>
+            <a:t>Thresholding</a:t>
+          </a:r>
+          <a:r>
+            <a:rPr lang="en-US" sz="2000" kern="1200"/>
+            <a:t> Adaptif</a:t>
+          </a:r>
+        </a:p>
+      </dsp:txBody>
+      <dsp:txXfrm>
+        <a:off x="3160086" y="1864"/>
+        <a:ext cx="1757027" cy="1054216"/>
+      </dsp:txXfrm>
+    </dsp:sp>
+    <dsp:sp modelId="{89B6F777-E9D9-4BE3-B5B9-52BBF75E67C5}">
+      <dsp:nvSpPr>
+        <dsp:cNvPr id="0" name=""/>
+        <dsp:cNvSpPr/>
+      </dsp:nvSpPr>
+      <dsp:spPr>
+        <a:xfrm>
+          <a:off x="5071732" y="311100"/>
+          <a:ext cx="372489" cy="435742"/>
+        </a:xfrm>
+        <a:prstGeom prst="rightArrow">
+          <a:avLst>
+            <a:gd name="adj1" fmla="val 60000"/>
+            <a:gd name="adj2" fmla="val 50000"/>
+          </a:avLst>
+        </a:prstGeom>
+        <a:solidFill>
+          <a:schemeClr val="dk1">
+            <a:tint val="60000"/>
+            <a:hueOff val="0"/>
+            <a:satOff val="0"/>
+            <a:lumOff val="0"/>
+            <a:alphaOff val="0"/>
+          </a:schemeClr>
+        </a:solidFill>
+        <a:ln>
+          <a:noFill/>
+        </a:ln>
+        <a:effectLst/>
+      </dsp:spPr>
+      <dsp:style>
+        <a:lnRef idx="0">
+          <a:scrgbClr r="0" g="0" b="0"/>
+        </a:lnRef>
+        <a:fillRef idx="1">
+          <a:scrgbClr r="0" g="0" b="0"/>
+        </a:fillRef>
+        <a:effectRef idx="0">
+          <a:scrgbClr r="0" g="0" b="0"/>
+        </a:effectRef>
+        <a:fontRef idx="minor">
+          <a:schemeClr val="lt1"/>
+        </a:fontRef>
+      </dsp:style>
+      <dsp:txBody>
+        <a:bodyPr spcFirstLastPara="0" vert="horz" wrap="square" lIns="0" tIns="0" rIns="0" bIns="0" numCol="1" spcCol="1270" anchor="ctr" anchorCtr="0">
+          <a:noAutofit/>
+        </a:bodyPr>
+        <a:lstStyle/>
+        <a:p>
+          <a:pPr lvl="0" algn="ctr" defTabSz="711200">
+            <a:lnSpc>
+              <a:spcPct val="90000"/>
+            </a:lnSpc>
+            <a:spcBef>
+              <a:spcPct val="0"/>
+            </a:spcBef>
+            <a:spcAft>
+              <a:spcPct val="35000"/>
+            </a:spcAft>
+          </a:pPr>
+          <a:endParaRPr lang="en-US" sz="1600" kern="1200"/>
+        </a:p>
+      </dsp:txBody>
+      <dsp:txXfrm>
+        <a:off x="5071732" y="311100"/>
+        <a:ext cx="372489" cy="435742"/>
+      </dsp:txXfrm>
+    </dsp:sp>
+    <dsp:sp modelId="{4D82DC94-1C9B-4531-9B1E-55AF18FC34EF}">
+      <dsp:nvSpPr>
+        <dsp:cNvPr id="0" name=""/>
+        <dsp:cNvSpPr/>
+      </dsp:nvSpPr>
+      <dsp:spPr>
+        <a:xfrm>
+          <a:off x="5619924" y="1864"/>
+          <a:ext cx="1757027" cy="1054216"/>
+        </a:xfrm>
+        <a:prstGeom prst="roundRect">
+          <a:avLst>
+            <a:gd name="adj" fmla="val 10000"/>
+          </a:avLst>
+        </a:prstGeom>
+        <a:solidFill>
+          <a:schemeClr val="lt1">
+            <a:hueOff val="0"/>
+            <a:satOff val="0"/>
+            <a:lumOff val="0"/>
+            <a:alphaOff val="0"/>
+          </a:schemeClr>
+        </a:solidFill>
+        <a:ln w="25400" cap="flat" cmpd="sng" algn="ctr">
+          <a:solidFill>
+            <a:schemeClr val="dk1">
+              <a:shade val="80000"/>
+              <a:hueOff val="0"/>
+              <a:satOff val="0"/>
+              <a:lumOff val="0"/>
+              <a:alphaOff val="0"/>
+            </a:schemeClr>
+          </a:solidFill>
+          <a:prstDash val="solid"/>
+        </a:ln>
+        <a:effectLst/>
+      </dsp:spPr>
+      <dsp:style>
+        <a:lnRef idx="2">
+          <a:scrgbClr r="0" g="0" b="0"/>
+        </a:lnRef>
+        <a:fillRef idx="1">
+          <a:scrgbClr r="0" g="0" b="0"/>
+        </a:fillRef>
+        <a:effectRef idx="0">
+          <a:scrgbClr r="0" g="0" b="0"/>
+        </a:effectRef>
+        <a:fontRef idx="minor">
+          <a:schemeClr val="lt1"/>
+        </a:fontRef>
+      </dsp:style>
+      <dsp:txBody>
+        <a:bodyPr spcFirstLastPara="0" vert="horz" wrap="square" lIns="76200" tIns="76200" rIns="76200" bIns="76200" numCol="1" spcCol="1270" anchor="ctr" anchorCtr="0">
+          <a:noAutofit/>
+        </a:bodyPr>
+        <a:lstStyle/>
+        <a:p>
+          <a:pPr lvl="0" algn="ctr" defTabSz="889000">
+            <a:lnSpc>
+              <a:spcPct val="90000"/>
+            </a:lnSpc>
+            <a:spcBef>
+              <a:spcPct val="0"/>
+            </a:spcBef>
+            <a:spcAft>
+              <a:spcPct val="35000"/>
+            </a:spcAft>
+          </a:pPr>
+          <a:r>
+            <a:rPr lang="en-US" sz="2000" kern="1200"/>
+            <a:t>Analisis komponen terhubung</a:t>
+          </a:r>
+        </a:p>
+      </dsp:txBody>
+      <dsp:txXfrm>
+        <a:off x="5619924" y="1864"/>
+        <a:ext cx="1757027" cy="1054216"/>
+      </dsp:txXfrm>
+    </dsp:sp>
+    <dsp:sp modelId="{2DD86A6E-9AA1-4508-8EF6-1B1AA57FA18B}">
+      <dsp:nvSpPr>
+        <dsp:cNvPr id="0" name=""/>
+        <dsp:cNvSpPr/>
+      </dsp:nvSpPr>
+      <dsp:spPr>
+        <a:xfrm rot="5400000">
+          <a:off x="6312193" y="1179072"/>
+          <a:ext cx="372489" cy="435742"/>
+        </a:xfrm>
+        <a:prstGeom prst="rightArrow">
+          <a:avLst>
+            <a:gd name="adj1" fmla="val 60000"/>
+            <a:gd name="adj2" fmla="val 50000"/>
+          </a:avLst>
+        </a:prstGeom>
+        <a:solidFill>
+          <a:schemeClr val="dk1">
+            <a:tint val="60000"/>
+            <a:hueOff val="0"/>
+            <a:satOff val="0"/>
+            <a:lumOff val="0"/>
+            <a:alphaOff val="0"/>
+          </a:schemeClr>
+        </a:solidFill>
+        <a:ln>
+          <a:noFill/>
+        </a:ln>
+        <a:effectLst/>
+      </dsp:spPr>
+      <dsp:style>
+        <a:lnRef idx="0">
+          <a:scrgbClr r="0" g="0" b="0"/>
+        </a:lnRef>
+        <a:fillRef idx="1">
+          <a:scrgbClr r="0" g="0" b="0"/>
+        </a:fillRef>
+        <a:effectRef idx="0">
+          <a:scrgbClr r="0" g="0" b="0"/>
+        </a:effectRef>
+        <a:fontRef idx="minor">
+          <a:schemeClr val="lt1"/>
+        </a:fontRef>
+      </dsp:style>
+      <dsp:txBody>
+        <a:bodyPr spcFirstLastPara="0" vert="horz" wrap="square" lIns="0" tIns="0" rIns="0" bIns="0" numCol="1" spcCol="1270" anchor="ctr" anchorCtr="0">
+          <a:noAutofit/>
+        </a:bodyPr>
+        <a:lstStyle/>
+        <a:p>
+          <a:pPr lvl="0" algn="ctr" defTabSz="711200">
+            <a:lnSpc>
+              <a:spcPct val="90000"/>
+            </a:lnSpc>
+            <a:spcBef>
+              <a:spcPct val="0"/>
+            </a:spcBef>
+            <a:spcAft>
+              <a:spcPct val="35000"/>
+            </a:spcAft>
+          </a:pPr>
+          <a:endParaRPr lang="en-US" sz="1600" kern="1200"/>
+        </a:p>
+      </dsp:txBody>
+      <dsp:txXfrm rot="5400000">
+        <a:off x="6312193" y="1179072"/>
+        <a:ext cx="372489" cy="435742"/>
+      </dsp:txXfrm>
+    </dsp:sp>
+    <dsp:sp modelId="{25E09332-EAFE-485B-A1EB-8623E523E662}">
+      <dsp:nvSpPr>
+        <dsp:cNvPr id="0" name=""/>
+        <dsp:cNvSpPr/>
+      </dsp:nvSpPr>
+      <dsp:spPr>
+        <a:xfrm>
+          <a:off x="5619924" y="1758891"/>
+          <a:ext cx="1757027" cy="1054216"/>
+        </a:xfrm>
+        <a:prstGeom prst="roundRect">
+          <a:avLst>
+            <a:gd name="adj" fmla="val 10000"/>
+          </a:avLst>
+        </a:prstGeom>
+        <a:solidFill>
+          <a:schemeClr val="lt1">
+            <a:hueOff val="0"/>
+            <a:satOff val="0"/>
+            <a:lumOff val="0"/>
+            <a:alphaOff val="0"/>
+          </a:schemeClr>
+        </a:solidFill>
+        <a:ln w="25400" cap="flat" cmpd="sng" algn="ctr">
+          <a:solidFill>
+            <a:schemeClr val="dk1">
+              <a:shade val="80000"/>
+              <a:hueOff val="0"/>
+              <a:satOff val="0"/>
+              <a:lumOff val="0"/>
+              <a:alphaOff val="0"/>
+            </a:schemeClr>
+          </a:solidFill>
+          <a:prstDash val="solid"/>
+        </a:ln>
+        <a:effectLst/>
+      </dsp:spPr>
+      <dsp:style>
+        <a:lnRef idx="2">
+          <a:scrgbClr r="0" g="0" b="0"/>
+        </a:lnRef>
+        <a:fillRef idx="1">
+          <a:scrgbClr r="0" g="0" b="0"/>
+        </a:fillRef>
+        <a:effectRef idx="0">
+          <a:scrgbClr r="0" g="0" b="0"/>
+        </a:effectRef>
+        <a:fontRef idx="minor">
+          <a:schemeClr val="lt1"/>
+        </a:fontRef>
+      </dsp:style>
+      <dsp:txBody>
+        <a:bodyPr spcFirstLastPara="0" vert="horz" wrap="square" lIns="76200" tIns="76200" rIns="76200" bIns="76200" numCol="1" spcCol="1270" anchor="ctr" anchorCtr="0">
+          <a:noAutofit/>
+        </a:bodyPr>
+        <a:lstStyle/>
+        <a:p>
+          <a:pPr lvl="0" algn="ctr" defTabSz="889000">
+            <a:lnSpc>
+              <a:spcPct val="90000"/>
+            </a:lnSpc>
+            <a:spcBef>
+              <a:spcPct val="0"/>
+            </a:spcBef>
+            <a:spcAft>
+              <a:spcPct val="35000"/>
+            </a:spcAft>
+          </a:pPr>
+          <a:r>
+            <a:rPr lang="en-US" sz="2000" kern="1200"/>
+            <a:t>Pencarian garis-garis teks dan kata</a:t>
+          </a:r>
+        </a:p>
+      </dsp:txBody>
+      <dsp:txXfrm>
+        <a:off x="5619924" y="1758891"/>
+        <a:ext cx="1757027" cy="1054216"/>
+      </dsp:txXfrm>
+    </dsp:sp>
+    <dsp:sp modelId="{D070A854-24A0-4F8D-8079-52E864BAA7F5}">
+      <dsp:nvSpPr>
+        <dsp:cNvPr id="0" name=""/>
+        <dsp:cNvSpPr/>
+      </dsp:nvSpPr>
+      <dsp:spPr>
+        <a:xfrm rot="10800000">
+          <a:off x="5092816" y="2068128"/>
+          <a:ext cx="372489" cy="435742"/>
+        </a:xfrm>
+        <a:prstGeom prst="rightArrow">
+          <a:avLst>
+            <a:gd name="adj1" fmla="val 60000"/>
+            <a:gd name="adj2" fmla="val 50000"/>
+          </a:avLst>
+        </a:prstGeom>
+        <a:solidFill>
+          <a:schemeClr val="dk1">
+            <a:tint val="60000"/>
+            <a:hueOff val="0"/>
+            <a:satOff val="0"/>
+            <a:lumOff val="0"/>
+            <a:alphaOff val="0"/>
+          </a:schemeClr>
+        </a:solidFill>
+        <a:ln>
+          <a:noFill/>
+        </a:ln>
+        <a:effectLst/>
+      </dsp:spPr>
+      <dsp:style>
+        <a:lnRef idx="0">
+          <a:scrgbClr r="0" g="0" b="0"/>
+        </a:lnRef>
+        <a:fillRef idx="1">
+          <a:scrgbClr r="0" g="0" b="0"/>
+        </a:fillRef>
+        <a:effectRef idx="0">
+          <a:scrgbClr r="0" g="0" b="0"/>
+        </a:effectRef>
+        <a:fontRef idx="minor">
+          <a:schemeClr val="lt1"/>
+        </a:fontRef>
+      </dsp:style>
+      <dsp:txBody>
+        <a:bodyPr spcFirstLastPara="0" vert="horz" wrap="square" lIns="0" tIns="0" rIns="0" bIns="0" numCol="1" spcCol="1270" anchor="ctr" anchorCtr="0">
+          <a:noAutofit/>
+        </a:bodyPr>
+        <a:lstStyle/>
+        <a:p>
+          <a:pPr lvl="0" algn="ctr" defTabSz="711200">
+            <a:lnSpc>
+              <a:spcPct val="90000"/>
+            </a:lnSpc>
+            <a:spcBef>
+              <a:spcPct val="0"/>
+            </a:spcBef>
+            <a:spcAft>
+              <a:spcPct val="35000"/>
+            </a:spcAft>
+          </a:pPr>
+          <a:endParaRPr lang="en-US" sz="1600" kern="1200"/>
+        </a:p>
+      </dsp:txBody>
+      <dsp:txXfrm rot="10800000">
+        <a:off x="5092816" y="2068128"/>
+        <a:ext cx="372489" cy="435742"/>
+      </dsp:txXfrm>
+    </dsp:sp>
+    <dsp:sp modelId="{5AEF247C-02C5-4B67-A6F5-9E67D8199475}">
+      <dsp:nvSpPr>
+        <dsp:cNvPr id="0" name=""/>
+        <dsp:cNvSpPr/>
+      </dsp:nvSpPr>
+      <dsp:spPr>
+        <a:xfrm>
+          <a:off x="3160086" y="1758891"/>
+          <a:ext cx="1757027" cy="1054216"/>
+        </a:xfrm>
+        <a:prstGeom prst="roundRect">
+          <a:avLst>
+            <a:gd name="adj" fmla="val 10000"/>
+          </a:avLst>
+        </a:prstGeom>
+        <a:solidFill>
+          <a:schemeClr val="lt1">
+            <a:hueOff val="0"/>
+            <a:satOff val="0"/>
+            <a:lumOff val="0"/>
+            <a:alphaOff val="0"/>
+          </a:schemeClr>
+        </a:solidFill>
+        <a:ln w="25400" cap="flat" cmpd="sng" algn="ctr">
+          <a:solidFill>
+            <a:schemeClr val="dk1">
+              <a:shade val="80000"/>
+              <a:hueOff val="0"/>
+              <a:satOff val="0"/>
+              <a:lumOff val="0"/>
+              <a:alphaOff val="0"/>
+            </a:schemeClr>
+          </a:solidFill>
+          <a:prstDash val="solid"/>
+        </a:ln>
+        <a:effectLst/>
+      </dsp:spPr>
+      <dsp:style>
+        <a:lnRef idx="2">
+          <a:scrgbClr r="0" g="0" b="0"/>
+        </a:lnRef>
+        <a:fillRef idx="1">
+          <a:scrgbClr r="0" g="0" b="0"/>
+        </a:fillRef>
+        <a:effectRef idx="0">
+          <a:scrgbClr r="0" g="0" b="0"/>
+        </a:effectRef>
+        <a:fontRef idx="minor">
+          <a:schemeClr val="lt1"/>
+        </a:fontRef>
+      </dsp:style>
+      <dsp:txBody>
+        <a:bodyPr spcFirstLastPara="0" vert="horz" wrap="square" lIns="76200" tIns="76200" rIns="76200" bIns="76200" numCol="1" spcCol="1270" anchor="ctr" anchorCtr="0">
+          <a:noAutofit/>
+        </a:bodyPr>
+        <a:lstStyle/>
+        <a:p>
+          <a:pPr lvl="0" algn="ctr" defTabSz="889000">
+            <a:lnSpc>
+              <a:spcPct val="90000"/>
+            </a:lnSpc>
+            <a:spcBef>
+              <a:spcPct val="0"/>
+            </a:spcBef>
+            <a:spcAft>
+              <a:spcPct val="35000"/>
+            </a:spcAft>
+          </a:pPr>
+          <a:r>
+            <a:rPr lang="en-US" sz="2000" kern="1200"/>
+            <a:t>Penengalan kata tahap 1</a:t>
+          </a:r>
+        </a:p>
+      </dsp:txBody>
+      <dsp:txXfrm>
+        <a:off x="3160086" y="1758891"/>
+        <a:ext cx="1757027" cy="1054216"/>
+      </dsp:txXfrm>
+    </dsp:sp>
+    <dsp:sp modelId="{D076551B-80DD-4B80-BF87-753514B46E22}">
+      <dsp:nvSpPr>
+        <dsp:cNvPr id="0" name=""/>
+        <dsp:cNvSpPr/>
+      </dsp:nvSpPr>
+      <dsp:spPr>
+        <a:xfrm rot="10800000">
+          <a:off x="2632977" y="2068128"/>
+          <a:ext cx="372489" cy="435742"/>
+        </a:xfrm>
+        <a:prstGeom prst="rightArrow">
+          <a:avLst>
+            <a:gd name="adj1" fmla="val 60000"/>
+            <a:gd name="adj2" fmla="val 50000"/>
+          </a:avLst>
+        </a:prstGeom>
+        <a:solidFill>
+          <a:schemeClr val="dk1">
+            <a:tint val="60000"/>
+            <a:hueOff val="0"/>
+            <a:satOff val="0"/>
+            <a:lumOff val="0"/>
+            <a:alphaOff val="0"/>
+          </a:schemeClr>
+        </a:solidFill>
+        <a:ln>
+          <a:noFill/>
+        </a:ln>
+        <a:effectLst/>
+      </dsp:spPr>
+      <dsp:style>
+        <a:lnRef idx="0">
+          <a:scrgbClr r="0" g="0" b="0"/>
+        </a:lnRef>
+        <a:fillRef idx="1">
+          <a:scrgbClr r="0" g="0" b="0"/>
+        </a:fillRef>
+        <a:effectRef idx="0">
+          <a:scrgbClr r="0" g="0" b="0"/>
+        </a:effectRef>
+        <a:fontRef idx="minor">
+          <a:schemeClr val="lt1"/>
+        </a:fontRef>
+      </dsp:style>
+      <dsp:txBody>
+        <a:bodyPr spcFirstLastPara="0" vert="horz" wrap="square" lIns="0" tIns="0" rIns="0" bIns="0" numCol="1" spcCol="1270" anchor="ctr" anchorCtr="0">
+          <a:noAutofit/>
+        </a:bodyPr>
+        <a:lstStyle/>
+        <a:p>
+          <a:pPr lvl="0" algn="ctr" defTabSz="711200">
+            <a:lnSpc>
+              <a:spcPct val="90000"/>
+            </a:lnSpc>
+            <a:spcBef>
+              <a:spcPct val="0"/>
+            </a:spcBef>
+            <a:spcAft>
+              <a:spcPct val="35000"/>
+            </a:spcAft>
+          </a:pPr>
+          <a:endParaRPr lang="en-US" sz="1600" kern="1200"/>
+        </a:p>
+      </dsp:txBody>
+      <dsp:txXfrm rot="10800000">
+        <a:off x="2632977" y="2068128"/>
+        <a:ext cx="372489" cy="435742"/>
+      </dsp:txXfrm>
+    </dsp:sp>
+    <dsp:sp modelId="{6243D5E6-3504-489D-B817-28D43C91A5A9}">
+      <dsp:nvSpPr>
+        <dsp:cNvPr id="0" name=""/>
+        <dsp:cNvSpPr/>
+      </dsp:nvSpPr>
+      <dsp:spPr>
+        <a:xfrm>
+          <a:off x="700247" y="1758891"/>
+          <a:ext cx="1757027" cy="1054216"/>
+        </a:xfrm>
+        <a:prstGeom prst="roundRect">
+          <a:avLst>
+            <a:gd name="adj" fmla="val 10000"/>
+          </a:avLst>
+        </a:prstGeom>
+        <a:solidFill>
+          <a:schemeClr val="lt1">
+            <a:hueOff val="0"/>
+            <a:satOff val="0"/>
+            <a:lumOff val="0"/>
+            <a:alphaOff val="0"/>
+          </a:schemeClr>
+        </a:solidFill>
+        <a:ln w="25400" cap="flat" cmpd="sng" algn="ctr">
+          <a:solidFill>
+            <a:schemeClr val="dk1">
+              <a:shade val="80000"/>
+              <a:hueOff val="0"/>
+              <a:satOff val="0"/>
+              <a:lumOff val="0"/>
+              <a:alphaOff val="0"/>
+            </a:schemeClr>
+          </a:solidFill>
+          <a:prstDash val="solid"/>
+        </a:ln>
+        <a:effectLst/>
+      </dsp:spPr>
+      <dsp:style>
+        <a:lnRef idx="2">
+          <a:scrgbClr r="0" g="0" b="0"/>
+        </a:lnRef>
+        <a:fillRef idx="1">
+          <a:scrgbClr r="0" g="0" b="0"/>
+        </a:fillRef>
+        <a:effectRef idx="0">
+          <a:scrgbClr r="0" g="0" b="0"/>
+        </a:effectRef>
+        <a:fontRef idx="minor">
+          <a:schemeClr val="lt1"/>
+        </a:fontRef>
+      </dsp:style>
+      <dsp:txBody>
+        <a:bodyPr spcFirstLastPara="0" vert="horz" wrap="square" lIns="76200" tIns="76200" rIns="76200" bIns="76200" numCol="1" spcCol="1270" anchor="ctr" anchorCtr="0">
+          <a:noAutofit/>
+        </a:bodyPr>
+        <a:lstStyle/>
+        <a:p>
+          <a:pPr lvl="0" algn="ctr" defTabSz="889000">
+            <a:lnSpc>
+              <a:spcPct val="90000"/>
+            </a:lnSpc>
+            <a:spcBef>
+              <a:spcPct val="0"/>
+            </a:spcBef>
+            <a:spcAft>
+              <a:spcPct val="35000"/>
+            </a:spcAft>
+          </a:pPr>
+          <a:r>
+            <a:rPr lang="en-US" sz="2000" kern="1200"/>
+            <a:t>Pengenalan kata tahap 2</a:t>
+          </a:r>
+        </a:p>
+      </dsp:txBody>
+      <dsp:txXfrm>
+        <a:off x="700247" y="1758891"/>
+        <a:ext cx="1757027" cy="1054216"/>
+      </dsp:txXfrm>
+    </dsp:sp>
+    <dsp:sp modelId="{446EA186-FD02-442A-ADB2-46AFB374C2A8}">
+      <dsp:nvSpPr>
+        <dsp:cNvPr id="0" name=""/>
+        <dsp:cNvSpPr/>
+      </dsp:nvSpPr>
+      <dsp:spPr>
+        <a:xfrm rot="5400000">
+          <a:off x="1392516" y="2936100"/>
+          <a:ext cx="372489" cy="435742"/>
+        </a:xfrm>
+        <a:prstGeom prst="rightArrow">
+          <a:avLst>
+            <a:gd name="adj1" fmla="val 60000"/>
+            <a:gd name="adj2" fmla="val 50000"/>
+          </a:avLst>
+        </a:prstGeom>
+        <a:solidFill>
+          <a:schemeClr val="dk1">
+            <a:tint val="60000"/>
+            <a:hueOff val="0"/>
+            <a:satOff val="0"/>
+            <a:lumOff val="0"/>
+            <a:alphaOff val="0"/>
+          </a:schemeClr>
+        </a:solidFill>
+        <a:ln>
+          <a:noFill/>
+        </a:ln>
+        <a:effectLst/>
+      </dsp:spPr>
+      <dsp:style>
+        <a:lnRef idx="0">
+          <a:scrgbClr r="0" g="0" b="0"/>
+        </a:lnRef>
+        <a:fillRef idx="1">
+          <a:scrgbClr r="0" g="0" b="0"/>
+        </a:fillRef>
+        <a:effectRef idx="0">
+          <a:scrgbClr r="0" g="0" b="0"/>
+        </a:effectRef>
+        <a:fontRef idx="minor">
+          <a:schemeClr val="lt1"/>
+        </a:fontRef>
+      </dsp:style>
+      <dsp:txBody>
+        <a:bodyPr spcFirstLastPara="0" vert="horz" wrap="square" lIns="0" tIns="0" rIns="0" bIns="0" numCol="1" spcCol="1270" anchor="ctr" anchorCtr="0">
+          <a:noAutofit/>
+        </a:bodyPr>
+        <a:lstStyle/>
+        <a:p>
+          <a:pPr lvl="0" algn="ctr" defTabSz="711200">
+            <a:lnSpc>
+              <a:spcPct val="90000"/>
+            </a:lnSpc>
+            <a:spcBef>
+              <a:spcPct val="0"/>
+            </a:spcBef>
+            <a:spcAft>
+              <a:spcPct val="35000"/>
+            </a:spcAft>
+          </a:pPr>
+          <a:endParaRPr lang="en-US" sz="1600" kern="1200"/>
+        </a:p>
+      </dsp:txBody>
+      <dsp:txXfrm rot="5400000">
+        <a:off x="1392516" y="2936100"/>
+        <a:ext cx="372489" cy="435742"/>
+      </dsp:txXfrm>
+    </dsp:sp>
+    <dsp:sp modelId="{AED3E338-5570-47A2-8993-CD04FFCC7BCF}">
+      <dsp:nvSpPr>
+        <dsp:cNvPr id="0" name=""/>
+        <dsp:cNvSpPr/>
+      </dsp:nvSpPr>
+      <dsp:spPr>
+        <a:xfrm>
+          <a:off x="700247" y="3515919"/>
+          <a:ext cx="1757027" cy="1054216"/>
+        </a:xfrm>
+        <a:prstGeom prst="roundRect">
+          <a:avLst>
+            <a:gd name="adj" fmla="val 10000"/>
+          </a:avLst>
+        </a:prstGeom>
+        <a:solidFill>
+          <a:schemeClr val="lt1">
+            <a:hueOff val="0"/>
+            <a:satOff val="0"/>
+            <a:lumOff val="0"/>
+            <a:alphaOff val="0"/>
+          </a:schemeClr>
+        </a:solidFill>
+        <a:ln w="25400" cap="flat" cmpd="sng" algn="ctr">
+          <a:solidFill>
+            <a:schemeClr val="dk1">
+              <a:shade val="80000"/>
+              <a:hueOff val="0"/>
+              <a:satOff val="0"/>
+              <a:lumOff val="0"/>
+              <a:alphaOff val="0"/>
+            </a:schemeClr>
+          </a:solidFill>
+          <a:prstDash val="solid"/>
+        </a:ln>
+        <a:effectLst/>
+      </dsp:spPr>
+      <dsp:style>
+        <a:lnRef idx="2">
+          <a:scrgbClr r="0" g="0" b="0"/>
+        </a:lnRef>
+        <a:fillRef idx="1">
+          <a:scrgbClr r="0" g="0" b="0"/>
+        </a:fillRef>
+        <a:effectRef idx="0">
+          <a:scrgbClr r="0" g="0" b="0"/>
+        </a:effectRef>
+        <a:fontRef idx="minor">
+          <a:schemeClr val="lt1"/>
+        </a:fontRef>
+      </dsp:style>
+      <dsp:txBody>
+        <a:bodyPr spcFirstLastPara="0" vert="horz" wrap="square" lIns="76200" tIns="76200" rIns="76200" bIns="76200" numCol="1" spcCol="1270" anchor="ctr" anchorCtr="0">
+          <a:noAutofit/>
+        </a:bodyPr>
+        <a:lstStyle/>
+        <a:p>
+          <a:pPr lvl="0" algn="ctr" defTabSz="889000">
+            <a:lnSpc>
+              <a:spcPct val="90000"/>
+            </a:lnSpc>
+            <a:spcBef>
+              <a:spcPct val="0"/>
+            </a:spcBef>
+            <a:spcAft>
+              <a:spcPct val="35000"/>
+            </a:spcAft>
+          </a:pPr>
+          <a:r>
+            <a:rPr lang="en-US" sz="2000" kern="1200"/>
+            <a:t>Output</a:t>
+          </a:r>
+        </a:p>
+      </dsp:txBody>
+      <dsp:txXfrm>
+        <a:off x="700247" y="3515919"/>
+        <a:ext cx="1757027" cy="1054216"/>
+      </dsp:txXfrm>
+    </dsp:sp>
+  </dsp:spTree>
+</dsp:drawing>
 </file>
 
 <file path=ppt/diagrams/layout1.xml><?xml version="1.0" encoding="utf-8"?>
@@ -5593,7 +7688,8 @@
           <a:p>
             <a:fld id="{EE68D87C-6B58-4BAD-AD35-5E7170701A19}" type="datetimeFigureOut">
               <a:rPr lang="en-US" smtClean="0"/>
-              <a:t>6/17/2012</a:t>
+              <a:pPr/>
+              <a:t>6/18/2012</a:t>
             </a:fld>
             <a:endParaRPr lang="en-US"/>
           </a:p>
@@ -5635,6 +7731,7 @@
           <a:p>
             <a:fld id="{DE92E4BC-0269-43CD-BB83-EC64E3EA4C3D}" type="slidenum">
               <a:rPr lang="en-US" smtClean="0"/>
+              <a:pPr/>
               <a:t>‹#›</a:t>
             </a:fld>
             <a:endParaRPr lang="en-US"/>
@@ -5758,7 +7855,8 @@
           <a:p>
             <a:fld id="{EE68D87C-6B58-4BAD-AD35-5E7170701A19}" type="datetimeFigureOut">
               <a:rPr lang="en-US" smtClean="0"/>
-              <a:t>6/17/2012</a:t>
+              <a:pPr/>
+              <a:t>6/18/2012</a:t>
             </a:fld>
             <a:endParaRPr lang="en-US"/>
           </a:p>
@@ -5800,6 +7898,7 @@
           <a:p>
             <a:fld id="{DE92E4BC-0269-43CD-BB83-EC64E3EA4C3D}" type="slidenum">
               <a:rPr lang="en-US" smtClean="0"/>
+              <a:pPr/>
               <a:t>‹#›</a:t>
             </a:fld>
             <a:endParaRPr lang="en-US"/>
@@ -5933,7 +8032,8 @@
           <a:p>
             <a:fld id="{EE68D87C-6B58-4BAD-AD35-5E7170701A19}" type="datetimeFigureOut">
               <a:rPr lang="en-US" smtClean="0"/>
-              <a:t>6/17/2012</a:t>
+              <a:pPr/>
+              <a:t>6/18/2012</a:t>
             </a:fld>
             <a:endParaRPr lang="en-US"/>
           </a:p>
@@ -5975,6 +8075,7 @@
           <a:p>
             <a:fld id="{DE92E4BC-0269-43CD-BB83-EC64E3EA4C3D}" type="slidenum">
               <a:rPr lang="en-US" smtClean="0"/>
+              <a:pPr/>
               <a:t>‹#›</a:t>
             </a:fld>
             <a:endParaRPr lang="en-US"/>
@@ -6098,7 +8199,8 @@
           <a:p>
             <a:fld id="{EE68D87C-6B58-4BAD-AD35-5E7170701A19}" type="datetimeFigureOut">
               <a:rPr lang="en-US" smtClean="0"/>
-              <a:t>6/17/2012</a:t>
+              <a:pPr/>
+              <a:t>6/18/2012</a:t>
             </a:fld>
             <a:endParaRPr lang="en-US"/>
           </a:p>
@@ -6140,6 +8242,7 @@
           <a:p>
             <a:fld id="{DE92E4BC-0269-43CD-BB83-EC64E3EA4C3D}" type="slidenum">
               <a:rPr lang="en-US" smtClean="0"/>
+              <a:pPr/>
               <a:t>‹#›</a:t>
             </a:fld>
             <a:endParaRPr lang="en-US"/>
@@ -6339,7 +8442,8 @@
           <a:p>
             <a:fld id="{EE68D87C-6B58-4BAD-AD35-5E7170701A19}" type="datetimeFigureOut">
               <a:rPr lang="en-US" smtClean="0"/>
-              <a:t>6/17/2012</a:t>
+              <a:pPr/>
+              <a:t>6/18/2012</a:t>
             </a:fld>
             <a:endParaRPr lang="en-US"/>
           </a:p>
@@ -6381,6 +8485,7 @@
           <a:p>
             <a:fld id="{DE92E4BC-0269-43CD-BB83-EC64E3EA4C3D}" type="slidenum">
               <a:rPr lang="en-US" smtClean="0"/>
+              <a:pPr/>
               <a:t>‹#›</a:t>
             </a:fld>
             <a:endParaRPr lang="en-US"/>
@@ -6622,7 +8727,8 @@
           <a:p>
             <a:fld id="{EE68D87C-6B58-4BAD-AD35-5E7170701A19}" type="datetimeFigureOut">
               <a:rPr lang="en-US" smtClean="0"/>
-              <a:t>6/17/2012</a:t>
+              <a:pPr/>
+              <a:t>6/18/2012</a:t>
             </a:fld>
             <a:endParaRPr lang="en-US"/>
           </a:p>
@@ -6664,6 +8770,7 @@
           <a:p>
             <a:fld id="{DE92E4BC-0269-43CD-BB83-EC64E3EA4C3D}" type="slidenum">
               <a:rPr lang="en-US" smtClean="0"/>
+              <a:pPr/>
               <a:t>‹#›</a:t>
             </a:fld>
             <a:endParaRPr lang="en-US"/>
@@ -7039,7 +9146,8 @@
           <a:p>
             <a:fld id="{EE68D87C-6B58-4BAD-AD35-5E7170701A19}" type="datetimeFigureOut">
               <a:rPr lang="en-US" smtClean="0"/>
-              <a:t>6/17/2012</a:t>
+              <a:pPr/>
+              <a:t>6/18/2012</a:t>
             </a:fld>
             <a:endParaRPr lang="en-US"/>
           </a:p>
@@ -7081,6 +9189,7 @@
           <a:p>
             <a:fld id="{DE92E4BC-0269-43CD-BB83-EC64E3EA4C3D}" type="slidenum">
               <a:rPr lang="en-US" smtClean="0"/>
+              <a:pPr/>
               <a:t>‹#›</a:t>
             </a:fld>
             <a:endParaRPr lang="en-US"/>
@@ -7152,7 +9261,8 @@
           <a:p>
             <a:fld id="{EE68D87C-6B58-4BAD-AD35-5E7170701A19}" type="datetimeFigureOut">
               <a:rPr lang="en-US" smtClean="0"/>
-              <a:t>6/17/2012</a:t>
+              <a:pPr/>
+              <a:t>6/18/2012</a:t>
             </a:fld>
             <a:endParaRPr lang="en-US"/>
           </a:p>
@@ -7194,6 +9304,7 @@
           <a:p>
             <a:fld id="{DE92E4BC-0269-43CD-BB83-EC64E3EA4C3D}" type="slidenum">
               <a:rPr lang="en-US" smtClean="0"/>
+              <a:pPr/>
               <a:t>‹#›</a:t>
             </a:fld>
             <a:endParaRPr lang="en-US"/>
@@ -7242,7 +9353,8 @@
           <a:p>
             <a:fld id="{EE68D87C-6B58-4BAD-AD35-5E7170701A19}" type="datetimeFigureOut">
               <a:rPr lang="en-US" smtClean="0"/>
-              <a:t>6/17/2012</a:t>
+              <a:pPr/>
+              <a:t>6/18/2012</a:t>
             </a:fld>
             <a:endParaRPr lang="en-US"/>
           </a:p>
@@ -7284,6 +9396,7 @@
           <a:p>
             <a:fld id="{DE92E4BC-0269-43CD-BB83-EC64E3EA4C3D}" type="slidenum">
               <a:rPr lang="en-US" smtClean="0"/>
+              <a:pPr/>
               <a:t>‹#›</a:t>
             </a:fld>
             <a:endParaRPr lang="en-US"/>
@@ -7514,7 +9627,8 @@
           <a:p>
             <a:fld id="{EE68D87C-6B58-4BAD-AD35-5E7170701A19}" type="datetimeFigureOut">
               <a:rPr lang="en-US" smtClean="0"/>
-              <a:t>6/17/2012</a:t>
+              <a:pPr/>
+              <a:t>6/18/2012</a:t>
             </a:fld>
             <a:endParaRPr lang="en-US"/>
           </a:p>
@@ -7556,6 +9670,7 @@
           <a:p>
             <a:fld id="{DE92E4BC-0269-43CD-BB83-EC64E3EA4C3D}" type="slidenum">
               <a:rPr lang="en-US" smtClean="0"/>
+              <a:pPr/>
               <a:t>‹#›</a:t>
             </a:fld>
             <a:endParaRPr lang="en-US"/>
@@ -7762,7 +9877,8 @@
           <a:p>
             <a:fld id="{EE68D87C-6B58-4BAD-AD35-5E7170701A19}" type="datetimeFigureOut">
               <a:rPr lang="en-US" smtClean="0"/>
-              <a:t>6/17/2012</a:t>
+              <a:pPr/>
+              <a:t>6/18/2012</a:t>
             </a:fld>
             <a:endParaRPr lang="en-US"/>
           </a:p>
@@ -7804,6 +9920,7 @@
           <a:p>
             <a:fld id="{DE92E4BC-0269-43CD-BB83-EC64E3EA4C3D}" type="slidenum">
               <a:rPr lang="en-US" smtClean="0"/>
+              <a:pPr/>
               <a:t>‹#›</a:t>
             </a:fld>
             <a:endParaRPr lang="en-US"/>
@@ -7970,7 +10087,8 @@
           <a:p>
             <a:fld id="{EE68D87C-6B58-4BAD-AD35-5E7170701A19}" type="datetimeFigureOut">
               <a:rPr lang="en-US" smtClean="0"/>
-              <a:t>6/17/2012</a:t>
+              <a:pPr/>
+              <a:t>6/18/2012</a:t>
             </a:fld>
             <a:endParaRPr lang="en-US"/>
           </a:p>
@@ -8048,6 +10166,7 @@
           <a:p>
             <a:fld id="{DE92E4BC-0269-43CD-BB83-EC64E3EA4C3D}" type="slidenum">
               <a:rPr lang="en-US" smtClean="0"/>
+              <a:pPr/>
               <a:t>‹#›</a:t>
             </a:fld>
             <a:endParaRPr lang="en-US"/>
@@ -8531,6 +10650,13 @@
   <p:clrMapOvr>
     <a:masterClrMapping/>
   </p:clrMapOvr>
+  <p:timing>
+    <p:tnLst>
+      <p:par>
+        <p:cTn id="1" dur="indefinite" restart="never" nodeType="tmRoot"/>
+      </p:par>
+    </p:tnLst>
+  </p:timing>
 </p:sld>
 </file>
 
@@ -8637,6 +10763,13 @@
   <p:clrMapOvr>
     <a:masterClrMapping/>
   </p:clrMapOvr>
+  <p:timing>
+    <p:tnLst>
+      <p:par>
+        <p:cTn id="1" dur="indefinite" restart="never" nodeType="tmRoot"/>
+      </p:par>
+    </p:tnLst>
+  </p:timing>
 </p:sld>
 </file>
 
@@ -8806,6 +10939,13 @@
   <p:clrMapOvr>
     <a:masterClrMapping/>
   </p:clrMapOvr>
+  <p:timing>
+    <p:tnLst>
+      <p:par>
+        <p:cTn id="1" dur="indefinite" restart="never" nodeType="tmRoot"/>
+      </p:par>
+    </p:tnLst>
+  </p:timing>
 </p:sld>
 </file>
 
@@ -8950,6 +11090,13 @@
   <p:clrMapOvr>
     <a:masterClrMapping/>
   </p:clrMapOvr>
+  <p:timing>
+    <p:tnLst>
+      <p:par>
+        <p:cTn id="1" dur="indefinite" restart="never" nodeType="tmRoot"/>
+      </p:par>
+    </p:tnLst>
+  </p:timing>
 </p:sld>
 </file>
 
@@ -9146,6 +11293,13 @@
   <p:clrMapOvr>
     <a:masterClrMapping/>
   </p:clrMapOvr>
+  <p:timing>
+    <p:tnLst>
+      <p:par>
+        <p:cTn id="1" dur="indefinite" restart="never" nodeType="tmRoot"/>
+      </p:par>
+    </p:tnLst>
+  </p:timing>
 </p:sld>
 </file>
 
@@ -9278,6 +11432,13 @@
   <p:clrMapOvr>
     <a:masterClrMapping/>
   </p:clrMapOvr>
+  <p:timing>
+    <p:tnLst>
+      <p:par>
+        <p:cTn id="1" dur="indefinite" restart="never" nodeType="tmRoot"/>
+      </p:par>
+    </p:tnLst>
+  </p:timing>
 </p:sld>
 </file>
 
@@ -9353,10 +11514,10 @@
           <p:nvPr/>
         </p:nvPicPr>
         <p:blipFill>
-          <a:blip r:embed="rId2">
+          <a:blip r:embed="rId2" cstate="print">
             <a:extLst>
               <a:ext uri="{28A0092B-C50C-407E-A947-70E740481C1C}">
-                <a14:useLocalDpi xmlns:ve="http://schemas.openxmlformats.org/markup-compatibility/2006" xmlns:m="http://schemas.openxmlformats.org/officeDocument/2006/math" xmlns:wp="http://schemas.openxmlformats.org/drawingml/2006/wordprocessingDrawing" xmlns:wne="http://schemas.microsoft.com/office/word/2006/wordml" xmlns:a14="http://schemas.microsoft.com/office/drawing/2010/main" xmlns:wps="http://schemas.microsoft.com/office/word/2010/wordprocessingShape" xmlns:wpi="http://schemas.microsoft.com/office/word/2010/wordprocessingInk" xmlns:wpg="http://schemas.microsoft.com/office/word/2010/wordprocessingGroup" xmlns:w14="http://schemas.microsoft.com/office/word/2010/wordml" xmlns:w="http://schemas.openxmlformats.org/wordprocessingml/2006/main" xmlns:w10="urn:schemas-microsoft-com:office:word" xmlns:wp14="http://schemas.microsoft.com/office/word/2010/wordprocessingDrawing" xmlns:v="urn:schemas-microsoft-com:vml" xmlns:o="urn:schemas-microsoft-com:office:office" xmlns:mc="http://schemas.openxmlformats.org/markup-compatibility/2006" xmlns:wpc="http://schemas.microsoft.com/office/word/2010/wordprocessingCanvas" xmlns="" xmlns:pic="http://schemas.openxmlformats.org/drawingml/2006/picture" xmlns:lc="http://schemas.openxmlformats.org/drawingml/2006/lockedCanvas" val="0"/>
+                <a14:useLocalDpi xmlns:lc="http://schemas.openxmlformats.org/drawingml/2006/lockedCanvas" xmlns:pic="http://schemas.openxmlformats.org/drawingml/2006/picture" xmlns="" xmlns:wpc="http://schemas.microsoft.com/office/word/2010/wordprocessingCanvas" xmlns:mc="http://schemas.openxmlformats.org/markup-compatibility/2006" xmlns:o="urn:schemas-microsoft-com:office:office" xmlns:v="urn:schemas-microsoft-com:vml" xmlns:wp14="http://schemas.microsoft.com/office/word/2010/wordprocessingDrawing" xmlns:w10="urn:schemas-microsoft-com:office:word" xmlns:w="http://schemas.openxmlformats.org/wordprocessingml/2006/main" xmlns:w14="http://schemas.microsoft.com/office/word/2010/wordml" xmlns:wpg="http://schemas.microsoft.com/office/word/2010/wordprocessingGroup" xmlns:wpi="http://schemas.microsoft.com/office/word/2010/wordprocessingInk" xmlns:wps="http://schemas.microsoft.com/office/word/2010/wordprocessingShape" xmlns:a14="http://schemas.microsoft.com/office/drawing/2010/main" xmlns:wne="http://schemas.microsoft.com/office/word/2006/wordml" xmlns:wp="http://schemas.openxmlformats.org/drawingml/2006/wordprocessingDrawing" xmlns:m="http://schemas.openxmlformats.org/officeDocument/2006/math" xmlns:ve="http://schemas.openxmlformats.org/markup-compatibility/2006" val="0"/>
               </a:ext>
             </a:extLst>
           </a:blip>
@@ -9386,10 +11547,10 @@
           <p:nvPr/>
         </p:nvPicPr>
         <p:blipFill>
-          <a:blip r:embed="rId3">
+          <a:blip r:embed="rId3" cstate="print">
             <a:extLst>
               <a:ext uri="{28A0092B-C50C-407E-A947-70E740481C1C}">
-                <a14:useLocalDpi xmlns:ve="http://schemas.openxmlformats.org/markup-compatibility/2006" xmlns:m="http://schemas.openxmlformats.org/officeDocument/2006/math" xmlns:wp="http://schemas.openxmlformats.org/drawingml/2006/wordprocessingDrawing" xmlns:wne="http://schemas.microsoft.com/office/word/2006/wordml" xmlns:a14="http://schemas.microsoft.com/office/drawing/2010/main" xmlns:wps="http://schemas.microsoft.com/office/word/2010/wordprocessingShape" xmlns:wpi="http://schemas.microsoft.com/office/word/2010/wordprocessingInk" xmlns:wpg="http://schemas.microsoft.com/office/word/2010/wordprocessingGroup" xmlns:w14="http://schemas.microsoft.com/office/word/2010/wordml" xmlns:w="http://schemas.openxmlformats.org/wordprocessingml/2006/main" xmlns:w10="urn:schemas-microsoft-com:office:word" xmlns:wp14="http://schemas.microsoft.com/office/word/2010/wordprocessingDrawing" xmlns:v="urn:schemas-microsoft-com:vml" xmlns:o="urn:schemas-microsoft-com:office:office" xmlns:mc="http://schemas.openxmlformats.org/markup-compatibility/2006" xmlns:wpc="http://schemas.microsoft.com/office/word/2010/wordprocessingCanvas" xmlns="" xmlns:pic="http://schemas.openxmlformats.org/drawingml/2006/picture" xmlns:lc="http://schemas.openxmlformats.org/drawingml/2006/lockedCanvas" val="0"/>
+                <a14:useLocalDpi xmlns:lc="http://schemas.openxmlformats.org/drawingml/2006/lockedCanvas" xmlns:pic="http://schemas.openxmlformats.org/drawingml/2006/picture" xmlns="" xmlns:wpc="http://schemas.microsoft.com/office/word/2010/wordprocessingCanvas" xmlns:mc="http://schemas.openxmlformats.org/markup-compatibility/2006" xmlns:o="urn:schemas-microsoft-com:office:office" xmlns:v="urn:schemas-microsoft-com:vml" xmlns:wp14="http://schemas.microsoft.com/office/word/2010/wordprocessingDrawing" xmlns:w10="urn:schemas-microsoft-com:office:word" xmlns:w="http://schemas.openxmlformats.org/wordprocessingml/2006/main" xmlns:w14="http://schemas.microsoft.com/office/word/2010/wordml" xmlns:wpg="http://schemas.microsoft.com/office/word/2010/wordprocessingGroup" xmlns:wpi="http://schemas.microsoft.com/office/word/2010/wordprocessingInk" xmlns:wps="http://schemas.microsoft.com/office/word/2010/wordprocessingShape" xmlns:a14="http://schemas.microsoft.com/office/drawing/2010/main" xmlns:wne="http://schemas.microsoft.com/office/word/2006/wordml" xmlns:wp="http://schemas.openxmlformats.org/drawingml/2006/wordprocessingDrawing" xmlns:m="http://schemas.openxmlformats.org/officeDocument/2006/math" xmlns:ve="http://schemas.openxmlformats.org/markup-compatibility/2006" val="0"/>
               </a:ext>
             </a:extLst>
           </a:blip>
@@ -9419,10 +11580,10 @@
           <p:nvPr/>
         </p:nvPicPr>
         <p:blipFill>
-          <a:blip r:embed="rId4">
+          <a:blip r:embed="rId4" cstate="print">
             <a:extLst>
               <a:ext uri="{28A0092B-C50C-407E-A947-70E740481C1C}">
-                <a14:useLocalDpi xmlns:ve="http://schemas.openxmlformats.org/markup-compatibility/2006" xmlns:m="http://schemas.openxmlformats.org/officeDocument/2006/math" xmlns:wp="http://schemas.openxmlformats.org/drawingml/2006/wordprocessingDrawing" xmlns:wne="http://schemas.microsoft.com/office/word/2006/wordml" xmlns:a14="http://schemas.microsoft.com/office/drawing/2010/main" xmlns:wps="http://schemas.microsoft.com/office/word/2010/wordprocessingShape" xmlns:wpi="http://schemas.microsoft.com/office/word/2010/wordprocessingInk" xmlns:wpg="http://schemas.microsoft.com/office/word/2010/wordprocessingGroup" xmlns:w14="http://schemas.microsoft.com/office/word/2010/wordml" xmlns:w="http://schemas.openxmlformats.org/wordprocessingml/2006/main" xmlns:w10="urn:schemas-microsoft-com:office:word" xmlns:wp14="http://schemas.microsoft.com/office/word/2010/wordprocessingDrawing" xmlns:v="urn:schemas-microsoft-com:vml" xmlns:o="urn:schemas-microsoft-com:office:office" xmlns:mc="http://schemas.openxmlformats.org/markup-compatibility/2006" xmlns:wpc="http://schemas.microsoft.com/office/word/2010/wordprocessingCanvas" xmlns="" xmlns:pic="http://schemas.openxmlformats.org/drawingml/2006/picture" xmlns:lc="http://schemas.openxmlformats.org/drawingml/2006/lockedCanvas" val="0"/>
+                <a14:useLocalDpi xmlns:lc="http://schemas.openxmlformats.org/drawingml/2006/lockedCanvas" xmlns:pic="http://schemas.openxmlformats.org/drawingml/2006/picture" xmlns="" xmlns:wpc="http://schemas.microsoft.com/office/word/2010/wordprocessingCanvas" xmlns:mc="http://schemas.openxmlformats.org/markup-compatibility/2006" xmlns:o="urn:schemas-microsoft-com:office:office" xmlns:v="urn:schemas-microsoft-com:vml" xmlns:wp14="http://schemas.microsoft.com/office/word/2010/wordprocessingDrawing" xmlns:w10="urn:schemas-microsoft-com:office:word" xmlns:w="http://schemas.openxmlformats.org/wordprocessingml/2006/main" xmlns:w14="http://schemas.microsoft.com/office/word/2010/wordml" xmlns:wpg="http://schemas.microsoft.com/office/word/2010/wordprocessingGroup" xmlns:wpi="http://schemas.microsoft.com/office/word/2010/wordprocessingInk" xmlns:wps="http://schemas.microsoft.com/office/word/2010/wordprocessingShape" xmlns:a14="http://schemas.microsoft.com/office/drawing/2010/main" xmlns:wne="http://schemas.microsoft.com/office/word/2006/wordml" xmlns:wp="http://schemas.openxmlformats.org/drawingml/2006/wordprocessingDrawing" xmlns:m="http://schemas.openxmlformats.org/officeDocument/2006/math" xmlns:ve="http://schemas.openxmlformats.org/markup-compatibility/2006" val="0"/>
               </a:ext>
             </a:extLst>
           </a:blip>
@@ -9450,6 +11611,13 @@
   <p:clrMapOvr>
     <a:masterClrMapping/>
   </p:clrMapOvr>
+  <p:timing>
+    <p:tnLst>
+      <p:par>
+        <p:cTn id="1" dur="indefinite" restart="never" nodeType="tmRoot"/>
+      </p:par>
+    </p:tnLst>
+  </p:timing>
 </p:sld>
 </file>
 
@@ -9496,7 +11664,7 @@
           <p:nvPr/>
         </p:nvPicPr>
         <p:blipFill>
-          <a:blip r:embed="rId2"/>
+          <a:blip r:embed="rId2" cstate="print"/>
           <a:srcRect/>
           <a:stretch>
             <a:fillRect/>
@@ -9526,7 +11694,7 @@
           <p:nvPr/>
         </p:nvPicPr>
         <p:blipFill>
-          <a:blip r:embed="rId3"/>
+          <a:blip r:embed="rId3" cstate="print"/>
           <a:srcRect t="1126" r="19666" b="39414"/>
           <a:stretch>
             <a:fillRect/>
@@ -9549,7 +11717,7 @@
           <p:nvPr/>
         </p:nvPicPr>
         <p:blipFill>
-          <a:blip r:embed="rId3"/>
+          <a:blip r:embed="rId3" cstate="print"/>
           <a:srcRect t="60586" r="15667" b="2928"/>
           <a:stretch>
             <a:fillRect/>
@@ -9594,6 +11762,13 @@
   <p:clrMapOvr>
     <a:masterClrMapping/>
   </p:clrMapOvr>
+  <p:timing>
+    <p:tnLst>
+      <p:par>
+        <p:cTn id="1" dur="indefinite" restart="never" nodeType="tmRoot"/>
+      </p:par>
+    </p:tnLst>
+  </p:timing>
 </p:sld>
 </file>
 
@@ -9651,7 +11826,7 @@
       </p:sp>
       <p:graphicFrame>
         <p:nvGraphicFramePr>
-          <p:cNvPr id="4" name="Content Placeholder 3"/>
+          <p:cNvPr id="6" name="Content Placeholder 5"/>
           <p:cNvGraphicFramePr>
             <a:graphicFrameLocks noGrp="1"/>
           </p:cNvGraphicFramePr>
@@ -9660,8 +11835,8 @@
           </p:nvPr>
         </p:nvGraphicFramePr>
         <p:xfrm>
-          <a:off x="990600" y="1447799"/>
-          <a:ext cx="7086599" cy="4495800"/>
+          <a:off x="838200" y="1143000"/>
+          <a:ext cx="7086601" cy="5410200"/>
         </p:xfrm>
         <a:graphic>
           <a:graphicData uri="http://schemas.openxmlformats.org/drawingml/2006/table">
@@ -9670,37 +11845,34 @@
               <a:tblGrid>
                 <a:gridCol w="2858948"/>
                 <a:gridCol w="1198825"/>
-                <a:gridCol w="1219541"/>
-                <a:gridCol w="1809285"/>
+                <a:gridCol w="1219542"/>
+                <a:gridCol w="1809286"/>
               </a:tblGrid>
-              <a:tr h="642258">
+              <a:tr h="721360">
                 <a:tc>
                   <a:txBody>
                     <a:bodyPr/>
                     <a:lstStyle/>
                     <a:p>
-                      <a:pPr marL="0" marR="0" indent="0" algn="ctr">
-                        <a:spcBef>
-                          <a:spcPts val="0"/>
-                        </a:spcBef>
+                      <a:pPr indent="137160" algn="ctr">
                         <a:spcAft>
                           <a:spcPts val="0"/>
                         </a:spcAft>
                       </a:pPr>
                       <a:r>
-                        <a:rPr lang="en-US" sz="1800" dirty="0" err="1">
+                        <a:rPr lang="en-US" sz="2000" dirty="0" err="1">
                           <a:latin typeface="Times New Roman"/>
                           <a:ea typeface="SimSun"/>
                         </a:rPr>
                         <a:t>Proses</a:t>
                       </a:r>
-                      <a:endParaRPr lang="en-US" sz="1800" dirty="0">
+                      <a:endParaRPr lang="en-US" sz="2000" dirty="0">
                         <a:latin typeface="Times New Roman"/>
                         <a:ea typeface="SimSun"/>
                       </a:endParaRPr>
                     </a:p>
                   </a:txBody>
-                  <a:tcPr marL="68580" marR="68580" marT="0" marB="0">
+                  <a:tcPr marL="170013" marR="170013" marT="0" marB="0">
                     <a:lnL w="12700" cap="flat" cmpd="sng" algn="ctr">
                       <a:solidFill>
                         <a:srgbClr val="000000"/>
@@ -9744,16 +11916,13 @@
                     <a:bodyPr/>
                     <a:lstStyle/>
                     <a:p>
-                      <a:pPr marL="0" marR="0" indent="0" algn="ctr">
-                        <a:spcBef>
-                          <a:spcPts val="0"/>
-                        </a:spcBef>
+                      <a:pPr indent="137160" algn="ctr">
                         <a:spcAft>
                           <a:spcPts val="0"/>
                         </a:spcAft>
                       </a:pPr>
                       <a:r>
-                        <a:rPr lang="en-US" sz="1800">
+                        <a:rPr lang="en-US" sz="2000">
                           <a:latin typeface="Times New Roman"/>
                           <a:ea typeface="SimSun"/>
                         </a:rPr>
@@ -9761,7 +11930,7 @@
                       </a:r>
                     </a:p>
                   </a:txBody>
-                  <a:tcPr marL="68580" marR="68580" marT="0" marB="0">
+                  <a:tcPr marL="170013" marR="170013" marT="0" marB="0">
                     <a:lnL w="12700" cap="flat" cmpd="sng" algn="ctr">
                       <a:solidFill>
                         <a:srgbClr val="000000"/>
@@ -9805,16 +11974,13 @@
                     <a:bodyPr/>
                     <a:lstStyle/>
                     <a:p>
-                      <a:pPr marL="0" marR="0" indent="0" algn="ctr">
-                        <a:spcBef>
-                          <a:spcPts val="0"/>
-                        </a:spcBef>
+                      <a:pPr indent="137160" algn="ctr">
                         <a:spcAft>
                           <a:spcPts val="0"/>
                         </a:spcAft>
                       </a:pPr>
                       <a:r>
-                        <a:rPr lang="en-US" sz="1800">
+                        <a:rPr lang="en-US" sz="2000">
                           <a:latin typeface="Times New Roman"/>
                           <a:ea typeface="SimSun"/>
                         </a:rPr>
@@ -9822,7 +11988,7 @@
                       </a:r>
                     </a:p>
                   </a:txBody>
-                  <a:tcPr marL="68580" marR="68580" marT="0" marB="0">
+                  <a:tcPr marL="170013" marR="170013" marT="0" marB="0">
                     <a:lnL w="12700" cap="flat" cmpd="sng" algn="ctr">
                       <a:solidFill>
                         <a:srgbClr val="000000"/>
@@ -9866,16 +12032,13 @@
                     <a:bodyPr/>
                     <a:lstStyle/>
                     <a:p>
-                      <a:pPr marL="0" marR="0" indent="0" algn="ctr">
-                        <a:spcBef>
-                          <a:spcPts val="0"/>
-                        </a:spcBef>
+                      <a:pPr indent="137160" algn="ctr">
                         <a:spcAft>
                           <a:spcPts val="0"/>
                         </a:spcAft>
                       </a:pPr>
                       <a:r>
-                        <a:rPr lang="en-US" sz="1800">
+                        <a:rPr lang="en-US" sz="2000">
                           <a:latin typeface="Times New Roman"/>
                           <a:ea typeface="SimSun"/>
                         </a:rPr>
@@ -9883,7 +12046,7 @@
                       </a:r>
                     </a:p>
                   </a:txBody>
-                  <a:tcPr marL="68580" marR="68580" marT="0" marB="0">
+                  <a:tcPr marL="170013" marR="170013" marT="0" marB="0">
                     <a:lnL w="12700" cap="flat" cmpd="sng" algn="ctr">
                       <a:solidFill>
                         <a:srgbClr val="000000"/>
@@ -9923,34 +12086,27 @@
                   </a:tcPr>
                 </a:tc>
               </a:tr>
-              <a:tr h="321128">
+              <a:tr h="360680">
                 <a:tc>
                   <a:txBody>
                     <a:bodyPr/>
                     <a:lstStyle/>
                     <a:p>
-                      <a:pPr marL="0" marR="0" indent="0" algn="l">
-                        <a:spcBef>
-                          <a:spcPts val="0"/>
-                        </a:spcBef>
+                      <a:pPr indent="137160" algn="l">
                         <a:spcAft>
                           <a:spcPts val="0"/>
                         </a:spcAft>
                       </a:pPr>
                       <a:r>
-                        <a:rPr lang="en-US" sz="1800" dirty="0" err="1">
+                        <a:rPr lang="en-US" sz="2000">
                           <a:latin typeface="Times New Roman"/>
                           <a:ea typeface="SimSun"/>
                         </a:rPr>
                         <a:t>Preproses</a:t>
                       </a:r>
-                      <a:endParaRPr lang="en-US" sz="1800" dirty="0">
-                        <a:latin typeface="Times New Roman"/>
-                        <a:ea typeface="SimSun"/>
-                      </a:endParaRPr>
                     </a:p>
                   </a:txBody>
-                  <a:tcPr marL="68580" marR="68580" marT="0" marB="0">
+                  <a:tcPr marL="170013" marR="170013" marT="0" marB="0">
                     <a:lnL w="12700" cap="flat" cmpd="sng" algn="ctr">
                       <a:solidFill>
                         <a:srgbClr val="000000"/>
@@ -9994,16 +12150,13 @@
                     <a:bodyPr/>
                     <a:lstStyle/>
                     <a:p>
-                      <a:pPr marL="0" marR="0" indent="0" algn="l">
-                        <a:spcBef>
-                          <a:spcPts val="0"/>
-                        </a:spcBef>
+                      <a:pPr indent="137160" algn="l">
                         <a:spcAft>
                           <a:spcPts val="0"/>
                         </a:spcAft>
                       </a:pPr>
                       <a:r>
-                        <a:rPr lang="en-US" sz="1800">
+                        <a:rPr lang="en-US" sz="2000">
                           <a:latin typeface="Times New Roman"/>
                           <a:ea typeface="SimSun"/>
                         </a:rPr>
@@ -10011,7 +12164,7 @@
                       </a:r>
                     </a:p>
                   </a:txBody>
-                  <a:tcPr marL="68580" marR="68580" marT="0" marB="0">
+                  <a:tcPr marL="170013" marR="170013" marT="0" marB="0">
                     <a:lnL w="12700" cap="flat" cmpd="sng" algn="ctr">
                       <a:solidFill>
                         <a:srgbClr val="000000"/>
@@ -10055,16 +12208,13 @@
                     <a:bodyPr/>
                     <a:lstStyle/>
                     <a:p>
-                      <a:pPr marL="0" marR="0" indent="0" algn="l">
-                        <a:spcBef>
-                          <a:spcPts val="0"/>
-                        </a:spcBef>
+                      <a:pPr indent="137160" algn="l">
                         <a:spcAft>
                           <a:spcPts val="0"/>
                         </a:spcAft>
                       </a:pPr>
                       <a:r>
-                        <a:rPr lang="en-US" sz="1800">
+                        <a:rPr lang="en-US" sz="2000">
                           <a:latin typeface="Times New Roman"/>
                           <a:ea typeface="SimSun"/>
                         </a:rPr>
@@ -10072,7 +12222,7 @@
                       </a:r>
                     </a:p>
                   </a:txBody>
-                  <a:tcPr marL="68580" marR="68580" marT="0" marB="0">
+                  <a:tcPr marL="170013" marR="170013" marT="0" marB="0">
                     <a:lnL w="12700" cap="flat" cmpd="sng" algn="ctr">
                       <a:solidFill>
                         <a:srgbClr val="000000"/>
@@ -10116,16 +12266,13 @@
                     <a:bodyPr/>
                     <a:lstStyle/>
                     <a:p>
-                      <a:pPr marL="0" marR="0" indent="0" algn="l">
-                        <a:spcBef>
-                          <a:spcPts val="0"/>
-                        </a:spcBef>
+                      <a:pPr indent="137160" algn="l">
                         <a:spcAft>
                           <a:spcPts val="0"/>
                         </a:spcAft>
                       </a:pPr>
                       <a:r>
-                        <a:rPr lang="en-US" sz="1800">
+                        <a:rPr lang="en-US" sz="2000">
                           <a:latin typeface="Times New Roman"/>
                           <a:ea typeface="SimSun"/>
                         </a:rPr>
@@ -10133,7 +12280,7 @@
                       </a:r>
                     </a:p>
                   </a:txBody>
-                  <a:tcPr marL="68580" marR="68580" marT="0" marB="0">
+                  <a:tcPr marL="170013" marR="170013" marT="0" marB="0">
                     <a:lnL w="12700" cap="flat" cmpd="sng" algn="ctr">
                       <a:solidFill>
                         <a:srgbClr val="000000"/>
@@ -10173,22 +12320,19 @@
                   </a:tcPr>
                 </a:tc>
               </a:tr>
-              <a:tr h="642258">
+              <a:tr h="721360">
                 <a:tc>
                   <a:txBody>
                     <a:bodyPr/>
                     <a:lstStyle/>
                     <a:p>
-                      <a:pPr marL="0" marR="0" indent="0" algn="l">
-                        <a:spcBef>
-                          <a:spcPts val="0"/>
-                        </a:spcBef>
+                      <a:pPr indent="137160" algn="l">
                         <a:spcAft>
                           <a:spcPts val="0"/>
                         </a:spcAft>
                       </a:pPr>
                       <a:r>
-                        <a:rPr lang="en-US" sz="1800">
+                        <a:rPr lang="en-US" sz="2000">
                           <a:latin typeface="Times New Roman"/>
                           <a:ea typeface="SimSun"/>
                         </a:rPr>
@@ -10196,7 +12340,7 @@
                       </a:r>
                     </a:p>
                   </a:txBody>
-                  <a:tcPr marL="68580" marR="68580" marT="0" marB="0">
+                  <a:tcPr marL="170013" marR="170013" marT="0" marB="0">
                     <a:lnL w="12700" cap="flat" cmpd="sng" algn="ctr">
                       <a:solidFill>
                         <a:srgbClr val="000000"/>
@@ -10240,16 +12384,13 @@
                     <a:bodyPr/>
                     <a:lstStyle/>
                     <a:p>
-                      <a:pPr marL="0" marR="0" indent="0" algn="just">
-                        <a:spcBef>
-                          <a:spcPts val="0"/>
-                        </a:spcBef>
+                      <a:pPr indent="137160" algn="just">
                         <a:spcAft>
                           <a:spcPts val="0"/>
                         </a:spcAft>
                       </a:pPr>
                       <a:r>
-                        <a:rPr lang="en-US" sz="1800">
+                        <a:rPr lang="en-US" sz="2000">
                           <a:latin typeface="Times New Roman"/>
                           <a:ea typeface="SimSun"/>
                         </a:rPr>
@@ -10257,7 +12398,7 @@
                       </a:r>
                     </a:p>
                   </a:txBody>
-                  <a:tcPr marL="68580" marR="68580" marT="0" marB="0">
+                  <a:tcPr marL="170013" marR="170013" marT="0" marB="0">
                     <a:lnL w="12700" cap="flat" cmpd="sng" algn="ctr">
                       <a:solidFill>
                         <a:srgbClr val="000000"/>
@@ -10301,16 +12442,13 @@
                     <a:bodyPr/>
                     <a:lstStyle/>
                     <a:p>
-                      <a:pPr marL="0" marR="0" indent="0" algn="just">
-                        <a:spcBef>
-                          <a:spcPts val="0"/>
-                        </a:spcBef>
+                      <a:pPr indent="137160" algn="just">
                         <a:spcAft>
                           <a:spcPts val="0"/>
                         </a:spcAft>
                       </a:pPr>
                       <a:r>
-                        <a:rPr lang="en-US" sz="1800">
+                        <a:rPr lang="en-US" sz="2000">
                           <a:latin typeface="Times New Roman"/>
                           <a:ea typeface="SimSun"/>
                         </a:rPr>
@@ -10318,7 +12456,7 @@
                       </a:r>
                     </a:p>
                   </a:txBody>
-                  <a:tcPr marL="68580" marR="68580" marT="0" marB="0">
+                  <a:tcPr marL="170013" marR="170013" marT="0" marB="0">
                     <a:lnL w="12700" cap="flat" cmpd="sng" algn="ctr">
                       <a:solidFill>
                         <a:srgbClr val="000000"/>
@@ -10362,16 +12500,13 @@
                     <a:bodyPr/>
                     <a:lstStyle/>
                     <a:p>
-                      <a:pPr marL="0" marR="0" indent="0" algn="just">
-                        <a:spcBef>
-                          <a:spcPts val="0"/>
-                        </a:spcBef>
+                      <a:pPr indent="137160" algn="just">
                         <a:spcAft>
                           <a:spcPts val="0"/>
                         </a:spcAft>
                       </a:pPr>
                       <a:r>
-                        <a:rPr lang="en-US" sz="1800">
+                        <a:rPr lang="en-US" sz="2000">
                           <a:latin typeface="Times New Roman"/>
                           <a:ea typeface="SimSun"/>
                         </a:rPr>
@@ -10379,7 +12514,7 @@
                       </a:r>
                     </a:p>
                   </a:txBody>
-                  <a:tcPr marL="68580" marR="68580" marT="0" marB="0">
+                  <a:tcPr marL="170013" marR="170013" marT="0" marB="0">
                     <a:lnL w="12700" cap="flat" cmpd="sng" algn="ctr">
                       <a:solidFill>
                         <a:srgbClr val="000000"/>
@@ -10419,30 +12554,27 @@
                   </a:tcPr>
                 </a:tc>
               </a:tr>
-              <a:tr h="321128">
+              <a:tr h="721360">
                 <a:tc>
                   <a:txBody>
                     <a:bodyPr/>
                     <a:lstStyle/>
                     <a:p>
-                      <a:pPr marL="0" marR="0" indent="0" algn="just">
-                        <a:spcBef>
-                          <a:spcPts val="0"/>
-                        </a:spcBef>
+                      <a:pPr indent="137160" algn="just">
                         <a:spcAft>
                           <a:spcPts val="0"/>
                         </a:spcAft>
                       </a:pPr>
                       <a:r>
-                        <a:rPr lang="en-US" sz="1800">
+                        <a:rPr lang="en-US" sz="2000">
                           <a:latin typeface="Times New Roman"/>
                           <a:ea typeface="SimSun"/>
                         </a:rPr>
-                        <a:t>Identifikasi Karakter</a:t>
+                        <a:t>Pengkondisian Kotak Nomor</a:t>
                       </a:r>
                     </a:p>
                   </a:txBody>
-                  <a:tcPr marL="68580" marR="68580" marT="0" marB="0">
+                  <a:tcPr marL="170013" marR="170013" marT="0" marB="0">
                     <a:lnL w="12700" cap="flat" cmpd="sng" algn="ctr">
                       <a:solidFill>
                         <a:srgbClr val="000000"/>
@@ -10486,24 +12618,25 @@
                     <a:bodyPr/>
                     <a:lstStyle/>
                     <a:p>
-                      <a:pPr marL="0" marR="0" indent="0" algn="just">
-                        <a:spcBef>
-                          <a:spcPts val="0"/>
-                        </a:spcBef>
+                      <a:pPr indent="137160" algn="just">
                         <a:spcAft>
                           <a:spcPts val="0"/>
                         </a:spcAft>
                       </a:pPr>
                       <a:r>
-                        <a:rPr lang="en-US" sz="1800" dirty="0">
+                        <a:rPr lang="en-US" sz="2000" dirty="0" smtClean="0">
                           <a:latin typeface="Times New Roman"/>
                           <a:ea typeface="SimSun"/>
                         </a:rPr>
-                        <a:t>42</a:t>
+                        <a:t>15</a:t>
                       </a:r>
+                      <a:endParaRPr lang="en-US" sz="2000" dirty="0">
+                        <a:latin typeface="Times New Roman"/>
+                        <a:ea typeface="SimSun"/>
+                      </a:endParaRPr>
                     </a:p>
                   </a:txBody>
-                  <a:tcPr marL="68580" marR="68580" marT="0" marB="0">
+                  <a:tcPr marL="170013" marR="170013" marT="0" marB="0">
                     <a:lnL w="12700" cap="flat" cmpd="sng" algn="ctr">
                       <a:solidFill>
                         <a:srgbClr val="000000"/>
@@ -10547,16 +12680,13 @@
                     <a:bodyPr/>
                     <a:lstStyle/>
                     <a:p>
-                      <a:pPr marL="0" marR="0" indent="0" algn="just">
-                        <a:spcBef>
-                          <a:spcPts val="0"/>
-                        </a:spcBef>
+                      <a:pPr indent="137160" algn="just">
                         <a:spcAft>
                           <a:spcPts val="0"/>
                         </a:spcAft>
                       </a:pPr>
                       <a:r>
-                        <a:rPr lang="en-US" sz="1800" dirty="0">
+                        <a:rPr lang="en-US" sz="2000">
                           <a:latin typeface="Times New Roman"/>
                           <a:ea typeface="SimSun"/>
                         </a:rPr>
@@ -10564,7 +12694,7 @@
                       </a:r>
                     </a:p>
                   </a:txBody>
-                  <a:tcPr marL="68580" marR="68580" marT="0" marB="0">
+                  <a:tcPr marL="170013" marR="170013" marT="0" marB="0">
                     <a:lnL w="12700" cap="flat" cmpd="sng" algn="ctr">
                       <a:solidFill>
                         <a:srgbClr val="000000"/>
@@ -10608,24 +12738,25 @@
                     <a:bodyPr/>
                     <a:lstStyle/>
                     <a:p>
-                      <a:pPr marL="0" marR="0" indent="0" algn="just">
-                        <a:spcBef>
-                          <a:spcPts val="0"/>
-                        </a:spcBef>
+                      <a:pPr indent="137160" algn="just">
                         <a:spcAft>
                           <a:spcPts val="0"/>
                         </a:spcAft>
                       </a:pPr>
                       <a:r>
-                        <a:rPr lang="en-US" sz="1800">
+                        <a:rPr lang="en-US" sz="2000" dirty="0" smtClean="0">
                           <a:latin typeface="Times New Roman"/>
                           <a:ea typeface="SimSun"/>
                         </a:rPr>
-                        <a:t>27</a:t>
+                        <a:t>0</a:t>
                       </a:r>
+                      <a:endParaRPr lang="en-US" sz="2000" dirty="0">
+                        <a:latin typeface="Times New Roman"/>
+                        <a:ea typeface="SimSun"/>
+                      </a:endParaRPr>
                     </a:p>
                   </a:txBody>
-                  <a:tcPr marL="68580" marR="68580" marT="0" marB="0">
+                  <a:tcPr marL="170013" marR="170013" marT="0" marB="0">
                     <a:lnL w="12700" cap="flat" cmpd="sng" algn="ctr">
                       <a:solidFill>
                         <a:srgbClr val="000000"/>
@@ -10665,118 +12796,27 @@
                   </a:tcPr>
                 </a:tc>
               </a:tr>
-              <a:tr h="963385">
+              <a:tr h="721360">
                 <a:tc>
                   <a:txBody>
                     <a:bodyPr/>
                     <a:lstStyle/>
                     <a:p>
-                      <a:pPr marL="0" marR="0" indent="0" algn="just">
-                        <a:spcBef>
-                          <a:spcPts val="0"/>
-                        </a:spcBef>
+                      <a:pPr indent="137160" algn="just">
                         <a:spcAft>
                           <a:spcPts val="0"/>
                         </a:spcAft>
                       </a:pPr>
                       <a:r>
-                        <a:rPr lang="en-US" sz="1800" dirty="0" err="1">
+                        <a:rPr lang="en-US" sz="2000">
                           <a:latin typeface="Times New Roman"/>
                           <a:ea typeface="SimSun"/>
                         </a:rPr>
-                        <a:t>Segmentasi</a:t>
+                        <a:t>Identifikasi Karakter</a:t>
                       </a:r>
-                      <a:r>
-                        <a:rPr lang="en-US" sz="1800" dirty="0">
-                          <a:latin typeface="Times New Roman"/>
-                          <a:ea typeface="SimSun"/>
-                        </a:rPr>
-                        <a:t> </a:t>
-                      </a:r>
-                      <a:r>
-                        <a:rPr lang="en-US" sz="1800" dirty="0" err="1">
-                          <a:latin typeface="Times New Roman"/>
-                          <a:ea typeface="SimSun"/>
-                        </a:rPr>
-                        <a:t>Karakter</a:t>
-                      </a:r>
-                      <a:r>
-                        <a:rPr lang="en-US" sz="1800" dirty="0">
-                          <a:latin typeface="Times New Roman"/>
-                          <a:ea typeface="SimSun"/>
-                        </a:rPr>
-                        <a:t> </a:t>
-                      </a:r>
-                      <a:r>
-                        <a:rPr lang="en-US" sz="1800" dirty="0" err="1">
-                          <a:latin typeface="Times New Roman"/>
-                          <a:ea typeface="SimSun"/>
-                        </a:rPr>
-                        <a:t>dalam</a:t>
-                      </a:r>
-                      <a:r>
-                        <a:rPr lang="en-US" sz="1800" dirty="0">
-                          <a:latin typeface="Times New Roman"/>
-                          <a:ea typeface="SimSun"/>
-                        </a:rPr>
-                        <a:t> </a:t>
-                      </a:r>
-                      <a:r>
-                        <a:rPr lang="en-US" sz="1800" dirty="0" err="1">
-                          <a:latin typeface="Times New Roman"/>
-                          <a:ea typeface="SimSun"/>
-                        </a:rPr>
-                        <a:t>Kotak</a:t>
-                      </a:r>
-                      <a:r>
-                        <a:rPr lang="en-US" sz="1800" dirty="0">
-                          <a:latin typeface="Times New Roman"/>
-                          <a:ea typeface="SimSun"/>
-                        </a:rPr>
-                        <a:t> </a:t>
-                      </a:r>
-                      <a:r>
-                        <a:rPr lang="en-US" sz="1800" dirty="0" err="1">
-                          <a:latin typeface="Times New Roman"/>
-                          <a:ea typeface="SimSun"/>
-                        </a:rPr>
-                        <a:t>Nomor</a:t>
-                      </a:r>
-                      <a:r>
-                        <a:rPr lang="en-US" sz="1800" dirty="0">
-                          <a:latin typeface="Times New Roman"/>
-                          <a:ea typeface="SimSun"/>
-                        </a:rPr>
-                        <a:t> </a:t>
-                      </a:r>
-                      <a:r>
-                        <a:rPr lang="en-US" sz="1800" dirty="0" err="1">
-                          <a:latin typeface="Times New Roman"/>
-                          <a:ea typeface="SimSun"/>
-                        </a:rPr>
-                        <a:t>Hasil</a:t>
-                      </a:r>
-                      <a:r>
-                        <a:rPr lang="en-US" sz="1800" dirty="0">
-                          <a:latin typeface="Times New Roman"/>
-                          <a:ea typeface="SimSun"/>
-                        </a:rPr>
-                        <a:t> </a:t>
-                      </a:r>
-                      <a:r>
-                        <a:rPr lang="en-US" sz="1800" dirty="0" err="1">
-                          <a:latin typeface="Times New Roman"/>
-                          <a:ea typeface="SimSun"/>
-                        </a:rPr>
-                        <a:t>Ekstrasi</a:t>
-                      </a:r>
-                      <a:endParaRPr lang="en-US" sz="1800" dirty="0">
-                        <a:latin typeface="Times New Roman"/>
-                        <a:ea typeface="SimSun"/>
-                      </a:endParaRPr>
                     </a:p>
                   </a:txBody>
-                  <a:tcPr marL="68580" marR="68580" marT="0" marB="0">
+                  <a:tcPr marL="170013" marR="170013" marT="0" marB="0">
                     <a:lnL w="12700" cap="flat" cmpd="sng" algn="ctr">
                       <a:solidFill>
                         <a:srgbClr val="000000"/>
@@ -10820,24 +12860,25 @@
                     <a:bodyPr/>
                     <a:lstStyle/>
                     <a:p>
-                      <a:pPr marL="0" marR="0" indent="0" algn="just">
-                        <a:spcBef>
-                          <a:spcPts val="0"/>
-                        </a:spcBef>
+                      <a:pPr indent="137160" algn="just">
                         <a:spcAft>
                           <a:spcPts val="0"/>
                         </a:spcAft>
                       </a:pPr>
                       <a:r>
-                        <a:rPr lang="en-US" sz="1800">
+                        <a:rPr lang="en-US" sz="2000" dirty="0" smtClean="0">
                           <a:latin typeface="Times New Roman"/>
                           <a:ea typeface="SimSun"/>
                         </a:rPr>
-                        <a:t>42</a:t>
+                        <a:t>15</a:t>
                       </a:r>
+                      <a:endParaRPr lang="en-US" sz="2000" dirty="0">
+                        <a:latin typeface="Times New Roman"/>
+                        <a:ea typeface="SimSun"/>
+                      </a:endParaRPr>
                     </a:p>
                   </a:txBody>
-                  <a:tcPr marL="68580" marR="68580" marT="0" marB="0">
+                  <a:tcPr marL="170013" marR="170013" marT="0" marB="0">
                     <a:lnL w="12700" cap="flat" cmpd="sng" algn="ctr">
                       <a:solidFill>
                         <a:srgbClr val="000000"/>
@@ -10881,24 +12922,25 @@
                     <a:bodyPr/>
                     <a:lstStyle/>
                     <a:p>
-                      <a:pPr marL="0" marR="0" indent="0" algn="just">
-                        <a:spcBef>
-                          <a:spcPts val="0"/>
-                        </a:spcBef>
+                      <a:pPr indent="137160" algn="just">
                         <a:spcAft>
                           <a:spcPts val="0"/>
                         </a:spcAft>
                       </a:pPr>
                       <a:r>
-                        <a:rPr lang="en-US" sz="1800" dirty="0">
+                        <a:rPr lang="en-US" sz="2000" dirty="0" smtClean="0">
                           <a:latin typeface="Times New Roman"/>
                           <a:ea typeface="SimSun"/>
                         </a:rPr>
-                        <a:t>15</a:t>
+                        <a:t>12</a:t>
                       </a:r>
+                      <a:endParaRPr lang="en-US" sz="2000" dirty="0">
+                        <a:latin typeface="Times New Roman"/>
+                        <a:ea typeface="SimSun"/>
+                      </a:endParaRPr>
                     </a:p>
                   </a:txBody>
-                  <a:tcPr marL="68580" marR="68580" marT="0" marB="0">
+                  <a:tcPr marL="170013" marR="170013" marT="0" marB="0">
                     <a:lnL w="12700" cap="flat" cmpd="sng" algn="ctr">
                       <a:solidFill>
                         <a:srgbClr val="000000"/>
@@ -10942,24 +12984,25 @@
                     <a:bodyPr/>
                     <a:lstStyle/>
                     <a:p>
-                      <a:pPr marL="0" marR="0" indent="0" algn="just">
-                        <a:spcBef>
-                          <a:spcPts val="0"/>
-                        </a:spcBef>
+                      <a:pPr indent="137160" algn="just">
                         <a:spcAft>
                           <a:spcPts val="0"/>
                         </a:spcAft>
                       </a:pPr>
                       <a:r>
-                        <a:rPr lang="en-US" sz="1800" dirty="0">
+                        <a:rPr lang="en-US" sz="2000" dirty="0" smtClean="0">
                           <a:latin typeface="Times New Roman"/>
                           <a:ea typeface="SimSun"/>
                         </a:rPr>
-                        <a:t>27</a:t>
+                        <a:t>13</a:t>
                       </a:r>
+                      <a:endParaRPr lang="en-US" sz="2000" dirty="0">
+                        <a:latin typeface="Times New Roman"/>
+                        <a:ea typeface="SimSun"/>
+                      </a:endParaRPr>
                     </a:p>
                   </a:txBody>
-                  <a:tcPr marL="68580" marR="68580" marT="0" marB="0">
+                  <a:tcPr marL="170013" marR="170013" marT="0" marB="0">
                     <a:lnL w="12700" cap="flat" cmpd="sng" algn="ctr">
                       <a:solidFill>
                         <a:srgbClr val="000000"/>
@@ -10999,30 +13042,38 @@
                   </a:tcPr>
                 </a:tc>
               </a:tr>
-              <a:tr h="642258">
+              <a:tr h="1082040">
                 <a:tc>
                   <a:txBody>
                     <a:bodyPr/>
                     <a:lstStyle/>
                     <a:p>
-                      <a:pPr marL="0" marR="0" indent="0" algn="just">
-                        <a:spcBef>
-                          <a:spcPts val="0"/>
-                        </a:spcBef>
+                      <a:pPr indent="137160" algn="just">
                         <a:spcAft>
                           <a:spcPts val="0"/>
                         </a:spcAft>
                       </a:pPr>
                       <a:r>
-                        <a:rPr lang="en-US" sz="1800">
+                        <a:rPr lang="en-US" sz="2000" dirty="0" err="1" smtClean="0">
                           <a:latin typeface="Times New Roman"/>
                           <a:ea typeface="SimSun"/>
                         </a:rPr>
-                        <a:t>Pengkondisian Kotak Nomor</a:t>
+                        <a:t>Ketepatan</a:t>
                       </a:r>
+                      <a:r>
+                        <a:rPr lang="en-US" sz="2000" dirty="0" smtClean="0">
+                          <a:latin typeface="Times New Roman"/>
+                          <a:ea typeface="SimSun"/>
+                        </a:rPr>
+                        <a:t> &gt; 50 %</a:t>
+                      </a:r>
+                      <a:endParaRPr lang="en-US" sz="2000" dirty="0">
+                        <a:latin typeface="Times New Roman"/>
+                        <a:ea typeface="SimSun"/>
+                      </a:endParaRPr>
                     </a:p>
                   </a:txBody>
-                  <a:tcPr marL="68580" marR="68580" marT="0" marB="0">
+                  <a:tcPr marL="170013" marR="170013" marT="0" marB="0">
                     <a:lnL w="12700" cap="flat" cmpd="sng" algn="ctr">
                       <a:solidFill>
                         <a:srgbClr val="000000"/>
@@ -11066,24 +13117,25 @@
                     <a:bodyPr/>
                     <a:lstStyle/>
                     <a:p>
-                      <a:pPr marL="0" marR="0" indent="0" algn="just">
-                        <a:spcBef>
-                          <a:spcPts val="0"/>
-                        </a:spcBef>
+                      <a:pPr indent="137160" algn="just">
                         <a:spcAft>
                           <a:spcPts val="0"/>
                         </a:spcAft>
                       </a:pPr>
                       <a:r>
-                        <a:rPr lang="en-US" sz="1800">
+                        <a:rPr lang="en-US" sz="2000" dirty="0" smtClean="0">
                           <a:latin typeface="Times New Roman"/>
                           <a:ea typeface="SimSun"/>
                         </a:rPr>
-                        <a:t>42</a:t>
+                        <a:t>15</a:t>
                       </a:r>
+                      <a:endParaRPr lang="en-US" sz="2000" dirty="0">
+                        <a:latin typeface="Times New Roman"/>
+                        <a:ea typeface="SimSun"/>
+                      </a:endParaRPr>
                     </a:p>
                   </a:txBody>
-                  <a:tcPr marL="68580" marR="68580" marT="0" marB="0">
+                  <a:tcPr marL="170013" marR="170013" marT="0" marB="0">
                     <a:lnL w="12700" cap="flat" cmpd="sng" algn="ctr">
                       <a:solidFill>
                         <a:srgbClr val="000000"/>
@@ -11127,24 +13179,25 @@
                     <a:bodyPr/>
                     <a:lstStyle/>
                     <a:p>
-                      <a:pPr marL="0" marR="0" indent="0" algn="just">
-                        <a:spcBef>
-                          <a:spcPts val="0"/>
-                        </a:spcBef>
+                      <a:pPr indent="137160" algn="just">
                         <a:spcAft>
                           <a:spcPts val="0"/>
                         </a:spcAft>
                       </a:pPr>
                       <a:r>
-                        <a:rPr lang="en-US" sz="1800">
+                        <a:rPr lang="en-US" sz="2000" dirty="0" smtClean="0">
                           <a:latin typeface="Times New Roman"/>
                           <a:ea typeface="SimSun"/>
                         </a:rPr>
-                        <a:t>15</a:t>
+                        <a:t>4</a:t>
                       </a:r>
+                      <a:endParaRPr lang="en-US" sz="2000" dirty="0">
+                        <a:latin typeface="Times New Roman"/>
+                        <a:ea typeface="SimSun"/>
+                      </a:endParaRPr>
                     </a:p>
                   </a:txBody>
-                  <a:tcPr marL="68580" marR="68580" marT="0" marB="0">
+                  <a:tcPr marL="170013" marR="170013" marT="0" marB="0">
                     <a:lnL w="12700" cap="flat" cmpd="sng" algn="ctr">
                       <a:solidFill>
                         <a:srgbClr val="000000"/>
@@ -11188,24 +13241,25 @@
                     <a:bodyPr/>
                     <a:lstStyle/>
                     <a:p>
-                      <a:pPr marL="0" marR="0" indent="0" algn="just">
-                        <a:spcBef>
-                          <a:spcPts val="0"/>
-                        </a:spcBef>
+                      <a:pPr indent="137160" algn="just">
                         <a:spcAft>
                           <a:spcPts val="0"/>
                         </a:spcAft>
                       </a:pPr>
                       <a:r>
-                        <a:rPr lang="en-US" sz="1800" dirty="0">
+                        <a:rPr lang="en-US" sz="2000" dirty="0" smtClean="0">
                           <a:latin typeface="Times New Roman"/>
                           <a:ea typeface="SimSun"/>
                         </a:rPr>
-                        <a:t>27</a:t>
+                        <a:t>11</a:t>
                       </a:r>
+                      <a:endParaRPr lang="en-US" sz="2000" dirty="0">
+                        <a:latin typeface="Times New Roman"/>
+                        <a:ea typeface="SimSun"/>
+                      </a:endParaRPr>
                     </a:p>
                   </a:txBody>
-                  <a:tcPr marL="68580" marR="68580" marT="0" marB="0">
+                  <a:tcPr marL="170013" marR="170013" marT="0" marB="0">
                     <a:lnL w="12700" cap="flat" cmpd="sng" algn="ctr">
                       <a:solidFill>
                         <a:srgbClr val="000000"/>
@@ -11245,30 +13299,38 @@
                   </a:tcPr>
                 </a:tc>
               </a:tr>
-              <a:tr h="963385">
+              <a:tr h="1082040">
                 <a:tc>
                   <a:txBody>
                     <a:bodyPr/>
                     <a:lstStyle/>
                     <a:p>
-                      <a:pPr marL="0" marR="0" indent="0" algn="just">
-                        <a:spcBef>
-                          <a:spcPts val="0"/>
-                        </a:spcBef>
+                      <a:pPr indent="137160" algn="just">
                         <a:spcAft>
                           <a:spcPts val="0"/>
                         </a:spcAft>
                       </a:pPr>
                       <a:r>
-                        <a:rPr lang="en-US" sz="1800">
+                        <a:rPr lang="en-US" sz="2000" dirty="0" err="1" smtClean="0">
                           <a:latin typeface="Times New Roman"/>
                           <a:ea typeface="SimSun"/>
                         </a:rPr>
-                        <a:t>Menampilkan Karakter Hasil Identifikasi</a:t>
+                        <a:t>Ketepatan</a:t>
                       </a:r>
+                      <a:r>
+                        <a:rPr lang="en-US" sz="2000" dirty="0" smtClean="0">
+                          <a:latin typeface="Times New Roman"/>
+                          <a:ea typeface="SimSun"/>
+                        </a:rPr>
+                        <a:t> &gt; 90 %</a:t>
+                      </a:r>
+                      <a:endParaRPr lang="en-US" sz="2000" dirty="0">
+                        <a:latin typeface="Times New Roman"/>
+                        <a:ea typeface="SimSun"/>
+                      </a:endParaRPr>
                     </a:p>
                   </a:txBody>
-                  <a:tcPr marL="68580" marR="68580" marT="0" marB="0">
+                  <a:tcPr marL="170013" marR="170013" marT="0" marB="0">
                     <a:lnL w="12700" cap="flat" cmpd="sng" algn="ctr">
                       <a:solidFill>
                         <a:srgbClr val="000000"/>
@@ -11312,24 +13374,25 @@
                     <a:bodyPr/>
                     <a:lstStyle/>
                     <a:p>
-                      <a:pPr marL="0" marR="0" indent="0" algn="just">
-                        <a:spcBef>
-                          <a:spcPts val="0"/>
-                        </a:spcBef>
+                      <a:pPr indent="137160" algn="just">
                         <a:spcAft>
                           <a:spcPts val="0"/>
                         </a:spcAft>
                       </a:pPr>
                       <a:r>
-                        <a:rPr lang="en-US" sz="1800">
+                        <a:rPr lang="en-US" sz="2000" dirty="0" smtClean="0">
                           <a:latin typeface="Times New Roman"/>
                           <a:ea typeface="SimSun"/>
                         </a:rPr>
-                        <a:t>42</a:t>
+                        <a:t>15</a:t>
                       </a:r>
+                      <a:endParaRPr lang="en-US" sz="2000" dirty="0">
+                        <a:latin typeface="Times New Roman"/>
+                        <a:ea typeface="SimSun"/>
+                      </a:endParaRPr>
                     </a:p>
                   </a:txBody>
-                  <a:tcPr marL="68580" marR="68580" marT="0" marB="0">
+                  <a:tcPr marL="170013" marR="170013" marT="0" marB="0">
                     <a:lnL w="12700" cap="flat" cmpd="sng" algn="ctr">
                       <a:solidFill>
                         <a:srgbClr val="000000"/>
@@ -11373,24 +13436,25 @@
                     <a:bodyPr/>
                     <a:lstStyle/>
                     <a:p>
-                      <a:pPr marL="0" marR="0" indent="0" algn="just">
-                        <a:spcBef>
-                          <a:spcPts val="0"/>
-                        </a:spcBef>
+                      <a:pPr indent="137160" algn="just">
                         <a:spcAft>
                           <a:spcPts val="0"/>
                         </a:spcAft>
                       </a:pPr>
                       <a:r>
-                        <a:rPr lang="en-US" sz="1800">
+                        <a:rPr lang="en-US" sz="2000" dirty="0" smtClean="0">
                           <a:latin typeface="Times New Roman"/>
                           <a:ea typeface="SimSun"/>
                         </a:rPr>
                         <a:t>1</a:t>
                       </a:r>
+                      <a:endParaRPr lang="en-US" sz="2000" dirty="0">
+                        <a:latin typeface="Times New Roman"/>
+                        <a:ea typeface="SimSun"/>
+                      </a:endParaRPr>
                     </a:p>
                   </a:txBody>
-                  <a:tcPr marL="68580" marR="68580" marT="0" marB="0">
+                  <a:tcPr marL="170013" marR="170013" marT="0" marB="0">
                     <a:lnL w="12700" cap="flat" cmpd="sng" algn="ctr">
                       <a:solidFill>
                         <a:srgbClr val="000000"/>
@@ -11434,24 +13498,25 @@
                     <a:bodyPr/>
                     <a:lstStyle/>
                     <a:p>
-                      <a:pPr marL="0" marR="0" indent="0" algn="just">
-                        <a:spcBef>
-                          <a:spcPts val="0"/>
-                        </a:spcBef>
+                      <a:pPr indent="137160" algn="just">
                         <a:spcAft>
                           <a:spcPts val="0"/>
                         </a:spcAft>
                       </a:pPr>
                       <a:r>
-                        <a:rPr lang="en-US" sz="1800" dirty="0">
+                        <a:rPr lang="en-US" sz="2000" smtClean="0">
                           <a:latin typeface="Times New Roman"/>
                           <a:ea typeface="SimSun"/>
                         </a:rPr>
-                        <a:t>41</a:t>
+                        <a:t>14</a:t>
                       </a:r>
+                      <a:endParaRPr lang="en-US" sz="2000" dirty="0">
+                        <a:latin typeface="Times New Roman"/>
+                        <a:ea typeface="SimSun"/>
+                      </a:endParaRPr>
                     </a:p>
                   </a:txBody>
-                  <a:tcPr marL="68580" marR="68580" marT="0" marB="0">
+                  <a:tcPr marL="170013" marR="170013" marT="0" marB="0">
                     <a:lnL w="12700" cap="flat" cmpd="sng" algn="ctr">
                       <a:solidFill>
                         <a:srgbClr val="000000"/>
@@ -11495,11 +13560,126 @@
           </a:graphicData>
         </a:graphic>
       </p:graphicFrame>
+      <p:sp>
+        <p:nvSpPr>
+          <p:cNvPr id="1025" name="Rectangle 1"/>
+          <p:cNvSpPr>
+            <a:spLocks noChangeArrowheads="1"/>
+          </p:cNvSpPr>
+          <p:nvPr/>
+        </p:nvSpPr>
+        <p:spPr bwMode="auto">
+          <a:xfrm>
+            <a:off x="0" y="0"/>
+            <a:ext cx="9144000" cy="457200"/>
+          </a:xfrm>
+          <a:prstGeom prst="rect">
+            <a:avLst/>
+          </a:prstGeom>
+          <a:noFill/>
+          <a:ln w="9525">
+            <a:noFill/>
+            <a:miter lim="800000"/>
+            <a:headEnd/>
+            <a:tailEnd/>
+          </a:ln>
+          <a:effectLst/>
+        </p:spPr>
+        <p:txBody>
+          <a:bodyPr vert="horz" wrap="none" lIns="91440" tIns="45720" rIns="91440" bIns="45720" numCol="1" anchor="ctr" anchorCtr="0" compatLnSpc="1">
+            <a:prstTxWarp prst="textNoShape">
+              <a:avLst/>
+            </a:prstTxWarp>
+            <a:spAutoFit/>
+          </a:bodyPr>
+          <a:lstStyle/>
+          <a:p>
+            <a:pPr marL="0" marR="0" lvl="0" indent="136525" algn="l" defTabSz="914400" rtl="0" eaLnBrk="1" fontAlgn="base" latinLnBrk="0" hangingPunct="1">
+              <a:lnSpc>
+                <a:spcPct val="100000"/>
+              </a:lnSpc>
+              <a:spcBef>
+                <a:spcPct val="0"/>
+              </a:spcBef>
+              <a:spcAft>
+                <a:spcPct val="0"/>
+              </a:spcAft>
+              <a:buClrTx/>
+              <a:buSzTx/>
+              <a:buFontTx/>
+              <a:buNone/>
+              <a:tabLst/>
+            </a:pPr>
+            <a:r>
+              <a:rPr kumimoji="0" lang="en-AU" altLang="zh-CN" sz="1000" b="1" i="0" u="none" strike="noStrike" cap="none" normalizeH="0" baseline="0" smtClean="0">
+                <a:ln>
+                  <a:noFill/>
+                </a:ln>
+                <a:solidFill>
+                  <a:schemeClr val="tx1"/>
+                </a:solidFill>
+                <a:effectLst/>
+                <a:latin typeface="Times New Roman" pitchFamily="18" charset="0"/>
+                <a:ea typeface="SimSun" pitchFamily="2" charset="-122"/>
+                <a:cs typeface="Times New Roman" pitchFamily="18" charset="0"/>
+              </a:rPr>
+              <a:t>Tabel 2 Hasil Percobaan</a:t>
+            </a:r>
+            <a:endParaRPr kumimoji="0" lang="en-US" altLang="zh-CN" sz="800" b="0" i="0" u="none" strike="noStrike" cap="none" normalizeH="0" baseline="0" smtClean="0">
+              <a:ln>
+                <a:noFill/>
+              </a:ln>
+              <a:solidFill>
+                <a:schemeClr val="tx1"/>
+              </a:solidFill>
+              <a:effectLst/>
+              <a:latin typeface="Arial" pitchFamily="34" charset="0"/>
+              <a:cs typeface="Arial" pitchFamily="34" charset="0"/>
+            </a:endParaRPr>
+          </a:p>
+          <a:p>
+            <a:pPr marL="0" marR="0" lvl="0" indent="136525" algn="l" defTabSz="914400" rtl="0" eaLnBrk="0" fontAlgn="base" latinLnBrk="0" hangingPunct="0">
+              <a:lnSpc>
+                <a:spcPct val="100000"/>
+              </a:lnSpc>
+              <a:spcBef>
+                <a:spcPct val="0"/>
+              </a:spcBef>
+              <a:spcAft>
+                <a:spcPct val="0"/>
+              </a:spcAft>
+              <a:buClrTx/>
+              <a:buSzTx/>
+              <a:buFontTx/>
+              <a:buNone/>
+              <a:tabLst/>
+            </a:pPr>
+            <a:endParaRPr kumimoji="0" lang="en-US" altLang="zh-CN" sz="1800" b="0" i="0" u="none" strike="noStrike" cap="none" normalizeH="0" baseline="0" smtClean="0">
+              <a:ln>
+                <a:noFill/>
+              </a:ln>
+              <a:solidFill>
+                <a:schemeClr val="tx1"/>
+              </a:solidFill>
+              <a:effectLst/>
+              <a:latin typeface="Arial" pitchFamily="34" charset="0"/>
+              <a:cs typeface="Arial" pitchFamily="34" charset="0"/>
+            </a:endParaRPr>
+          </a:p>
+        </p:txBody>
+      </p:sp>
     </p:spTree>
   </p:cSld>
   <p:clrMapOvr>
     <a:masterClrMapping/>
   </p:clrMapOvr>
+  <p:timing>
+    <p:tnLst>
+      <p:par>
+        <p:cTn id="1" dur="indefinite" restart="never" nodeType="tmRoot"/>
+      </p:par>
+    </p:tnLst>
+  </p:timing>
 </p:sld>
 </file>
 

--- a/trunk/presentasi PCD.pptx
+++ b/trunk/presentasi PCD.pptx
@@ -9,11 +9,17 @@
     <p:sldId id="257" r:id="rId3"/>
     <p:sldId id="258" r:id="rId4"/>
     <p:sldId id="260" r:id="rId5"/>
-    <p:sldId id="259" r:id="rId6"/>
-    <p:sldId id="261" r:id="rId7"/>
-    <p:sldId id="264" r:id="rId8"/>
-    <p:sldId id="262" r:id="rId9"/>
-    <p:sldId id="263" r:id="rId10"/>
+    <p:sldId id="265" r:id="rId6"/>
+    <p:sldId id="266" r:id="rId7"/>
+    <p:sldId id="267" r:id="rId8"/>
+    <p:sldId id="261" r:id="rId9"/>
+    <p:sldId id="264" r:id="rId10"/>
+    <p:sldId id="262" r:id="rId11"/>
+    <p:sldId id="263" r:id="rId12"/>
+    <p:sldId id="268" r:id="rId13"/>
+    <p:sldId id="269" r:id="rId14"/>
+    <p:sldId id="270" r:id="rId15"/>
+    <p:sldId id="271" r:id="rId16"/>
   </p:sldIdLst>
   <p:sldSz cx="9144000" cy="6858000" type="screen4x3"/>
   <p:notesSz cx="6858000" cy="9144000"/>
@@ -1751,26 +1757,9 @@
         <a:lstStyle/>
         <a:p>
           <a:r>
-            <a:rPr lang="en-US" dirty="0" err="1"/>
-            <a:t>Ekstraksi</a:t>
+            <a:rPr lang="en-US"/>
+            <a:t>Ekstraksi kotak nomor</a:t>
           </a:r>
-          <a:r>
-            <a:rPr lang="en-US" dirty="0"/>
-            <a:t> </a:t>
-          </a:r>
-          <a:r>
-            <a:rPr lang="en-US" dirty="0" err="1"/>
-            <a:t>kotak</a:t>
-          </a:r>
-          <a:r>
-            <a:rPr lang="en-US" dirty="0"/>
-            <a:t> </a:t>
-          </a:r>
-          <a:r>
-            <a:rPr lang="en-US" dirty="0" err="1"/>
-            <a:t>nomor</a:t>
-          </a:r>
-          <a:endParaRPr lang="en-US" dirty="0"/>
         </a:p>
       </dgm:t>
     </dgm:pt>
@@ -1804,26 +1793,9 @@
         <a:lstStyle/>
         <a:p>
           <a:r>
-            <a:rPr lang="en-US" dirty="0" err="1"/>
-            <a:t>Pengkondisian</a:t>
+            <a:rPr lang="en-US"/>
+            <a:t>Pengkondisian kotak nomor</a:t>
           </a:r>
-          <a:r>
-            <a:rPr lang="en-US" dirty="0"/>
-            <a:t> </a:t>
-          </a:r>
-          <a:r>
-            <a:rPr lang="en-US" dirty="0" err="1"/>
-            <a:t>kotak</a:t>
-          </a:r>
-          <a:r>
-            <a:rPr lang="en-US" dirty="0"/>
-            <a:t> </a:t>
-          </a:r>
-          <a:r>
-            <a:rPr lang="en-US" dirty="0" err="1"/>
-            <a:t>nomor</a:t>
-          </a:r>
-          <a:endParaRPr lang="en-US" dirty="0"/>
         </a:p>
       </dgm:t>
     </dgm:pt>
@@ -1857,18 +1829,9 @@
         <a:lstStyle/>
         <a:p>
           <a:r>
-            <a:rPr lang="en-US" dirty="0" err="1"/>
-            <a:t>Identifikasi</a:t>
+            <a:rPr lang="en-US"/>
+            <a:t>Identifikasi karakter</a:t>
           </a:r>
-          <a:r>
-            <a:rPr lang="en-US" dirty="0"/>
-            <a:t> </a:t>
-          </a:r>
-          <a:r>
-            <a:rPr lang="en-US" dirty="0" err="1"/>
-            <a:t>karakter</a:t>
-          </a:r>
-          <a:endParaRPr lang="en-US" dirty="0"/>
         </a:p>
       </dgm:t>
     </dgm:pt>
@@ -1902,14 +1865,9 @@
         <a:lstStyle/>
         <a:p>
           <a:r>
-            <a:rPr lang="en-US" dirty="0"/>
-            <a:t>Citra </a:t>
+            <a:rPr lang="en-US"/>
+            <a:t>Citra masukan</a:t>
           </a:r>
-          <a:r>
-            <a:rPr lang="en-US" dirty="0" err="1"/>
-            <a:t>masukan</a:t>
-          </a:r>
-          <a:endParaRPr lang="en-US" dirty="0"/>
         </a:p>
       </dgm:t>
     </dgm:pt>
@@ -1943,10 +1901,9 @@
         <a:lstStyle/>
         <a:p>
           <a:r>
-            <a:rPr lang="en-US" dirty="0" err="1"/>
+            <a:rPr lang="en-US"/>
             <a:t>Preproses</a:t>
           </a:r>
-          <a:endParaRPr lang="en-US" dirty="0"/>
         </a:p>
       </dgm:t>
     </dgm:pt>
@@ -1972,91 +1929,6 @@
         </a:p>
       </dgm:t>
     </dgm:pt>
-    <dgm:pt modelId="{019B6B44-442F-406A-9A27-E726818EDF63}">
-      <dgm:prSet phldrT="[Text]"/>
-      <dgm:spPr/>
-      <dgm:t>
-        <a:bodyPr/>
-        <a:lstStyle/>
-        <a:p>
-          <a:r>
-            <a:rPr lang="en-US" dirty="0" err="1"/>
-            <a:t>Segmentasi</a:t>
-          </a:r>
-          <a:r>
-            <a:rPr lang="en-US" dirty="0"/>
-            <a:t> </a:t>
-          </a:r>
-          <a:r>
-            <a:rPr lang="en-US" dirty="0" err="1"/>
-            <a:t>karakter</a:t>
-          </a:r>
-          <a:r>
-            <a:rPr lang="en-US" dirty="0"/>
-            <a:t> </a:t>
-          </a:r>
-          <a:r>
-            <a:rPr lang="en-US" dirty="0" err="1"/>
-            <a:t>dalam</a:t>
-          </a:r>
-          <a:r>
-            <a:rPr lang="en-US" dirty="0"/>
-            <a:t> </a:t>
-          </a:r>
-          <a:r>
-            <a:rPr lang="en-US" dirty="0" err="1"/>
-            <a:t>kotak</a:t>
-          </a:r>
-          <a:r>
-            <a:rPr lang="en-US" dirty="0"/>
-            <a:t> </a:t>
-          </a:r>
-          <a:r>
-            <a:rPr lang="en-US" dirty="0" err="1"/>
-            <a:t>nomor</a:t>
-          </a:r>
-          <a:r>
-            <a:rPr lang="en-US" dirty="0"/>
-            <a:t> </a:t>
-          </a:r>
-          <a:r>
-            <a:rPr lang="en-US" dirty="0" err="1"/>
-            <a:t>hasil</a:t>
-          </a:r>
-          <a:r>
-            <a:rPr lang="en-US" dirty="0"/>
-            <a:t> </a:t>
-          </a:r>
-          <a:r>
-            <a:rPr lang="en-US" dirty="0" err="1"/>
-            <a:t>ekstraksi</a:t>
-          </a:r>
-          <a:endParaRPr lang="en-US" dirty="0"/>
-        </a:p>
-      </dgm:t>
-    </dgm:pt>
-    <dgm:pt modelId="{CFBF728A-4D2D-4FD1-8A64-05F6658A18CF}" type="parTrans" cxnId="{BC60F7BF-F217-4025-8E0A-91FE0E3A50D9}">
-      <dgm:prSet/>
-      <dgm:spPr/>
-      <dgm:t>
-        <a:bodyPr/>
-        <a:lstStyle/>
-        <a:p>
-          <a:endParaRPr lang="en-US"/>
-        </a:p>
-      </dgm:t>
-    </dgm:pt>
-    <dgm:pt modelId="{3ADA2F37-BAD6-4419-BF7B-97F97E83D4A9}" type="sibTrans" cxnId="{BC60F7BF-F217-4025-8E0A-91FE0E3A50D9}">
-      <dgm:prSet/>
-      <dgm:spPr/>
-      <dgm:t>
-        <a:bodyPr/>
-        <a:lstStyle/>
-        <a:p>
-          <a:endParaRPr lang="en-US"/>
-        </a:p>
-      </dgm:t>
-    </dgm:pt>
     <dgm:pt modelId="{5F7303DE-3AB2-4D2C-A5B1-89DEA4A97B3D}">
       <dgm:prSet phldrT="[Text]"/>
       <dgm:spPr/>
@@ -2065,34 +1937,9 @@
         <a:lstStyle/>
         <a:p>
           <a:r>
-            <a:rPr lang="en-US" dirty="0" err="1"/>
-            <a:t>Menampilkan</a:t>
+            <a:rPr lang="en-US"/>
+            <a:t>Menampilkan karakter hasil identifikasi</a:t>
           </a:r>
-          <a:r>
-            <a:rPr lang="en-US" dirty="0"/>
-            <a:t> </a:t>
-          </a:r>
-          <a:r>
-            <a:rPr lang="en-US" dirty="0" err="1"/>
-            <a:t>karakter</a:t>
-          </a:r>
-          <a:r>
-            <a:rPr lang="en-US" dirty="0"/>
-            <a:t> </a:t>
-          </a:r>
-          <a:r>
-            <a:rPr lang="en-US" dirty="0" err="1"/>
-            <a:t>hasil</a:t>
-          </a:r>
-          <a:r>
-            <a:rPr lang="en-US" dirty="0"/>
-            <a:t> </a:t>
-          </a:r>
-          <a:r>
-            <a:rPr lang="en-US" dirty="0" err="1"/>
-            <a:t>identifikasi</a:t>
-          </a:r>
-          <a:endParaRPr lang="en-US" dirty="0"/>
         </a:p>
       </dgm:t>
     </dgm:pt>
@@ -2135,7 +1982,7 @@
       </dgm:t>
     </dgm:pt>
     <dgm:pt modelId="{78FAE01D-C99E-401B-9F00-92A8B840D561}" type="pres">
-      <dgm:prSet presAssocID="{C4290BED-7260-403A-92EF-C43EE3A33444}" presName="node" presStyleLbl="node1" presStyleIdx="0" presStyleCnt="7">
+      <dgm:prSet presAssocID="{C4290BED-7260-403A-92EF-C43EE3A33444}" presName="node" presStyleLbl="node1" presStyleIdx="0" presStyleCnt="6">
         <dgm:presLayoutVars>
           <dgm:bulletEnabled val="1"/>
         </dgm:presLayoutVars>
@@ -2150,7 +1997,7 @@
       </dgm:t>
     </dgm:pt>
     <dgm:pt modelId="{1C20E7E1-B861-46FA-89FB-04AF53D19429}" type="pres">
-      <dgm:prSet presAssocID="{CE951EF6-1968-4743-B62A-320F3FCE7210}" presName="sibTrans" presStyleLbl="sibTrans2D1" presStyleIdx="0" presStyleCnt="6"/>
+      <dgm:prSet presAssocID="{CE951EF6-1968-4743-B62A-320F3FCE7210}" presName="sibTrans" presStyleLbl="sibTrans2D1" presStyleIdx="0" presStyleCnt="5"/>
       <dgm:spPr/>
       <dgm:t>
         <a:bodyPr/>
@@ -2161,7 +2008,7 @@
       </dgm:t>
     </dgm:pt>
     <dgm:pt modelId="{96D9272A-4AD6-4122-92E5-41C835C35BE2}" type="pres">
-      <dgm:prSet presAssocID="{CE951EF6-1968-4743-B62A-320F3FCE7210}" presName="connectorText" presStyleLbl="sibTrans2D1" presStyleIdx="0" presStyleCnt="6"/>
+      <dgm:prSet presAssocID="{CE951EF6-1968-4743-B62A-320F3FCE7210}" presName="connectorText" presStyleLbl="sibTrans2D1" presStyleIdx="0" presStyleCnt="5"/>
       <dgm:spPr/>
       <dgm:t>
         <a:bodyPr/>
@@ -2172,7 +2019,7 @@
       </dgm:t>
     </dgm:pt>
     <dgm:pt modelId="{4CFD68F7-BD2F-4F54-9A7F-9BC0F9283BCB}" type="pres">
-      <dgm:prSet presAssocID="{06F92C51-1E9C-4D7B-8015-CE0E1457D4E9}" presName="node" presStyleLbl="node1" presStyleIdx="1" presStyleCnt="7">
+      <dgm:prSet presAssocID="{06F92C51-1E9C-4D7B-8015-CE0E1457D4E9}" presName="node" presStyleLbl="node1" presStyleIdx="1" presStyleCnt="6">
         <dgm:presLayoutVars>
           <dgm:bulletEnabled val="1"/>
         </dgm:presLayoutVars>
@@ -2187,7 +2034,7 @@
       </dgm:t>
     </dgm:pt>
     <dgm:pt modelId="{7898C570-DD0C-49D8-9DF6-BC165A14530A}" type="pres">
-      <dgm:prSet presAssocID="{24B4990D-4439-403D-847D-4654D373CA4D}" presName="sibTrans" presStyleLbl="sibTrans2D1" presStyleIdx="1" presStyleCnt="6"/>
+      <dgm:prSet presAssocID="{24B4990D-4439-403D-847D-4654D373CA4D}" presName="sibTrans" presStyleLbl="sibTrans2D1" presStyleIdx="1" presStyleCnt="5"/>
       <dgm:spPr/>
       <dgm:t>
         <a:bodyPr/>
@@ -2198,7 +2045,7 @@
       </dgm:t>
     </dgm:pt>
     <dgm:pt modelId="{6EFCC3EC-E1A5-4325-9A41-BF8781056215}" type="pres">
-      <dgm:prSet presAssocID="{24B4990D-4439-403D-847D-4654D373CA4D}" presName="connectorText" presStyleLbl="sibTrans2D1" presStyleIdx="1" presStyleCnt="6"/>
+      <dgm:prSet presAssocID="{24B4990D-4439-403D-847D-4654D373CA4D}" presName="connectorText" presStyleLbl="sibTrans2D1" presStyleIdx="1" presStyleCnt="5"/>
       <dgm:spPr/>
       <dgm:t>
         <a:bodyPr/>
@@ -2209,7 +2056,7 @@
       </dgm:t>
     </dgm:pt>
     <dgm:pt modelId="{C7573516-AD6A-43AC-9AB6-333F541BB073}" type="pres">
-      <dgm:prSet presAssocID="{05880CFB-1D36-45E3-A216-2DD2A76CF52C}" presName="node" presStyleLbl="node1" presStyleIdx="2" presStyleCnt="7">
+      <dgm:prSet presAssocID="{05880CFB-1D36-45E3-A216-2DD2A76CF52C}" presName="node" presStyleLbl="node1" presStyleIdx="2" presStyleCnt="6">
         <dgm:presLayoutVars>
           <dgm:bulletEnabled val="1"/>
         </dgm:presLayoutVars>
@@ -2224,7 +2071,7 @@
       </dgm:t>
     </dgm:pt>
     <dgm:pt modelId="{C844DEAF-2913-407F-9B3B-5E1C708B9722}" type="pres">
-      <dgm:prSet presAssocID="{E0E5C39B-90BA-4C91-A687-892C5B190CF3}" presName="sibTrans" presStyleLbl="sibTrans2D1" presStyleIdx="2" presStyleCnt="6"/>
+      <dgm:prSet presAssocID="{E0E5C39B-90BA-4C91-A687-892C5B190CF3}" presName="sibTrans" presStyleLbl="sibTrans2D1" presStyleIdx="2" presStyleCnt="5"/>
       <dgm:spPr/>
       <dgm:t>
         <a:bodyPr/>
@@ -2235,7 +2082,7 @@
       </dgm:t>
     </dgm:pt>
     <dgm:pt modelId="{A68A5913-EC1C-497F-8737-8225012AA5BD}" type="pres">
-      <dgm:prSet presAssocID="{E0E5C39B-90BA-4C91-A687-892C5B190CF3}" presName="connectorText" presStyleLbl="sibTrans2D1" presStyleIdx="2" presStyleCnt="6"/>
+      <dgm:prSet presAssocID="{E0E5C39B-90BA-4C91-A687-892C5B190CF3}" presName="connectorText" presStyleLbl="sibTrans2D1" presStyleIdx="2" presStyleCnt="5"/>
       <dgm:spPr/>
       <dgm:t>
         <a:bodyPr/>
@@ -2246,7 +2093,7 @@
       </dgm:t>
     </dgm:pt>
     <dgm:pt modelId="{E1576FDB-F8F2-4259-ACE8-1315BC127357}" type="pres">
-      <dgm:prSet presAssocID="{644C109E-0A36-4935-B5D5-EEC8778E4442}" presName="node" presStyleLbl="node1" presStyleIdx="3" presStyleCnt="7">
+      <dgm:prSet presAssocID="{644C109E-0A36-4935-B5D5-EEC8778E4442}" presName="node" presStyleLbl="node1" presStyleIdx="3" presStyleCnt="6">
         <dgm:presLayoutVars>
           <dgm:bulletEnabled val="1"/>
         </dgm:presLayoutVars>
@@ -2261,7 +2108,7 @@
       </dgm:t>
     </dgm:pt>
     <dgm:pt modelId="{E4416027-269B-421F-AA19-F82C909CB313}" type="pres">
-      <dgm:prSet presAssocID="{2A543457-BB18-451E-BD3E-2C5692B63427}" presName="sibTrans" presStyleLbl="sibTrans2D1" presStyleIdx="3" presStyleCnt="6"/>
+      <dgm:prSet presAssocID="{2A543457-BB18-451E-BD3E-2C5692B63427}" presName="sibTrans" presStyleLbl="sibTrans2D1" presStyleIdx="3" presStyleCnt="5"/>
       <dgm:spPr/>
       <dgm:t>
         <a:bodyPr/>
@@ -2272,44 +2119,7 @@
       </dgm:t>
     </dgm:pt>
     <dgm:pt modelId="{ABDC317C-1E11-4AA1-AB6D-63D6C4C03E9A}" type="pres">
-      <dgm:prSet presAssocID="{2A543457-BB18-451E-BD3E-2C5692B63427}" presName="connectorText" presStyleLbl="sibTrans2D1" presStyleIdx="3" presStyleCnt="6"/>
-      <dgm:spPr/>
-      <dgm:t>
-        <a:bodyPr/>
-        <a:lstStyle/>
-        <a:p>
-          <a:endParaRPr lang="en-US"/>
-        </a:p>
-      </dgm:t>
-    </dgm:pt>
-    <dgm:pt modelId="{FC061BB6-4386-4944-8E93-C2FD8342698E}" type="pres">
-      <dgm:prSet presAssocID="{019B6B44-442F-406A-9A27-E726818EDF63}" presName="node" presStyleLbl="node1" presStyleIdx="4" presStyleCnt="7">
-        <dgm:presLayoutVars>
-          <dgm:bulletEnabled val="1"/>
-        </dgm:presLayoutVars>
-      </dgm:prSet>
-      <dgm:spPr/>
-      <dgm:t>
-        <a:bodyPr/>
-        <a:lstStyle/>
-        <a:p>
-          <a:endParaRPr lang="en-US"/>
-        </a:p>
-      </dgm:t>
-    </dgm:pt>
-    <dgm:pt modelId="{6319F187-2A32-43D9-A5E9-3B5FA5BEEDE2}" type="pres">
-      <dgm:prSet presAssocID="{3ADA2F37-BAD6-4419-BF7B-97F97E83D4A9}" presName="sibTrans" presStyleLbl="sibTrans2D1" presStyleIdx="4" presStyleCnt="6"/>
-      <dgm:spPr/>
-      <dgm:t>
-        <a:bodyPr/>
-        <a:lstStyle/>
-        <a:p>
-          <a:endParaRPr lang="en-US"/>
-        </a:p>
-      </dgm:t>
-    </dgm:pt>
-    <dgm:pt modelId="{B78770C5-6C55-476A-B273-5D38D5FCF415}" type="pres">
-      <dgm:prSet presAssocID="{3ADA2F37-BAD6-4419-BF7B-97F97E83D4A9}" presName="connectorText" presStyleLbl="sibTrans2D1" presStyleIdx="4" presStyleCnt="6"/>
+      <dgm:prSet presAssocID="{2A543457-BB18-451E-BD3E-2C5692B63427}" presName="connectorText" presStyleLbl="sibTrans2D1" presStyleIdx="3" presStyleCnt="5"/>
       <dgm:spPr/>
       <dgm:t>
         <a:bodyPr/>
@@ -2320,7 +2130,7 @@
       </dgm:t>
     </dgm:pt>
     <dgm:pt modelId="{99D525DB-8BA2-4D6A-9D36-4C140A9EA81C}" type="pres">
-      <dgm:prSet presAssocID="{04E75510-0DD1-4A13-8738-29DC87F1C4BC}" presName="node" presStyleLbl="node1" presStyleIdx="5" presStyleCnt="7">
+      <dgm:prSet presAssocID="{04E75510-0DD1-4A13-8738-29DC87F1C4BC}" presName="node" presStyleLbl="node1" presStyleIdx="4" presStyleCnt="6">
         <dgm:presLayoutVars>
           <dgm:bulletEnabled val="1"/>
         </dgm:presLayoutVars>
@@ -2335,7 +2145,7 @@
       </dgm:t>
     </dgm:pt>
     <dgm:pt modelId="{63C647CF-5D9C-4BF0-B4EC-652F2CA9C436}" type="pres">
-      <dgm:prSet presAssocID="{F435CA1E-3EC7-4F40-ACF8-3AF62B512A3B}" presName="sibTrans" presStyleLbl="sibTrans2D1" presStyleIdx="5" presStyleCnt="6"/>
+      <dgm:prSet presAssocID="{F435CA1E-3EC7-4F40-ACF8-3AF62B512A3B}" presName="sibTrans" presStyleLbl="sibTrans2D1" presStyleIdx="4" presStyleCnt="5"/>
       <dgm:spPr/>
       <dgm:t>
         <a:bodyPr/>
@@ -2346,7 +2156,7 @@
       </dgm:t>
     </dgm:pt>
     <dgm:pt modelId="{4286904B-3878-405B-B50C-47864DF69C4C}" type="pres">
-      <dgm:prSet presAssocID="{F435CA1E-3EC7-4F40-ACF8-3AF62B512A3B}" presName="connectorText" presStyleLbl="sibTrans2D1" presStyleIdx="5" presStyleCnt="6"/>
+      <dgm:prSet presAssocID="{F435CA1E-3EC7-4F40-ACF8-3AF62B512A3B}" presName="connectorText" presStyleLbl="sibTrans2D1" presStyleIdx="4" presStyleCnt="5"/>
       <dgm:spPr/>
       <dgm:t>
         <a:bodyPr/>
@@ -2357,7 +2167,7 @@
       </dgm:t>
     </dgm:pt>
     <dgm:pt modelId="{3355C1BA-1B71-49DC-B66E-A3DFC7D244F7}" type="pres">
-      <dgm:prSet presAssocID="{5F7303DE-3AB2-4D2C-A5B1-89DEA4A97B3D}" presName="node" presStyleLbl="node1" presStyleIdx="6" presStyleCnt="7">
+      <dgm:prSet presAssocID="{5F7303DE-3AB2-4D2C-A5B1-89DEA4A97B3D}" presName="node" presStyleLbl="node1" presStyleIdx="5" presStyleCnt="6">
         <dgm:presLayoutVars>
           <dgm:bulletEnabled val="1"/>
         </dgm:presLayoutVars>
@@ -2373,52 +2183,45 @@
     </dgm:pt>
   </dgm:ptLst>
   <dgm:cxnLst>
-    <dgm:cxn modelId="{822D096B-ECEE-4F2D-8D7F-D731584DE6EE}" type="presOf" srcId="{E0E5C39B-90BA-4C91-A687-892C5B190CF3}" destId="{C844DEAF-2913-407F-9B3B-5E1C708B9722}" srcOrd="0" destOrd="0" presId="urn:microsoft.com/office/officeart/2005/8/layout/process5"/>
-    <dgm:cxn modelId="{A64CC04D-96BA-4CA2-818B-BF6758CD6B16}" type="presOf" srcId="{06F92C51-1E9C-4D7B-8015-CE0E1457D4E9}" destId="{4CFD68F7-BD2F-4F54-9A7F-9BC0F9283BCB}" srcOrd="0" destOrd="0" presId="urn:microsoft.com/office/officeart/2005/8/layout/process5"/>
-    <dgm:cxn modelId="{710E201B-7129-47A6-B2D9-5DD62869A73D}" type="presOf" srcId="{24B4990D-4439-403D-847D-4654D373CA4D}" destId="{6EFCC3EC-E1A5-4325-9A41-BF8781056215}" srcOrd="1" destOrd="0" presId="urn:microsoft.com/office/officeart/2005/8/layout/process5"/>
-    <dgm:cxn modelId="{3387027B-364C-4ED1-82BD-78E5C0F52CD8}" srcId="{EC8F2A8A-385F-49C9-8116-8C7717CAE9AB}" destId="{5F7303DE-3AB2-4D2C-A5B1-89DEA4A97B3D}" srcOrd="6" destOrd="0" parTransId="{417769CC-AAEC-4240-BE84-9ADFB127C5DF}" sibTransId="{02A79496-9AF6-4BA1-98B6-C2CB564BF6EB}"/>
-    <dgm:cxn modelId="{4E1CA4D6-1932-4696-9E5D-76987D5B71DF}" type="presOf" srcId="{F435CA1E-3EC7-4F40-ACF8-3AF62B512A3B}" destId="{4286904B-3878-405B-B50C-47864DF69C4C}" srcOrd="1" destOrd="0" presId="urn:microsoft.com/office/officeart/2005/8/layout/process5"/>
-    <dgm:cxn modelId="{BC60F7BF-F217-4025-8E0A-91FE0E3A50D9}" srcId="{EC8F2A8A-385F-49C9-8116-8C7717CAE9AB}" destId="{019B6B44-442F-406A-9A27-E726818EDF63}" srcOrd="4" destOrd="0" parTransId="{CFBF728A-4D2D-4FD1-8A64-05F6658A18CF}" sibTransId="{3ADA2F37-BAD6-4419-BF7B-97F97E83D4A9}"/>
-    <dgm:cxn modelId="{CDF3DB04-904E-408C-B4C1-173677BBA4F6}" type="presOf" srcId="{C4290BED-7260-403A-92EF-C43EE3A33444}" destId="{78FAE01D-C99E-401B-9F00-92A8B840D561}" srcOrd="0" destOrd="0" presId="urn:microsoft.com/office/officeart/2005/8/layout/process5"/>
-    <dgm:cxn modelId="{4236C601-7303-41BC-A524-A8EB8917CA4B}" type="presOf" srcId="{05880CFB-1D36-45E3-A216-2DD2A76CF52C}" destId="{C7573516-AD6A-43AC-9AB6-333F541BB073}" srcOrd="0" destOrd="0" presId="urn:microsoft.com/office/officeart/2005/8/layout/process5"/>
-    <dgm:cxn modelId="{01F9241C-C112-4CBD-941A-C24C030FC8ED}" type="presOf" srcId="{F435CA1E-3EC7-4F40-ACF8-3AF62B512A3B}" destId="{63C647CF-5D9C-4BF0-B4EC-652F2CA9C436}" srcOrd="0" destOrd="0" presId="urn:microsoft.com/office/officeart/2005/8/layout/process5"/>
-    <dgm:cxn modelId="{813EC5A4-52FE-4279-81F2-5626024173F7}" type="presOf" srcId="{2A543457-BB18-451E-BD3E-2C5692B63427}" destId="{E4416027-269B-421F-AA19-F82C909CB313}" srcOrd="0" destOrd="0" presId="urn:microsoft.com/office/officeart/2005/8/layout/process5"/>
+    <dgm:cxn modelId="{D2D67FFB-1CF4-410D-9147-76AF149607A7}" type="presOf" srcId="{24B4990D-4439-403D-847D-4654D373CA4D}" destId="{6EFCC3EC-E1A5-4325-9A41-BF8781056215}" srcOrd="1" destOrd="0" presId="urn:microsoft.com/office/officeart/2005/8/layout/process5"/>
+    <dgm:cxn modelId="{97F7C56B-98D3-427C-B7EC-04EA16ADBCC0}" srcId="{EC8F2A8A-385F-49C9-8116-8C7717CAE9AB}" destId="{644C109E-0A36-4935-B5D5-EEC8778E4442}" srcOrd="3" destOrd="0" parTransId="{93E06F34-31EE-489F-854D-52CDA0C9D3B2}" sibTransId="{2A543457-BB18-451E-BD3E-2C5692B63427}"/>
+    <dgm:cxn modelId="{7399E4B8-287A-4DFD-8F86-B3951AF2F541}" type="presOf" srcId="{05880CFB-1D36-45E3-A216-2DD2A76CF52C}" destId="{C7573516-AD6A-43AC-9AB6-333F541BB073}" srcOrd="0" destOrd="0" presId="urn:microsoft.com/office/officeart/2005/8/layout/process5"/>
+    <dgm:cxn modelId="{F056230A-D242-48BD-9521-587181456903}" type="presOf" srcId="{CE951EF6-1968-4743-B62A-320F3FCE7210}" destId="{1C20E7E1-B861-46FA-89FB-04AF53D19429}" srcOrd="0" destOrd="0" presId="urn:microsoft.com/office/officeart/2005/8/layout/process5"/>
+    <dgm:cxn modelId="{D49D4B5D-B2D2-407A-945E-03A67FEBE48C}" type="presOf" srcId="{EC8F2A8A-385F-49C9-8116-8C7717CAE9AB}" destId="{EF6B3B3E-E69F-4DC6-BACB-8423741EBB0F}" srcOrd="0" destOrd="0" presId="urn:microsoft.com/office/officeart/2005/8/layout/process5"/>
+    <dgm:cxn modelId="{ED4B6010-0C3C-460F-A0AC-D74313B6CB72}" srcId="{EC8F2A8A-385F-49C9-8116-8C7717CAE9AB}" destId="{04E75510-0DD1-4A13-8738-29DC87F1C4BC}" srcOrd="4" destOrd="0" parTransId="{F590BBBA-3057-44AB-9D8B-A93D195E0F21}" sibTransId="{F435CA1E-3EC7-4F40-ACF8-3AF62B512A3B}"/>
+    <dgm:cxn modelId="{9F96B5AB-5B45-4321-B817-4B5253011E31}" type="presOf" srcId="{644C109E-0A36-4935-B5D5-EEC8778E4442}" destId="{E1576FDB-F8F2-4259-ACE8-1315BC127357}" srcOrd="0" destOrd="0" presId="urn:microsoft.com/office/officeart/2005/8/layout/process5"/>
+    <dgm:cxn modelId="{E4AAFDF6-FDEF-4736-BF29-03A1DEF4A4AF}" type="presOf" srcId="{24B4990D-4439-403D-847D-4654D373CA4D}" destId="{7898C570-DD0C-49D8-9DF6-BC165A14530A}" srcOrd="0" destOrd="0" presId="urn:microsoft.com/office/officeart/2005/8/layout/process5"/>
+    <dgm:cxn modelId="{045A0FBD-530A-49BF-8583-36280279F02F}" type="presOf" srcId="{06F92C51-1E9C-4D7B-8015-CE0E1457D4E9}" destId="{4CFD68F7-BD2F-4F54-9A7F-9BC0F9283BCB}" srcOrd="0" destOrd="0" presId="urn:microsoft.com/office/officeart/2005/8/layout/process5"/>
+    <dgm:cxn modelId="{552C555B-7D7A-47B2-9EDB-A81DDE5C2DCE}" type="presOf" srcId="{04E75510-0DD1-4A13-8738-29DC87F1C4BC}" destId="{99D525DB-8BA2-4D6A-9D36-4C140A9EA81C}" srcOrd="0" destOrd="0" presId="urn:microsoft.com/office/officeart/2005/8/layout/process5"/>
+    <dgm:cxn modelId="{D77AD17B-3CD5-4CE7-8D2B-C99BD0A612D0}" type="presOf" srcId="{5F7303DE-3AB2-4D2C-A5B1-89DEA4A97B3D}" destId="{3355C1BA-1B71-49DC-B66E-A3DFC7D244F7}" srcOrd="0" destOrd="0" presId="urn:microsoft.com/office/officeart/2005/8/layout/process5"/>
+    <dgm:cxn modelId="{4291DE4D-24A0-4FFF-83F1-E29AC1E0240B}" type="presOf" srcId="{C4290BED-7260-403A-92EF-C43EE3A33444}" destId="{78FAE01D-C99E-401B-9F00-92A8B840D561}" srcOrd="0" destOrd="0" presId="urn:microsoft.com/office/officeart/2005/8/layout/process5"/>
+    <dgm:cxn modelId="{CB7F332B-2E8D-48BB-82B7-B37A8BE5786F}" type="presOf" srcId="{F435CA1E-3EC7-4F40-ACF8-3AF62B512A3B}" destId="{4286904B-3878-405B-B50C-47864DF69C4C}" srcOrd="1" destOrd="0" presId="urn:microsoft.com/office/officeart/2005/8/layout/process5"/>
+    <dgm:cxn modelId="{361FDF8F-F4E3-44E7-857F-2286A833CDAC}" type="presOf" srcId="{2A543457-BB18-451E-BD3E-2C5692B63427}" destId="{E4416027-269B-421F-AA19-F82C909CB313}" srcOrd="0" destOrd="0" presId="urn:microsoft.com/office/officeart/2005/8/layout/process5"/>
+    <dgm:cxn modelId="{E10C3236-0284-49D3-BB21-A8AFCF2B68DA}" srcId="{EC8F2A8A-385F-49C9-8116-8C7717CAE9AB}" destId="{C4290BED-7260-403A-92EF-C43EE3A33444}" srcOrd="0" destOrd="0" parTransId="{F079CA93-1835-474A-B2F1-16498941F637}" sibTransId="{CE951EF6-1968-4743-B62A-320F3FCE7210}"/>
+    <dgm:cxn modelId="{699AE5AC-B8EE-491B-95CC-CBE83DFA4AF8}" srcId="{EC8F2A8A-385F-49C9-8116-8C7717CAE9AB}" destId="{05880CFB-1D36-45E3-A216-2DD2A76CF52C}" srcOrd="2" destOrd="0" parTransId="{71C2EDD9-4B18-4527-80EB-4C65684D5EC4}" sibTransId="{E0E5C39B-90BA-4C91-A687-892C5B190CF3}"/>
+    <dgm:cxn modelId="{3387027B-364C-4ED1-82BD-78E5C0F52CD8}" srcId="{EC8F2A8A-385F-49C9-8116-8C7717CAE9AB}" destId="{5F7303DE-3AB2-4D2C-A5B1-89DEA4A97B3D}" srcOrd="5" destOrd="0" parTransId="{417769CC-AAEC-4240-BE84-9ADFB127C5DF}" sibTransId="{02A79496-9AF6-4BA1-98B6-C2CB564BF6EB}"/>
     <dgm:cxn modelId="{6C51EF46-503E-4518-9C94-979317458243}" srcId="{EC8F2A8A-385F-49C9-8116-8C7717CAE9AB}" destId="{06F92C51-1E9C-4D7B-8015-CE0E1457D4E9}" srcOrd="1" destOrd="0" parTransId="{FCF168F5-BDEA-4049-8234-C507BC17AF92}" sibTransId="{24B4990D-4439-403D-847D-4654D373CA4D}"/>
-    <dgm:cxn modelId="{1124A12B-F8E2-4F74-96EB-AF7146E5E00B}" type="presOf" srcId="{CE951EF6-1968-4743-B62A-320F3FCE7210}" destId="{96D9272A-4AD6-4122-92E5-41C835C35BE2}" srcOrd="1" destOrd="0" presId="urn:microsoft.com/office/officeart/2005/8/layout/process5"/>
-    <dgm:cxn modelId="{365B1601-7F65-4F3C-9716-4E21DC2FCBA6}" type="presOf" srcId="{E0E5C39B-90BA-4C91-A687-892C5B190CF3}" destId="{A68A5913-EC1C-497F-8737-8225012AA5BD}" srcOrd="1" destOrd="0" presId="urn:microsoft.com/office/officeart/2005/8/layout/process5"/>
-    <dgm:cxn modelId="{C1EFFD74-3D9E-442F-A34B-1DF261DE942A}" type="presOf" srcId="{24B4990D-4439-403D-847D-4654D373CA4D}" destId="{7898C570-DD0C-49D8-9DF6-BC165A14530A}" srcOrd="0" destOrd="0" presId="urn:microsoft.com/office/officeart/2005/8/layout/process5"/>
-    <dgm:cxn modelId="{6FA66119-5DB5-4AA4-9F4F-43039940BDCD}" type="presOf" srcId="{04E75510-0DD1-4A13-8738-29DC87F1C4BC}" destId="{99D525DB-8BA2-4D6A-9D36-4C140A9EA81C}" srcOrd="0" destOrd="0" presId="urn:microsoft.com/office/officeart/2005/8/layout/process5"/>
-    <dgm:cxn modelId="{6DF14C88-68A5-48A4-BEFB-0A50AFA1AAEB}" type="presOf" srcId="{3ADA2F37-BAD6-4419-BF7B-97F97E83D4A9}" destId="{6319F187-2A32-43D9-A5E9-3B5FA5BEEDE2}" srcOrd="0" destOrd="0" presId="urn:microsoft.com/office/officeart/2005/8/layout/process5"/>
-    <dgm:cxn modelId="{83C9C42E-429D-4D59-8E4D-9EE048082278}" type="presOf" srcId="{3ADA2F37-BAD6-4419-BF7B-97F97E83D4A9}" destId="{B78770C5-6C55-476A-B273-5D38D5FCF415}" srcOrd="1" destOrd="0" presId="urn:microsoft.com/office/officeart/2005/8/layout/process5"/>
-    <dgm:cxn modelId="{28A2CA43-A18B-4446-AC7A-0C48C6763360}" type="presOf" srcId="{644C109E-0A36-4935-B5D5-EEC8778E4442}" destId="{E1576FDB-F8F2-4259-ACE8-1315BC127357}" srcOrd="0" destOrd="0" presId="urn:microsoft.com/office/officeart/2005/8/layout/process5"/>
-    <dgm:cxn modelId="{E10C3236-0284-49D3-BB21-A8AFCF2B68DA}" srcId="{EC8F2A8A-385F-49C9-8116-8C7717CAE9AB}" destId="{C4290BED-7260-403A-92EF-C43EE3A33444}" srcOrd="0" destOrd="0" parTransId="{F079CA93-1835-474A-B2F1-16498941F637}" sibTransId="{CE951EF6-1968-4743-B62A-320F3FCE7210}"/>
-    <dgm:cxn modelId="{97F7C56B-98D3-427C-B7EC-04EA16ADBCC0}" srcId="{EC8F2A8A-385F-49C9-8116-8C7717CAE9AB}" destId="{644C109E-0A36-4935-B5D5-EEC8778E4442}" srcOrd="3" destOrd="0" parTransId="{93E06F34-31EE-489F-854D-52CDA0C9D3B2}" sibTransId="{2A543457-BB18-451E-BD3E-2C5692B63427}"/>
-    <dgm:cxn modelId="{C0A17FFE-B085-43B6-9464-B84A890CD204}" type="presOf" srcId="{019B6B44-442F-406A-9A27-E726818EDF63}" destId="{FC061BB6-4386-4944-8E93-C2FD8342698E}" srcOrd="0" destOrd="0" presId="urn:microsoft.com/office/officeart/2005/8/layout/process5"/>
-    <dgm:cxn modelId="{F14BA4DE-E901-4447-B264-7FFEAC49F97B}" type="presOf" srcId="{2A543457-BB18-451E-BD3E-2C5692B63427}" destId="{ABDC317C-1E11-4AA1-AB6D-63D6C4C03E9A}" srcOrd="1" destOrd="0" presId="urn:microsoft.com/office/officeart/2005/8/layout/process5"/>
-    <dgm:cxn modelId="{188EDA74-8C3C-40B8-BBA2-49643F522E09}" type="presOf" srcId="{EC8F2A8A-385F-49C9-8116-8C7717CAE9AB}" destId="{EF6B3B3E-E69F-4DC6-BACB-8423741EBB0F}" srcOrd="0" destOrd="0" presId="urn:microsoft.com/office/officeart/2005/8/layout/process5"/>
-    <dgm:cxn modelId="{CC0B9BA2-C6F8-45A3-B75A-AD85153B59A1}" type="presOf" srcId="{CE951EF6-1968-4743-B62A-320F3FCE7210}" destId="{1C20E7E1-B861-46FA-89FB-04AF53D19429}" srcOrd="0" destOrd="0" presId="urn:microsoft.com/office/officeart/2005/8/layout/process5"/>
-    <dgm:cxn modelId="{ED4B6010-0C3C-460F-A0AC-D74313B6CB72}" srcId="{EC8F2A8A-385F-49C9-8116-8C7717CAE9AB}" destId="{04E75510-0DD1-4A13-8738-29DC87F1C4BC}" srcOrd="5" destOrd="0" parTransId="{F590BBBA-3057-44AB-9D8B-A93D195E0F21}" sibTransId="{F435CA1E-3EC7-4F40-ACF8-3AF62B512A3B}"/>
-    <dgm:cxn modelId="{699AE5AC-B8EE-491B-95CC-CBE83DFA4AF8}" srcId="{EC8F2A8A-385F-49C9-8116-8C7717CAE9AB}" destId="{05880CFB-1D36-45E3-A216-2DD2A76CF52C}" srcOrd="2" destOrd="0" parTransId="{71C2EDD9-4B18-4527-80EB-4C65684D5EC4}" sibTransId="{E0E5C39B-90BA-4C91-A687-892C5B190CF3}"/>
-    <dgm:cxn modelId="{CF7D3F89-FA54-4194-B819-BB1863AC5D45}" type="presOf" srcId="{5F7303DE-3AB2-4D2C-A5B1-89DEA4A97B3D}" destId="{3355C1BA-1B71-49DC-B66E-A3DFC7D244F7}" srcOrd="0" destOrd="0" presId="urn:microsoft.com/office/officeart/2005/8/layout/process5"/>
-    <dgm:cxn modelId="{99A747B7-C434-4811-82E6-201CA1840425}" type="presParOf" srcId="{EF6B3B3E-E69F-4DC6-BACB-8423741EBB0F}" destId="{78FAE01D-C99E-401B-9F00-92A8B840D561}" srcOrd="0" destOrd="0" presId="urn:microsoft.com/office/officeart/2005/8/layout/process5"/>
-    <dgm:cxn modelId="{4AA8112B-7185-4AC6-82EE-A2B346DD5F01}" type="presParOf" srcId="{EF6B3B3E-E69F-4DC6-BACB-8423741EBB0F}" destId="{1C20E7E1-B861-46FA-89FB-04AF53D19429}" srcOrd="1" destOrd="0" presId="urn:microsoft.com/office/officeart/2005/8/layout/process5"/>
-    <dgm:cxn modelId="{9A2D58D0-CEAC-4414-AF2F-E5D0ACC6B580}" type="presParOf" srcId="{1C20E7E1-B861-46FA-89FB-04AF53D19429}" destId="{96D9272A-4AD6-4122-92E5-41C835C35BE2}" srcOrd="0" destOrd="0" presId="urn:microsoft.com/office/officeart/2005/8/layout/process5"/>
-    <dgm:cxn modelId="{FF111A83-3132-4D16-8CC6-5A0D891B785B}" type="presParOf" srcId="{EF6B3B3E-E69F-4DC6-BACB-8423741EBB0F}" destId="{4CFD68F7-BD2F-4F54-9A7F-9BC0F9283BCB}" srcOrd="2" destOrd="0" presId="urn:microsoft.com/office/officeart/2005/8/layout/process5"/>
-    <dgm:cxn modelId="{A3B3C6F1-FF9D-46B7-AF0C-722F742B4E2C}" type="presParOf" srcId="{EF6B3B3E-E69F-4DC6-BACB-8423741EBB0F}" destId="{7898C570-DD0C-49D8-9DF6-BC165A14530A}" srcOrd="3" destOrd="0" presId="urn:microsoft.com/office/officeart/2005/8/layout/process5"/>
-    <dgm:cxn modelId="{4DD47774-DDC3-4E7A-B502-17BEF1366CD7}" type="presParOf" srcId="{7898C570-DD0C-49D8-9DF6-BC165A14530A}" destId="{6EFCC3EC-E1A5-4325-9A41-BF8781056215}" srcOrd="0" destOrd="0" presId="urn:microsoft.com/office/officeart/2005/8/layout/process5"/>
-    <dgm:cxn modelId="{64E78656-5992-4521-80F0-906EE05A453F}" type="presParOf" srcId="{EF6B3B3E-E69F-4DC6-BACB-8423741EBB0F}" destId="{C7573516-AD6A-43AC-9AB6-333F541BB073}" srcOrd="4" destOrd="0" presId="urn:microsoft.com/office/officeart/2005/8/layout/process5"/>
-    <dgm:cxn modelId="{EAA38F59-0A20-4A48-9BD0-6ABD00BF4B40}" type="presParOf" srcId="{EF6B3B3E-E69F-4DC6-BACB-8423741EBB0F}" destId="{C844DEAF-2913-407F-9B3B-5E1C708B9722}" srcOrd="5" destOrd="0" presId="urn:microsoft.com/office/officeart/2005/8/layout/process5"/>
-    <dgm:cxn modelId="{B99AFF70-6DA0-4ADD-81EF-4BD8E430C4E4}" type="presParOf" srcId="{C844DEAF-2913-407F-9B3B-5E1C708B9722}" destId="{A68A5913-EC1C-497F-8737-8225012AA5BD}" srcOrd="0" destOrd="0" presId="urn:microsoft.com/office/officeart/2005/8/layout/process5"/>
-    <dgm:cxn modelId="{26224516-05EC-4A22-9717-3680D668895A}" type="presParOf" srcId="{EF6B3B3E-E69F-4DC6-BACB-8423741EBB0F}" destId="{E1576FDB-F8F2-4259-ACE8-1315BC127357}" srcOrd="6" destOrd="0" presId="urn:microsoft.com/office/officeart/2005/8/layout/process5"/>
-    <dgm:cxn modelId="{C7DED449-C113-4944-8056-46AF79488B25}" type="presParOf" srcId="{EF6B3B3E-E69F-4DC6-BACB-8423741EBB0F}" destId="{E4416027-269B-421F-AA19-F82C909CB313}" srcOrd="7" destOrd="0" presId="urn:microsoft.com/office/officeart/2005/8/layout/process5"/>
-    <dgm:cxn modelId="{CA2715EF-9344-47BA-83B0-A63BE5229A40}" type="presParOf" srcId="{E4416027-269B-421F-AA19-F82C909CB313}" destId="{ABDC317C-1E11-4AA1-AB6D-63D6C4C03E9A}" srcOrd="0" destOrd="0" presId="urn:microsoft.com/office/officeart/2005/8/layout/process5"/>
-    <dgm:cxn modelId="{FEB65D6A-C26E-4814-A75E-FE28DDD41EA9}" type="presParOf" srcId="{EF6B3B3E-E69F-4DC6-BACB-8423741EBB0F}" destId="{FC061BB6-4386-4944-8E93-C2FD8342698E}" srcOrd="8" destOrd="0" presId="urn:microsoft.com/office/officeart/2005/8/layout/process5"/>
-    <dgm:cxn modelId="{9D13BF91-15FB-421B-8A90-B6FCDFEBB799}" type="presParOf" srcId="{EF6B3B3E-E69F-4DC6-BACB-8423741EBB0F}" destId="{6319F187-2A32-43D9-A5E9-3B5FA5BEEDE2}" srcOrd="9" destOrd="0" presId="urn:microsoft.com/office/officeart/2005/8/layout/process5"/>
-    <dgm:cxn modelId="{AC8DE7CC-9513-4B31-A03C-353733A593B3}" type="presParOf" srcId="{6319F187-2A32-43D9-A5E9-3B5FA5BEEDE2}" destId="{B78770C5-6C55-476A-B273-5D38D5FCF415}" srcOrd="0" destOrd="0" presId="urn:microsoft.com/office/officeart/2005/8/layout/process5"/>
-    <dgm:cxn modelId="{F5947C68-173B-473C-A63C-2790E93265BE}" type="presParOf" srcId="{EF6B3B3E-E69F-4DC6-BACB-8423741EBB0F}" destId="{99D525DB-8BA2-4D6A-9D36-4C140A9EA81C}" srcOrd="10" destOrd="0" presId="urn:microsoft.com/office/officeart/2005/8/layout/process5"/>
-    <dgm:cxn modelId="{6A58BAFA-1C0D-448C-8DD8-E4E1ED5FB528}" type="presParOf" srcId="{EF6B3B3E-E69F-4DC6-BACB-8423741EBB0F}" destId="{63C647CF-5D9C-4BF0-B4EC-652F2CA9C436}" srcOrd="11" destOrd="0" presId="urn:microsoft.com/office/officeart/2005/8/layout/process5"/>
-    <dgm:cxn modelId="{344870AF-D019-4BC2-861C-4C4C0012F7C2}" type="presParOf" srcId="{63C647CF-5D9C-4BF0-B4EC-652F2CA9C436}" destId="{4286904B-3878-405B-B50C-47864DF69C4C}" srcOrd="0" destOrd="0" presId="urn:microsoft.com/office/officeart/2005/8/layout/process5"/>
-    <dgm:cxn modelId="{5A852826-4416-4182-9011-881046AB4076}" type="presParOf" srcId="{EF6B3B3E-E69F-4DC6-BACB-8423741EBB0F}" destId="{3355C1BA-1B71-49DC-B66E-A3DFC7D244F7}" srcOrd="12" destOrd="0" presId="urn:microsoft.com/office/officeart/2005/8/layout/process5"/>
+    <dgm:cxn modelId="{32A9C836-A0D1-4E53-914A-86A077EC53EF}" type="presOf" srcId="{2A543457-BB18-451E-BD3E-2C5692B63427}" destId="{ABDC317C-1E11-4AA1-AB6D-63D6C4C03E9A}" srcOrd="1" destOrd="0" presId="urn:microsoft.com/office/officeart/2005/8/layout/process5"/>
+    <dgm:cxn modelId="{65089875-6BF9-4BAB-8CB6-C8210A3782F1}" type="presOf" srcId="{CE951EF6-1968-4743-B62A-320F3FCE7210}" destId="{96D9272A-4AD6-4122-92E5-41C835C35BE2}" srcOrd="1" destOrd="0" presId="urn:microsoft.com/office/officeart/2005/8/layout/process5"/>
+    <dgm:cxn modelId="{8DB2C5E8-13E2-4887-AD43-8CEC96DB24C5}" type="presOf" srcId="{E0E5C39B-90BA-4C91-A687-892C5B190CF3}" destId="{A68A5913-EC1C-497F-8737-8225012AA5BD}" srcOrd="1" destOrd="0" presId="urn:microsoft.com/office/officeart/2005/8/layout/process5"/>
+    <dgm:cxn modelId="{D170FAAE-32EA-4DC4-8BFD-868F5D434211}" type="presOf" srcId="{F435CA1E-3EC7-4F40-ACF8-3AF62B512A3B}" destId="{63C647CF-5D9C-4BF0-B4EC-652F2CA9C436}" srcOrd="0" destOrd="0" presId="urn:microsoft.com/office/officeart/2005/8/layout/process5"/>
+    <dgm:cxn modelId="{87E76934-CFFD-45CD-9F9F-235CBD2646AA}" type="presOf" srcId="{E0E5C39B-90BA-4C91-A687-892C5B190CF3}" destId="{C844DEAF-2913-407F-9B3B-5E1C708B9722}" srcOrd="0" destOrd="0" presId="urn:microsoft.com/office/officeart/2005/8/layout/process5"/>
+    <dgm:cxn modelId="{4C7FDD88-49A9-49E3-8790-A7955CCA644D}" type="presParOf" srcId="{EF6B3B3E-E69F-4DC6-BACB-8423741EBB0F}" destId="{78FAE01D-C99E-401B-9F00-92A8B840D561}" srcOrd="0" destOrd="0" presId="urn:microsoft.com/office/officeart/2005/8/layout/process5"/>
+    <dgm:cxn modelId="{2428BD72-47B9-4025-B33D-B7A8E3EC505A}" type="presParOf" srcId="{EF6B3B3E-E69F-4DC6-BACB-8423741EBB0F}" destId="{1C20E7E1-B861-46FA-89FB-04AF53D19429}" srcOrd="1" destOrd="0" presId="urn:microsoft.com/office/officeart/2005/8/layout/process5"/>
+    <dgm:cxn modelId="{C26E50AD-7E85-4B31-AB6D-7C67FC169AB9}" type="presParOf" srcId="{1C20E7E1-B861-46FA-89FB-04AF53D19429}" destId="{96D9272A-4AD6-4122-92E5-41C835C35BE2}" srcOrd="0" destOrd="0" presId="urn:microsoft.com/office/officeart/2005/8/layout/process5"/>
+    <dgm:cxn modelId="{9C901A7C-4960-49F6-B30F-79171F849E7F}" type="presParOf" srcId="{EF6B3B3E-E69F-4DC6-BACB-8423741EBB0F}" destId="{4CFD68F7-BD2F-4F54-9A7F-9BC0F9283BCB}" srcOrd="2" destOrd="0" presId="urn:microsoft.com/office/officeart/2005/8/layout/process5"/>
+    <dgm:cxn modelId="{802825FE-E924-48B5-9892-2C7876564638}" type="presParOf" srcId="{EF6B3B3E-E69F-4DC6-BACB-8423741EBB0F}" destId="{7898C570-DD0C-49D8-9DF6-BC165A14530A}" srcOrd="3" destOrd="0" presId="urn:microsoft.com/office/officeart/2005/8/layout/process5"/>
+    <dgm:cxn modelId="{CDEB6378-B143-4A5B-B23B-BE44D393C361}" type="presParOf" srcId="{7898C570-DD0C-49D8-9DF6-BC165A14530A}" destId="{6EFCC3EC-E1A5-4325-9A41-BF8781056215}" srcOrd="0" destOrd="0" presId="urn:microsoft.com/office/officeart/2005/8/layout/process5"/>
+    <dgm:cxn modelId="{22CBFA31-2131-4B0B-B1A0-3B9B2A28CACE}" type="presParOf" srcId="{EF6B3B3E-E69F-4DC6-BACB-8423741EBB0F}" destId="{C7573516-AD6A-43AC-9AB6-333F541BB073}" srcOrd="4" destOrd="0" presId="urn:microsoft.com/office/officeart/2005/8/layout/process5"/>
+    <dgm:cxn modelId="{0A04E2F6-4D1C-476F-BE50-2763675CBDBA}" type="presParOf" srcId="{EF6B3B3E-E69F-4DC6-BACB-8423741EBB0F}" destId="{C844DEAF-2913-407F-9B3B-5E1C708B9722}" srcOrd="5" destOrd="0" presId="urn:microsoft.com/office/officeart/2005/8/layout/process5"/>
+    <dgm:cxn modelId="{B130355E-6E20-4C3D-9803-87A8BFCC9E8B}" type="presParOf" srcId="{C844DEAF-2913-407F-9B3B-5E1C708B9722}" destId="{A68A5913-EC1C-497F-8737-8225012AA5BD}" srcOrd="0" destOrd="0" presId="urn:microsoft.com/office/officeart/2005/8/layout/process5"/>
+    <dgm:cxn modelId="{51B495EA-6C07-4A99-9ED1-FFB5992D2C44}" type="presParOf" srcId="{EF6B3B3E-E69F-4DC6-BACB-8423741EBB0F}" destId="{E1576FDB-F8F2-4259-ACE8-1315BC127357}" srcOrd="6" destOrd="0" presId="urn:microsoft.com/office/officeart/2005/8/layout/process5"/>
+    <dgm:cxn modelId="{59022E8E-7354-4299-9120-0BC59A6BED24}" type="presParOf" srcId="{EF6B3B3E-E69F-4DC6-BACB-8423741EBB0F}" destId="{E4416027-269B-421F-AA19-F82C909CB313}" srcOrd="7" destOrd="0" presId="urn:microsoft.com/office/officeart/2005/8/layout/process5"/>
+    <dgm:cxn modelId="{EEFDE121-C5C4-4933-B4D8-D689C6D1C6AD}" type="presParOf" srcId="{E4416027-269B-421F-AA19-F82C909CB313}" destId="{ABDC317C-1E11-4AA1-AB6D-63D6C4C03E9A}" srcOrd="0" destOrd="0" presId="urn:microsoft.com/office/officeart/2005/8/layout/process5"/>
+    <dgm:cxn modelId="{D2599900-F79D-434E-8754-90B757BAF4D6}" type="presParOf" srcId="{EF6B3B3E-E69F-4DC6-BACB-8423741EBB0F}" destId="{99D525DB-8BA2-4D6A-9D36-4C140A9EA81C}" srcOrd="8" destOrd="0" presId="urn:microsoft.com/office/officeart/2005/8/layout/process5"/>
+    <dgm:cxn modelId="{ACE9208E-3D04-4273-8765-74B07E7A2649}" type="presParOf" srcId="{EF6B3B3E-E69F-4DC6-BACB-8423741EBB0F}" destId="{63C647CF-5D9C-4BF0-B4EC-652F2CA9C436}" srcOrd="9" destOrd="0" presId="urn:microsoft.com/office/officeart/2005/8/layout/process5"/>
+    <dgm:cxn modelId="{C573319B-9D56-48CA-8BC2-BEBAEEE77E5A}" type="presParOf" srcId="{63C647CF-5D9C-4BF0-B4EC-652F2CA9C436}" destId="{4286904B-3878-405B-B50C-47864DF69C4C}" srcOrd="0" destOrd="0" presId="urn:microsoft.com/office/officeart/2005/8/layout/process5"/>
+    <dgm:cxn modelId="{1CC0CBBE-52C4-4726-BE18-734D53D18251}" type="presParOf" srcId="{EF6B3B3E-E69F-4DC6-BACB-8423741EBB0F}" destId="{3355C1BA-1B71-49DC-B66E-A3DFC7D244F7}" srcOrd="10" destOrd="0" presId="urn:microsoft.com/office/officeart/2005/8/layout/process5"/>
   </dgm:cxnLst>
   <dgm:bg/>
   <dgm:whole/>
@@ -3027,8 +2830,8 @@
       </dsp:nvSpPr>
       <dsp:spPr>
         <a:xfrm>
-          <a:off x="610388" y="2544"/>
-          <a:ext cx="1844426" cy="1106656"/>
+          <a:off x="6749" y="977001"/>
+          <a:ext cx="2017247" cy="1210348"/>
         </a:xfrm>
         <a:prstGeom prst="roundRect">
           <a:avLst>
@@ -3072,12 +2875,12 @@
         </a:fontRef>
       </dsp:style>
       <dsp:txBody>
-        <a:bodyPr spcFirstLastPara="0" vert="horz" wrap="square" lIns="60960" tIns="60960" rIns="60960" bIns="60960" numCol="1" spcCol="1270" anchor="ctr" anchorCtr="0">
+        <a:bodyPr spcFirstLastPara="0" vert="horz" wrap="square" lIns="87630" tIns="87630" rIns="87630" bIns="87630" numCol="1" spcCol="1270" anchor="ctr" anchorCtr="0">
           <a:noAutofit/>
         </a:bodyPr>
         <a:lstStyle/>
         <a:p>
-          <a:pPr lvl="0" algn="ctr" defTabSz="711200">
+          <a:pPr lvl="0" algn="ctr" defTabSz="1022350">
             <a:lnSpc>
               <a:spcPct val="90000"/>
             </a:lnSpc>
@@ -3089,19 +2892,14 @@
             </a:spcAft>
           </a:pPr>
           <a:r>
-            <a:rPr lang="en-US" sz="1600" kern="1200" dirty="0"/>
-            <a:t>Citra </a:t>
+            <a:rPr lang="en-US" sz="2300" kern="1200"/>
+            <a:t>Citra masukan</a:t>
           </a:r>
-          <a:r>
-            <a:rPr lang="en-US" sz="1600" kern="1200" dirty="0" err="1"/>
-            <a:t>masukan</a:t>
-          </a:r>
-          <a:endParaRPr lang="en-US" sz="1600" kern="1200" dirty="0"/>
         </a:p>
       </dsp:txBody>
       <dsp:txXfrm>
-        <a:off x="610388" y="2544"/>
-        <a:ext cx="1844426" cy="1106656"/>
+        <a:off x="6749" y="977001"/>
+        <a:ext cx="2017247" cy="1210348"/>
       </dsp:txXfrm>
     </dsp:sp>
     <dsp:sp modelId="{1C20E7E1-B861-46FA-89FB-04AF53D19429}">
@@ -3111,8 +2909,8 @@
       </dsp:nvSpPr>
       <dsp:spPr>
         <a:xfrm>
-          <a:off x="2617125" y="327164"/>
-          <a:ext cx="391018" cy="457417"/>
+          <a:off x="2201514" y="1332037"/>
+          <a:ext cx="427656" cy="500277"/>
         </a:xfrm>
         <a:prstGeom prst="rightArrow">
           <a:avLst>
@@ -3154,7 +2952,7 @@
         </a:bodyPr>
         <a:lstStyle/>
         <a:p>
-          <a:pPr lvl="0" algn="ctr" defTabSz="577850">
+          <a:pPr lvl="0" algn="ctr" defTabSz="800100">
             <a:lnSpc>
               <a:spcPct val="90000"/>
             </a:lnSpc>
@@ -3165,12 +2963,12 @@
               <a:spcPct val="35000"/>
             </a:spcAft>
           </a:pPr>
-          <a:endParaRPr lang="en-US" sz="1300" kern="1200"/>
+          <a:endParaRPr lang="en-US" sz="1800" kern="1200"/>
         </a:p>
       </dsp:txBody>
       <dsp:txXfrm>
-        <a:off x="2617125" y="327164"/>
-        <a:ext cx="391018" cy="457417"/>
+        <a:off x="2201514" y="1332037"/>
+        <a:ext cx="427656" cy="500277"/>
       </dsp:txXfrm>
     </dsp:sp>
     <dsp:sp modelId="{4CFD68F7-BD2F-4F54-9A7F-9BC0F9283BCB}">
@@ -3180,8 +2978,8 @@
       </dsp:nvSpPr>
       <dsp:spPr>
         <a:xfrm>
-          <a:off x="3192586" y="2544"/>
-          <a:ext cx="1844426" cy="1106656"/>
+          <a:off x="2830896" y="977001"/>
+          <a:ext cx="2017247" cy="1210348"/>
         </a:xfrm>
         <a:prstGeom prst="roundRect">
           <a:avLst>
@@ -3225,12 +3023,12 @@
         </a:fontRef>
       </dsp:style>
       <dsp:txBody>
-        <a:bodyPr spcFirstLastPara="0" vert="horz" wrap="square" lIns="60960" tIns="60960" rIns="60960" bIns="60960" numCol="1" spcCol="1270" anchor="ctr" anchorCtr="0">
+        <a:bodyPr spcFirstLastPara="0" vert="horz" wrap="square" lIns="87630" tIns="87630" rIns="87630" bIns="87630" numCol="1" spcCol="1270" anchor="ctr" anchorCtr="0">
           <a:noAutofit/>
         </a:bodyPr>
         <a:lstStyle/>
         <a:p>
-          <a:pPr lvl="0" algn="ctr" defTabSz="711200">
+          <a:pPr lvl="0" algn="ctr" defTabSz="1022350">
             <a:lnSpc>
               <a:spcPct val="90000"/>
             </a:lnSpc>
@@ -3242,15 +3040,14 @@
             </a:spcAft>
           </a:pPr>
           <a:r>
-            <a:rPr lang="en-US" sz="1600" kern="1200" dirty="0" err="1"/>
+            <a:rPr lang="en-US" sz="2300" kern="1200"/>
             <a:t>Preproses</a:t>
           </a:r>
-          <a:endParaRPr lang="en-US" sz="1600" kern="1200" dirty="0"/>
         </a:p>
       </dsp:txBody>
       <dsp:txXfrm>
-        <a:off x="3192586" y="2544"/>
-        <a:ext cx="1844426" cy="1106656"/>
+        <a:off x="2830896" y="977001"/>
+        <a:ext cx="2017247" cy="1210348"/>
       </dsp:txXfrm>
     </dsp:sp>
     <dsp:sp modelId="{7898C570-DD0C-49D8-9DF6-BC165A14530A}">
@@ -3260,8 +3057,8 @@
       </dsp:nvSpPr>
       <dsp:spPr>
         <a:xfrm>
-          <a:off x="5199323" y="327164"/>
-          <a:ext cx="391018" cy="457417"/>
+          <a:off x="5025661" y="1332037"/>
+          <a:ext cx="427656" cy="500277"/>
         </a:xfrm>
         <a:prstGeom prst="rightArrow">
           <a:avLst>
@@ -3303,7 +3100,7 @@
         </a:bodyPr>
         <a:lstStyle/>
         <a:p>
-          <a:pPr lvl="0" algn="ctr" defTabSz="577850">
+          <a:pPr lvl="0" algn="ctr" defTabSz="800100">
             <a:lnSpc>
               <a:spcPct val="90000"/>
             </a:lnSpc>
@@ -3314,12 +3111,12 @@
               <a:spcPct val="35000"/>
             </a:spcAft>
           </a:pPr>
-          <a:endParaRPr lang="en-US" sz="1300" kern="1200"/>
+          <a:endParaRPr lang="en-US" sz="1800" kern="1200"/>
         </a:p>
       </dsp:txBody>
       <dsp:txXfrm>
-        <a:off x="5199323" y="327164"/>
-        <a:ext cx="391018" cy="457417"/>
+        <a:off x="5025661" y="1332037"/>
+        <a:ext cx="427656" cy="500277"/>
       </dsp:txXfrm>
     </dsp:sp>
     <dsp:sp modelId="{C7573516-AD6A-43AC-9AB6-333F541BB073}">
@@ -3329,8 +3126,8 @@
       </dsp:nvSpPr>
       <dsp:spPr>
         <a:xfrm>
-          <a:off x="5774784" y="2544"/>
-          <a:ext cx="1844426" cy="1106656"/>
+          <a:off x="5655043" y="977001"/>
+          <a:ext cx="2017247" cy="1210348"/>
         </a:xfrm>
         <a:prstGeom prst="roundRect">
           <a:avLst>
@@ -3374,12 +3171,12 @@
         </a:fontRef>
       </dsp:style>
       <dsp:txBody>
-        <a:bodyPr spcFirstLastPara="0" vert="horz" wrap="square" lIns="60960" tIns="60960" rIns="60960" bIns="60960" numCol="1" spcCol="1270" anchor="ctr" anchorCtr="0">
+        <a:bodyPr spcFirstLastPara="0" vert="horz" wrap="square" lIns="87630" tIns="87630" rIns="87630" bIns="87630" numCol="1" spcCol="1270" anchor="ctr" anchorCtr="0">
           <a:noAutofit/>
         </a:bodyPr>
         <a:lstStyle/>
         <a:p>
-          <a:pPr lvl="0" algn="ctr" defTabSz="711200">
+          <a:pPr lvl="0" algn="ctr" defTabSz="1022350">
             <a:lnSpc>
               <a:spcPct val="90000"/>
             </a:lnSpc>
@@ -3391,31 +3188,14 @@
             </a:spcAft>
           </a:pPr>
           <a:r>
-            <a:rPr lang="en-US" sz="1600" kern="1200" dirty="0" err="1"/>
-            <a:t>Ekstraksi</a:t>
+            <a:rPr lang="en-US" sz="2300" kern="1200"/>
+            <a:t>Ekstraksi kotak nomor</a:t>
           </a:r>
-          <a:r>
-            <a:rPr lang="en-US" sz="1600" kern="1200" dirty="0"/>
-            <a:t> </a:t>
-          </a:r>
-          <a:r>
-            <a:rPr lang="en-US" sz="1600" kern="1200" dirty="0" err="1"/>
-            <a:t>kotak</a:t>
-          </a:r>
-          <a:r>
-            <a:rPr lang="en-US" sz="1600" kern="1200" dirty="0"/>
-            <a:t> </a:t>
-          </a:r>
-          <a:r>
-            <a:rPr lang="en-US" sz="1600" kern="1200" dirty="0" err="1"/>
-            <a:t>nomor</a:t>
-          </a:r>
-          <a:endParaRPr lang="en-US" sz="1600" kern="1200" dirty="0"/>
         </a:p>
       </dsp:txBody>
       <dsp:txXfrm>
-        <a:off x="5774784" y="2544"/>
-        <a:ext cx="1844426" cy="1106656"/>
+        <a:off x="5655043" y="977001"/>
+        <a:ext cx="2017247" cy="1210348"/>
       </dsp:txXfrm>
     </dsp:sp>
     <dsp:sp modelId="{C844DEAF-2913-407F-9B3B-5E1C708B9722}">
@@ -3425,8 +3205,8 @@
       </dsp:nvSpPr>
       <dsp:spPr>
         <a:xfrm rot="5400000">
-          <a:off x="6501488" y="1238311"/>
-          <a:ext cx="391018" cy="457417"/>
+          <a:off x="6449838" y="2328557"/>
+          <a:ext cx="427656" cy="500277"/>
         </a:xfrm>
         <a:prstGeom prst="rightArrow">
           <a:avLst>
@@ -3468,7 +3248,7 @@
         </a:bodyPr>
         <a:lstStyle/>
         <a:p>
-          <a:pPr lvl="0" algn="ctr" defTabSz="577850">
+          <a:pPr lvl="0" algn="ctr" defTabSz="800100">
             <a:lnSpc>
               <a:spcPct val="90000"/>
             </a:lnSpc>
@@ -3479,12 +3259,12 @@
               <a:spcPct val="35000"/>
             </a:spcAft>
           </a:pPr>
-          <a:endParaRPr lang="en-US" sz="1300" kern="1200"/>
+          <a:endParaRPr lang="en-US" sz="1800" kern="1200"/>
         </a:p>
       </dsp:txBody>
       <dsp:txXfrm rot="5400000">
-        <a:off x="6501488" y="1238311"/>
-        <a:ext cx="391018" cy="457417"/>
+        <a:off x="6449838" y="2328557"/>
+        <a:ext cx="427656" cy="500277"/>
       </dsp:txXfrm>
     </dsp:sp>
     <dsp:sp modelId="{E1576FDB-F8F2-4259-ACE8-1315BC127357}">
@@ -3494,8 +3274,8 @@
       </dsp:nvSpPr>
       <dsp:spPr>
         <a:xfrm>
-          <a:off x="5774784" y="1846971"/>
-          <a:ext cx="1844426" cy="1106656"/>
+          <a:off x="5655043" y="2994249"/>
+          <a:ext cx="2017247" cy="1210348"/>
         </a:xfrm>
         <a:prstGeom prst="roundRect">
           <a:avLst>
@@ -3539,12 +3319,12 @@
         </a:fontRef>
       </dsp:style>
       <dsp:txBody>
-        <a:bodyPr spcFirstLastPara="0" vert="horz" wrap="square" lIns="60960" tIns="60960" rIns="60960" bIns="60960" numCol="1" spcCol="1270" anchor="ctr" anchorCtr="0">
+        <a:bodyPr spcFirstLastPara="0" vert="horz" wrap="square" lIns="87630" tIns="87630" rIns="87630" bIns="87630" numCol="1" spcCol="1270" anchor="ctr" anchorCtr="0">
           <a:noAutofit/>
         </a:bodyPr>
         <a:lstStyle/>
         <a:p>
-          <a:pPr lvl="0" algn="ctr" defTabSz="711200">
+          <a:pPr lvl="0" algn="ctr" defTabSz="1022350">
             <a:lnSpc>
               <a:spcPct val="90000"/>
             </a:lnSpc>
@@ -3556,31 +3336,14 @@
             </a:spcAft>
           </a:pPr>
           <a:r>
-            <a:rPr lang="en-US" sz="1600" kern="1200" dirty="0" err="1"/>
-            <a:t>Pengkondisian</a:t>
+            <a:rPr lang="en-US" sz="2300" kern="1200"/>
+            <a:t>Pengkondisian kotak nomor</a:t>
           </a:r>
-          <a:r>
-            <a:rPr lang="en-US" sz="1600" kern="1200" dirty="0"/>
-            <a:t> </a:t>
-          </a:r>
-          <a:r>
-            <a:rPr lang="en-US" sz="1600" kern="1200" dirty="0" err="1"/>
-            <a:t>kotak</a:t>
-          </a:r>
-          <a:r>
-            <a:rPr lang="en-US" sz="1600" kern="1200" dirty="0"/>
-            <a:t> </a:t>
-          </a:r>
-          <a:r>
-            <a:rPr lang="en-US" sz="1600" kern="1200" dirty="0" err="1"/>
-            <a:t>nomor</a:t>
-          </a:r>
-          <a:endParaRPr lang="en-US" sz="1600" kern="1200" dirty="0"/>
         </a:p>
       </dsp:txBody>
       <dsp:txXfrm>
-        <a:off x="5774784" y="1846971"/>
-        <a:ext cx="1844426" cy="1106656"/>
+        <a:off x="5655043" y="2994249"/>
+        <a:ext cx="2017247" cy="1210348"/>
       </dsp:txXfrm>
     </dsp:sp>
     <dsp:sp modelId="{E4416027-269B-421F-AA19-F82C909CB313}">
@@ -3590,8 +3353,8 @@
       </dsp:nvSpPr>
       <dsp:spPr>
         <a:xfrm rot="10800000">
-          <a:off x="5221456" y="2171591"/>
-          <a:ext cx="391018" cy="457417"/>
+          <a:off x="5049868" y="3349285"/>
+          <a:ext cx="427656" cy="500277"/>
         </a:xfrm>
         <a:prstGeom prst="rightArrow">
           <a:avLst>
@@ -3633,7 +3396,7 @@
         </a:bodyPr>
         <a:lstStyle/>
         <a:p>
-          <a:pPr lvl="0" algn="ctr" defTabSz="577850">
+          <a:pPr lvl="0" algn="ctr" defTabSz="800100">
             <a:lnSpc>
               <a:spcPct val="90000"/>
             </a:lnSpc>
@@ -3644,23 +3407,23 @@
               <a:spcPct val="35000"/>
             </a:spcAft>
           </a:pPr>
-          <a:endParaRPr lang="en-US" sz="1300" kern="1200"/>
+          <a:endParaRPr lang="en-US" sz="1800" kern="1200"/>
         </a:p>
       </dsp:txBody>
       <dsp:txXfrm rot="10800000">
-        <a:off x="5221456" y="2171591"/>
-        <a:ext cx="391018" cy="457417"/>
+        <a:off x="5049868" y="3349285"/>
+        <a:ext cx="427656" cy="500277"/>
       </dsp:txXfrm>
     </dsp:sp>
-    <dsp:sp modelId="{FC061BB6-4386-4944-8E93-C2FD8342698E}">
+    <dsp:sp modelId="{99D525DB-8BA2-4D6A-9D36-4C140A9EA81C}">
       <dsp:nvSpPr>
         <dsp:cNvPr id="0" name=""/>
         <dsp:cNvSpPr/>
       </dsp:nvSpPr>
       <dsp:spPr>
         <a:xfrm>
-          <a:off x="3192586" y="1846971"/>
-          <a:ext cx="1844426" cy="1106656"/>
+          <a:off x="2830896" y="2994249"/>
+          <a:ext cx="2017247" cy="1210348"/>
         </a:xfrm>
         <a:prstGeom prst="roundRect">
           <a:avLst>
@@ -3704,12 +3467,12 @@
         </a:fontRef>
       </dsp:style>
       <dsp:txBody>
-        <a:bodyPr spcFirstLastPara="0" vert="horz" wrap="square" lIns="60960" tIns="60960" rIns="60960" bIns="60960" numCol="1" spcCol="1270" anchor="ctr" anchorCtr="0">
+        <a:bodyPr spcFirstLastPara="0" vert="horz" wrap="square" lIns="87630" tIns="87630" rIns="87630" bIns="87630" numCol="1" spcCol="1270" anchor="ctr" anchorCtr="0">
           <a:noAutofit/>
         </a:bodyPr>
         <a:lstStyle/>
         <a:p>
-          <a:pPr lvl="0" algn="ctr" defTabSz="711200">
+          <a:pPr lvl="0" algn="ctr" defTabSz="1022350">
             <a:lnSpc>
               <a:spcPct val="90000"/>
             </a:lnSpc>
@@ -3721,74 +3484,25 @@
             </a:spcAft>
           </a:pPr>
           <a:r>
-            <a:rPr lang="en-US" sz="1600" kern="1200" dirty="0" err="1"/>
-            <a:t>Segmentasi</a:t>
+            <a:rPr lang="en-US" sz="2300" kern="1200"/>
+            <a:t>Identifikasi karakter</a:t>
           </a:r>
-          <a:r>
-            <a:rPr lang="en-US" sz="1600" kern="1200" dirty="0"/>
-            <a:t> </a:t>
-          </a:r>
-          <a:r>
-            <a:rPr lang="en-US" sz="1600" kern="1200" dirty="0" err="1"/>
-            <a:t>karakter</a:t>
-          </a:r>
-          <a:r>
-            <a:rPr lang="en-US" sz="1600" kern="1200" dirty="0"/>
-            <a:t> </a:t>
-          </a:r>
-          <a:r>
-            <a:rPr lang="en-US" sz="1600" kern="1200" dirty="0" err="1"/>
-            <a:t>dalam</a:t>
-          </a:r>
-          <a:r>
-            <a:rPr lang="en-US" sz="1600" kern="1200" dirty="0"/>
-            <a:t> </a:t>
-          </a:r>
-          <a:r>
-            <a:rPr lang="en-US" sz="1600" kern="1200" dirty="0" err="1"/>
-            <a:t>kotak</a:t>
-          </a:r>
-          <a:r>
-            <a:rPr lang="en-US" sz="1600" kern="1200" dirty="0"/>
-            <a:t> </a:t>
-          </a:r>
-          <a:r>
-            <a:rPr lang="en-US" sz="1600" kern="1200" dirty="0" err="1"/>
-            <a:t>nomor</a:t>
-          </a:r>
-          <a:r>
-            <a:rPr lang="en-US" sz="1600" kern="1200" dirty="0"/>
-            <a:t> </a:t>
-          </a:r>
-          <a:r>
-            <a:rPr lang="en-US" sz="1600" kern="1200" dirty="0" err="1"/>
-            <a:t>hasil</a:t>
-          </a:r>
-          <a:r>
-            <a:rPr lang="en-US" sz="1600" kern="1200" dirty="0"/>
-            <a:t> </a:t>
-          </a:r>
-          <a:r>
-            <a:rPr lang="en-US" sz="1600" kern="1200" dirty="0" err="1"/>
-            <a:t>ekstraksi</a:t>
-          </a:r>
-          <a:endParaRPr lang="en-US" sz="1600" kern="1200" dirty="0"/>
         </a:p>
       </dsp:txBody>
       <dsp:txXfrm>
-        <a:off x="3192586" y="1846971"/>
-        <a:ext cx="1844426" cy="1106656"/>
+        <a:off x="2830896" y="2994249"/>
+        <a:ext cx="2017247" cy="1210348"/>
       </dsp:txXfrm>
     </dsp:sp>
-    <dsp:sp modelId="{6319F187-2A32-43D9-A5E9-3B5FA5BEEDE2}">
+    <dsp:sp modelId="{63C647CF-5D9C-4BF0-B4EC-652F2CA9C436}">
       <dsp:nvSpPr>
         <dsp:cNvPr id="0" name=""/>
         <dsp:cNvSpPr/>
       </dsp:nvSpPr>
       <dsp:spPr>
         <a:xfrm rot="10800000">
-          <a:off x="2639258" y="2171591"/>
-          <a:ext cx="391018" cy="457417"/>
+          <a:off x="2225721" y="3349285"/>
+          <a:ext cx="427656" cy="500277"/>
         </a:xfrm>
         <a:prstGeom prst="rightArrow">
           <a:avLst>
@@ -3830,7 +3544,7 @@
         </a:bodyPr>
         <a:lstStyle/>
         <a:p>
-          <a:pPr lvl="0" algn="ctr" defTabSz="577850">
+          <a:pPr lvl="0" algn="ctr" defTabSz="800100">
             <a:lnSpc>
               <a:spcPct val="90000"/>
             </a:lnSpc>
@@ -3841,23 +3555,23 @@
               <a:spcPct val="35000"/>
             </a:spcAft>
           </a:pPr>
-          <a:endParaRPr lang="en-US" sz="1300" kern="1200"/>
+          <a:endParaRPr lang="en-US" sz="1800" kern="1200"/>
         </a:p>
       </dsp:txBody>
       <dsp:txXfrm rot="10800000">
-        <a:off x="2639258" y="2171591"/>
-        <a:ext cx="391018" cy="457417"/>
+        <a:off x="2225721" y="3349285"/>
+        <a:ext cx="427656" cy="500277"/>
       </dsp:txXfrm>
     </dsp:sp>
-    <dsp:sp modelId="{99D525DB-8BA2-4D6A-9D36-4C140A9EA81C}">
+    <dsp:sp modelId="{3355C1BA-1B71-49DC-B66E-A3DFC7D244F7}">
       <dsp:nvSpPr>
         <dsp:cNvPr id="0" name=""/>
         <dsp:cNvSpPr/>
       </dsp:nvSpPr>
       <dsp:spPr>
         <a:xfrm>
-          <a:off x="610388" y="1846971"/>
-          <a:ext cx="1844426" cy="1106656"/>
+          <a:off x="6749" y="2994249"/>
+          <a:ext cx="2017247" cy="1210348"/>
         </a:xfrm>
         <a:prstGeom prst="roundRect">
           <a:avLst>
@@ -3901,12 +3615,12 @@
         </a:fontRef>
       </dsp:style>
       <dsp:txBody>
-        <a:bodyPr spcFirstLastPara="0" vert="horz" wrap="square" lIns="60960" tIns="60960" rIns="60960" bIns="60960" numCol="1" spcCol="1270" anchor="ctr" anchorCtr="0">
+        <a:bodyPr spcFirstLastPara="0" vert="horz" wrap="square" lIns="87630" tIns="87630" rIns="87630" bIns="87630" numCol="1" spcCol="1270" anchor="ctr" anchorCtr="0">
           <a:noAutofit/>
         </a:bodyPr>
         <a:lstStyle/>
         <a:p>
-          <a:pPr lvl="0" algn="ctr" defTabSz="711200">
+          <a:pPr lvl="0" algn="ctr" defTabSz="1022350">
             <a:lnSpc>
               <a:spcPct val="90000"/>
             </a:lnSpc>
@@ -3918,196 +3632,14 @@
             </a:spcAft>
           </a:pPr>
           <a:r>
-            <a:rPr lang="en-US" sz="1600" kern="1200" dirty="0" err="1"/>
-            <a:t>Identifikasi</a:t>
+            <a:rPr lang="en-US" sz="2300" kern="1200"/>
+            <a:t>Menampilkan karakter hasil identifikasi</a:t>
           </a:r>
-          <a:r>
-            <a:rPr lang="en-US" sz="1600" kern="1200" dirty="0"/>
-            <a:t> </a:t>
-          </a:r>
-          <a:r>
-            <a:rPr lang="en-US" sz="1600" kern="1200" dirty="0" err="1"/>
-            <a:t>karakter</a:t>
-          </a:r>
-          <a:endParaRPr lang="en-US" sz="1600" kern="1200" dirty="0"/>
         </a:p>
       </dsp:txBody>
       <dsp:txXfrm>
-        <a:off x="610388" y="1846971"/>
-        <a:ext cx="1844426" cy="1106656"/>
-      </dsp:txXfrm>
-    </dsp:sp>
-    <dsp:sp modelId="{63C647CF-5D9C-4BF0-B4EC-652F2CA9C436}">
-      <dsp:nvSpPr>
-        <dsp:cNvPr id="0" name=""/>
-        <dsp:cNvSpPr/>
-      </dsp:nvSpPr>
-      <dsp:spPr>
-        <a:xfrm rot="5400000">
-          <a:off x="1337093" y="3082737"/>
-          <a:ext cx="391018" cy="457417"/>
-        </a:xfrm>
-        <a:prstGeom prst="rightArrow">
-          <a:avLst>
-            <a:gd name="adj1" fmla="val 60000"/>
-            <a:gd name="adj2" fmla="val 50000"/>
-          </a:avLst>
-        </a:prstGeom>
-        <a:solidFill>
-          <a:schemeClr val="dk1">
-            <a:tint val="60000"/>
-            <a:hueOff val="0"/>
-            <a:satOff val="0"/>
-            <a:lumOff val="0"/>
-            <a:alphaOff val="0"/>
-          </a:schemeClr>
-        </a:solidFill>
-        <a:ln>
-          <a:noFill/>
-        </a:ln>
-        <a:effectLst/>
-      </dsp:spPr>
-      <dsp:style>
-        <a:lnRef idx="0">
-          <a:scrgbClr r="0" g="0" b="0"/>
-        </a:lnRef>
-        <a:fillRef idx="1">
-          <a:scrgbClr r="0" g="0" b="0"/>
-        </a:fillRef>
-        <a:effectRef idx="0">
-          <a:scrgbClr r="0" g="0" b="0"/>
-        </a:effectRef>
-        <a:fontRef idx="minor">
-          <a:schemeClr val="lt1"/>
-        </a:fontRef>
-      </dsp:style>
-      <dsp:txBody>
-        <a:bodyPr spcFirstLastPara="0" vert="horz" wrap="square" lIns="0" tIns="0" rIns="0" bIns="0" numCol="1" spcCol="1270" anchor="ctr" anchorCtr="0">
-          <a:noAutofit/>
-        </a:bodyPr>
-        <a:lstStyle/>
-        <a:p>
-          <a:pPr lvl="0" algn="ctr" defTabSz="577850">
-            <a:lnSpc>
-              <a:spcPct val="90000"/>
-            </a:lnSpc>
-            <a:spcBef>
-              <a:spcPct val="0"/>
-            </a:spcBef>
-            <a:spcAft>
-              <a:spcPct val="35000"/>
-            </a:spcAft>
-          </a:pPr>
-          <a:endParaRPr lang="en-US" sz="1300" kern="1200"/>
-        </a:p>
-      </dsp:txBody>
-      <dsp:txXfrm rot="5400000">
-        <a:off x="1337093" y="3082737"/>
-        <a:ext cx="391018" cy="457417"/>
-      </dsp:txXfrm>
-    </dsp:sp>
-    <dsp:sp modelId="{3355C1BA-1B71-49DC-B66E-A3DFC7D244F7}">
-      <dsp:nvSpPr>
-        <dsp:cNvPr id="0" name=""/>
-        <dsp:cNvSpPr/>
-      </dsp:nvSpPr>
-      <dsp:spPr>
-        <a:xfrm>
-          <a:off x="610388" y="3691398"/>
-          <a:ext cx="1844426" cy="1106656"/>
-        </a:xfrm>
-        <a:prstGeom prst="roundRect">
-          <a:avLst>
-            <a:gd name="adj" fmla="val 10000"/>
-          </a:avLst>
-        </a:prstGeom>
-        <a:solidFill>
-          <a:schemeClr val="lt1">
-            <a:hueOff val="0"/>
-            <a:satOff val="0"/>
-            <a:lumOff val="0"/>
-            <a:alphaOff val="0"/>
-          </a:schemeClr>
-        </a:solidFill>
-        <a:ln w="25400" cap="flat" cmpd="sng" algn="ctr">
-          <a:solidFill>
-            <a:schemeClr val="dk1">
-              <a:shade val="80000"/>
-              <a:hueOff val="0"/>
-              <a:satOff val="0"/>
-              <a:lumOff val="0"/>
-              <a:alphaOff val="0"/>
-            </a:schemeClr>
-          </a:solidFill>
-          <a:prstDash val="solid"/>
-        </a:ln>
-        <a:effectLst/>
-      </dsp:spPr>
-      <dsp:style>
-        <a:lnRef idx="2">
-          <a:scrgbClr r="0" g="0" b="0"/>
-        </a:lnRef>
-        <a:fillRef idx="1">
-          <a:scrgbClr r="0" g="0" b="0"/>
-        </a:fillRef>
-        <a:effectRef idx="0">
-          <a:scrgbClr r="0" g="0" b="0"/>
-        </a:effectRef>
-        <a:fontRef idx="minor">
-          <a:schemeClr val="lt1"/>
-        </a:fontRef>
-      </dsp:style>
-      <dsp:txBody>
-        <a:bodyPr spcFirstLastPara="0" vert="horz" wrap="square" lIns="60960" tIns="60960" rIns="60960" bIns="60960" numCol="1" spcCol="1270" anchor="ctr" anchorCtr="0">
-          <a:noAutofit/>
-        </a:bodyPr>
-        <a:lstStyle/>
-        <a:p>
-          <a:pPr lvl="0" algn="ctr" defTabSz="711200">
-            <a:lnSpc>
-              <a:spcPct val="90000"/>
-            </a:lnSpc>
-            <a:spcBef>
-              <a:spcPct val="0"/>
-            </a:spcBef>
-            <a:spcAft>
-              <a:spcPct val="35000"/>
-            </a:spcAft>
-          </a:pPr>
-          <a:r>
-            <a:rPr lang="en-US" sz="1600" kern="1200" dirty="0" err="1"/>
-            <a:t>Menampilkan</a:t>
-          </a:r>
-          <a:r>
-            <a:rPr lang="en-US" sz="1600" kern="1200" dirty="0"/>
-            <a:t> </a:t>
-          </a:r>
-          <a:r>
-            <a:rPr lang="en-US" sz="1600" kern="1200" dirty="0" err="1"/>
-            <a:t>karakter</a:t>
-          </a:r>
-          <a:r>
-            <a:rPr lang="en-US" sz="1600" kern="1200" dirty="0"/>
-            <a:t> </a:t>
-          </a:r>
-          <a:r>
-            <a:rPr lang="en-US" sz="1600" kern="1200" dirty="0" err="1"/>
-            <a:t>hasil</a:t>
-          </a:r>
-          <a:r>
-            <a:rPr lang="en-US" sz="1600" kern="1200" dirty="0"/>
-            <a:t> </a:t>
-          </a:r>
-          <a:r>
-            <a:rPr lang="en-US" sz="1600" kern="1200" dirty="0" err="1"/>
-            <a:t>identifikasi</a:t>
-          </a:r>
-          <a:endParaRPr lang="en-US" sz="1600" kern="1200" dirty="0"/>
-        </a:p>
-      </dsp:txBody>
-      <dsp:txXfrm>
-        <a:off x="610388" y="3691398"/>
-        <a:ext cx="1844426" cy="1106656"/>
+        <a:off x="6749" y="2994249"/>
+        <a:ext cx="2017247" cy="1210348"/>
       </dsp:txXfrm>
     </dsp:sp>
   </dsp:spTree>
@@ -10482,84 +10014,85 @@
           <a:lstStyle/>
           <a:p>
             <a:r>
-              <a:rPr lang="en-AU" sz="3600" dirty="0" err="1"/>
+              <a:rPr lang="id-ID" sz="3600" dirty="0" smtClean="0"/>
+              <a:t>Pendeteksian Stiker dan kWh Meter PLN dengan </a:t>
+            </a:r>
+            <a:r>
+              <a:rPr lang="en-AU" sz="3600" dirty="0" err="1" smtClean="0"/>
               <a:t>Metode</a:t>
             </a:r>
             <a:r>
-              <a:rPr lang="en-AU" sz="3600" dirty="0"/>
+              <a:rPr lang="en-AU" sz="3600" dirty="0" smtClean="0"/>
               <a:t> </a:t>
             </a:r>
             <a:r>
-              <a:rPr lang="en-AU" sz="3600" dirty="0" err="1"/>
+              <a:rPr lang="en-AU" sz="3600" dirty="0" err="1" smtClean="0"/>
               <a:t>Deteksi</a:t>
             </a:r>
             <a:r>
-              <a:rPr lang="en-AU" sz="3600" dirty="0"/>
+              <a:rPr lang="en-AU" sz="3600" dirty="0" smtClean="0"/>
               <a:t> </a:t>
             </a:r>
             <a:r>
-              <a:rPr lang="en-AU" sz="3600" dirty="0" err="1"/>
+              <a:rPr lang="en-AU" sz="3600" dirty="0" err="1" smtClean="0"/>
               <a:t>Garis</a:t>
             </a:r>
             <a:r>
-              <a:rPr lang="en-AU" sz="3600" dirty="0"/>
+              <a:rPr lang="en-AU" sz="3600" dirty="0" smtClean="0"/>
               <a:t> </a:t>
             </a:r>
             <a:r>
-              <a:rPr lang="en-AU" sz="3600" dirty="0" err="1"/>
+              <a:rPr lang="en-AU" sz="3600" dirty="0" err="1" smtClean="0"/>
               <a:t>Tepi</a:t>
             </a:r>
             <a:r>
-              <a:rPr lang="en-AU" sz="3600" dirty="0"/>
+              <a:rPr lang="en-AU" sz="3600" dirty="0" smtClean="0"/>
               <a:t> Canny </a:t>
             </a:r>
             <a:r>
-              <a:rPr lang="en-AU" sz="3600" dirty="0" err="1"/>
+              <a:rPr lang="en-AU" sz="3600" dirty="0" err="1" smtClean="0"/>
               <a:t>dan</a:t>
             </a:r>
             <a:r>
-              <a:rPr lang="en-AU" sz="3600" dirty="0"/>
+              <a:rPr lang="en-AU" sz="3600" dirty="0" smtClean="0"/>
               <a:t> </a:t>
             </a:r>
             <a:r>
-              <a:rPr lang="en-AU" sz="3600" dirty="0" err="1"/>
+              <a:rPr lang="en-AU" sz="3600" dirty="0" err="1" smtClean="0"/>
               <a:t>Identifikasi</a:t>
             </a:r>
             <a:r>
-              <a:rPr lang="en-AU" sz="3600" dirty="0"/>
+              <a:rPr lang="en-AU" sz="3600" dirty="0" smtClean="0"/>
               <a:t> </a:t>
             </a:r>
             <a:r>
-              <a:rPr lang="en-AU" sz="3600" dirty="0" err="1"/>
+              <a:rPr lang="en-AU" sz="3600" dirty="0" err="1" smtClean="0"/>
               <a:t>Karakter</a:t>
             </a:r>
             <a:r>
-              <a:rPr lang="en-AU" sz="3600" dirty="0"/>
+              <a:rPr lang="en-AU" sz="3600" dirty="0" smtClean="0"/>
               <a:t> </a:t>
             </a:r>
             <a:r>
-              <a:rPr lang="en-AU" sz="3600" dirty="0" err="1"/>
+              <a:rPr lang="en-AU" sz="3600" dirty="0" err="1" smtClean="0"/>
               <a:t>dengan</a:t>
             </a:r>
             <a:r>
-              <a:rPr lang="en-AU" sz="3600" dirty="0"/>
+              <a:rPr lang="en-AU" sz="3600" dirty="0" smtClean="0"/>
               <a:t> </a:t>
             </a:r>
             <a:r>
-              <a:rPr lang="en-AU" sz="3600" dirty="0" err="1"/>
+              <a:rPr lang="en-AU" sz="3600" dirty="0" err="1" smtClean="0"/>
               <a:t>Teknologi</a:t>
             </a:r>
             <a:r>
-              <a:rPr lang="en-AU" sz="3600" dirty="0"/>
-              <a:t> Tesseract</a:t>
-            </a:r>
-            <a:r>
-              <a:rPr lang="en-US" sz="3600" dirty="0"/>
-              <a:t/>
-            </a:r>
-            <a:br>
-              <a:rPr lang="en-US" sz="3600" dirty="0"/>
-            </a:br>
+              <a:rPr lang="en-AU" sz="3600" dirty="0" smtClean="0"/>
+              <a:t> </a:t>
+            </a:r>
+            <a:r>
+              <a:rPr lang="en-AU" sz="3600" i="1" dirty="0" smtClean="0"/>
+              <a:t>Tesseract</a:t>
+            </a:r>
             <a:endParaRPr lang="en-US" sz="3600" dirty="0"/>
           </a:p>
         </p:txBody>
@@ -10660,7 +10193,7 @@
 </p:sld>
 </file>
 
-<file path=ppt/slides/slide2.xml><?xml version="1.0" encoding="utf-8"?>
+<file path=ppt/slides/slide10.xml><?xml version="1.0" encoding="utf-8"?>
 <p:sld xmlns:a="http://schemas.openxmlformats.org/drawingml/2006/main" xmlns:r="http://schemas.openxmlformats.org/officeDocument/2006/relationships" xmlns:p="http://schemas.openxmlformats.org/presentationml/2006/main">
   <p:cSld>
     <p:spTree>
@@ -10692,72 +10225,86 @@
           <a:bodyPr/>
           <a:lstStyle/>
           <a:p>
-            <a:r>
-              <a:rPr lang="en-US" dirty="0" err="1" smtClean="0"/>
-              <a:t>Pendahuluan</a:t>
-            </a:r>
-            <a:endParaRPr lang="en-US" dirty="0"/>
+            <a:endParaRPr lang="en-US"/>
           </a:p>
         </p:txBody>
       </p:sp>
-      <p:sp>
-        <p:nvSpPr>
-          <p:cNvPr id="3" name="Content Placeholder 2"/>
-          <p:cNvSpPr>
-            <a:spLocks noGrp="1"/>
-          </p:cNvSpPr>
-          <p:nvPr>
-            <p:ph idx="1"/>
-          </p:nvPr>
-        </p:nvSpPr>
-        <p:spPr/>
-        <p:txBody>
-          <a:bodyPr/>
-          <a:lstStyle/>
-          <a:p>
-            <a:r>
-              <a:rPr lang="en-US" dirty="0" err="1" smtClean="0"/>
-              <a:t>Pembacaan</a:t>
-            </a:r>
-            <a:r>
-              <a:rPr lang="en-US" dirty="0" smtClean="0"/>
-              <a:t> </a:t>
-            </a:r>
-            <a:r>
-              <a:rPr lang="en-US" dirty="0" err="1" smtClean="0"/>
-              <a:t>meteran</a:t>
-            </a:r>
-            <a:r>
-              <a:rPr lang="en-US" dirty="0" smtClean="0"/>
-              <a:t> yang </a:t>
-            </a:r>
-            <a:r>
-              <a:rPr lang="en-US" dirty="0" err="1" smtClean="0"/>
-              <a:t>tidak</a:t>
-            </a:r>
-            <a:r>
-              <a:rPr lang="en-US" dirty="0" smtClean="0"/>
-              <a:t> </a:t>
-            </a:r>
-            <a:r>
-              <a:rPr lang="en-US" dirty="0" err="1" smtClean="0"/>
-              <a:t>akurat</a:t>
-            </a:r>
-            <a:endParaRPr lang="en-US" dirty="0" smtClean="0"/>
-          </a:p>
-          <a:p>
-            <a:r>
-              <a:rPr lang="en-US" dirty="0" err="1" smtClean="0"/>
-              <a:t>Sistem</a:t>
-            </a:r>
-            <a:r>
-              <a:rPr lang="en-US" dirty="0" smtClean="0"/>
-              <a:t> OCR</a:t>
-            </a:r>
-            <a:endParaRPr lang="en-US" dirty="0"/>
-          </a:p>
-        </p:txBody>
-      </p:sp>
+      <p:pic>
+        <p:nvPicPr>
+          <p:cNvPr id="7" name="Picture 6"/>
+          <p:cNvPicPr/>
+          <p:nvPr/>
+        </p:nvPicPr>
+        <p:blipFill>
+          <a:blip r:embed="rId2" cstate="print"/>
+          <a:srcRect/>
+          <a:stretch>
+            <a:fillRect/>
+          </a:stretch>
+        </p:blipFill>
+        <p:spPr bwMode="auto">
+          <a:xfrm>
+            <a:off x="228600" y="1981200"/>
+            <a:ext cx="3176752" cy="2971800"/>
+          </a:xfrm>
+          <a:prstGeom prst="rect">
+            <a:avLst/>
+          </a:prstGeom>
+          <a:noFill/>
+          <a:ln w="9525">
+            <a:noFill/>
+            <a:miter lim="800000"/>
+            <a:headEnd/>
+            <a:tailEnd/>
+          </a:ln>
+        </p:spPr>
+      </p:pic>
+      <p:pic>
+        <p:nvPicPr>
+          <p:cNvPr id="8" name="Picture 7" descr="PhotoShare.png"/>
+          <p:cNvPicPr/>
+          <p:nvPr/>
+        </p:nvPicPr>
+        <p:blipFill>
+          <a:blip r:embed="rId3" cstate="print"/>
+          <a:srcRect t="1126" r="19666" b="39414"/>
+          <a:stretch>
+            <a:fillRect/>
+          </a:stretch>
+        </p:blipFill>
+        <p:spPr>
+          <a:xfrm>
+            <a:off x="3429000" y="1981199"/>
+            <a:ext cx="2895600" cy="2730137"/>
+          </a:xfrm>
+          <a:prstGeom prst="rect">
+            <a:avLst/>
+          </a:prstGeom>
+        </p:spPr>
+      </p:pic>
+      <p:pic>
+        <p:nvPicPr>
+          <p:cNvPr id="9" name="Picture 8" descr="PhotoShare.png"/>
+          <p:cNvPicPr/>
+          <p:nvPr/>
+        </p:nvPicPr>
+        <p:blipFill>
+          <a:blip r:embed="rId3" cstate="print"/>
+          <a:srcRect t="60586" r="15667" b="2928"/>
+          <a:stretch>
+            <a:fillRect/>
+          </a:stretch>
+        </p:blipFill>
+        <p:spPr>
+          <a:xfrm>
+            <a:off x="6400800" y="2209800"/>
+            <a:ext cx="2581955" cy="2286000"/>
+          </a:xfrm>
+          <a:prstGeom prst="rect">
+            <a:avLst/>
+          </a:prstGeom>
+        </p:spPr>
+      </p:pic>
     </p:spTree>
   </p:cSld>
   <p:clrMapOvr>
@@ -10773,7 +10320,7 @@
 </p:sld>
 </file>
 
-<file path=ppt/slides/slide3.xml><?xml version="1.0" encoding="utf-8"?>
+<file path=ppt/slides/slide11.xml><?xml version="1.0" encoding="utf-8"?>
 <p:sld xmlns:a="http://schemas.openxmlformats.org/drawingml/2006/main" xmlns:r="http://schemas.openxmlformats.org/officeDocument/2006/relationships" xmlns:p="http://schemas.openxmlformats.org/presentationml/2006/main">
   <p:cSld>
     <p:spTree>
@@ -10807,1005 +10354,6 @@
           <a:p>
             <a:r>
               <a:rPr lang="en-US" dirty="0" err="1" smtClean="0"/>
-              <a:t>Penelitian</a:t>
-            </a:r>
-            <a:r>
-              <a:rPr lang="en-US" dirty="0" smtClean="0"/>
-              <a:t> </a:t>
-            </a:r>
-            <a:r>
-              <a:rPr lang="en-US" dirty="0" err="1" smtClean="0"/>
-              <a:t>sebelumnya</a:t>
-            </a:r>
-            <a:endParaRPr lang="en-US" dirty="0"/>
-          </a:p>
-        </p:txBody>
-      </p:sp>
-      <p:sp>
-        <p:nvSpPr>
-          <p:cNvPr id="3" name="Content Placeholder 2"/>
-          <p:cNvSpPr>
-            <a:spLocks noGrp="1"/>
-          </p:cNvSpPr>
-          <p:nvPr>
-            <p:ph idx="1"/>
-          </p:nvPr>
-        </p:nvSpPr>
-        <p:spPr/>
-        <p:txBody>
-          <a:bodyPr/>
-          <a:lstStyle/>
-          <a:p>
-            <a:r>
-              <a:rPr lang="en-US" dirty="0" smtClean="0"/>
-              <a:t>Filtering </a:t>
-            </a:r>
-            <a:r>
-              <a:rPr lang="en-US" dirty="0" err="1" smtClean="0"/>
-              <a:t>untuk</a:t>
-            </a:r>
-            <a:r>
-              <a:rPr lang="en-US" dirty="0" smtClean="0"/>
-              <a:t> </a:t>
-            </a:r>
-            <a:r>
-              <a:rPr lang="en-US" dirty="0" err="1" smtClean="0"/>
-              <a:t>mendeteksi</a:t>
-            </a:r>
-            <a:r>
-              <a:rPr lang="en-US" dirty="0" smtClean="0"/>
-              <a:t> </a:t>
-            </a:r>
-            <a:r>
-              <a:rPr lang="en-US" dirty="0" err="1" smtClean="0"/>
-              <a:t>garis</a:t>
-            </a:r>
-            <a:r>
-              <a:rPr lang="en-US" dirty="0" smtClean="0"/>
-              <a:t> </a:t>
-            </a:r>
-            <a:r>
-              <a:rPr lang="en-US" dirty="0" err="1" smtClean="0"/>
-              <a:t>tepi</a:t>
-            </a:r>
-            <a:endParaRPr lang="en-US" dirty="0" smtClean="0"/>
-          </a:p>
-          <a:p>
-            <a:r>
-              <a:rPr lang="en-AU" dirty="0" err="1" smtClean="0"/>
-              <a:t>Menggunakan</a:t>
-            </a:r>
-            <a:r>
-              <a:rPr lang="en-AU" dirty="0" smtClean="0"/>
-              <a:t> </a:t>
-            </a:r>
-            <a:r>
-              <a:rPr lang="en-AU" dirty="0" err="1" smtClean="0"/>
-              <a:t>metode</a:t>
-            </a:r>
-            <a:r>
-              <a:rPr lang="en-AU" dirty="0" smtClean="0"/>
-              <a:t> </a:t>
-            </a:r>
-            <a:r>
-              <a:rPr lang="en-US" dirty="0" smtClean="0"/>
-              <a:t>canny, </a:t>
-            </a:r>
-            <a:r>
-              <a:rPr lang="en-US" dirty="0" err="1" smtClean="0"/>
-              <a:t>metode</a:t>
-            </a:r>
-            <a:r>
-              <a:rPr lang="en-US" dirty="0" smtClean="0"/>
-              <a:t> </a:t>
-            </a:r>
-            <a:r>
-              <a:rPr lang="en-AU" dirty="0" smtClean="0"/>
-              <a:t>mean </a:t>
-            </a:r>
-            <a:r>
-              <a:rPr lang="en-AU" dirty="0"/>
-              <a:t>shift </a:t>
-            </a:r>
-            <a:r>
-              <a:rPr lang="en-AU" dirty="0" err="1"/>
-              <a:t>dan</a:t>
-            </a:r>
-            <a:r>
-              <a:rPr lang="en-AU" dirty="0"/>
-              <a:t> </a:t>
-            </a:r>
-            <a:r>
-              <a:rPr lang="en-AU" dirty="0" err="1"/>
-              <a:t>klasifikasi</a:t>
-            </a:r>
-            <a:r>
-              <a:rPr lang="en-AU" dirty="0"/>
-              <a:t> </a:t>
-            </a:r>
-            <a:r>
-              <a:rPr lang="en-AU" dirty="0" smtClean="0"/>
-              <a:t>linear</a:t>
-            </a:r>
-            <a:endParaRPr lang="en-US" dirty="0" smtClean="0"/>
-          </a:p>
-          <a:p>
-            <a:endParaRPr lang="en-US" dirty="0"/>
-          </a:p>
-        </p:txBody>
-      </p:sp>
-    </p:spTree>
-  </p:cSld>
-  <p:clrMapOvr>
-    <a:masterClrMapping/>
-  </p:clrMapOvr>
-  <p:timing>
-    <p:tnLst>
-      <p:par>
-        <p:cTn id="1" dur="indefinite" restart="never" nodeType="tmRoot"/>
-      </p:par>
-    </p:tnLst>
-  </p:timing>
-</p:sld>
-</file>
-
-<file path=ppt/slides/slide4.xml><?xml version="1.0" encoding="utf-8"?>
-<p:sld xmlns:a="http://schemas.openxmlformats.org/drawingml/2006/main" xmlns:r="http://schemas.openxmlformats.org/officeDocument/2006/relationships" xmlns:p="http://schemas.openxmlformats.org/presentationml/2006/main">
-  <p:cSld>
-    <p:spTree>
-      <p:nvGrpSpPr>
-        <p:cNvPr id="1" name=""/>
-        <p:cNvGrpSpPr/>
-        <p:nvPr/>
-      </p:nvGrpSpPr>
-      <p:grpSpPr>
-        <a:xfrm>
-          <a:off x="0" y="0"/>
-          <a:ext cx="0" cy="0"/>
-          <a:chOff x="0" y="0"/>
-          <a:chExt cx="0" cy="0"/>
-        </a:xfrm>
-      </p:grpSpPr>
-      <p:sp>
-        <p:nvSpPr>
-          <p:cNvPr id="2" name="Title 1"/>
-          <p:cNvSpPr>
-            <a:spLocks noGrp="1"/>
-          </p:cNvSpPr>
-          <p:nvPr>
-            <p:ph type="title"/>
-          </p:nvPr>
-        </p:nvSpPr>
-        <p:spPr>
-          <a:xfrm>
-            <a:off x="457200" y="0"/>
-            <a:ext cx="8229600" cy="990600"/>
-          </a:xfrm>
-        </p:spPr>
-        <p:txBody>
-          <a:bodyPr/>
-          <a:lstStyle/>
-          <a:p>
-            <a:r>
-              <a:rPr lang="en-US" dirty="0" err="1" smtClean="0"/>
-              <a:t>Metode</a:t>
-            </a:r>
-            <a:r>
-              <a:rPr lang="en-US" dirty="0" smtClean="0"/>
-              <a:t> yang </a:t>
-            </a:r>
-            <a:r>
-              <a:rPr lang="en-US" dirty="0" err="1" smtClean="0"/>
-              <a:t>diajukan</a:t>
-            </a:r>
-            <a:endParaRPr lang="en-US" dirty="0"/>
-          </a:p>
-        </p:txBody>
-      </p:sp>
-      <p:sp>
-        <p:nvSpPr>
-          <p:cNvPr id="3" name="Content Placeholder 2"/>
-          <p:cNvSpPr>
-            <a:spLocks noGrp="1"/>
-          </p:cNvSpPr>
-          <p:nvPr>
-            <p:ph idx="1"/>
-          </p:nvPr>
-        </p:nvSpPr>
-        <p:spPr>
-          <a:xfrm>
-            <a:off x="457200" y="990600"/>
-            <a:ext cx="8229600" cy="4525963"/>
-          </a:xfrm>
-        </p:spPr>
-        <p:txBody>
-          <a:bodyPr/>
-          <a:lstStyle/>
-          <a:p>
-            <a:r>
-              <a:rPr lang="en-AU" dirty="0" err="1"/>
-              <a:t>Metode</a:t>
-            </a:r>
-            <a:r>
-              <a:rPr lang="en-AU" dirty="0"/>
-              <a:t> </a:t>
-            </a:r>
-            <a:r>
-              <a:rPr lang="en-AU" dirty="0" err="1"/>
-              <a:t>Deteksi</a:t>
-            </a:r>
-            <a:r>
-              <a:rPr lang="en-AU" dirty="0"/>
-              <a:t> </a:t>
-            </a:r>
-            <a:r>
-              <a:rPr lang="en-AU" dirty="0" err="1"/>
-              <a:t>Garis</a:t>
-            </a:r>
-            <a:r>
-              <a:rPr lang="en-AU" dirty="0"/>
-              <a:t> </a:t>
-            </a:r>
-            <a:r>
-              <a:rPr lang="en-AU" dirty="0" err="1"/>
-              <a:t>Tepi</a:t>
-            </a:r>
-            <a:r>
-              <a:rPr lang="en-AU" dirty="0"/>
-              <a:t> </a:t>
-            </a:r>
-            <a:r>
-              <a:rPr lang="en-AU" dirty="0" smtClean="0"/>
-              <a:t>Canny</a:t>
-            </a:r>
-          </a:p>
-          <a:p>
-            <a:pPr>
-              <a:buNone/>
-            </a:pPr>
-            <a:endParaRPr lang="en-US" dirty="0"/>
-          </a:p>
-        </p:txBody>
-      </p:sp>
-      <p:graphicFrame>
-        <p:nvGraphicFramePr>
-          <p:cNvPr id="4" name="Content Placeholder 3"/>
-          <p:cNvGraphicFramePr>
-            <a:graphicFrameLocks/>
-          </p:cNvGraphicFramePr>
-          <p:nvPr/>
-        </p:nvGraphicFramePr>
-        <p:xfrm>
-          <a:off x="381000" y="1752600"/>
-          <a:ext cx="8229600" cy="4800600"/>
-        </p:xfrm>
-        <a:graphic>
-          <a:graphicData uri="http://schemas.openxmlformats.org/drawingml/2006/diagram">
-            <dgm:relIds xmlns:dgm="http://schemas.openxmlformats.org/drawingml/2006/diagram" xmlns:r="http://schemas.openxmlformats.org/officeDocument/2006/relationships" r:dm="rId2" r:lo="rId3" r:qs="rId4" r:cs="rId5"/>
-          </a:graphicData>
-        </a:graphic>
-      </p:graphicFrame>
-    </p:spTree>
-  </p:cSld>
-  <p:clrMapOvr>
-    <a:masterClrMapping/>
-  </p:clrMapOvr>
-  <p:timing>
-    <p:tnLst>
-      <p:par>
-        <p:cTn id="1" dur="indefinite" restart="never" nodeType="tmRoot"/>
-      </p:par>
-    </p:tnLst>
-  </p:timing>
-</p:sld>
-</file>
-
-<file path=ppt/slides/slide5.xml><?xml version="1.0" encoding="utf-8"?>
-<p:sld xmlns:a="http://schemas.openxmlformats.org/drawingml/2006/main" xmlns:r="http://schemas.openxmlformats.org/officeDocument/2006/relationships" xmlns:p="http://schemas.openxmlformats.org/presentationml/2006/main">
-  <p:cSld>
-    <p:spTree>
-      <p:nvGrpSpPr>
-        <p:cNvPr id="1" name=""/>
-        <p:cNvGrpSpPr/>
-        <p:nvPr/>
-      </p:nvGrpSpPr>
-      <p:grpSpPr>
-        <a:xfrm>
-          <a:off x="0" y="0"/>
-          <a:ext cx="0" cy="0"/>
-          <a:chOff x="0" y="0"/>
-          <a:chExt cx="0" cy="0"/>
-        </a:xfrm>
-      </p:grpSpPr>
-      <p:sp>
-        <p:nvSpPr>
-          <p:cNvPr id="2" name="Title 1"/>
-          <p:cNvSpPr>
-            <a:spLocks noGrp="1"/>
-          </p:cNvSpPr>
-          <p:nvPr>
-            <p:ph type="title"/>
-          </p:nvPr>
-        </p:nvSpPr>
-        <p:spPr/>
-        <p:txBody>
-          <a:bodyPr/>
-          <a:lstStyle/>
-          <a:p>
-            <a:endParaRPr lang="en-US" dirty="0"/>
-          </a:p>
-        </p:txBody>
-      </p:sp>
-      <p:sp>
-        <p:nvSpPr>
-          <p:cNvPr id="5" name="Content Placeholder 4"/>
-          <p:cNvSpPr>
-            <a:spLocks noGrp="1"/>
-          </p:cNvSpPr>
-          <p:nvPr>
-            <p:ph idx="1"/>
-          </p:nvPr>
-        </p:nvSpPr>
-        <p:spPr/>
-        <p:txBody>
-          <a:bodyPr>
-            <a:normAutofit/>
-          </a:bodyPr>
-          <a:lstStyle/>
-          <a:p>
-            <a:r>
-              <a:rPr lang="en-AU" b="1" dirty="0" err="1"/>
-              <a:t>Preproses</a:t>
-            </a:r>
-            <a:endParaRPr lang="en-US" dirty="0"/>
-          </a:p>
-          <a:p>
-            <a:pPr>
-              <a:buNone/>
-            </a:pPr>
-            <a:r>
-              <a:rPr lang="en-AU" dirty="0" smtClean="0"/>
-              <a:t>	</a:t>
-            </a:r>
-            <a:r>
-              <a:rPr lang="en-AU" dirty="0" err="1" smtClean="0"/>
-              <a:t>konversi</a:t>
-            </a:r>
-            <a:r>
-              <a:rPr lang="en-AU" dirty="0" smtClean="0"/>
-              <a:t> </a:t>
-            </a:r>
-            <a:r>
-              <a:rPr lang="en-AU" dirty="0" err="1"/>
-              <a:t>citra</a:t>
-            </a:r>
-            <a:r>
-              <a:rPr lang="en-AU" dirty="0"/>
-              <a:t> </a:t>
-            </a:r>
-            <a:r>
-              <a:rPr lang="en-AU" dirty="0" err="1"/>
-              <a:t>dari</a:t>
-            </a:r>
-            <a:r>
-              <a:rPr lang="en-AU" dirty="0"/>
-              <a:t> RGB </a:t>
-            </a:r>
-            <a:r>
-              <a:rPr lang="en-AU" dirty="0" err="1"/>
-              <a:t>ke</a:t>
-            </a:r>
-            <a:r>
-              <a:rPr lang="en-AU" dirty="0"/>
-              <a:t> </a:t>
-            </a:r>
-            <a:r>
-              <a:rPr lang="en-AU" dirty="0" smtClean="0"/>
-              <a:t>greyscale</a:t>
-            </a:r>
-          </a:p>
-          <a:p>
-            <a:r>
-              <a:rPr lang="en-AU" b="1" dirty="0" err="1"/>
-              <a:t>Ekstraksi</a:t>
-            </a:r>
-            <a:r>
-              <a:rPr lang="en-AU" b="1" dirty="0"/>
-              <a:t> </a:t>
-            </a:r>
-            <a:r>
-              <a:rPr lang="en-AU" b="1" dirty="0" err="1"/>
-              <a:t>kotak</a:t>
-            </a:r>
-            <a:r>
-              <a:rPr lang="en-AU" b="1" dirty="0"/>
-              <a:t> </a:t>
-            </a:r>
-            <a:r>
-              <a:rPr lang="en-AU" b="1" dirty="0" err="1"/>
-              <a:t>nomor</a:t>
-            </a:r>
-            <a:endParaRPr lang="en-US" dirty="0"/>
-          </a:p>
-          <a:p>
-            <a:pPr>
-              <a:buNone/>
-            </a:pPr>
-            <a:r>
-              <a:rPr lang="en-AU" dirty="0" smtClean="0"/>
-              <a:t>	</a:t>
-            </a:r>
-            <a:r>
-              <a:rPr lang="en-AU" dirty="0" err="1" smtClean="0"/>
-              <a:t>menentukan</a:t>
-            </a:r>
-            <a:r>
-              <a:rPr lang="en-AU" dirty="0" smtClean="0"/>
-              <a:t> </a:t>
-            </a:r>
-            <a:r>
-              <a:rPr lang="en-AU" dirty="0" err="1"/>
-              <a:t>posisi</a:t>
-            </a:r>
-            <a:r>
-              <a:rPr lang="en-AU" dirty="0"/>
-              <a:t> ROI(</a:t>
-            </a:r>
-            <a:r>
-              <a:rPr lang="en-AU" i="1" dirty="0"/>
-              <a:t>Region of Interest</a:t>
-            </a:r>
-            <a:r>
-              <a:rPr lang="en-AU" dirty="0" smtClean="0"/>
-              <a:t>)</a:t>
-            </a:r>
-          </a:p>
-          <a:p>
-            <a:r>
-              <a:rPr lang="en-AU" b="1" dirty="0" err="1"/>
-              <a:t>Pengkondisian</a:t>
-            </a:r>
-            <a:r>
-              <a:rPr lang="en-AU" b="1" dirty="0"/>
-              <a:t> </a:t>
-            </a:r>
-            <a:r>
-              <a:rPr lang="en-AU" b="1" dirty="0" err="1"/>
-              <a:t>kotak</a:t>
-            </a:r>
-            <a:r>
-              <a:rPr lang="en-AU" b="1" dirty="0"/>
-              <a:t> </a:t>
-            </a:r>
-            <a:r>
-              <a:rPr lang="en-AU" b="1" dirty="0" err="1" smtClean="0"/>
-              <a:t>nomor</a:t>
-            </a:r>
-            <a:endParaRPr lang="en-US" dirty="0"/>
-          </a:p>
-          <a:p>
-            <a:endParaRPr lang="en-US" dirty="0"/>
-          </a:p>
-        </p:txBody>
-      </p:sp>
-    </p:spTree>
-  </p:cSld>
-  <p:clrMapOvr>
-    <a:masterClrMapping/>
-  </p:clrMapOvr>
-  <p:timing>
-    <p:tnLst>
-      <p:par>
-        <p:cTn id="1" dur="indefinite" restart="never" nodeType="tmRoot"/>
-      </p:par>
-    </p:tnLst>
-  </p:timing>
-</p:sld>
-</file>
-
-<file path=ppt/slides/slide6.xml><?xml version="1.0" encoding="utf-8"?>
-<p:sld xmlns:a="http://schemas.openxmlformats.org/drawingml/2006/main" xmlns:r="http://schemas.openxmlformats.org/officeDocument/2006/relationships" xmlns:p="http://schemas.openxmlformats.org/presentationml/2006/main">
-  <p:cSld>
-    <p:spTree>
-      <p:nvGrpSpPr>
-        <p:cNvPr id="1" name=""/>
-        <p:cNvGrpSpPr/>
-        <p:nvPr/>
-      </p:nvGrpSpPr>
-      <p:grpSpPr>
-        <a:xfrm>
-          <a:off x="0" y="0"/>
-          <a:ext cx="0" cy="0"/>
-          <a:chOff x="0" y="0"/>
-          <a:chExt cx="0" cy="0"/>
-        </a:xfrm>
-      </p:grpSpPr>
-      <p:sp>
-        <p:nvSpPr>
-          <p:cNvPr id="2" name="Title 1"/>
-          <p:cNvSpPr>
-            <a:spLocks noGrp="1"/>
-          </p:cNvSpPr>
-          <p:nvPr>
-            <p:ph type="title"/>
-          </p:nvPr>
-        </p:nvSpPr>
-        <p:spPr/>
-        <p:txBody>
-          <a:bodyPr/>
-          <a:lstStyle/>
-          <a:p>
-            <a:endParaRPr lang="en-US" dirty="0"/>
-          </a:p>
-        </p:txBody>
-      </p:sp>
-      <p:sp>
-        <p:nvSpPr>
-          <p:cNvPr id="5" name="Content Placeholder 4"/>
-          <p:cNvSpPr>
-            <a:spLocks noGrp="1"/>
-          </p:cNvSpPr>
-          <p:nvPr>
-            <p:ph idx="1"/>
-          </p:nvPr>
-        </p:nvSpPr>
-        <p:spPr>
-          <a:xfrm>
-            <a:off x="381000" y="762000"/>
-            <a:ext cx="8229600" cy="4525963"/>
-          </a:xfrm>
-        </p:spPr>
-        <p:txBody>
-          <a:bodyPr/>
-          <a:lstStyle/>
-          <a:p>
-            <a:r>
-              <a:rPr lang="en-AU" b="1" dirty="0" err="1" smtClean="0"/>
-              <a:t>Identifikasi</a:t>
-            </a:r>
-            <a:r>
-              <a:rPr lang="en-AU" b="1" dirty="0" smtClean="0"/>
-              <a:t> </a:t>
-            </a:r>
-            <a:r>
-              <a:rPr lang="en-AU" b="1" dirty="0" err="1" smtClean="0"/>
-              <a:t>karakter</a:t>
-            </a:r>
-            <a:endParaRPr lang="en-AU" b="1" dirty="0" smtClean="0"/>
-          </a:p>
-          <a:p>
-            <a:pPr>
-              <a:buNone/>
-            </a:pPr>
-            <a:r>
-              <a:rPr lang="en-AU" dirty="0" smtClean="0"/>
-              <a:t>	</a:t>
-            </a:r>
-            <a:r>
-              <a:rPr lang="en-AU" dirty="0" err="1" smtClean="0"/>
-              <a:t>menggunakan</a:t>
-            </a:r>
-            <a:r>
-              <a:rPr lang="en-AU" dirty="0" smtClean="0"/>
-              <a:t> </a:t>
-            </a:r>
-            <a:r>
-              <a:rPr lang="en-AU" dirty="0" err="1" smtClean="0"/>
-              <a:t>teknologi</a:t>
-            </a:r>
-            <a:r>
-              <a:rPr lang="en-AU" dirty="0" smtClean="0"/>
-              <a:t> </a:t>
-            </a:r>
-            <a:r>
-              <a:rPr lang="en-AU" i="1" dirty="0"/>
-              <a:t>Tesseract</a:t>
-            </a:r>
-            <a:endParaRPr lang="en-US" dirty="0" smtClean="0"/>
-          </a:p>
-          <a:p>
-            <a:pPr>
-              <a:buNone/>
-            </a:pPr>
-            <a:endParaRPr lang="en-US" dirty="0"/>
-          </a:p>
-        </p:txBody>
-      </p:sp>
-      <p:graphicFrame>
-        <p:nvGraphicFramePr>
-          <p:cNvPr id="6" name="Diagram 5"/>
-          <p:cNvGraphicFramePr/>
-          <p:nvPr/>
-        </p:nvGraphicFramePr>
-        <p:xfrm>
-          <a:off x="685800" y="1981200"/>
-          <a:ext cx="8077200" cy="4572000"/>
-        </p:xfrm>
-        <a:graphic>
-          <a:graphicData uri="http://schemas.openxmlformats.org/drawingml/2006/diagram">
-            <dgm:relIds xmlns:dgm="http://schemas.openxmlformats.org/drawingml/2006/diagram" xmlns:r="http://schemas.openxmlformats.org/officeDocument/2006/relationships" r:dm="rId2" r:lo="rId3" r:qs="rId4" r:cs="rId5"/>
-          </a:graphicData>
-        </a:graphic>
-      </p:graphicFrame>
-    </p:spTree>
-  </p:cSld>
-  <p:clrMapOvr>
-    <a:masterClrMapping/>
-  </p:clrMapOvr>
-  <p:timing>
-    <p:tnLst>
-      <p:par>
-        <p:cTn id="1" dur="indefinite" restart="never" nodeType="tmRoot"/>
-      </p:par>
-    </p:tnLst>
-  </p:timing>
-</p:sld>
-</file>
-
-<file path=ppt/slides/slide7.xml><?xml version="1.0" encoding="utf-8"?>
-<p:sld xmlns:a="http://schemas.openxmlformats.org/drawingml/2006/main" xmlns:r="http://schemas.openxmlformats.org/officeDocument/2006/relationships" xmlns:p="http://schemas.openxmlformats.org/presentationml/2006/main">
-  <p:cSld>
-    <p:spTree>
-      <p:nvGrpSpPr>
-        <p:cNvPr id="1" name=""/>
-        <p:cNvGrpSpPr/>
-        <p:nvPr/>
-      </p:nvGrpSpPr>
-      <p:grpSpPr>
-        <a:xfrm>
-          <a:off x="0" y="0"/>
-          <a:ext cx="0" cy="0"/>
-          <a:chOff x="0" y="0"/>
-          <a:chExt cx="0" cy="0"/>
-        </a:xfrm>
-      </p:grpSpPr>
-      <p:sp>
-        <p:nvSpPr>
-          <p:cNvPr id="2" name="Title 1"/>
-          <p:cNvSpPr>
-            <a:spLocks noGrp="1"/>
-          </p:cNvSpPr>
-          <p:nvPr>
-            <p:ph type="title"/>
-          </p:nvPr>
-        </p:nvSpPr>
-        <p:spPr/>
-        <p:txBody>
-          <a:bodyPr/>
-          <a:lstStyle/>
-          <a:p>
-            <a:r>
-              <a:rPr lang="en-US" dirty="0" err="1" smtClean="0"/>
-              <a:t>Hasil</a:t>
-            </a:r>
-            <a:r>
-              <a:rPr lang="en-US" dirty="0" smtClean="0"/>
-              <a:t> Citra</a:t>
-            </a:r>
-            <a:endParaRPr lang="en-US" dirty="0"/>
-          </a:p>
-        </p:txBody>
-      </p:sp>
-      <p:sp>
-        <p:nvSpPr>
-          <p:cNvPr id="3" name="Content Placeholder 2"/>
-          <p:cNvSpPr>
-            <a:spLocks noGrp="1"/>
-          </p:cNvSpPr>
-          <p:nvPr>
-            <p:ph idx="1"/>
-          </p:nvPr>
-        </p:nvSpPr>
-        <p:spPr/>
-        <p:txBody>
-          <a:bodyPr/>
-          <a:lstStyle/>
-          <a:p>
-            <a:endParaRPr lang="en-US" dirty="0"/>
-          </a:p>
-        </p:txBody>
-      </p:sp>
-      <p:pic>
-        <p:nvPicPr>
-          <p:cNvPr id="4" name="Content Placeholder 3"/>
-          <p:cNvPicPr>
-            <a:picLocks/>
-          </p:cNvPicPr>
-          <p:nvPr/>
-        </p:nvPicPr>
-        <p:blipFill>
-          <a:blip r:embed="rId2" cstate="print">
-            <a:extLst>
-              <a:ext uri="{28A0092B-C50C-407E-A947-70E740481C1C}">
-                <a14:useLocalDpi xmlns:lc="http://schemas.openxmlformats.org/drawingml/2006/lockedCanvas" xmlns:pic="http://schemas.openxmlformats.org/drawingml/2006/picture" xmlns="" xmlns:wpc="http://schemas.microsoft.com/office/word/2010/wordprocessingCanvas" xmlns:mc="http://schemas.openxmlformats.org/markup-compatibility/2006" xmlns:o="urn:schemas-microsoft-com:office:office" xmlns:v="urn:schemas-microsoft-com:vml" xmlns:wp14="http://schemas.microsoft.com/office/word/2010/wordprocessingDrawing" xmlns:w10="urn:schemas-microsoft-com:office:word" xmlns:w="http://schemas.openxmlformats.org/wordprocessingml/2006/main" xmlns:w14="http://schemas.microsoft.com/office/word/2010/wordml" xmlns:wpg="http://schemas.microsoft.com/office/word/2010/wordprocessingGroup" xmlns:wpi="http://schemas.microsoft.com/office/word/2010/wordprocessingInk" xmlns:wps="http://schemas.microsoft.com/office/word/2010/wordprocessingShape" xmlns:a14="http://schemas.microsoft.com/office/drawing/2010/main" xmlns:wne="http://schemas.microsoft.com/office/word/2006/wordml" xmlns:wp="http://schemas.openxmlformats.org/drawingml/2006/wordprocessingDrawing" xmlns:m="http://schemas.openxmlformats.org/officeDocument/2006/math" xmlns:ve="http://schemas.openxmlformats.org/markup-compatibility/2006" val="0"/>
-              </a:ext>
-            </a:extLst>
-          </a:blip>
-          <a:srcRect l="2373" t="3546" r="2712" b="3191"/>
-          <a:stretch>
-            <a:fillRect/>
-          </a:stretch>
-        </p:blipFill>
-        <p:spPr bwMode="auto">
-          <a:xfrm>
-            <a:off x="609600" y="2362200"/>
-            <a:ext cx="2431632" cy="2514600"/>
-          </a:xfrm>
-          <a:prstGeom prst="rect">
-            <a:avLst/>
-          </a:prstGeom>
-          <a:noFill/>
-          <a:ln>
-            <a:noFill/>
-          </a:ln>
-        </p:spPr>
-      </p:pic>
-      <p:pic>
-        <p:nvPicPr>
-          <p:cNvPr id="5" name="Picture 4"/>
-          <p:cNvPicPr/>
-          <p:nvPr/>
-        </p:nvPicPr>
-        <p:blipFill>
-          <a:blip r:embed="rId3" cstate="print">
-            <a:extLst>
-              <a:ext uri="{28A0092B-C50C-407E-A947-70E740481C1C}">
-                <a14:useLocalDpi xmlns:lc="http://schemas.openxmlformats.org/drawingml/2006/lockedCanvas" xmlns:pic="http://schemas.openxmlformats.org/drawingml/2006/picture" xmlns="" xmlns:wpc="http://schemas.microsoft.com/office/word/2010/wordprocessingCanvas" xmlns:mc="http://schemas.openxmlformats.org/markup-compatibility/2006" xmlns:o="urn:schemas-microsoft-com:office:office" xmlns:v="urn:schemas-microsoft-com:vml" xmlns:wp14="http://schemas.microsoft.com/office/word/2010/wordprocessingDrawing" xmlns:w10="urn:schemas-microsoft-com:office:word" xmlns:w="http://schemas.openxmlformats.org/wordprocessingml/2006/main" xmlns:w14="http://schemas.microsoft.com/office/word/2010/wordml" xmlns:wpg="http://schemas.microsoft.com/office/word/2010/wordprocessingGroup" xmlns:wpi="http://schemas.microsoft.com/office/word/2010/wordprocessingInk" xmlns:wps="http://schemas.microsoft.com/office/word/2010/wordprocessingShape" xmlns:a14="http://schemas.microsoft.com/office/drawing/2010/main" xmlns:wne="http://schemas.microsoft.com/office/word/2006/wordml" xmlns:wp="http://schemas.openxmlformats.org/drawingml/2006/wordprocessingDrawing" xmlns:m="http://schemas.openxmlformats.org/officeDocument/2006/math" xmlns:ve="http://schemas.openxmlformats.org/markup-compatibility/2006" val="0"/>
-              </a:ext>
-            </a:extLst>
-          </a:blip>
-          <a:srcRect l="1667" r="2667" b="2230"/>
-          <a:stretch>
-            <a:fillRect/>
-          </a:stretch>
-        </p:blipFill>
-        <p:spPr bwMode="auto">
-          <a:xfrm>
-            <a:off x="3429000" y="2362200"/>
-            <a:ext cx="2362200" cy="2590800"/>
-          </a:xfrm>
-          <a:prstGeom prst="rect">
-            <a:avLst/>
-          </a:prstGeom>
-          <a:noFill/>
-          <a:ln>
-            <a:noFill/>
-          </a:ln>
-        </p:spPr>
-      </p:pic>
-      <p:pic>
-        <p:nvPicPr>
-          <p:cNvPr id="6" name="Picture 5"/>
-          <p:cNvPicPr/>
-          <p:nvPr/>
-        </p:nvPicPr>
-        <p:blipFill>
-          <a:blip r:embed="rId4" cstate="print">
-            <a:extLst>
-              <a:ext uri="{28A0092B-C50C-407E-A947-70E740481C1C}">
-                <a14:useLocalDpi xmlns:lc="http://schemas.openxmlformats.org/drawingml/2006/lockedCanvas" xmlns:pic="http://schemas.openxmlformats.org/drawingml/2006/picture" xmlns="" xmlns:wpc="http://schemas.microsoft.com/office/word/2010/wordprocessingCanvas" xmlns:mc="http://schemas.openxmlformats.org/markup-compatibility/2006" xmlns:o="urn:schemas-microsoft-com:office:office" xmlns:v="urn:schemas-microsoft-com:vml" xmlns:wp14="http://schemas.microsoft.com/office/word/2010/wordprocessingDrawing" xmlns:w10="urn:schemas-microsoft-com:office:word" xmlns:w="http://schemas.openxmlformats.org/wordprocessingml/2006/main" xmlns:w14="http://schemas.microsoft.com/office/word/2010/wordml" xmlns:wpg="http://schemas.microsoft.com/office/word/2010/wordprocessingGroup" xmlns:wpi="http://schemas.microsoft.com/office/word/2010/wordprocessingInk" xmlns:wps="http://schemas.microsoft.com/office/word/2010/wordprocessingShape" xmlns:a14="http://schemas.microsoft.com/office/drawing/2010/main" xmlns:wne="http://schemas.microsoft.com/office/word/2006/wordml" xmlns:wp="http://schemas.openxmlformats.org/drawingml/2006/wordprocessingDrawing" xmlns:m="http://schemas.openxmlformats.org/officeDocument/2006/math" xmlns:ve="http://schemas.openxmlformats.org/markup-compatibility/2006" val="0"/>
-              </a:ext>
-            </a:extLst>
-          </a:blip>
-          <a:srcRect l="1983" t="2190" r="2480" b="1825"/>
-          <a:stretch>
-            <a:fillRect/>
-          </a:stretch>
-        </p:blipFill>
-        <p:spPr bwMode="auto">
-          <a:xfrm>
-            <a:off x="6248400" y="2438400"/>
-            <a:ext cx="2362200" cy="2514600"/>
-          </a:xfrm>
-          <a:prstGeom prst="rect">
-            <a:avLst/>
-          </a:prstGeom>
-          <a:noFill/>
-          <a:ln>
-            <a:noFill/>
-          </a:ln>
-        </p:spPr>
-      </p:pic>
-    </p:spTree>
-  </p:cSld>
-  <p:clrMapOvr>
-    <a:masterClrMapping/>
-  </p:clrMapOvr>
-  <p:timing>
-    <p:tnLst>
-      <p:par>
-        <p:cTn id="1" dur="indefinite" restart="never" nodeType="tmRoot"/>
-      </p:par>
-    </p:tnLst>
-  </p:timing>
-</p:sld>
-</file>
-
-<file path=ppt/slides/slide8.xml><?xml version="1.0" encoding="utf-8"?>
-<p:sld xmlns:a="http://schemas.openxmlformats.org/drawingml/2006/main" xmlns:r="http://schemas.openxmlformats.org/officeDocument/2006/relationships" xmlns:p="http://schemas.openxmlformats.org/presentationml/2006/main">
-  <p:cSld>
-    <p:spTree>
-      <p:nvGrpSpPr>
-        <p:cNvPr id="1" name=""/>
-        <p:cNvGrpSpPr/>
-        <p:nvPr/>
-      </p:nvGrpSpPr>
-      <p:grpSpPr>
-        <a:xfrm>
-          <a:off x="0" y="0"/>
-          <a:ext cx="0" cy="0"/>
-          <a:chOff x="0" y="0"/>
-          <a:chExt cx="0" cy="0"/>
-        </a:xfrm>
-      </p:grpSpPr>
-      <p:sp>
-        <p:nvSpPr>
-          <p:cNvPr id="2" name="Title 1"/>
-          <p:cNvSpPr>
-            <a:spLocks noGrp="1"/>
-          </p:cNvSpPr>
-          <p:nvPr>
-            <p:ph type="title"/>
-          </p:nvPr>
-        </p:nvSpPr>
-        <p:spPr/>
-        <p:txBody>
-          <a:bodyPr/>
-          <a:lstStyle/>
-          <a:p>
-            <a:endParaRPr lang="en-US"/>
-          </a:p>
-        </p:txBody>
-      </p:sp>
-      <p:pic>
-        <p:nvPicPr>
-          <p:cNvPr id="7" name="Picture 6"/>
-          <p:cNvPicPr/>
-          <p:nvPr/>
-        </p:nvPicPr>
-        <p:blipFill>
-          <a:blip r:embed="rId2" cstate="print"/>
-          <a:srcRect/>
-          <a:stretch>
-            <a:fillRect/>
-          </a:stretch>
-        </p:blipFill>
-        <p:spPr bwMode="auto">
-          <a:xfrm>
-            <a:off x="685800" y="1981200"/>
-            <a:ext cx="2362200" cy="2209800"/>
-          </a:xfrm>
-          <a:prstGeom prst="rect">
-            <a:avLst/>
-          </a:prstGeom>
-          <a:noFill/>
-          <a:ln w="9525">
-            <a:noFill/>
-            <a:miter lim="800000"/>
-            <a:headEnd/>
-            <a:tailEnd/>
-          </a:ln>
-        </p:spPr>
-      </p:pic>
-      <p:pic>
-        <p:nvPicPr>
-          <p:cNvPr id="8" name="Picture 7" descr="PhotoShare.png"/>
-          <p:cNvPicPr/>
-          <p:nvPr/>
-        </p:nvPicPr>
-        <p:blipFill>
-          <a:blip r:embed="rId3" cstate="print"/>
-          <a:srcRect t="1126" r="19666" b="39414"/>
-          <a:stretch>
-            <a:fillRect/>
-          </a:stretch>
-        </p:blipFill>
-        <p:spPr>
-          <a:xfrm>
-            <a:off x="3429000" y="1981200"/>
-            <a:ext cx="2667000" cy="2514600"/>
-          </a:xfrm>
-          <a:prstGeom prst="rect">
-            <a:avLst/>
-          </a:prstGeom>
-        </p:spPr>
-      </p:pic>
-      <p:pic>
-        <p:nvPicPr>
-          <p:cNvPr id="9" name="Picture 8" descr="PhotoShare.png"/>
-          <p:cNvPicPr/>
-          <p:nvPr/>
-        </p:nvPicPr>
-        <p:blipFill>
-          <a:blip r:embed="rId3" cstate="print"/>
-          <a:srcRect t="60586" r="15667" b="2928"/>
-          <a:stretch>
-            <a:fillRect/>
-          </a:stretch>
-        </p:blipFill>
-        <p:spPr>
-          <a:xfrm>
-            <a:off x="6400800" y="2209800"/>
-            <a:ext cx="2409825" cy="2133600"/>
-          </a:xfrm>
-          <a:prstGeom prst="rect">
-            <a:avLst/>
-          </a:prstGeom>
-        </p:spPr>
-      </p:pic>
-      <p:sp>
-        <p:nvSpPr>
-          <p:cNvPr id="10" name="Content Placeholder 9"/>
-          <p:cNvSpPr>
-            <a:spLocks noGrp="1"/>
-          </p:cNvSpPr>
-          <p:nvPr>
-            <p:ph idx="1"/>
-          </p:nvPr>
-        </p:nvSpPr>
-        <p:spPr>
-          <a:xfrm>
-            <a:off x="457200" y="914400"/>
-            <a:ext cx="8229600" cy="4525963"/>
-          </a:xfrm>
-        </p:spPr>
-        <p:txBody>
-          <a:bodyPr/>
-          <a:lstStyle/>
-          <a:p>
-            <a:endParaRPr lang="en-US" dirty="0"/>
-          </a:p>
-        </p:txBody>
-      </p:sp>
-    </p:spTree>
-  </p:cSld>
-  <p:clrMapOvr>
-    <a:masterClrMapping/>
-  </p:clrMapOvr>
-  <p:timing>
-    <p:tnLst>
-      <p:par>
-        <p:cTn id="1" dur="indefinite" restart="never" nodeType="tmRoot"/>
-      </p:par>
-    </p:tnLst>
-  </p:timing>
-</p:sld>
-</file>
-
-<file path=ppt/slides/slide9.xml><?xml version="1.0" encoding="utf-8"?>
-<p:sld xmlns:a="http://schemas.openxmlformats.org/drawingml/2006/main" xmlns:r="http://schemas.openxmlformats.org/officeDocument/2006/relationships" xmlns:p="http://schemas.openxmlformats.org/presentationml/2006/main">
-  <p:cSld>
-    <p:spTree>
-      <p:nvGrpSpPr>
-        <p:cNvPr id="1" name=""/>
-        <p:cNvGrpSpPr/>
-        <p:nvPr/>
-      </p:nvGrpSpPr>
-      <p:grpSpPr>
-        <a:xfrm>
-          <a:off x="0" y="0"/>
-          <a:ext cx="0" cy="0"/>
-          <a:chOff x="0" y="0"/>
-          <a:chExt cx="0" cy="0"/>
-        </a:xfrm>
-      </p:grpSpPr>
-      <p:sp>
-        <p:nvSpPr>
-          <p:cNvPr id="2" name="Title 1"/>
-          <p:cNvSpPr>
-            <a:spLocks noGrp="1"/>
-          </p:cNvSpPr>
-          <p:nvPr>
-            <p:ph type="title"/>
-          </p:nvPr>
-        </p:nvSpPr>
-        <p:spPr/>
-        <p:txBody>
-          <a:bodyPr/>
-          <a:lstStyle/>
-          <a:p>
-            <a:r>
-              <a:rPr lang="en-US" dirty="0" err="1" smtClean="0"/>
               <a:t>Tabel</a:t>
             </a:r>
             <a:r>
@@ -11835,512 +10383,38 @@
           </p:nvPr>
         </p:nvGraphicFramePr>
         <p:xfrm>
-          <a:off x="838200" y="1143000"/>
-          <a:ext cx="7086601" cy="5410200"/>
+          <a:off x="304801" y="1066800"/>
+          <a:ext cx="8153400" cy="5562600"/>
         </p:xfrm>
         <a:graphic>
           <a:graphicData uri="http://schemas.openxmlformats.org/drawingml/2006/table">
             <a:tbl>
               <a:tblPr/>
               <a:tblGrid>
-                <a:gridCol w="2858948"/>
-                <a:gridCol w="1198825"/>
-                <a:gridCol w="1219542"/>
-                <a:gridCol w="1809286"/>
+                <a:gridCol w="3289327"/>
+                <a:gridCol w="1379293"/>
+                <a:gridCol w="1403129"/>
+                <a:gridCol w="2081651"/>
               </a:tblGrid>
-              <a:tr h="721360">
+              <a:tr h="741680">
                 <a:tc>
                   <a:txBody>
                     <a:bodyPr/>
                     <a:lstStyle/>
                     <a:p>
-                      <a:pPr indent="137160" algn="ctr">
+                      <a:pPr indent="137160" algn="just">
                         <a:spcAft>
                           <a:spcPts val="0"/>
                         </a:spcAft>
                       </a:pPr>
                       <a:r>
-                        <a:rPr lang="en-US" sz="2000" dirty="0" err="1">
-                          <a:latin typeface="Times New Roman"/>
-                          <a:ea typeface="SimSun"/>
-                        </a:rPr>
+                        <a:rPr lang="en-US" sz="2400" dirty="0" err="1"/>
                         <a:t>Proses</a:t>
                       </a:r>
-                      <a:endParaRPr lang="en-US" sz="2000" dirty="0">
-                        <a:latin typeface="Times New Roman"/>
-                        <a:ea typeface="SimSun"/>
-                      </a:endParaRPr>
+                      <a:endParaRPr lang="en-US" sz="2400" dirty="0"/>
                     </a:p>
                   </a:txBody>
-                  <a:tcPr marL="170013" marR="170013" marT="0" marB="0">
-                    <a:lnL w="12700" cap="flat" cmpd="sng" algn="ctr">
-                      <a:solidFill>
-                        <a:srgbClr val="000000"/>
-                      </a:solidFill>
-                      <a:prstDash val="solid"/>
-                      <a:round/>
-                      <a:headEnd type="none" w="med" len="med"/>
-                      <a:tailEnd type="none" w="med" len="med"/>
-                    </a:lnL>
-                    <a:lnR w="12700" cap="flat" cmpd="sng" algn="ctr">
-                      <a:solidFill>
-                        <a:srgbClr val="000000"/>
-                      </a:solidFill>
-                      <a:prstDash val="solid"/>
-                      <a:round/>
-                      <a:headEnd type="none" w="med" len="med"/>
-                      <a:tailEnd type="none" w="med" len="med"/>
-                    </a:lnR>
-                    <a:lnT w="12700" cap="flat" cmpd="sng" algn="ctr">
-                      <a:solidFill>
-                        <a:srgbClr val="000000"/>
-                      </a:solidFill>
-                      <a:prstDash val="solid"/>
-                      <a:round/>
-                      <a:headEnd type="none" w="med" len="med"/>
-                      <a:tailEnd type="none" w="med" len="med"/>
-                    </a:lnT>
-                    <a:lnB w="12700" cap="flat" cmpd="sng" algn="ctr">
-                      <a:solidFill>
-                        <a:srgbClr val="000000"/>
-                      </a:solidFill>
-                      <a:prstDash val="solid"/>
-                      <a:round/>
-                      <a:headEnd type="none" w="med" len="med"/>
-                      <a:tailEnd type="none" w="med" len="med"/>
-                    </a:lnB>
-                  </a:tcPr>
-                </a:tc>
-                <a:tc>
-                  <a:txBody>
-                    <a:bodyPr/>
-                    <a:lstStyle/>
-                    <a:p>
-                      <a:pPr indent="137160" algn="ctr">
-                        <a:spcAft>
-                          <a:spcPts val="0"/>
-                        </a:spcAft>
-                      </a:pPr>
-                      <a:r>
-                        <a:rPr lang="en-US" sz="2000">
-                          <a:latin typeface="Times New Roman"/>
-                          <a:ea typeface="SimSun"/>
-                        </a:rPr>
-                        <a:t>Contoh</a:t>
-                      </a:r>
-                    </a:p>
-                  </a:txBody>
-                  <a:tcPr marL="170013" marR="170013" marT="0" marB="0">
-                    <a:lnL w="12700" cap="flat" cmpd="sng" algn="ctr">
-                      <a:solidFill>
-                        <a:srgbClr val="000000"/>
-                      </a:solidFill>
-                      <a:prstDash val="solid"/>
-                      <a:round/>
-                      <a:headEnd type="none" w="med" len="med"/>
-                      <a:tailEnd type="none" w="med" len="med"/>
-                    </a:lnL>
-                    <a:lnR w="12700" cap="flat" cmpd="sng" algn="ctr">
-                      <a:solidFill>
-                        <a:srgbClr val="000000"/>
-                      </a:solidFill>
-                      <a:prstDash val="solid"/>
-                      <a:round/>
-                      <a:headEnd type="none" w="med" len="med"/>
-                      <a:tailEnd type="none" w="med" len="med"/>
-                    </a:lnR>
-                    <a:lnT w="12700" cap="flat" cmpd="sng" algn="ctr">
-                      <a:solidFill>
-                        <a:srgbClr val="000000"/>
-                      </a:solidFill>
-                      <a:prstDash val="solid"/>
-                      <a:round/>
-                      <a:headEnd type="none" w="med" len="med"/>
-                      <a:tailEnd type="none" w="med" len="med"/>
-                    </a:lnT>
-                    <a:lnB w="12700" cap="flat" cmpd="sng" algn="ctr">
-                      <a:solidFill>
-                        <a:srgbClr val="000000"/>
-                      </a:solidFill>
-                      <a:prstDash val="solid"/>
-                      <a:round/>
-                      <a:headEnd type="none" w="med" len="med"/>
-                      <a:tailEnd type="none" w="med" len="med"/>
-                    </a:lnB>
-                  </a:tcPr>
-                </a:tc>
-                <a:tc>
-                  <a:txBody>
-                    <a:bodyPr/>
-                    <a:lstStyle/>
-                    <a:p>
-                      <a:pPr indent="137160" algn="ctr">
-                        <a:spcAft>
-                          <a:spcPts val="0"/>
-                        </a:spcAft>
-                      </a:pPr>
-                      <a:r>
-                        <a:rPr lang="en-US" sz="2000">
-                          <a:latin typeface="Times New Roman"/>
-                          <a:ea typeface="SimSun"/>
-                        </a:rPr>
-                        <a:t>Berhasil</a:t>
-                      </a:r>
-                    </a:p>
-                  </a:txBody>
-                  <a:tcPr marL="170013" marR="170013" marT="0" marB="0">
-                    <a:lnL w="12700" cap="flat" cmpd="sng" algn="ctr">
-                      <a:solidFill>
-                        <a:srgbClr val="000000"/>
-                      </a:solidFill>
-                      <a:prstDash val="solid"/>
-                      <a:round/>
-                      <a:headEnd type="none" w="med" len="med"/>
-                      <a:tailEnd type="none" w="med" len="med"/>
-                    </a:lnL>
-                    <a:lnR w="12700" cap="flat" cmpd="sng" algn="ctr">
-                      <a:solidFill>
-                        <a:srgbClr val="000000"/>
-                      </a:solidFill>
-                      <a:prstDash val="solid"/>
-                      <a:round/>
-                      <a:headEnd type="none" w="med" len="med"/>
-                      <a:tailEnd type="none" w="med" len="med"/>
-                    </a:lnR>
-                    <a:lnT w="12700" cap="flat" cmpd="sng" algn="ctr">
-                      <a:solidFill>
-                        <a:srgbClr val="000000"/>
-                      </a:solidFill>
-                      <a:prstDash val="solid"/>
-                      <a:round/>
-                      <a:headEnd type="none" w="med" len="med"/>
-                      <a:tailEnd type="none" w="med" len="med"/>
-                    </a:lnT>
-                    <a:lnB w="12700" cap="flat" cmpd="sng" algn="ctr">
-                      <a:solidFill>
-                        <a:srgbClr val="000000"/>
-                      </a:solidFill>
-                      <a:prstDash val="solid"/>
-                      <a:round/>
-                      <a:headEnd type="none" w="med" len="med"/>
-                      <a:tailEnd type="none" w="med" len="med"/>
-                    </a:lnB>
-                  </a:tcPr>
-                </a:tc>
-                <a:tc>
-                  <a:txBody>
-                    <a:bodyPr/>
-                    <a:lstStyle/>
-                    <a:p>
-                      <a:pPr indent="137160" algn="ctr">
-                        <a:spcAft>
-                          <a:spcPts val="0"/>
-                        </a:spcAft>
-                      </a:pPr>
-                      <a:r>
-                        <a:rPr lang="en-US" sz="2000">
-                          <a:latin typeface="Times New Roman"/>
-                          <a:ea typeface="SimSun"/>
-                        </a:rPr>
-                        <a:t>Belum Berhasil</a:t>
-                      </a:r>
-                    </a:p>
-                  </a:txBody>
-                  <a:tcPr marL="170013" marR="170013" marT="0" marB="0">
-                    <a:lnL w="12700" cap="flat" cmpd="sng" algn="ctr">
-                      <a:solidFill>
-                        <a:srgbClr val="000000"/>
-                      </a:solidFill>
-                      <a:prstDash val="solid"/>
-                      <a:round/>
-                      <a:headEnd type="none" w="med" len="med"/>
-                      <a:tailEnd type="none" w="med" len="med"/>
-                    </a:lnL>
-                    <a:lnR w="12700" cap="flat" cmpd="sng" algn="ctr">
-                      <a:solidFill>
-                        <a:srgbClr val="000000"/>
-                      </a:solidFill>
-                      <a:prstDash val="solid"/>
-                      <a:round/>
-                      <a:headEnd type="none" w="med" len="med"/>
-                      <a:tailEnd type="none" w="med" len="med"/>
-                    </a:lnR>
-                    <a:lnT w="12700" cap="flat" cmpd="sng" algn="ctr">
-                      <a:solidFill>
-                        <a:srgbClr val="000000"/>
-                      </a:solidFill>
-                      <a:prstDash val="solid"/>
-                      <a:round/>
-                      <a:headEnd type="none" w="med" len="med"/>
-                      <a:tailEnd type="none" w="med" len="med"/>
-                    </a:lnT>
-                    <a:lnB w="12700" cap="flat" cmpd="sng" algn="ctr">
-                      <a:solidFill>
-                        <a:srgbClr val="000000"/>
-                      </a:solidFill>
-                      <a:prstDash val="solid"/>
-                      <a:round/>
-                      <a:headEnd type="none" w="med" len="med"/>
-                      <a:tailEnd type="none" w="med" len="med"/>
-                    </a:lnB>
-                  </a:tcPr>
-                </a:tc>
-              </a:tr>
-              <a:tr h="360680">
-                <a:tc>
-                  <a:txBody>
-                    <a:bodyPr/>
-                    <a:lstStyle/>
-                    <a:p>
-                      <a:pPr indent="137160" algn="l">
-                        <a:spcAft>
-                          <a:spcPts val="0"/>
-                        </a:spcAft>
-                      </a:pPr>
-                      <a:r>
-                        <a:rPr lang="en-US" sz="2000">
-                          <a:latin typeface="Times New Roman"/>
-                          <a:ea typeface="SimSun"/>
-                        </a:rPr>
-                        <a:t>Preproses</a:t>
-                      </a:r>
-                    </a:p>
-                  </a:txBody>
-                  <a:tcPr marL="170013" marR="170013" marT="0" marB="0">
-                    <a:lnL w="12700" cap="flat" cmpd="sng" algn="ctr">
-                      <a:solidFill>
-                        <a:srgbClr val="000000"/>
-                      </a:solidFill>
-                      <a:prstDash val="solid"/>
-                      <a:round/>
-                      <a:headEnd type="none" w="med" len="med"/>
-                      <a:tailEnd type="none" w="med" len="med"/>
-                    </a:lnL>
-                    <a:lnR w="12700" cap="flat" cmpd="sng" algn="ctr">
-                      <a:solidFill>
-                        <a:srgbClr val="000000"/>
-                      </a:solidFill>
-                      <a:prstDash val="solid"/>
-                      <a:round/>
-                      <a:headEnd type="none" w="med" len="med"/>
-                      <a:tailEnd type="none" w="med" len="med"/>
-                    </a:lnR>
-                    <a:lnT w="12700" cap="flat" cmpd="sng" algn="ctr">
-                      <a:solidFill>
-                        <a:srgbClr val="000000"/>
-                      </a:solidFill>
-                      <a:prstDash val="solid"/>
-                      <a:round/>
-                      <a:headEnd type="none" w="med" len="med"/>
-                      <a:tailEnd type="none" w="med" len="med"/>
-                    </a:lnT>
-                    <a:lnB w="12700" cap="flat" cmpd="sng" algn="ctr">
-                      <a:solidFill>
-                        <a:srgbClr val="000000"/>
-                      </a:solidFill>
-                      <a:prstDash val="solid"/>
-                      <a:round/>
-                      <a:headEnd type="none" w="med" len="med"/>
-                      <a:tailEnd type="none" w="med" len="med"/>
-                    </a:lnB>
-                  </a:tcPr>
-                </a:tc>
-                <a:tc>
-                  <a:txBody>
-                    <a:bodyPr/>
-                    <a:lstStyle/>
-                    <a:p>
-                      <a:pPr indent="137160" algn="l">
-                        <a:spcAft>
-                          <a:spcPts val="0"/>
-                        </a:spcAft>
-                      </a:pPr>
-                      <a:r>
-                        <a:rPr lang="en-US" sz="2000">
-                          <a:latin typeface="Times New Roman"/>
-                          <a:ea typeface="SimSun"/>
-                        </a:rPr>
-                        <a:t>42</a:t>
-                      </a:r>
-                    </a:p>
-                  </a:txBody>
-                  <a:tcPr marL="170013" marR="170013" marT="0" marB="0">
-                    <a:lnL w="12700" cap="flat" cmpd="sng" algn="ctr">
-                      <a:solidFill>
-                        <a:srgbClr val="000000"/>
-                      </a:solidFill>
-                      <a:prstDash val="solid"/>
-                      <a:round/>
-                      <a:headEnd type="none" w="med" len="med"/>
-                      <a:tailEnd type="none" w="med" len="med"/>
-                    </a:lnL>
-                    <a:lnR w="12700" cap="flat" cmpd="sng" algn="ctr">
-                      <a:solidFill>
-                        <a:srgbClr val="000000"/>
-                      </a:solidFill>
-                      <a:prstDash val="solid"/>
-                      <a:round/>
-                      <a:headEnd type="none" w="med" len="med"/>
-                      <a:tailEnd type="none" w="med" len="med"/>
-                    </a:lnR>
-                    <a:lnT w="12700" cap="flat" cmpd="sng" algn="ctr">
-                      <a:solidFill>
-                        <a:srgbClr val="000000"/>
-                      </a:solidFill>
-                      <a:prstDash val="solid"/>
-                      <a:round/>
-                      <a:headEnd type="none" w="med" len="med"/>
-                      <a:tailEnd type="none" w="med" len="med"/>
-                    </a:lnT>
-                    <a:lnB w="12700" cap="flat" cmpd="sng" algn="ctr">
-                      <a:solidFill>
-                        <a:srgbClr val="000000"/>
-                      </a:solidFill>
-                      <a:prstDash val="solid"/>
-                      <a:round/>
-                      <a:headEnd type="none" w="med" len="med"/>
-                      <a:tailEnd type="none" w="med" len="med"/>
-                    </a:lnB>
-                  </a:tcPr>
-                </a:tc>
-                <a:tc>
-                  <a:txBody>
-                    <a:bodyPr/>
-                    <a:lstStyle/>
-                    <a:p>
-                      <a:pPr indent="137160" algn="l">
-                        <a:spcAft>
-                          <a:spcPts val="0"/>
-                        </a:spcAft>
-                      </a:pPr>
-                      <a:r>
-                        <a:rPr lang="en-US" sz="2000">
-                          <a:latin typeface="Times New Roman"/>
-                          <a:ea typeface="SimSun"/>
-                        </a:rPr>
-                        <a:t>42</a:t>
-                      </a:r>
-                    </a:p>
-                  </a:txBody>
-                  <a:tcPr marL="170013" marR="170013" marT="0" marB="0">
-                    <a:lnL w="12700" cap="flat" cmpd="sng" algn="ctr">
-                      <a:solidFill>
-                        <a:srgbClr val="000000"/>
-                      </a:solidFill>
-                      <a:prstDash val="solid"/>
-                      <a:round/>
-                      <a:headEnd type="none" w="med" len="med"/>
-                      <a:tailEnd type="none" w="med" len="med"/>
-                    </a:lnL>
-                    <a:lnR w="12700" cap="flat" cmpd="sng" algn="ctr">
-                      <a:solidFill>
-                        <a:srgbClr val="000000"/>
-                      </a:solidFill>
-                      <a:prstDash val="solid"/>
-                      <a:round/>
-                      <a:headEnd type="none" w="med" len="med"/>
-                      <a:tailEnd type="none" w="med" len="med"/>
-                    </a:lnR>
-                    <a:lnT w="12700" cap="flat" cmpd="sng" algn="ctr">
-                      <a:solidFill>
-                        <a:srgbClr val="000000"/>
-                      </a:solidFill>
-                      <a:prstDash val="solid"/>
-                      <a:round/>
-                      <a:headEnd type="none" w="med" len="med"/>
-                      <a:tailEnd type="none" w="med" len="med"/>
-                    </a:lnT>
-                    <a:lnB w="12700" cap="flat" cmpd="sng" algn="ctr">
-                      <a:solidFill>
-                        <a:srgbClr val="000000"/>
-                      </a:solidFill>
-                      <a:prstDash val="solid"/>
-                      <a:round/>
-                      <a:headEnd type="none" w="med" len="med"/>
-                      <a:tailEnd type="none" w="med" len="med"/>
-                    </a:lnB>
-                  </a:tcPr>
-                </a:tc>
-                <a:tc>
-                  <a:txBody>
-                    <a:bodyPr/>
-                    <a:lstStyle/>
-                    <a:p>
-                      <a:pPr indent="137160" algn="l">
-                        <a:spcAft>
-                          <a:spcPts val="0"/>
-                        </a:spcAft>
-                      </a:pPr>
-                      <a:r>
-                        <a:rPr lang="en-US" sz="2000">
-                          <a:latin typeface="Times New Roman"/>
-                          <a:ea typeface="SimSun"/>
-                        </a:rPr>
-                        <a:t>0</a:t>
-                      </a:r>
-                    </a:p>
-                  </a:txBody>
-                  <a:tcPr marL="170013" marR="170013" marT="0" marB="0">
-                    <a:lnL w="12700" cap="flat" cmpd="sng" algn="ctr">
-                      <a:solidFill>
-                        <a:srgbClr val="000000"/>
-                      </a:solidFill>
-                      <a:prstDash val="solid"/>
-                      <a:round/>
-                      <a:headEnd type="none" w="med" len="med"/>
-                      <a:tailEnd type="none" w="med" len="med"/>
-                    </a:lnL>
-                    <a:lnR w="12700" cap="flat" cmpd="sng" algn="ctr">
-                      <a:solidFill>
-                        <a:srgbClr val="000000"/>
-                      </a:solidFill>
-                      <a:prstDash val="solid"/>
-                      <a:round/>
-                      <a:headEnd type="none" w="med" len="med"/>
-                      <a:tailEnd type="none" w="med" len="med"/>
-                    </a:lnR>
-                    <a:lnT w="12700" cap="flat" cmpd="sng" algn="ctr">
-                      <a:solidFill>
-                        <a:srgbClr val="000000"/>
-                      </a:solidFill>
-                      <a:prstDash val="solid"/>
-                      <a:round/>
-                      <a:headEnd type="none" w="med" len="med"/>
-                      <a:tailEnd type="none" w="med" len="med"/>
-                    </a:lnT>
-                    <a:lnB w="12700" cap="flat" cmpd="sng" algn="ctr">
-                      <a:solidFill>
-                        <a:srgbClr val="000000"/>
-                      </a:solidFill>
-                      <a:prstDash val="solid"/>
-                      <a:round/>
-                      <a:headEnd type="none" w="med" len="med"/>
-                      <a:tailEnd type="none" w="med" len="med"/>
-                    </a:lnB>
-                  </a:tcPr>
-                </a:tc>
-              </a:tr>
-              <a:tr h="721360">
-                <a:tc>
-                  <a:txBody>
-                    <a:bodyPr/>
-                    <a:lstStyle/>
-                    <a:p>
-                      <a:pPr indent="137160" algn="l">
-                        <a:spcAft>
-                          <a:spcPts val="0"/>
-                        </a:spcAft>
-                      </a:pPr>
-                      <a:r>
-                        <a:rPr lang="en-US" sz="2000">
-                          <a:latin typeface="Times New Roman"/>
-                          <a:ea typeface="SimSun"/>
-                        </a:rPr>
-                        <a:t>Ekstraksi Kotak Nomor</a:t>
-                      </a:r>
-                    </a:p>
-                  </a:txBody>
-                  <a:tcPr marL="170013" marR="170013" marT="0" marB="0">
+                  <a:tcPr marL="0" marR="0" marT="0" marB="0">
                     <a:lnL w="12700" cap="flat" cmpd="sng" algn="ctr">
                       <a:solidFill>
                         <a:srgbClr val="000000"/>
@@ -12390,15 +10464,12 @@
                         </a:spcAft>
                       </a:pPr>
                       <a:r>
-                        <a:rPr lang="en-US" sz="2000">
-                          <a:latin typeface="Times New Roman"/>
-                          <a:ea typeface="SimSun"/>
-                        </a:rPr>
-                        <a:t>42</a:t>
+                        <a:rPr lang="en-US" sz="2400"/>
+                        <a:t>Contoh</a:t>
                       </a:r>
                     </a:p>
                   </a:txBody>
-                  <a:tcPr marL="170013" marR="170013" marT="0" marB="0">
+                  <a:tcPr marL="0" marR="0" marT="0" marB="0">
                     <a:lnL w="12700" cap="flat" cmpd="sng" algn="ctr">
                       <a:solidFill>
                         <a:srgbClr val="000000"/>
@@ -12448,15 +10519,12 @@
                         </a:spcAft>
                       </a:pPr>
                       <a:r>
-                        <a:rPr lang="en-US" sz="2000">
-                          <a:latin typeface="Times New Roman"/>
-                          <a:ea typeface="SimSun"/>
-                        </a:rPr>
-                        <a:t>15</a:t>
+                        <a:rPr lang="en-US" sz="2400"/>
+                        <a:t>Berhasil</a:t>
                       </a:r>
                     </a:p>
                   </a:txBody>
-                  <a:tcPr marL="170013" marR="170013" marT="0" marB="0">
+                  <a:tcPr marL="0" marR="0" marT="0" marB="0">
                     <a:lnL w="12700" cap="flat" cmpd="sng" algn="ctr">
                       <a:solidFill>
                         <a:srgbClr val="000000"/>
@@ -12506,15 +10574,12 @@
                         </a:spcAft>
                       </a:pPr>
                       <a:r>
-                        <a:rPr lang="en-US" sz="2000">
-                          <a:latin typeface="Times New Roman"/>
-                          <a:ea typeface="SimSun"/>
-                        </a:rPr>
-                        <a:t>27</a:t>
+                        <a:rPr lang="en-US" sz="2400"/>
+                        <a:t>Belum Berhasil</a:t>
                       </a:r>
                     </a:p>
                   </a:txBody>
-                  <a:tcPr marL="170013" marR="170013" marT="0" marB="0">
+                  <a:tcPr marL="0" marR="0" marT="0" marB="0">
                     <a:lnL w="12700" cap="flat" cmpd="sng" algn="ctr">
                       <a:solidFill>
                         <a:srgbClr val="000000"/>
@@ -12554,7 +10619,7 @@
                   </a:tcPr>
                 </a:tc>
               </a:tr>
-              <a:tr h="721360">
+              <a:tr h="370840">
                 <a:tc>
                   <a:txBody>
                     <a:bodyPr/>
@@ -12566,15 +10631,13 @@
                         </a:spcAft>
                       </a:pPr>
                       <a:r>
-                        <a:rPr lang="en-US" sz="2000">
-                          <a:latin typeface="Times New Roman"/>
-                          <a:ea typeface="SimSun"/>
-                        </a:rPr>
-                        <a:t>Pengkondisian Kotak Nomor</a:t>
+                        <a:rPr lang="en-US" sz="2400" dirty="0" err="1"/>
+                        <a:t>Preproses</a:t>
                       </a:r>
+                      <a:endParaRPr lang="en-US" sz="2400" dirty="0"/>
                     </a:p>
                   </a:txBody>
-                  <a:tcPr marL="170013" marR="170013" marT="0" marB="0">
+                  <a:tcPr marL="0" marR="0" marT="0" marB="0">
                     <a:lnL w="12700" cap="flat" cmpd="sng" algn="ctr">
                       <a:solidFill>
                         <a:srgbClr val="000000"/>
@@ -12624,19 +10687,12 @@
                         </a:spcAft>
                       </a:pPr>
                       <a:r>
-                        <a:rPr lang="en-US" sz="2000" dirty="0" smtClean="0">
-                          <a:latin typeface="Times New Roman"/>
-                          <a:ea typeface="SimSun"/>
-                        </a:rPr>
-                        <a:t>15</a:t>
+                        <a:rPr lang="en-US" sz="2400"/>
+                        <a:t>42</a:t>
                       </a:r>
-                      <a:endParaRPr lang="en-US" sz="2000" dirty="0">
-                        <a:latin typeface="Times New Roman"/>
-                        <a:ea typeface="SimSun"/>
-                      </a:endParaRPr>
                     </a:p>
                   </a:txBody>
-                  <a:tcPr marL="170013" marR="170013" marT="0" marB="0">
+                  <a:tcPr marL="0" marR="0" marT="0" marB="0">
                     <a:lnL w="12700" cap="flat" cmpd="sng" algn="ctr">
                       <a:solidFill>
                         <a:srgbClr val="000000"/>
@@ -12686,15 +10742,12 @@
                         </a:spcAft>
                       </a:pPr>
                       <a:r>
-                        <a:rPr lang="en-US" sz="2000">
-                          <a:latin typeface="Times New Roman"/>
-                          <a:ea typeface="SimSun"/>
-                        </a:rPr>
-                        <a:t>15</a:t>
+                        <a:rPr lang="en-US" sz="2400"/>
+                        <a:t>42</a:t>
                       </a:r>
                     </a:p>
                   </a:txBody>
-                  <a:tcPr marL="170013" marR="170013" marT="0" marB="0">
+                  <a:tcPr marL="0" marR="0" marT="0" marB="0">
                     <a:lnL w="12700" cap="flat" cmpd="sng" algn="ctr">
                       <a:solidFill>
                         <a:srgbClr val="000000"/>
@@ -12744,19 +10797,12 @@
                         </a:spcAft>
                       </a:pPr>
                       <a:r>
-                        <a:rPr lang="en-US" sz="2000" dirty="0" smtClean="0">
-                          <a:latin typeface="Times New Roman"/>
-                          <a:ea typeface="SimSun"/>
-                        </a:rPr>
+                        <a:rPr lang="en-US" sz="2400"/>
                         <a:t>0</a:t>
                       </a:r>
-                      <a:endParaRPr lang="en-US" sz="2000" dirty="0">
-                        <a:latin typeface="Times New Roman"/>
-                        <a:ea typeface="SimSun"/>
-                      </a:endParaRPr>
                     </a:p>
                   </a:txBody>
-                  <a:tcPr marL="170013" marR="170013" marT="0" marB="0">
+                  <a:tcPr marL="0" marR="0" marT="0" marB="0">
                     <a:lnL w="12700" cap="flat" cmpd="sng" algn="ctr">
                       <a:solidFill>
                         <a:srgbClr val="000000"/>
@@ -12796,7 +10842,7 @@
                   </a:tcPr>
                 </a:tc>
               </a:tr>
-              <a:tr h="721360">
+              <a:tr h="741680">
                 <a:tc>
                   <a:txBody>
                     <a:bodyPr/>
@@ -12808,15 +10854,29 @@
                         </a:spcAft>
                       </a:pPr>
                       <a:r>
-                        <a:rPr lang="en-US" sz="2000">
-                          <a:latin typeface="Times New Roman"/>
-                          <a:ea typeface="SimSun"/>
-                        </a:rPr>
-                        <a:t>Identifikasi Karakter</a:t>
+                        <a:rPr lang="en-US" sz="2400" dirty="0" err="1"/>
+                        <a:t>Ekstraksi</a:t>
                       </a:r>
+                      <a:r>
+                        <a:rPr lang="en-US" sz="2400" dirty="0"/>
+                        <a:t> </a:t>
+                      </a:r>
+                      <a:r>
+                        <a:rPr lang="en-US" sz="2400" dirty="0" err="1"/>
+                        <a:t>Kotak</a:t>
+                      </a:r>
+                      <a:r>
+                        <a:rPr lang="en-US" sz="2400" dirty="0"/>
+                        <a:t> </a:t>
+                      </a:r>
+                      <a:r>
+                        <a:rPr lang="en-US" sz="2400" dirty="0" err="1"/>
+                        <a:t>Nomor</a:t>
+                      </a:r>
+                      <a:endParaRPr lang="en-US" sz="2400" dirty="0"/>
                     </a:p>
                   </a:txBody>
-                  <a:tcPr marL="170013" marR="170013" marT="0" marB="0">
+                  <a:tcPr marL="0" marR="0" marT="0" marB="0">
                     <a:lnL w="12700" cap="flat" cmpd="sng" algn="ctr">
                       <a:solidFill>
                         <a:srgbClr val="000000"/>
@@ -12866,19 +10926,12 @@
                         </a:spcAft>
                       </a:pPr>
                       <a:r>
-                        <a:rPr lang="en-US" sz="2000" dirty="0" smtClean="0">
-                          <a:latin typeface="Times New Roman"/>
-                          <a:ea typeface="SimSun"/>
-                        </a:rPr>
-                        <a:t>15</a:t>
+                        <a:rPr lang="en-US" sz="2400" dirty="0"/>
+                        <a:t>42</a:t>
                       </a:r>
-                      <a:endParaRPr lang="en-US" sz="2000" dirty="0">
-                        <a:latin typeface="Times New Roman"/>
-                        <a:ea typeface="SimSun"/>
-                      </a:endParaRPr>
                     </a:p>
                   </a:txBody>
-                  <a:tcPr marL="170013" marR="170013" marT="0" marB="0">
+                  <a:tcPr marL="0" marR="0" marT="0" marB="0">
                     <a:lnL w="12700" cap="flat" cmpd="sng" algn="ctr">
                       <a:solidFill>
                         <a:srgbClr val="000000"/>
@@ -12928,19 +10981,12 @@
                         </a:spcAft>
                       </a:pPr>
                       <a:r>
-                        <a:rPr lang="en-US" sz="2000" dirty="0" smtClean="0">
-                          <a:latin typeface="Times New Roman"/>
-                          <a:ea typeface="SimSun"/>
-                        </a:rPr>
-                        <a:t>12</a:t>
+                        <a:rPr lang="en-US" sz="2400"/>
+                        <a:t>15</a:t>
                       </a:r>
-                      <a:endParaRPr lang="en-US" sz="2000" dirty="0">
-                        <a:latin typeface="Times New Roman"/>
-                        <a:ea typeface="SimSun"/>
-                      </a:endParaRPr>
                     </a:p>
                   </a:txBody>
-                  <a:tcPr marL="170013" marR="170013" marT="0" marB="0">
+                  <a:tcPr marL="0" marR="0" marT="0" marB="0">
                     <a:lnL w="12700" cap="flat" cmpd="sng" algn="ctr">
                       <a:solidFill>
                         <a:srgbClr val="000000"/>
@@ -12990,19 +11036,12 @@
                         </a:spcAft>
                       </a:pPr>
                       <a:r>
-                        <a:rPr lang="en-US" sz="2000" dirty="0" smtClean="0">
-                          <a:latin typeface="Times New Roman"/>
-                          <a:ea typeface="SimSun"/>
-                        </a:rPr>
-                        <a:t>13</a:t>
+                        <a:rPr lang="en-US" sz="2400"/>
+                        <a:t>27</a:t>
                       </a:r>
-                      <a:endParaRPr lang="en-US" sz="2000" dirty="0">
-                        <a:latin typeface="Times New Roman"/>
-                        <a:ea typeface="SimSun"/>
-                      </a:endParaRPr>
                     </a:p>
                   </a:txBody>
-                  <a:tcPr marL="170013" marR="170013" marT="0" marB="0">
+                  <a:tcPr marL="0" marR="0" marT="0" marB="0">
                     <a:lnL w="12700" cap="flat" cmpd="sng" algn="ctr">
                       <a:solidFill>
                         <a:srgbClr val="000000"/>
@@ -13042,7 +11081,7 @@
                   </a:tcPr>
                 </a:tc>
               </a:tr>
-              <a:tr h="1082040">
+              <a:tr h="741680">
                 <a:tc>
                   <a:txBody>
                     <a:bodyPr/>
@@ -13054,26 +11093,12 @@
                         </a:spcAft>
                       </a:pPr>
                       <a:r>
-                        <a:rPr lang="en-US" sz="2000" dirty="0" err="1" smtClean="0">
-                          <a:latin typeface="Times New Roman"/>
-                          <a:ea typeface="SimSun"/>
-                        </a:rPr>
-                        <a:t>Ketepatan</a:t>
+                        <a:rPr lang="en-US" sz="2400"/>
+                        <a:t>Pengkondisian Kotak Nomor</a:t>
                       </a:r>
-                      <a:r>
-                        <a:rPr lang="en-US" sz="2000" dirty="0" smtClean="0">
-                          <a:latin typeface="Times New Roman"/>
-                          <a:ea typeface="SimSun"/>
-                        </a:rPr>
-                        <a:t> &gt; 50 %</a:t>
-                      </a:r>
-                      <a:endParaRPr lang="en-US" sz="2000" dirty="0">
-                        <a:latin typeface="Times New Roman"/>
-                        <a:ea typeface="SimSun"/>
-                      </a:endParaRPr>
                     </a:p>
                   </a:txBody>
-                  <a:tcPr marL="170013" marR="170013" marT="0" marB="0">
+                  <a:tcPr marL="0" marR="0" marT="0" marB="0">
                     <a:lnL w="12700" cap="flat" cmpd="sng" algn="ctr">
                       <a:solidFill>
                         <a:srgbClr val="000000"/>
@@ -13123,19 +11148,13 @@
                         </a:spcAft>
                       </a:pPr>
                       <a:r>
-                        <a:rPr lang="en-US" sz="2000" dirty="0" smtClean="0">
-                          <a:latin typeface="Times New Roman"/>
-                          <a:ea typeface="SimSun"/>
-                        </a:rPr>
+                        <a:rPr lang="en-US" sz="2400" dirty="0" smtClean="0"/>
                         <a:t>15</a:t>
                       </a:r>
-                      <a:endParaRPr lang="en-US" sz="2000" dirty="0">
-                        <a:latin typeface="Times New Roman"/>
-                        <a:ea typeface="SimSun"/>
-                      </a:endParaRPr>
+                      <a:endParaRPr lang="en-US" sz="2400" dirty="0"/>
                     </a:p>
                   </a:txBody>
-                  <a:tcPr marL="170013" marR="170013" marT="0" marB="0">
+                  <a:tcPr marL="0" marR="0" marT="0" marB="0">
                     <a:lnL w="12700" cap="flat" cmpd="sng" algn="ctr">
                       <a:solidFill>
                         <a:srgbClr val="000000"/>
@@ -13185,19 +11204,12 @@
                         </a:spcAft>
                       </a:pPr>
                       <a:r>
-                        <a:rPr lang="en-US" sz="2000" dirty="0" smtClean="0">
-                          <a:latin typeface="Times New Roman"/>
-                          <a:ea typeface="SimSun"/>
-                        </a:rPr>
-                        <a:t>4</a:t>
+                        <a:rPr lang="en-US" sz="2400" dirty="0"/>
+                        <a:t>15</a:t>
                       </a:r>
-                      <a:endParaRPr lang="en-US" sz="2000" dirty="0">
-                        <a:latin typeface="Times New Roman"/>
-                        <a:ea typeface="SimSun"/>
-                      </a:endParaRPr>
                     </a:p>
                   </a:txBody>
-                  <a:tcPr marL="170013" marR="170013" marT="0" marB="0">
+                  <a:tcPr marL="0" marR="0" marT="0" marB="0">
                     <a:lnL w="12700" cap="flat" cmpd="sng" algn="ctr">
                       <a:solidFill>
                         <a:srgbClr val="000000"/>
@@ -13247,19 +11259,13 @@
                         </a:spcAft>
                       </a:pPr>
                       <a:r>
-                        <a:rPr lang="en-US" sz="2000" dirty="0" smtClean="0">
-                          <a:latin typeface="Times New Roman"/>
-                          <a:ea typeface="SimSun"/>
-                        </a:rPr>
-                        <a:t>11</a:t>
+                        <a:rPr lang="en-US" sz="2400" dirty="0" smtClean="0"/>
+                        <a:t>0</a:t>
                       </a:r>
-                      <a:endParaRPr lang="en-US" sz="2000" dirty="0">
-                        <a:latin typeface="Times New Roman"/>
-                        <a:ea typeface="SimSun"/>
-                      </a:endParaRPr>
+                      <a:endParaRPr lang="en-US" sz="2400" dirty="0"/>
                     </a:p>
                   </a:txBody>
-                  <a:tcPr marL="170013" marR="170013" marT="0" marB="0">
+                  <a:tcPr marL="0" marR="0" marT="0" marB="0">
                     <a:lnL w="12700" cap="flat" cmpd="sng" algn="ctr">
                       <a:solidFill>
                         <a:srgbClr val="000000"/>
@@ -13299,7 +11305,7 @@
                   </a:tcPr>
                 </a:tc>
               </a:tr>
-              <a:tr h="1082040">
+              <a:tr h="741680">
                 <a:tc>
                   <a:txBody>
                     <a:bodyPr/>
@@ -13311,26 +11317,12 @@
                         </a:spcAft>
                       </a:pPr>
                       <a:r>
-                        <a:rPr lang="en-US" sz="2000" dirty="0" err="1" smtClean="0">
-                          <a:latin typeface="Times New Roman"/>
-                          <a:ea typeface="SimSun"/>
-                        </a:rPr>
-                        <a:t>Ketepatan</a:t>
+                        <a:rPr lang="en-US" sz="2400"/>
+                        <a:t>Identifikasi Karakter</a:t>
                       </a:r>
-                      <a:r>
-                        <a:rPr lang="en-US" sz="2000" dirty="0" smtClean="0">
-                          <a:latin typeface="Times New Roman"/>
-                          <a:ea typeface="SimSun"/>
-                        </a:rPr>
-                        <a:t> &gt; 90 %</a:t>
-                      </a:r>
-                      <a:endParaRPr lang="en-US" sz="2000" dirty="0">
-                        <a:latin typeface="Times New Roman"/>
-                        <a:ea typeface="SimSun"/>
-                      </a:endParaRPr>
                     </a:p>
                   </a:txBody>
-                  <a:tcPr marL="170013" marR="170013" marT="0" marB="0">
+                  <a:tcPr marL="0" marR="0" marT="0" marB="0">
                     <a:lnL w="12700" cap="flat" cmpd="sng" algn="ctr">
                       <a:solidFill>
                         <a:srgbClr val="000000"/>
@@ -13380,19 +11372,13 @@
                         </a:spcAft>
                       </a:pPr>
                       <a:r>
-                        <a:rPr lang="en-US" sz="2000" dirty="0" smtClean="0">
-                          <a:latin typeface="Times New Roman"/>
-                          <a:ea typeface="SimSun"/>
-                        </a:rPr>
+                        <a:rPr lang="en-US" sz="2400" dirty="0" smtClean="0"/>
                         <a:t>15</a:t>
                       </a:r>
-                      <a:endParaRPr lang="en-US" sz="2000" dirty="0">
-                        <a:latin typeface="Times New Roman"/>
-                        <a:ea typeface="SimSun"/>
-                      </a:endParaRPr>
+                      <a:endParaRPr lang="en-US" sz="2400" dirty="0"/>
                     </a:p>
                   </a:txBody>
-                  <a:tcPr marL="170013" marR="170013" marT="0" marB="0">
+                  <a:tcPr marL="0" marR="0" marT="0" marB="0">
                     <a:lnL w="12700" cap="flat" cmpd="sng" algn="ctr">
                       <a:solidFill>
                         <a:srgbClr val="000000"/>
@@ -13442,19 +11428,13 @@
                         </a:spcAft>
                       </a:pPr>
                       <a:r>
-                        <a:rPr lang="en-US" sz="2000" dirty="0" smtClean="0">
-                          <a:latin typeface="Times New Roman"/>
-                          <a:ea typeface="SimSun"/>
-                        </a:rPr>
-                        <a:t>1</a:t>
+                        <a:rPr lang="en-US" sz="2400" dirty="0" smtClean="0"/>
+                        <a:t>12</a:t>
                       </a:r>
-                      <a:endParaRPr lang="en-US" sz="2000" dirty="0">
-                        <a:latin typeface="Times New Roman"/>
-                        <a:ea typeface="SimSun"/>
-                      </a:endParaRPr>
+                      <a:endParaRPr lang="en-US" sz="2400" dirty="0"/>
                     </a:p>
                   </a:txBody>
-                  <a:tcPr marL="170013" marR="170013" marT="0" marB="0">
+                  <a:tcPr marL="0" marR="0" marT="0" marB="0">
                     <a:lnL w="12700" cap="flat" cmpd="sng" algn="ctr">
                       <a:solidFill>
                         <a:srgbClr val="000000"/>
@@ -13504,19 +11484,473 @@
                         </a:spcAft>
                       </a:pPr>
                       <a:r>
-                        <a:rPr lang="en-US" sz="2000" smtClean="0">
-                          <a:latin typeface="Times New Roman"/>
-                          <a:ea typeface="SimSun"/>
-                        </a:rPr>
+                        <a:rPr lang="en-US" sz="2400" dirty="0" smtClean="0"/>
+                        <a:t>13</a:t>
+                      </a:r>
+                      <a:endParaRPr lang="en-US" sz="2400" dirty="0"/>
+                    </a:p>
+                  </a:txBody>
+                  <a:tcPr marL="0" marR="0" marT="0" marB="0">
+                    <a:lnL w="12700" cap="flat" cmpd="sng" algn="ctr">
+                      <a:solidFill>
+                        <a:srgbClr val="000000"/>
+                      </a:solidFill>
+                      <a:prstDash val="solid"/>
+                      <a:round/>
+                      <a:headEnd type="none" w="med" len="med"/>
+                      <a:tailEnd type="none" w="med" len="med"/>
+                    </a:lnL>
+                    <a:lnR w="12700" cap="flat" cmpd="sng" algn="ctr">
+                      <a:solidFill>
+                        <a:srgbClr val="000000"/>
+                      </a:solidFill>
+                      <a:prstDash val="solid"/>
+                      <a:round/>
+                      <a:headEnd type="none" w="med" len="med"/>
+                      <a:tailEnd type="none" w="med" len="med"/>
+                    </a:lnR>
+                    <a:lnT w="12700" cap="flat" cmpd="sng" algn="ctr">
+                      <a:solidFill>
+                        <a:srgbClr val="000000"/>
+                      </a:solidFill>
+                      <a:prstDash val="solid"/>
+                      <a:round/>
+                      <a:headEnd type="none" w="med" len="med"/>
+                      <a:tailEnd type="none" w="med" len="med"/>
+                    </a:lnT>
+                    <a:lnB w="12700" cap="flat" cmpd="sng" algn="ctr">
+                      <a:solidFill>
+                        <a:srgbClr val="000000"/>
+                      </a:solidFill>
+                      <a:prstDash val="solid"/>
+                      <a:round/>
+                      <a:headEnd type="none" w="med" len="med"/>
+                      <a:tailEnd type="none" w="med" len="med"/>
+                    </a:lnB>
+                  </a:tcPr>
+                </a:tc>
+              </a:tr>
+              <a:tr h="1112520">
+                <a:tc>
+                  <a:txBody>
+                    <a:bodyPr/>
+                    <a:lstStyle/>
+                    <a:p>
+                      <a:pPr indent="137160" algn="just">
+                        <a:spcAft>
+                          <a:spcPts val="0"/>
+                        </a:spcAft>
+                      </a:pPr>
+                      <a:r>
+                        <a:rPr lang="en-US" sz="2400" dirty="0" err="1" smtClean="0"/>
+                        <a:t>Ketepatan</a:t>
+                      </a:r>
+                      <a:r>
+                        <a:rPr lang="en-US" sz="2400" dirty="0" smtClean="0"/>
+                        <a:t> &gt; 50 %</a:t>
+                      </a:r>
+                      <a:endParaRPr lang="en-US" sz="2400" dirty="0"/>
+                    </a:p>
+                  </a:txBody>
+                  <a:tcPr marL="0" marR="0" marT="0" marB="0">
+                    <a:lnL w="12700" cap="flat" cmpd="sng" algn="ctr">
+                      <a:solidFill>
+                        <a:srgbClr val="000000"/>
+                      </a:solidFill>
+                      <a:prstDash val="solid"/>
+                      <a:round/>
+                      <a:headEnd type="none" w="med" len="med"/>
+                      <a:tailEnd type="none" w="med" len="med"/>
+                    </a:lnL>
+                    <a:lnR w="12700" cap="flat" cmpd="sng" algn="ctr">
+                      <a:solidFill>
+                        <a:srgbClr val="000000"/>
+                      </a:solidFill>
+                      <a:prstDash val="solid"/>
+                      <a:round/>
+                      <a:headEnd type="none" w="med" len="med"/>
+                      <a:tailEnd type="none" w="med" len="med"/>
+                    </a:lnR>
+                    <a:lnT w="12700" cap="flat" cmpd="sng" algn="ctr">
+                      <a:solidFill>
+                        <a:srgbClr val="000000"/>
+                      </a:solidFill>
+                      <a:prstDash val="solid"/>
+                      <a:round/>
+                      <a:headEnd type="none" w="med" len="med"/>
+                      <a:tailEnd type="none" w="med" len="med"/>
+                    </a:lnT>
+                    <a:lnB w="12700" cap="flat" cmpd="sng" algn="ctr">
+                      <a:solidFill>
+                        <a:srgbClr val="000000"/>
+                      </a:solidFill>
+                      <a:prstDash val="solid"/>
+                      <a:round/>
+                      <a:headEnd type="none" w="med" len="med"/>
+                      <a:tailEnd type="none" w="med" len="med"/>
+                    </a:lnB>
+                  </a:tcPr>
+                </a:tc>
+                <a:tc>
+                  <a:txBody>
+                    <a:bodyPr/>
+                    <a:lstStyle/>
+                    <a:p>
+                      <a:pPr indent="137160" algn="just">
+                        <a:spcAft>
+                          <a:spcPts val="0"/>
+                        </a:spcAft>
+                      </a:pPr>
+                      <a:r>
+                        <a:rPr lang="en-US" sz="2400" dirty="0" smtClean="0"/>
+                        <a:t>15</a:t>
+                      </a:r>
+                      <a:endParaRPr lang="en-US" sz="2400" dirty="0"/>
+                    </a:p>
+                  </a:txBody>
+                  <a:tcPr marL="0" marR="0" marT="0" marB="0">
+                    <a:lnL w="12700" cap="flat" cmpd="sng" algn="ctr">
+                      <a:solidFill>
+                        <a:srgbClr val="000000"/>
+                      </a:solidFill>
+                      <a:prstDash val="solid"/>
+                      <a:round/>
+                      <a:headEnd type="none" w="med" len="med"/>
+                      <a:tailEnd type="none" w="med" len="med"/>
+                    </a:lnL>
+                    <a:lnR w="12700" cap="flat" cmpd="sng" algn="ctr">
+                      <a:solidFill>
+                        <a:srgbClr val="000000"/>
+                      </a:solidFill>
+                      <a:prstDash val="solid"/>
+                      <a:round/>
+                      <a:headEnd type="none" w="med" len="med"/>
+                      <a:tailEnd type="none" w="med" len="med"/>
+                    </a:lnR>
+                    <a:lnT w="12700" cap="flat" cmpd="sng" algn="ctr">
+                      <a:solidFill>
+                        <a:srgbClr val="000000"/>
+                      </a:solidFill>
+                      <a:prstDash val="solid"/>
+                      <a:round/>
+                      <a:headEnd type="none" w="med" len="med"/>
+                      <a:tailEnd type="none" w="med" len="med"/>
+                    </a:lnT>
+                    <a:lnB w="12700" cap="flat" cmpd="sng" algn="ctr">
+                      <a:solidFill>
+                        <a:srgbClr val="000000"/>
+                      </a:solidFill>
+                      <a:prstDash val="solid"/>
+                      <a:round/>
+                      <a:headEnd type="none" w="med" len="med"/>
+                      <a:tailEnd type="none" w="med" len="med"/>
+                    </a:lnB>
+                  </a:tcPr>
+                </a:tc>
+                <a:tc>
+                  <a:txBody>
+                    <a:bodyPr/>
+                    <a:lstStyle/>
+                    <a:p>
+                      <a:pPr indent="137160" algn="just">
+                        <a:spcAft>
+                          <a:spcPts val="0"/>
+                        </a:spcAft>
+                      </a:pPr>
+                      <a:r>
+                        <a:rPr lang="en-US" sz="2400" dirty="0" smtClean="0"/>
+                        <a:t>4</a:t>
+                      </a:r>
+                      <a:endParaRPr lang="en-US" sz="2400" dirty="0"/>
+                    </a:p>
+                  </a:txBody>
+                  <a:tcPr marL="0" marR="0" marT="0" marB="0">
+                    <a:lnL w="12700" cap="flat" cmpd="sng" algn="ctr">
+                      <a:solidFill>
+                        <a:srgbClr val="000000"/>
+                      </a:solidFill>
+                      <a:prstDash val="solid"/>
+                      <a:round/>
+                      <a:headEnd type="none" w="med" len="med"/>
+                      <a:tailEnd type="none" w="med" len="med"/>
+                    </a:lnL>
+                    <a:lnR w="12700" cap="flat" cmpd="sng" algn="ctr">
+                      <a:solidFill>
+                        <a:srgbClr val="000000"/>
+                      </a:solidFill>
+                      <a:prstDash val="solid"/>
+                      <a:round/>
+                      <a:headEnd type="none" w="med" len="med"/>
+                      <a:tailEnd type="none" w="med" len="med"/>
+                    </a:lnR>
+                    <a:lnT w="12700" cap="flat" cmpd="sng" algn="ctr">
+                      <a:solidFill>
+                        <a:srgbClr val="000000"/>
+                      </a:solidFill>
+                      <a:prstDash val="solid"/>
+                      <a:round/>
+                      <a:headEnd type="none" w="med" len="med"/>
+                      <a:tailEnd type="none" w="med" len="med"/>
+                    </a:lnT>
+                    <a:lnB w="12700" cap="flat" cmpd="sng" algn="ctr">
+                      <a:solidFill>
+                        <a:srgbClr val="000000"/>
+                      </a:solidFill>
+                      <a:prstDash val="solid"/>
+                      <a:round/>
+                      <a:headEnd type="none" w="med" len="med"/>
+                      <a:tailEnd type="none" w="med" len="med"/>
+                    </a:lnB>
+                  </a:tcPr>
+                </a:tc>
+                <a:tc>
+                  <a:txBody>
+                    <a:bodyPr/>
+                    <a:lstStyle/>
+                    <a:p>
+                      <a:pPr indent="137160" algn="just">
+                        <a:spcAft>
+                          <a:spcPts val="0"/>
+                        </a:spcAft>
+                      </a:pPr>
+                      <a:r>
+                        <a:rPr lang="en-US" sz="2400" dirty="0" smtClean="0"/>
+                        <a:t>11</a:t>
+                      </a:r>
+                      <a:endParaRPr lang="en-US" sz="2400" dirty="0"/>
+                    </a:p>
+                  </a:txBody>
+                  <a:tcPr marL="0" marR="0" marT="0" marB="0">
+                    <a:lnL w="12700" cap="flat" cmpd="sng" algn="ctr">
+                      <a:solidFill>
+                        <a:srgbClr val="000000"/>
+                      </a:solidFill>
+                      <a:prstDash val="solid"/>
+                      <a:round/>
+                      <a:headEnd type="none" w="med" len="med"/>
+                      <a:tailEnd type="none" w="med" len="med"/>
+                    </a:lnL>
+                    <a:lnR w="12700" cap="flat" cmpd="sng" algn="ctr">
+                      <a:solidFill>
+                        <a:srgbClr val="000000"/>
+                      </a:solidFill>
+                      <a:prstDash val="solid"/>
+                      <a:round/>
+                      <a:headEnd type="none" w="med" len="med"/>
+                      <a:tailEnd type="none" w="med" len="med"/>
+                    </a:lnR>
+                    <a:lnT w="12700" cap="flat" cmpd="sng" algn="ctr">
+                      <a:solidFill>
+                        <a:srgbClr val="000000"/>
+                      </a:solidFill>
+                      <a:prstDash val="solid"/>
+                      <a:round/>
+                      <a:headEnd type="none" w="med" len="med"/>
+                      <a:tailEnd type="none" w="med" len="med"/>
+                    </a:lnT>
+                    <a:lnB w="12700" cap="flat" cmpd="sng" algn="ctr">
+                      <a:solidFill>
+                        <a:srgbClr val="000000"/>
+                      </a:solidFill>
+                      <a:prstDash val="solid"/>
+                      <a:round/>
+                      <a:headEnd type="none" w="med" len="med"/>
+                      <a:tailEnd type="none" w="med" len="med"/>
+                    </a:lnB>
+                  </a:tcPr>
+                </a:tc>
+              </a:tr>
+              <a:tr h="1112520">
+                <a:tc>
+                  <a:txBody>
+                    <a:bodyPr/>
+                    <a:lstStyle/>
+                    <a:p>
+                      <a:pPr indent="137160" algn="just">
+                        <a:spcAft>
+                          <a:spcPts val="0"/>
+                        </a:spcAft>
+                      </a:pPr>
+                      <a:r>
+                        <a:rPr lang="en-US" sz="2400" dirty="0" err="1" smtClean="0"/>
+                        <a:t>Ketepatan</a:t>
+                      </a:r>
+                      <a:r>
+                        <a:rPr lang="en-US" sz="2400" dirty="0" smtClean="0"/>
+                        <a:t> &gt; 90 %</a:t>
+                      </a:r>
+                      <a:endParaRPr lang="en-US" sz="2400" dirty="0"/>
+                    </a:p>
+                  </a:txBody>
+                  <a:tcPr marL="0" marR="0" marT="0" marB="0">
+                    <a:lnL w="12700" cap="flat" cmpd="sng" algn="ctr">
+                      <a:solidFill>
+                        <a:srgbClr val="000000"/>
+                      </a:solidFill>
+                      <a:prstDash val="solid"/>
+                      <a:round/>
+                      <a:headEnd type="none" w="med" len="med"/>
+                      <a:tailEnd type="none" w="med" len="med"/>
+                    </a:lnL>
+                    <a:lnR w="12700" cap="flat" cmpd="sng" algn="ctr">
+                      <a:solidFill>
+                        <a:srgbClr val="000000"/>
+                      </a:solidFill>
+                      <a:prstDash val="solid"/>
+                      <a:round/>
+                      <a:headEnd type="none" w="med" len="med"/>
+                      <a:tailEnd type="none" w="med" len="med"/>
+                    </a:lnR>
+                    <a:lnT w="12700" cap="flat" cmpd="sng" algn="ctr">
+                      <a:solidFill>
+                        <a:srgbClr val="000000"/>
+                      </a:solidFill>
+                      <a:prstDash val="solid"/>
+                      <a:round/>
+                      <a:headEnd type="none" w="med" len="med"/>
+                      <a:tailEnd type="none" w="med" len="med"/>
+                    </a:lnT>
+                    <a:lnB w="12700" cap="flat" cmpd="sng" algn="ctr">
+                      <a:solidFill>
+                        <a:srgbClr val="000000"/>
+                      </a:solidFill>
+                      <a:prstDash val="solid"/>
+                      <a:round/>
+                      <a:headEnd type="none" w="med" len="med"/>
+                      <a:tailEnd type="none" w="med" len="med"/>
+                    </a:lnB>
+                  </a:tcPr>
+                </a:tc>
+                <a:tc>
+                  <a:txBody>
+                    <a:bodyPr/>
+                    <a:lstStyle/>
+                    <a:p>
+                      <a:pPr indent="137160" algn="just">
+                        <a:spcAft>
+                          <a:spcPts val="0"/>
+                        </a:spcAft>
+                      </a:pPr>
+                      <a:r>
+                        <a:rPr lang="en-US" sz="2400" dirty="0" smtClean="0"/>
+                        <a:t>15</a:t>
+                      </a:r>
+                      <a:endParaRPr lang="en-US" sz="2400" dirty="0"/>
+                    </a:p>
+                  </a:txBody>
+                  <a:tcPr marL="0" marR="0" marT="0" marB="0">
+                    <a:lnL w="12700" cap="flat" cmpd="sng" algn="ctr">
+                      <a:solidFill>
+                        <a:srgbClr val="000000"/>
+                      </a:solidFill>
+                      <a:prstDash val="solid"/>
+                      <a:round/>
+                      <a:headEnd type="none" w="med" len="med"/>
+                      <a:tailEnd type="none" w="med" len="med"/>
+                    </a:lnL>
+                    <a:lnR w="12700" cap="flat" cmpd="sng" algn="ctr">
+                      <a:solidFill>
+                        <a:srgbClr val="000000"/>
+                      </a:solidFill>
+                      <a:prstDash val="solid"/>
+                      <a:round/>
+                      <a:headEnd type="none" w="med" len="med"/>
+                      <a:tailEnd type="none" w="med" len="med"/>
+                    </a:lnR>
+                    <a:lnT w="12700" cap="flat" cmpd="sng" algn="ctr">
+                      <a:solidFill>
+                        <a:srgbClr val="000000"/>
+                      </a:solidFill>
+                      <a:prstDash val="solid"/>
+                      <a:round/>
+                      <a:headEnd type="none" w="med" len="med"/>
+                      <a:tailEnd type="none" w="med" len="med"/>
+                    </a:lnT>
+                    <a:lnB w="12700" cap="flat" cmpd="sng" algn="ctr">
+                      <a:solidFill>
+                        <a:srgbClr val="000000"/>
+                      </a:solidFill>
+                      <a:prstDash val="solid"/>
+                      <a:round/>
+                      <a:headEnd type="none" w="med" len="med"/>
+                      <a:tailEnd type="none" w="med" len="med"/>
+                    </a:lnB>
+                  </a:tcPr>
+                </a:tc>
+                <a:tc>
+                  <a:txBody>
+                    <a:bodyPr/>
+                    <a:lstStyle/>
+                    <a:p>
+                      <a:pPr indent="137160" algn="just">
+                        <a:spcAft>
+                          <a:spcPts val="0"/>
+                        </a:spcAft>
+                      </a:pPr>
+                      <a:r>
+                        <a:rPr lang="en-US" sz="2400" dirty="0" smtClean="0"/>
+                        <a:t>1</a:t>
+                      </a:r>
+                      <a:endParaRPr lang="en-US" sz="2400" dirty="0"/>
+                    </a:p>
+                  </a:txBody>
+                  <a:tcPr marL="0" marR="0" marT="0" marB="0">
+                    <a:lnL w="12700" cap="flat" cmpd="sng" algn="ctr">
+                      <a:solidFill>
+                        <a:srgbClr val="000000"/>
+                      </a:solidFill>
+                      <a:prstDash val="solid"/>
+                      <a:round/>
+                      <a:headEnd type="none" w="med" len="med"/>
+                      <a:tailEnd type="none" w="med" len="med"/>
+                    </a:lnL>
+                    <a:lnR w="12700" cap="flat" cmpd="sng" algn="ctr">
+                      <a:solidFill>
+                        <a:srgbClr val="000000"/>
+                      </a:solidFill>
+                      <a:prstDash val="solid"/>
+                      <a:round/>
+                      <a:headEnd type="none" w="med" len="med"/>
+                      <a:tailEnd type="none" w="med" len="med"/>
+                    </a:lnR>
+                    <a:lnT w="12700" cap="flat" cmpd="sng" algn="ctr">
+                      <a:solidFill>
+                        <a:srgbClr val="000000"/>
+                      </a:solidFill>
+                      <a:prstDash val="solid"/>
+                      <a:round/>
+                      <a:headEnd type="none" w="med" len="med"/>
+                      <a:tailEnd type="none" w="med" len="med"/>
+                    </a:lnT>
+                    <a:lnB w="12700" cap="flat" cmpd="sng" algn="ctr">
+                      <a:solidFill>
+                        <a:srgbClr val="000000"/>
+                      </a:solidFill>
+                      <a:prstDash val="solid"/>
+                      <a:round/>
+                      <a:headEnd type="none" w="med" len="med"/>
+                      <a:tailEnd type="none" w="med" len="med"/>
+                    </a:lnB>
+                  </a:tcPr>
+                </a:tc>
+                <a:tc>
+                  <a:txBody>
+                    <a:bodyPr/>
+                    <a:lstStyle/>
+                    <a:p>
+                      <a:pPr indent="137160" algn="just">
+                        <a:spcAft>
+                          <a:spcPts val="0"/>
+                        </a:spcAft>
+                      </a:pPr>
+                      <a:r>
+                        <a:rPr lang="en-US" sz="2400" dirty="0" smtClean="0"/>
                         <a:t>14</a:t>
                       </a:r>
-                      <a:endParaRPr lang="en-US" sz="2000" dirty="0">
-                        <a:latin typeface="Times New Roman"/>
-                        <a:ea typeface="SimSun"/>
-                      </a:endParaRPr>
+                      <a:endParaRPr lang="en-US" sz="2400" dirty="0"/>
                     </a:p>
                   </a:txBody>
-                  <a:tcPr marL="170013" marR="170013" marT="0" marB="0">
+                  <a:tcPr marL="0" marR="0" marT="0" marB="0">
                     <a:lnL w="12700" cap="flat" cmpd="sng" algn="ctr">
                       <a:solidFill>
                         <a:srgbClr val="000000"/>
@@ -13668,6 +12102,2191 @@
           </a:p>
         </p:txBody>
       </p:sp>
+    </p:spTree>
+  </p:cSld>
+  <p:clrMapOvr>
+    <a:masterClrMapping/>
+  </p:clrMapOvr>
+  <p:timing>
+    <p:tnLst>
+      <p:par>
+        <p:cTn id="1" dur="indefinite" restart="never" nodeType="tmRoot"/>
+      </p:par>
+    </p:tnLst>
+  </p:timing>
+</p:sld>
+</file>
+
+<file path=ppt/slides/slide12.xml><?xml version="1.0" encoding="utf-8"?>
+<p:sld xmlns:a="http://schemas.openxmlformats.org/drawingml/2006/main" xmlns:r="http://schemas.openxmlformats.org/officeDocument/2006/relationships" xmlns:p="http://schemas.openxmlformats.org/presentationml/2006/main">
+  <p:cSld>
+    <p:spTree>
+      <p:nvGrpSpPr>
+        <p:cNvPr id="1" name=""/>
+        <p:cNvGrpSpPr/>
+        <p:nvPr/>
+      </p:nvGrpSpPr>
+      <p:grpSpPr>
+        <a:xfrm>
+          <a:off x="0" y="0"/>
+          <a:ext cx="0" cy="0"/>
+          <a:chOff x="0" y="0"/>
+          <a:chExt cx="0" cy="0"/>
+        </a:xfrm>
+      </p:grpSpPr>
+      <p:sp>
+        <p:nvSpPr>
+          <p:cNvPr id="2" name="Title 1"/>
+          <p:cNvSpPr>
+            <a:spLocks noGrp="1"/>
+          </p:cNvSpPr>
+          <p:nvPr>
+            <p:ph type="title"/>
+          </p:nvPr>
+        </p:nvSpPr>
+        <p:spPr/>
+        <p:txBody>
+          <a:bodyPr/>
+          <a:lstStyle/>
+          <a:p>
+            <a:r>
+              <a:rPr lang="en-US" dirty="0" err="1" smtClean="0"/>
+              <a:t>Kendala</a:t>
+            </a:r>
+            <a:endParaRPr lang="en-US" dirty="0"/>
+          </a:p>
+        </p:txBody>
+      </p:sp>
+      <p:pic>
+        <p:nvPicPr>
+          <p:cNvPr id="4" name="Content Placeholder 3"/>
+          <p:cNvPicPr>
+            <a:picLocks noGrp="1"/>
+          </p:cNvPicPr>
+          <p:nvPr>
+            <p:ph idx="1"/>
+          </p:nvPr>
+        </p:nvPicPr>
+        <p:blipFill>
+          <a:blip r:embed="rId2" cstate="print"/>
+          <a:srcRect/>
+          <a:stretch>
+            <a:fillRect/>
+          </a:stretch>
+        </p:blipFill>
+        <p:spPr bwMode="auto">
+          <a:xfrm>
+            <a:off x="371114" y="2011362"/>
+            <a:ext cx="8401772" cy="3703638"/>
+          </a:xfrm>
+          <a:prstGeom prst="rect">
+            <a:avLst/>
+          </a:prstGeom>
+          <a:noFill/>
+          <a:ln w="9525">
+            <a:noFill/>
+            <a:miter lim="800000"/>
+            <a:headEnd/>
+            <a:tailEnd/>
+          </a:ln>
+        </p:spPr>
+      </p:pic>
+    </p:spTree>
+  </p:cSld>
+  <p:clrMapOvr>
+    <a:masterClrMapping/>
+  </p:clrMapOvr>
+  <p:timing>
+    <p:tnLst>
+      <p:par>
+        <p:cTn id="1" dur="indefinite" restart="never" nodeType="tmRoot"/>
+      </p:par>
+    </p:tnLst>
+  </p:timing>
+</p:sld>
+</file>
+
+<file path=ppt/slides/slide13.xml><?xml version="1.0" encoding="utf-8"?>
+<p:sld xmlns:a="http://schemas.openxmlformats.org/drawingml/2006/main" xmlns:r="http://schemas.openxmlformats.org/officeDocument/2006/relationships" xmlns:p="http://schemas.openxmlformats.org/presentationml/2006/main">
+  <p:cSld>
+    <p:spTree>
+      <p:nvGrpSpPr>
+        <p:cNvPr id="1" name=""/>
+        <p:cNvGrpSpPr/>
+        <p:nvPr/>
+      </p:nvGrpSpPr>
+      <p:grpSpPr>
+        <a:xfrm>
+          <a:off x="0" y="0"/>
+          <a:ext cx="0" cy="0"/>
+          <a:chOff x="0" y="0"/>
+          <a:chExt cx="0" cy="0"/>
+        </a:xfrm>
+      </p:grpSpPr>
+      <p:sp>
+        <p:nvSpPr>
+          <p:cNvPr id="2" name="Title 1"/>
+          <p:cNvSpPr>
+            <a:spLocks noGrp="1"/>
+          </p:cNvSpPr>
+          <p:nvPr>
+            <p:ph type="title"/>
+          </p:nvPr>
+        </p:nvSpPr>
+        <p:spPr/>
+        <p:txBody>
+          <a:bodyPr/>
+          <a:lstStyle/>
+          <a:p>
+            <a:r>
+              <a:rPr lang="en-US" dirty="0" err="1" smtClean="0"/>
+              <a:t>Kelebihan</a:t>
+            </a:r>
+            <a:r>
+              <a:rPr lang="en-US" dirty="0" smtClean="0"/>
+              <a:t> </a:t>
+            </a:r>
+            <a:r>
+              <a:rPr lang="en-US" dirty="0" err="1" smtClean="0"/>
+              <a:t>Metode</a:t>
+            </a:r>
+            <a:r>
+              <a:rPr lang="en-US" dirty="0" smtClean="0"/>
+              <a:t> yang </a:t>
+            </a:r>
+            <a:r>
+              <a:rPr lang="en-US" dirty="0" err="1" smtClean="0"/>
+              <a:t>di</a:t>
+            </a:r>
+            <a:r>
+              <a:rPr lang="en-US" dirty="0" smtClean="0"/>
+              <a:t> </a:t>
+            </a:r>
+            <a:r>
+              <a:rPr lang="en-US" dirty="0" err="1" smtClean="0"/>
+              <a:t>ajukan</a:t>
+            </a:r>
+            <a:endParaRPr lang="en-US" dirty="0"/>
+          </a:p>
+        </p:txBody>
+      </p:sp>
+      <p:pic>
+        <p:nvPicPr>
+          <p:cNvPr id="4" name="Content Placeholder 3"/>
+          <p:cNvPicPr>
+            <a:picLocks noGrp="1"/>
+          </p:cNvPicPr>
+          <p:nvPr>
+            <p:ph idx="1"/>
+          </p:nvPr>
+        </p:nvPicPr>
+        <p:blipFill>
+          <a:blip r:embed="rId2" cstate="print"/>
+          <a:srcRect/>
+          <a:stretch>
+            <a:fillRect/>
+          </a:stretch>
+        </p:blipFill>
+        <p:spPr bwMode="auto">
+          <a:xfrm>
+            <a:off x="1676400" y="1447894"/>
+            <a:ext cx="5791200" cy="4830574"/>
+          </a:xfrm>
+          <a:prstGeom prst="rect">
+            <a:avLst/>
+          </a:prstGeom>
+          <a:noFill/>
+          <a:ln w="9525">
+            <a:noFill/>
+            <a:miter lim="800000"/>
+            <a:headEnd/>
+            <a:tailEnd/>
+          </a:ln>
+        </p:spPr>
+      </p:pic>
+    </p:spTree>
+  </p:cSld>
+  <p:clrMapOvr>
+    <a:masterClrMapping/>
+  </p:clrMapOvr>
+  <p:timing>
+    <p:tnLst>
+      <p:par>
+        <p:cTn id="1" dur="indefinite" restart="never" nodeType="tmRoot"/>
+      </p:par>
+    </p:tnLst>
+  </p:timing>
+</p:sld>
+</file>
+
+<file path=ppt/slides/slide14.xml><?xml version="1.0" encoding="utf-8"?>
+<p:sld xmlns:a="http://schemas.openxmlformats.org/drawingml/2006/main" xmlns:r="http://schemas.openxmlformats.org/officeDocument/2006/relationships" xmlns:p="http://schemas.openxmlformats.org/presentationml/2006/main">
+  <p:cSld>
+    <p:spTree>
+      <p:nvGrpSpPr>
+        <p:cNvPr id="1" name=""/>
+        <p:cNvGrpSpPr/>
+        <p:nvPr/>
+      </p:nvGrpSpPr>
+      <p:grpSpPr>
+        <a:xfrm>
+          <a:off x="0" y="0"/>
+          <a:ext cx="0" cy="0"/>
+          <a:chOff x="0" y="0"/>
+          <a:chExt cx="0" cy="0"/>
+        </a:xfrm>
+      </p:grpSpPr>
+      <p:sp>
+        <p:nvSpPr>
+          <p:cNvPr id="4" name="Title 3"/>
+          <p:cNvSpPr>
+            <a:spLocks noGrp="1"/>
+          </p:cNvSpPr>
+          <p:nvPr>
+            <p:ph type="ctrTitle"/>
+          </p:nvPr>
+        </p:nvSpPr>
+        <p:spPr/>
+        <p:txBody>
+          <a:bodyPr/>
+          <a:lstStyle/>
+          <a:p>
+            <a:r>
+              <a:rPr lang="en-US" dirty="0" smtClean="0"/>
+              <a:t>Demo</a:t>
+            </a:r>
+            <a:endParaRPr lang="en-US" dirty="0"/>
+          </a:p>
+        </p:txBody>
+      </p:sp>
+      <p:sp>
+        <p:nvSpPr>
+          <p:cNvPr id="5" name="Subtitle 4"/>
+          <p:cNvSpPr>
+            <a:spLocks noGrp="1"/>
+          </p:cNvSpPr>
+          <p:nvPr>
+            <p:ph type="subTitle" idx="1"/>
+          </p:nvPr>
+        </p:nvSpPr>
+        <p:spPr/>
+        <p:txBody>
+          <a:bodyPr/>
+          <a:lstStyle/>
+          <a:p>
+            <a:endParaRPr lang="en-US"/>
+          </a:p>
+        </p:txBody>
+      </p:sp>
+    </p:spTree>
+  </p:cSld>
+  <p:clrMapOvr>
+    <a:masterClrMapping/>
+  </p:clrMapOvr>
+  <p:timing>
+    <p:tnLst>
+      <p:par>
+        <p:cTn id="1" dur="indefinite" restart="never" nodeType="tmRoot"/>
+      </p:par>
+    </p:tnLst>
+  </p:timing>
+</p:sld>
+</file>
+
+<file path=ppt/slides/slide15.xml><?xml version="1.0" encoding="utf-8"?>
+<p:sld xmlns:a="http://schemas.openxmlformats.org/drawingml/2006/main" xmlns:r="http://schemas.openxmlformats.org/officeDocument/2006/relationships" xmlns:p="http://schemas.openxmlformats.org/presentationml/2006/main">
+  <p:cSld>
+    <p:spTree>
+      <p:nvGrpSpPr>
+        <p:cNvPr id="1" name=""/>
+        <p:cNvGrpSpPr/>
+        <p:nvPr/>
+      </p:nvGrpSpPr>
+      <p:grpSpPr>
+        <a:xfrm>
+          <a:off x="0" y="0"/>
+          <a:ext cx="0" cy="0"/>
+          <a:chOff x="0" y="0"/>
+          <a:chExt cx="0" cy="0"/>
+        </a:xfrm>
+      </p:grpSpPr>
+      <p:sp>
+        <p:nvSpPr>
+          <p:cNvPr id="2" name="Title 1"/>
+          <p:cNvSpPr>
+            <a:spLocks noGrp="1"/>
+          </p:cNvSpPr>
+          <p:nvPr>
+            <p:ph type="title"/>
+          </p:nvPr>
+        </p:nvSpPr>
+        <p:spPr>
+          <a:xfrm>
+            <a:off x="457200" y="-304800"/>
+            <a:ext cx="8229600" cy="1143000"/>
+          </a:xfrm>
+        </p:spPr>
+        <p:txBody>
+          <a:bodyPr/>
+          <a:lstStyle/>
+          <a:p>
+            <a:r>
+              <a:rPr lang="en-US" dirty="0" err="1" smtClean="0"/>
+              <a:t>Referensi</a:t>
+            </a:r>
+            <a:endParaRPr lang="en-US" dirty="0"/>
+          </a:p>
+        </p:txBody>
+      </p:sp>
+      <p:sp>
+        <p:nvSpPr>
+          <p:cNvPr id="3" name="Content Placeholder 2"/>
+          <p:cNvSpPr>
+            <a:spLocks noGrp="1"/>
+          </p:cNvSpPr>
+          <p:nvPr>
+            <p:ph idx="1"/>
+          </p:nvPr>
+        </p:nvSpPr>
+        <p:spPr>
+          <a:xfrm>
+            <a:off x="457200" y="457200"/>
+            <a:ext cx="8229600" cy="4525963"/>
+          </a:xfrm>
+        </p:spPr>
+        <p:txBody>
+          <a:bodyPr>
+            <a:noAutofit/>
+          </a:bodyPr>
+          <a:lstStyle/>
+          <a:p>
+            <a:pPr>
+              <a:buNone/>
+            </a:pPr>
+            <a:r>
+              <a:rPr lang="en-AU" sz="1100" cap="small" dirty="0" err="1" smtClean="0"/>
+              <a:t>referensi</a:t>
+            </a:r>
+            <a:endParaRPr lang="en-US" sz="1100" cap="small" dirty="0" smtClean="0"/>
+          </a:p>
+          <a:p>
+            <a:pPr marL="514350" indent="-514350">
+              <a:buFont typeface="+mj-lt"/>
+              <a:buAutoNum type="arabicPeriod"/>
+            </a:pPr>
+            <a:r>
+              <a:rPr lang="en-US" sz="1100" dirty="0" err="1" smtClean="0"/>
+              <a:t>Anishiya</a:t>
+            </a:r>
+            <a:r>
+              <a:rPr lang="en-US" sz="1100" dirty="0" smtClean="0"/>
+              <a:t>, P. </a:t>
+            </a:r>
+            <a:r>
+              <a:rPr lang="en-US" sz="1100" dirty="0" err="1" smtClean="0"/>
+              <a:t>dan</a:t>
+            </a:r>
+            <a:r>
+              <a:rPr lang="en-US" sz="1100" dirty="0" smtClean="0"/>
+              <a:t> </a:t>
+            </a:r>
+            <a:r>
+              <a:rPr lang="en-US" sz="1100" dirty="0" err="1" smtClean="0"/>
+              <a:t>Joans</a:t>
+            </a:r>
+            <a:r>
+              <a:rPr lang="en-US" sz="1100" dirty="0" smtClean="0"/>
+              <a:t> , Prof. S. Mary. Number Plate Recognition for Indian Cars Using Morphological Dilation and Erosion with the Aid Of </a:t>
+            </a:r>
+            <a:r>
+              <a:rPr lang="en-US" sz="1100" dirty="0" err="1" smtClean="0"/>
+              <a:t>Ocrs</a:t>
+            </a:r>
+            <a:r>
+              <a:rPr lang="en-US" sz="1100" dirty="0" smtClean="0"/>
+              <a:t>. Chennai, India: </a:t>
+            </a:r>
+            <a:r>
+              <a:rPr lang="en-US" sz="1100" dirty="0" err="1" smtClean="0"/>
+              <a:t>Velammal</a:t>
+            </a:r>
+            <a:r>
+              <a:rPr lang="en-US" sz="1100" dirty="0" smtClean="0"/>
+              <a:t> Engineering College. 2011</a:t>
+            </a:r>
+          </a:p>
+          <a:p>
+            <a:pPr marL="514350" indent="-514350">
+              <a:buFont typeface="+mj-lt"/>
+              <a:buAutoNum type="arabicPeriod"/>
+            </a:pPr>
+            <a:r>
+              <a:rPr lang="en-US" sz="1100" dirty="0" err="1" smtClean="0"/>
+              <a:t>Sajjad</a:t>
+            </a:r>
+            <a:r>
+              <a:rPr lang="en-US" sz="1100" dirty="0" smtClean="0"/>
+              <a:t>, K.M. Automatic License Plate Recognition using Python and </a:t>
+            </a:r>
+            <a:r>
+              <a:rPr lang="en-US" sz="1100" dirty="0" err="1" smtClean="0"/>
+              <a:t>OpenCV</a:t>
+            </a:r>
+            <a:r>
+              <a:rPr lang="en-US" sz="1100" dirty="0" smtClean="0"/>
+              <a:t>. M.E.S. College of Engineering, </a:t>
+            </a:r>
+            <a:r>
+              <a:rPr lang="en-US" sz="1100" dirty="0" err="1" smtClean="0"/>
+              <a:t>Kuttippuram</a:t>
+            </a:r>
+            <a:r>
+              <a:rPr lang="en-US" sz="1100" dirty="0" smtClean="0"/>
+              <a:t>, Kerala</a:t>
+            </a:r>
+          </a:p>
+          <a:p>
+            <a:pPr marL="514350" indent="-514350">
+              <a:buFont typeface="+mj-lt"/>
+              <a:buAutoNum type="arabicPeriod"/>
+            </a:pPr>
+            <a:r>
+              <a:rPr lang="en-US" sz="1100" dirty="0" err="1" smtClean="0"/>
+              <a:t>Suri</a:t>
+            </a:r>
+            <a:r>
+              <a:rPr lang="en-US" sz="1100" dirty="0" smtClean="0"/>
+              <a:t>, Dr. P.K., </a:t>
+            </a:r>
+            <a:r>
+              <a:rPr lang="en-US" sz="1100" dirty="0" err="1" smtClean="0"/>
+              <a:t>Walia</a:t>
+            </a:r>
+            <a:r>
+              <a:rPr lang="en-US" sz="1100" dirty="0" smtClean="0"/>
+              <a:t>, Dr. </a:t>
+            </a:r>
+            <a:r>
+              <a:rPr lang="en-US" sz="1100" dirty="0" err="1" smtClean="0"/>
+              <a:t>Ekta</a:t>
+            </a:r>
+            <a:r>
+              <a:rPr lang="en-US" sz="1100" dirty="0" smtClean="0"/>
+              <a:t> </a:t>
+            </a:r>
+            <a:r>
+              <a:rPr lang="en-US" sz="1100" dirty="0" err="1" smtClean="0"/>
+              <a:t>dan</a:t>
+            </a:r>
+            <a:r>
+              <a:rPr lang="en-US" sz="1100" dirty="0" smtClean="0"/>
+              <a:t> </a:t>
+            </a:r>
+            <a:r>
+              <a:rPr lang="en-US" sz="1100" dirty="0" err="1" smtClean="0"/>
+              <a:t>Verma</a:t>
+            </a:r>
+            <a:r>
+              <a:rPr lang="en-US" sz="1100" dirty="0" smtClean="0"/>
+              <a:t>, </a:t>
+            </a:r>
+            <a:r>
+              <a:rPr lang="en-US" sz="1100" dirty="0" err="1" smtClean="0"/>
+              <a:t>Er</a:t>
+            </a:r>
+            <a:r>
+              <a:rPr lang="en-US" sz="1100" dirty="0" smtClean="0"/>
+              <a:t>. </a:t>
+            </a:r>
+            <a:r>
+              <a:rPr lang="en-US" sz="1100" dirty="0" err="1" smtClean="0"/>
+              <a:t>Amit</a:t>
+            </a:r>
+            <a:r>
+              <a:rPr lang="en-US" sz="1100" dirty="0" smtClean="0"/>
+              <a:t>. Vehicle Number Plate Detection using </a:t>
+            </a:r>
+            <a:r>
+              <a:rPr lang="en-US" sz="1100" dirty="0" err="1" smtClean="0"/>
+              <a:t>Sobel</a:t>
+            </a:r>
+            <a:r>
+              <a:rPr lang="en-US" sz="1100" dirty="0" smtClean="0"/>
+              <a:t> Edge Detection Technique. India. 2010</a:t>
+            </a:r>
+          </a:p>
+          <a:p>
+            <a:pPr marL="514350" indent="-514350">
+              <a:buFont typeface="+mj-lt"/>
+              <a:buAutoNum type="arabicPeriod"/>
+            </a:pPr>
+            <a:r>
+              <a:rPr lang="en-US" sz="1100" dirty="0" err="1" smtClean="0"/>
+              <a:t>Wanniarachchi</a:t>
+            </a:r>
+            <a:r>
+              <a:rPr lang="en-US" sz="1100" dirty="0" smtClean="0"/>
+              <a:t>, W. K. I. L, </a:t>
+            </a:r>
+            <a:r>
+              <a:rPr lang="en-US" sz="1100" dirty="0" err="1" smtClean="0"/>
+              <a:t>Sonnadara</a:t>
+            </a:r>
+            <a:r>
+              <a:rPr lang="en-US" sz="1100" dirty="0" smtClean="0"/>
+              <a:t>, D. U. J.  </a:t>
+            </a:r>
+            <a:r>
+              <a:rPr lang="en-US" sz="1100" dirty="0" err="1" smtClean="0"/>
+              <a:t>dan</a:t>
+            </a:r>
+            <a:r>
+              <a:rPr lang="en-US" sz="1100" dirty="0" smtClean="0"/>
+              <a:t> </a:t>
+            </a:r>
+            <a:r>
+              <a:rPr lang="en-US" sz="1100" dirty="0" err="1" smtClean="0"/>
+              <a:t>Jayananda</a:t>
+            </a:r>
+            <a:r>
+              <a:rPr lang="en-US" sz="1100" dirty="0" smtClean="0"/>
+              <a:t>, M. K. Detection of License Plates of Vehicles. Sri Lanka. 2007</a:t>
+            </a:r>
+          </a:p>
+          <a:p>
+            <a:pPr marL="514350" indent="-514350">
+              <a:buFont typeface="+mj-lt"/>
+              <a:buAutoNum type="arabicPeriod"/>
+            </a:pPr>
+            <a:r>
+              <a:rPr lang="en-US" sz="1100" dirty="0" err="1" smtClean="0"/>
+              <a:t>Jia</a:t>
+            </a:r>
+            <a:r>
+              <a:rPr lang="en-US" sz="1100" dirty="0" smtClean="0"/>
+              <a:t>, </a:t>
+            </a:r>
+            <a:r>
+              <a:rPr lang="en-US" sz="1100" dirty="0" err="1" smtClean="0"/>
+              <a:t>Wenjing</a:t>
+            </a:r>
+            <a:r>
+              <a:rPr lang="en-US" sz="1100" dirty="0" smtClean="0"/>
+              <a:t>, Zhang, </a:t>
+            </a:r>
+            <a:r>
+              <a:rPr lang="en-US" sz="1100" dirty="0" err="1" smtClean="0"/>
+              <a:t>Huaifeng</a:t>
+            </a:r>
+            <a:r>
+              <a:rPr lang="en-US" sz="1100" dirty="0" smtClean="0"/>
+              <a:t> </a:t>
+            </a:r>
+            <a:r>
+              <a:rPr lang="en-US" sz="1100" dirty="0" err="1" smtClean="0"/>
+              <a:t>dan</a:t>
+            </a:r>
+            <a:r>
+              <a:rPr lang="en-US" sz="1100" dirty="0" smtClean="0"/>
+              <a:t> He, </a:t>
+            </a:r>
+            <a:r>
+              <a:rPr lang="en-US" sz="1100" dirty="0" err="1" smtClean="0"/>
+              <a:t>Xiangjian</a:t>
+            </a:r>
+            <a:r>
+              <a:rPr lang="en-US" sz="1100" dirty="0" smtClean="0"/>
+              <a:t> . Mean Shift for Accurate Number Plate Detection. Faculty of Information Technology University of Technology, </a:t>
+            </a:r>
+            <a:r>
+              <a:rPr lang="en-US" sz="1100" dirty="0" err="1" smtClean="0"/>
+              <a:t>SydneyAnishiya</a:t>
+            </a:r>
+            <a:r>
+              <a:rPr lang="en-US" sz="1100" dirty="0" smtClean="0"/>
+              <a:t>, P. </a:t>
+            </a:r>
+            <a:r>
+              <a:rPr lang="en-US" sz="1100" dirty="0" err="1" smtClean="0"/>
+              <a:t>dan</a:t>
+            </a:r>
+            <a:r>
+              <a:rPr lang="en-US" sz="1100" dirty="0" smtClean="0"/>
+              <a:t> </a:t>
+            </a:r>
+            <a:r>
+              <a:rPr lang="en-US" sz="1100" dirty="0" err="1" smtClean="0"/>
+              <a:t>Joans</a:t>
+            </a:r>
+            <a:r>
+              <a:rPr lang="en-US" sz="1100" dirty="0" smtClean="0"/>
+              <a:t> , Prof. S. Mary. </a:t>
+            </a:r>
+            <a:r>
+              <a:rPr lang="en-US" sz="1100" i="1" dirty="0" smtClean="0"/>
+              <a:t>Number Plate Recognition for Indian Cars Using Morphological Dilation and Erosion with the Aid Of </a:t>
+            </a:r>
+            <a:r>
+              <a:rPr lang="en-US" sz="1100" i="1" dirty="0" err="1" smtClean="0"/>
+              <a:t>Ocrs</a:t>
+            </a:r>
+            <a:r>
+              <a:rPr lang="en-US" sz="1100" dirty="0" smtClean="0"/>
+              <a:t>. Chennai, India: </a:t>
+            </a:r>
+            <a:r>
+              <a:rPr lang="en-US" sz="1100" dirty="0" err="1" smtClean="0"/>
+              <a:t>Velammal</a:t>
+            </a:r>
+            <a:r>
+              <a:rPr lang="en-US" sz="1100" dirty="0" smtClean="0"/>
+              <a:t> Engineering College. 2011</a:t>
+            </a:r>
+          </a:p>
+          <a:p>
+            <a:pPr marL="514350" indent="-514350">
+              <a:buFont typeface="+mj-lt"/>
+              <a:buAutoNum type="arabicPeriod"/>
+            </a:pPr>
+            <a:r>
+              <a:rPr lang="en-US" sz="1100" dirty="0" smtClean="0"/>
+              <a:t>____. </a:t>
+            </a:r>
+            <a:r>
+              <a:rPr lang="en-US" sz="1100" i="1" dirty="0" smtClean="0"/>
+              <a:t>KONFIGURASI LENGKAPSISTEM PEMBACAAN METER ENERGI TERKENDALI JARAK JAUH(</a:t>
+            </a:r>
+            <a:r>
+              <a:rPr lang="en-US" sz="1100" i="1" dirty="0" err="1" smtClean="0"/>
+              <a:t>Sistem</a:t>
+            </a:r>
+            <a:r>
+              <a:rPr lang="en-US" sz="1100" i="1" dirty="0" smtClean="0"/>
+              <a:t> AMR </a:t>
+            </a:r>
+            <a:r>
+              <a:rPr lang="en-US" sz="1100" i="1" dirty="0" err="1" smtClean="0"/>
+              <a:t>dan</a:t>
+            </a:r>
+            <a:r>
+              <a:rPr lang="en-US" sz="1100" i="1" dirty="0" smtClean="0"/>
+              <a:t> APP)</a:t>
+            </a:r>
+            <a:r>
+              <a:rPr lang="en-US" sz="1100" dirty="0" smtClean="0"/>
+              <a:t>. http://www.scribd.com/doc/51699433/SISTEM-PEMBACAAN-METER-ENERGI-TERKENDALI-JARAK-JAUH. (23 Mei 2012)</a:t>
+            </a:r>
+          </a:p>
+          <a:p>
+            <a:pPr marL="514350" indent="-514350">
+              <a:buFont typeface="+mj-lt"/>
+              <a:buAutoNum type="arabicPeriod"/>
+            </a:pPr>
+            <a:r>
+              <a:rPr lang="en-US" sz="1100" dirty="0" err="1" smtClean="0"/>
+              <a:t>Ondrej</a:t>
+            </a:r>
+            <a:r>
+              <a:rPr lang="en-US" sz="1100" dirty="0" smtClean="0"/>
+              <a:t> </a:t>
+            </a:r>
+            <a:r>
+              <a:rPr lang="en-US" sz="1100" dirty="0" err="1" smtClean="0"/>
+              <a:t>Martinsky</a:t>
+            </a:r>
+            <a:r>
+              <a:rPr lang="en-US" sz="1100" dirty="0" smtClean="0"/>
+              <a:t>. </a:t>
+            </a:r>
+            <a:r>
+              <a:rPr lang="en-US" sz="1100" i="1" dirty="0" smtClean="0"/>
+              <a:t>Algorithmic and Mathematical Principles of Automatic Number Plate Recognition Systems</a:t>
+            </a:r>
+            <a:r>
+              <a:rPr lang="en-US" sz="1100" dirty="0" smtClean="0"/>
+              <a:t>. 2007 </a:t>
+            </a:r>
+          </a:p>
+          <a:p>
+            <a:pPr marL="514350" indent="-514350">
+              <a:buFont typeface="+mj-lt"/>
+              <a:buAutoNum type="arabicPeriod"/>
+            </a:pPr>
+            <a:r>
+              <a:rPr lang="en-US" sz="1100" dirty="0" smtClean="0"/>
+              <a:t>___. </a:t>
+            </a:r>
+            <a:r>
+              <a:rPr lang="en-US" sz="1100" dirty="0" err="1" smtClean="0"/>
+              <a:t>Emgu</a:t>
+            </a:r>
+            <a:r>
+              <a:rPr lang="en-US" sz="1100" dirty="0" smtClean="0"/>
+              <a:t> CV. http://www.emgu.com/wiki/index.php/Main_Page  (15 </a:t>
+            </a:r>
+            <a:r>
+              <a:rPr lang="en-US" sz="1100" dirty="0" err="1" smtClean="0"/>
+              <a:t>Juni</a:t>
+            </a:r>
+            <a:r>
+              <a:rPr lang="en-US" sz="1100" dirty="0" smtClean="0"/>
+              <a:t> 2012)</a:t>
+            </a:r>
+          </a:p>
+          <a:p>
+            <a:pPr marL="514350" indent="-514350">
+              <a:buFont typeface="+mj-lt"/>
+              <a:buAutoNum type="arabicPeriod"/>
+            </a:pPr>
+            <a:r>
+              <a:rPr lang="en-US" sz="1100" dirty="0" err="1" smtClean="0"/>
+              <a:t>Azis</a:t>
+            </a:r>
+            <a:r>
+              <a:rPr lang="en-US" sz="1100" dirty="0" smtClean="0"/>
+              <a:t>, </a:t>
+            </a:r>
+            <a:r>
+              <a:rPr lang="en-US" sz="1100" dirty="0" err="1" smtClean="0"/>
+              <a:t>Nur</a:t>
+            </a:r>
+            <a:r>
+              <a:rPr lang="en-US" sz="1100" dirty="0" smtClean="0"/>
+              <a:t> Aziza. Canny Edge Detection. http://kacapembesar.wordpress.com/2009/12/05/canny-edge-detection/ (15 </a:t>
+            </a:r>
+            <a:r>
+              <a:rPr lang="en-US" sz="1100" dirty="0" err="1" smtClean="0"/>
+              <a:t>Juni</a:t>
+            </a:r>
+            <a:r>
+              <a:rPr lang="en-US" sz="1100" dirty="0" smtClean="0"/>
+              <a:t> 2012)</a:t>
+            </a:r>
+          </a:p>
+          <a:p>
+            <a:pPr marL="514350" indent="-514350">
+              <a:buFont typeface="+mj-lt"/>
+              <a:buAutoNum type="arabicPeriod"/>
+            </a:pPr>
+            <a:r>
+              <a:rPr lang="en-US" sz="1100" dirty="0" smtClean="0"/>
+              <a:t>Wikipedia. Canny edge detector. http://en.wikipedia.org/wiki/</a:t>
+            </a:r>
+          </a:p>
+          <a:p>
+            <a:pPr marL="514350" indent="-514350">
+              <a:buFont typeface="+mj-lt"/>
+              <a:buAutoNum type="arabicPeriod"/>
+            </a:pPr>
+            <a:r>
+              <a:rPr lang="en-US" sz="1100" dirty="0" err="1" smtClean="0"/>
+              <a:t>Canny_edge_detector</a:t>
+            </a:r>
+            <a:r>
+              <a:rPr lang="en-US" sz="1100" dirty="0" smtClean="0"/>
+              <a:t>  (15 </a:t>
+            </a:r>
+            <a:r>
+              <a:rPr lang="en-US" sz="1100" dirty="0" err="1" smtClean="0"/>
+              <a:t>Juni</a:t>
+            </a:r>
+            <a:r>
+              <a:rPr lang="en-US" sz="1100" dirty="0" smtClean="0"/>
+              <a:t> 2012)</a:t>
+            </a:r>
+          </a:p>
+          <a:p>
+            <a:pPr marL="514350" indent="-514350">
+              <a:buFont typeface="+mj-lt"/>
+              <a:buAutoNum type="arabicPeriod"/>
+            </a:pPr>
+            <a:r>
+              <a:rPr lang="en-US" sz="1100" dirty="0" err="1" smtClean="0"/>
+              <a:t>Peleltier</a:t>
+            </a:r>
+            <a:r>
+              <a:rPr lang="en-US" sz="1100" dirty="0" smtClean="0"/>
+              <a:t>, Jean Marc. A Simple </a:t>
+            </a:r>
+            <a:r>
+              <a:rPr lang="en-US" sz="1100" dirty="0" err="1" smtClean="0"/>
+              <a:t>OpenCV</a:t>
+            </a:r>
+            <a:r>
+              <a:rPr lang="en-US" sz="1100" dirty="0" smtClean="0"/>
+              <a:t> Tutorial. http://jmpelletier.com/a-simple-opencv-tutorial/. (16 </a:t>
+            </a:r>
+            <a:r>
+              <a:rPr lang="en-US" sz="1100" dirty="0" err="1" smtClean="0"/>
+              <a:t>Juni</a:t>
+            </a:r>
+            <a:r>
+              <a:rPr lang="en-US" sz="1100" dirty="0" smtClean="0"/>
+              <a:t> 2012)</a:t>
+            </a:r>
+          </a:p>
+          <a:p>
+            <a:pPr marL="514350" indent="-514350">
+              <a:buFont typeface="+mj-lt"/>
+              <a:buAutoNum type="arabicPeriod"/>
+            </a:pPr>
+            <a:r>
+              <a:rPr lang="en-US" sz="1100" dirty="0" err="1" smtClean="0"/>
+              <a:t>Maini</a:t>
+            </a:r>
+            <a:r>
+              <a:rPr lang="en-US" sz="1100" dirty="0" smtClean="0"/>
+              <a:t>, Raman and  </a:t>
+            </a:r>
+            <a:r>
+              <a:rPr lang="en-US" sz="1100" dirty="0" err="1" smtClean="0"/>
+              <a:t>Aggarwa</a:t>
+            </a:r>
+            <a:r>
+              <a:rPr lang="en-US" sz="1100" dirty="0" smtClean="0"/>
+              <a:t>, Dr. </a:t>
+            </a:r>
+            <a:r>
+              <a:rPr lang="en-US" sz="1100" dirty="0" err="1" smtClean="0"/>
+              <a:t>Himanshu</a:t>
+            </a:r>
+            <a:r>
+              <a:rPr lang="en-US" sz="1100" dirty="0" smtClean="0"/>
+              <a:t>. Study and Comparison of Various Image Edge Detection Techniques. Punjab, India: Punjabi University</a:t>
+            </a:r>
+          </a:p>
+          <a:p>
+            <a:pPr marL="514350" indent="-514350">
+              <a:buFont typeface="+mj-lt"/>
+              <a:buAutoNum type="arabicPeriod"/>
+            </a:pPr>
+            <a:r>
+              <a:rPr lang="en-US" sz="1100" dirty="0" err="1" smtClean="0"/>
+              <a:t>Stackoverflow</a:t>
+            </a:r>
+            <a:r>
+              <a:rPr lang="en-US" sz="1100" dirty="0" smtClean="0"/>
+              <a:t>. image processing to improve </a:t>
+            </a:r>
+            <a:r>
+              <a:rPr lang="en-US" sz="1100" dirty="0" err="1" smtClean="0"/>
+              <a:t>tesseract</a:t>
+            </a:r>
+            <a:r>
+              <a:rPr lang="en-US" sz="1100" dirty="0" smtClean="0"/>
+              <a:t> OCR accuracy. http://stackoverflow.com/questions/9480013/image-processing-to-improve-tesseract-ocr-accuracy (17 </a:t>
+            </a:r>
+            <a:r>
+              <a:rPr lang="en-US" sz="1100" dirty="0" err="1" smtClean="0"/>
+              <a:t>Juni</a:t>
+            </a:r>
+            <a:r>
+              <a:rPr lang="en-US" sz="1100" dirty="0" smtClean="0"/>
+              <a:t> 2012)</a:t>
+            </a:r>
+          </a:p>
+          <a:p>
+            <a:pPr marL="514350" indent="-514350">
+              <a:buFont typeface="+mj-lt"/>
+              <a:buAutoNum type="arabicPeriod"/>
+            </a:pPr>
+            <a:r>
+              <a:rPr lang="en-US" sz="1100" dirty="0" err="1" smtClean="0"/>
+              <a:t>Herdiyeni</a:t>
+            </a:r>
+            <a:r>
+              <a:rPr lang="en-US" sz="1100" dirty="0" smtClean="0"/>
+              <a:t>, </a:t>
+            </a:r>
+            <a:r>
+              <a:rPr lang="en-US" sz="1100" dirty="0" err="1" smtClean="0"/>
+              <a:t>Yeni</a:t>
+            </a:r>
+            <a:r>
+              <a:rPr lang="en-US" sz="1100" dirty="0" smtClean="0"/>
+              <a:t>. </a:t>
+            </a:r>
+            <a:r>
+              <a:rPr lang="en-US" sz="1100" dirty="0" err="1" smtClean="0"/>
+              <a:t>Deteksi</a:t>
+            </a:r>
+            <a:r>
+              <a:rPr lang="en-US" sz="1100" dirty="0" smtClean="0"/>
+              <a:t> </a:t>
+            </a:r>
+            <a:r>
+              <a:rPr lang="en-US" sz="1100" dirty="0" err="1" smtClean="0"/>
+              <a:t>Tepi</a:t>
+            </a:r>
+            <a:r>
+              <a:rPr lang="en-US" sz="1100" dirty="0" smtClean="0"/>
+              <a:t> Canny. Bogor, Indonesia: </a:t>
+            </a:r>
+            <a:r>
+              <a:rPr lang="en-US" sz="1100" dirty="0" err="1" smtClean="0"/>
+              <a:t>Departemen</a:t>
+            </a:r>
+            <a:r>
+              <a:rPr lang="en-US" sz="1100" dirty="0" smtClean="0"/>
+              <a:t> </a:t>
+            </a:r>
+            <a:r>
+              <a:rPr lang="en-US" sz="1100" dirty="0" err="1" smtClean="0"/>
+              <a:t>Ilmu</a:t>
+            </a:r>
+            <a:r>
+              <a:rPr lang="en-US" sz="1100" dirty="0" smtClean="0"/>
+              <a:t> </a:t>
+            </a:r>
+            <a:r>
+              <a:rPr lang="en-US" sz="1100" dirty="0" err="1" smtClean="0"/>
+              <a:t>Komputer</a:t>
+            </a:r>
+            <a:r>
+              <a:rPr lang="en-US" sz="1100" dirty="0" smtClean="0"/>
+              <a:t> </a:t>
+            </a:r>
+            <a:r>
+              <a:rPr lang="en-US" sz="1100" dirty="0" err="1" smtClean="0"/>
+              <a:t>IPB.http</a:t>
+            </a:r>
+            <a:r>
+              <a:rPr lang="en-US" sz="1100" dirty="0" smtClean="0"/>
+              <a:t>://</a:t>
+            </a:r>
+            <a:r>
+              <a:rPr lang="en-US" sz="1100" dirty="0" err="1" smtClean="0"/>
+              <a:t>www.cs.ipb.ac.id</a:t>
+            </a:r>
+            <a:r>
+              <a:rPr lang="en-US" sz="1100" dirty="0" smtClean="0"/>
+              <a:t>/~</a:t>
+            </a:r>
+            <a:r>
+              <a:rPr lang="en-US" sz="1100" dirty="0" err="1" smtClean="0"/>
+              <a:t>yeni</a:t>
+            </a:r>
+            <a:r>
+              <a:rPr lang="en-US" sz="1100" dirty="0" smtClean="0"/>
+              <a:t>/files/</a:t>
+            </a:r>
+            <a:r>
+              <a:rPr lang="en-US" sz="1100" dirty="0" err="1" smtClean="0"/>
+              <a:t>ppcd</a:t>
+            </a:r>
+            <a:r>
+              <a:rPr lang="en-US" sz="1100" dirty="0" smtClean="0"/>
+              <a:t>/</a:t>
+            </a:r>
+            <a:r>
+              <a:rPr lang="en-US" sz="1100" dirty="0" err="1" smtClean="0"/>
+              <a:t>Kuliah</a:t>
+            </a:r>
+            <a:r>
+              <a:rPr lang="en-US" sz="1100" dirty="0" smtClean="0"/>
+              <a:t>%</a:t>
+            </a:r>
+          </a:p>
+          <a:p>
+            <a:pPr marL="514350" indent="-514350">
+              <a:buFont typeface="+mj-lt"/>
+              <a:buAutoNum type="arabicPeriod"/>
+            </a:pPr>
+            <a:r>
+              <a:rPr lang="en-US" sz="1100" dirty="0" smtClean="0"/>
+              <a:t>2010%20Deteksi%20Tepi%20Canny%20edit%20print.pdf (17 </a:t>
+            </a:r>
+            <a:r>
+              <a:rPr lang="en-US" sz="1100" dirty="0" err="1" smtClean="0"/>
+              <a:t>Juni</a:t>
+            </a:r>
+            <a:r>
+              <a:rPr lang="en-US" sz="1100" dirty="0" smtClean="0"/>
+              <a:t> 2012)</a:t>
+            </a:r>
+          </a:p>
+          <a:p>
+            <a:pPr marL="514350" indent="-514350">
+              <a:buFont typeface="+mj-lt"/>
+              <a:buAutoNum type="arabicPeriod"/>
+            </a:pPr>
+            <a:r>
+              <a:rPr lang="en-US" sz="1100" dirty="0" smtClean="0"/>
+              <a:t>Wikipedia. </a:t>
+            </a:r>
+            <a:r>
+              <a:rPr lang="en-US" sz="1100" dirty="0" err="1" smtClean="0"/>
+              <a:t>Thresholding</a:t>
+            </a:r>
+            <a:r>
+              <a:rPr lang="en-US" sz="1100" dirty="0" smtClean="0"/>
+              <a:t> (image processing). http://en.wikipedia.org/</a:t>
+            </a:r>
+          </a:p>
+          <a:p>
+            <a:pPr marL="514350" indent="-514350">
+              <a:buFont typeface="+mj-lt"/>
+              <a:buAutoNum type="arabicPeriod"/>
+            </a:pPr>
+            <a:r>
+              <a:rPr lang="en-US" sz="1100" dirty="0" smtClean="0"/>
+              <a:t>wiki/</a:t>
+            </a:r>
+            <a:r>
+              <a:rPr lang="en-US" sz="1100" dirty="0" err="1" smtClean="0"/>
+              <a:t>Thresholding</a:t>
+            </a:r>
+            <a:r>
+              <a:rPr lang="en-US" sz="1100" dirty="0" smtClean="0"/>
+              <a:t>_(</a:t>
+            </a:r>
+            <a:r>
+              <a:rPr lang="en-US" sz="1100" dirty="0" err="1" smtClean="0"/>
+              <a:t>image_processing</a:t>
+            </a:r>
+            <a:r>
+              <a:rPr lang="en-US" sz="1100" dirty="0" smtClean="0"/>
+              <a:t>) (17 </a:t>
+            </a:r>
+            <a:r>
+              <a:rPr lang="en-US" sz="1100" dirty="0" err="1" smtClean="0"/>
+              <a:t>Juni</a:t>
+            </a:r>
+            <a:r>
+              <a:rPr lang="en-US" sz="1100" dirty="0" smtClean="0"/>
+              <a:t> 2012)</a:t>
+            </a:r>
+          </a:p>
+          <a:p>
+            <a:pPr marL="514350" indent="-514350">
+              <a:buFont typeface="+mj-lt"/>
+              <a:buAutoNum type="arabicPeriod"/>
+            </a:pPr>
+            <a:r>
+              <a:rPr lang="en-US" sz="1100" dirty="0" smtClean="0"/>
+              <a:t>Wikipedia. Opening (morphology). http://en.wikipedia.org/wiki/</a:t>
+            </a:r>
+          </a:p>
+          <a:p>
+            <a:pPr marL="514350" indent="-514350">
+              <a:buFont typeface="+mj-lt"/>
+              <a:buAutoNum type="arabicPeriod"/>
+            </a:pPr>
+            <a:r>
+              <a:rPr lang="en-US" sz="1100" dirty="0" smtClean="0"/>
+              <a:t>Opening_(morphology) (17 </a:t>
+            </a:r>
+            <a:r>
+              <a:rPr lang="en-US" sz="1100" dirty="0" err="1" smtClean="0"/>
+              <a:t>Juni</a:t>
+            </a:r>
+            <a:r>
+              <a:rPr lang="en-US" sz="1100" dirty="0" smtClean="0"/>
+              <a:t> 2012)</a:t>
+            </a:r>
+          </a:p>
+          <a:p>
+            <a:pPr marL="514350" indent="-514350">
+              <a:buFont typeface="+mj-lt"/>
+              <a:buAutoNum type="arabicPeriod"/>
+            </a:pPr>
+            <a:r>
+              <a:rPr lang="en-US" sz="1100" dirty="0" err="1" smtClean="0"/>
+              <a:t>Bedwyr</a:t>
+            </a:r>
+            <a:r>
+              <a:rPr lang="en-US" sz="1100" dirty="0" smtClean="0"/>
+              <a:t>, </a:t>
+            </a:r>
+            <a:r>
+              <a:rPr lang="en-US" sz="1100" dirty="0" err="1" smtClean="0"/>
+              <a:t>Canolfan</a:t>
+            </a:r>
+            <a:r>
+              <a:rPr lang="en-US" sz="1100" dirty="0" smtClean="0"/>
+              <a:t>. Document 5: An overview of the </a:t>
+            </a:r>
+            <a:r>
+              <a:rPr lang="en-US" sz="1100" dirty="0" err="1" smtClean="0"/>
+              <a:t>Tesseract</a:t>
+            </a:r>
+            <a:r>
+              <a:rPr lang="en-US" sz="1100" dirty="0" smtClean="0"/>
+              <a:t> OCR (optical character recognition) engine, and its possible enhancement for use in Wales in a pre-competitive research stage. Language Technologies Unit, Bangor University. 2008</a:t>
+            </a:r>
+          </a:p>
+          <a:p>
+            <a:pPr marL="514350" indent="-514350">
+              <a:buFont typeface="+mj-lt"/>
+              <a:buAutoNum type="arabicPeriod"/>
+            </a:pPr>
+            <a:r>
+              <a:rPr lang="en-US" sz="1100" dirty="0" smtClean="0"/>
+              <a:t>______. Hacking </a:t>
+            </a:r>
+            <a:r>
+              <a:rPr lang="en-US" sz="1100" dirty="0" err="1" smtClean="0"/>
+              <a:t>Tesseract</a:t>
+            </a:r>
+            <a:r>
+              <a:rPr lang="en-US" sz="1100" dirty="0" smtClean="0"/>
+              <a:t> V0.04. http://tesseract-ocr.repairfaq.org/main.html. 2006 (17 </a:t>
+            </a:r>
+            <a:r>
+              <a:rPr lang="en-US" sz="1100" dirty="0" err="1" smtClean="0"/>
+              <a:t>Juni</a:t>
+            </a:r>
+            <a:r>
+              <a:rPr lang="en-US" sz="1100" dirty="0" smtClean="0"/>
+              <a:t> 2012)</a:t>
+            </a:r>
+          </a:p>
+          <a:p>
+            <a:endParaRPr lang="en-US" sz="1100" dirty="0"/>
+          </a:p>
+        </p:txBody>
+      </p:sp>
+    </p:spTree>
+  </p:cSld>
+  <p:clrMapOvr>
+    <a:masterClrMapping/>
+  </p:clrMapOvr>
+  <p:timing>
+    <p:tnLst>
+      <p:par>
+        <p:cTn id="1" dur="indefinite" restart="never" nodeType="tmRoot"/>
+      </p:par>
+    </p:tnLst>
+  </p:timing>
+</p:sld>
+</file>
+
+<file path=ppt/slides/slide2.xml><?xml version="1.0" encoding="utf-8"?>
+<p:sld xmlns:a="http://schemas.openxmlformats.org/drawingml/2006/main" xmlns:r="http://schemas.openxmlformats.org/officeDocument/2006/relationships" xmlns:p="http://schemas.openxmlformats.org/presentationml/2006/main">
+  <p:cSld>
+    <p:spTree>
+      <p:nvGrpSpPr>
+        <p:cNvPr id="1" name=""/>
+        <p:cNvGrpSpPr/>
+        <p:nvPr/>
+      </p:nvGrpSpPr>
+      <p:grpSpPr>
+        <a:xfrm>
+          <a:off x="0" y="0"/>
+          <a:ext cx="0" cy="0"/>
+          <a:chOff x="0" y="0"/>
+          <a:chExt cx="0" cy="0"/>
+        </a:xfrm>
+      </p:grpSpPr>
+      <p:sp>
+        <p:nvSpPr>
+          <p:cNvPr id="2" name="Title 1"/>
+          <p:cNvSpPr>
+            <a:spLocks noGrp="1"/>
+          </p:cNvSpPr>
+          <p:nvPr>
+            <p:ph type="title"/>
+          </p:nvPr>
+        </p:nvSpPr>
+        <p:spPr/>
+        <p:txBody>
+          <a:bodyPr/>
+          <a:lstStyle/>
+          <a:p>
+            <a:r>
+              <a:rPr lang="en-US" dirty="0" err="1" smtClean="0"/>
+              <a:t>Pendahuluan</a:t>
+            </a:r>
+            <a:endParaRPr lang="en-US" dirty="0"/>
+          </a:p>
+        </p:txBody>
+      </p:sp>
+      <p:sp>
+        <p:nvSpPr>
+          <p:cNvPr id="3" name="Content Placeholder 2"/>
+          <p:cNvSpPr>
+            <a:spLocks noGrp="1"/>
+          </p:cNvSpPr>
+          <p:nvPr>
+            <p:ph idx="1"/>
+          </p:nvPr>
+        </p:nvSpPr>
+        <p:spPr/>
+        <p:txBody>
+          <a:bodyPr/>
+          <a:lstStyle/>
+          <a:p>
+            <a:r>
+              <a:rPr lang="en-US" dirty="0" err="1" smtClean="0"/>
+              <a:t>Pembacaan</a:t>
+            </a:r>
+            <a:r>
+              <a:rPr lang="en-US" dirty="0" smtClean="0"/>
+              <a:t> </a:t>
+            </a:r>
+            <a:r>
+              <a:rPr lang="en-US" dirty="0" err="1" smtClean="0"/>
+              <a:t>meteran</a:t>
+            </a:r>
+            <a:r>
+              <a:rPr lang="en-US" dirty="0" smtClean="0"/>
+              <a:t> yang </a:t>
+            </a:r>
+            <a:r>
+              <a:rPr lang="en-US" dirty="0" err="1" smtClean="0"/>
+              <a:t>tidak</a:t>
+            </a:r>
+            <a:r>
+              <a:rPr lang="en-US" dirty="0" smtClean="0"/>
+              <a:t> </a:t>
+            </a:r>
+            <a:r>
+              <a:rPr lang="en-US" dirty="0" err="1" smtClean="0"/>
+              <a:t>akurat</a:t>
+            </a:r>
+            <a:endParaRPr lang="en-US" dirty="0" smtClean="0"/>
+          </a:p>
+          <a:p>
+            <a:r>
+              <a:rPr lang="en-US" dirty="0" err="1" smtClean="0"/>
+              <a:t>Sistem</a:t>
+            </a:r>
+            <a:r>
+              <a:rPr lang="en-US" dirty="0" smtClean="0"/>
+              <a:t> OCR</a:t>
+            </a:r>
+            <a:endParaRPr lang="en-US" dirty="0"/>
+          </a:p>
+        </p:txBody>
+      </p:sp>
+      <p:pic>
+        <p:nvPicPr>
+          <p:cNvPr id="4" name="Picture 3"/>
+          <p:cNvPicPr/>
+          <p:nvPr/>
+        </p:nvPicPr>
+        <p:blipFill>
+          <a:blip r:embed="rId2" cstate="print">
+            <a:extLst>
+              <a:ext uri="{28A0092B-C50C-407E-A947-70E740481C1C}">
+                <a14:useLocalDpi xmlns:ve="http://schemas.openxmlformats.org/markup-compatibility/2006" xmlns:m="http://schemas.openxmlformats.org/officeDocument/2006/math" xmlns:wp="http://schemas.openxmlformats.org/drawingml/2006/wordprocessingDrawing" xmlns:wne="http://schemas.microsoft.com/office/word/2006/wordml" xmlns:a14="http://schemas.microsoft.com/office/drawing/2010/main" xmlns:wps="http://schemas.microsoft.com/office/word/2010/wordprocessingShape" xmlns:wpi="http://schemas.microsoft.com/office/word/2010/wordprocessingInk" xmlns:wpg="http://schemas.microsoft.com/office/word/2010/wordprocessingGroup" xmlns:w14="http://schemas.microsoft.com/office/word/2010/wordml" xmlns:w="http://schemas.openxmlformats.org/wordprocessingml/2006/main" xmlns:w10="urn:schemas-microsoft-com:office:word" xmlns:wp14="http://schemas.microsoft.com/office/word/2010/wordprocessingDrawing" xmlns:v="urn:schemas-microsoft-com:vml" xmlns:o="urn:schemas-microsoft-com:office:office" xmlns:mc="http://schemas.openxmlformats.org/markup-compatibility/2006" xmlns:wpc="http://schemas.microsoft.com/office/word/2010/wordprocessingCanvas" xmlns="" xmlns:pic="http://schemas.openxmlformats.org/drawingml/2006/picture" xmlns:lc="http://schemas.openxmlformats.org/drawingml/2006/lockedCanvas" val="0"/>
+              </a:ext>
+            </a:extLst>
+          </a:blip>
+          <a:srcRect l="14210" t="27459" r="26607" b="3191"/>
+          <a:stretch>
+            <a:fillRect/>
+          </a:stretch>
+        </p:blipFill>
+        <p:spPr bwMode="auto">
+          <a:xfrm>
+            <a:off x="4038600" y="2140958"/>
+            <a:ext cx="3200400" cy="3878842"/>
+          </a:xfrm>
+          <a:prstGeom prst="rect">
+            <a:avLst/>
+          </a:prstGeom>
+          <a:ln>
+            <a:noFill/>
+          </a:ln>
+          <a:effectLst>
+            <a:softEdge rad="112500"/>
+          </a:effectLst>
+        </p:spPr>
+      </p:pic>
+    </p:spTree>
+  </p:cSld>
+  <p:clrMapOvr>
+    <a:masterClrMapping/>
+  </p:clrMapOvr>
+  <p:timing>
+    <p:tnLst>
+      <p:par>
+        <p:cTn id="1" dur="indefinite" restart="never" nodeType="tmRoot"/>
+      </p:par>
+    </p:tnLst>
+  </p:timing>
+</p:sld>
+</file>
+
+<file path=ppt/slides/slide3.xml><?xml version="1.0" encoding="utf-8"?>
+<p:sld xmlns:a="http://schemas.openxmlformats.org/drawingml/2006/main" xmlns:r="http://schemas.openxmlformats.org/officeDocument/2006/relationships" xmlns:p="http://schemas.openxmlformats.org/presentationml/2006/main">
+  <p:cSld>
+    <p:spTree>
+      <p:nvGrpSpPr>
+        <p:cNvPr id="1" name=""/>
+        <p:cNvGrpSpPr/>
+        <p:nvPr/>
+      </p:nvGrpSpPr>
+      <p:grpSpPr>
+        <a:xfrm>
+          <a:off x="0" y="0"/>
+          <a:ext cx="0" cy="0"/>
+          <a:chOff x="0" y="0"/>
+          <a:chExt cx="0" cy="0"/>
+        </a:xfrm>
+      </p:grpSpPr>
+      <p:sp>
+        <p:nvSpPr>
+          <p:cNvPr id="2" name="Title 1"/>
+          <p:cNvSpPr>
+            <a:spLocks noGrp="1"/>
+          </p:cNvSpPr>
+          <p:nvPr>
+            <p:ph type="title"/>
+          </p:nvPr>
+        </p:nvSpPr>
+        <p:spPr/>
+        <p:txBody>
+          <a:bodyPr/>
+          <a:lstStyle/>
+          <a:p>
+            <a:r>
+              <a:rPr lang="en-US" dirty="0" err="1" smtClean="0"/>
+              <a:t>Penelitian</a:t>
+            </a:r>
+            <a:r>
+              <a:rPr lang="en-US" dirty="0" smtClean="0"/>
+              <a:t> </a:t>
+            </a:r>
+            <a:r>
+              <a:rPr lang="en-US" dirty="0" err="1" smtClean="0"/>
+              <a:t>sebelumnya</a:t>
+            </a:r>
+            <a:endParaRPr lang="en-US" dirty="0"/>
+          </a:p>
+        </p:txBody>
+      </p:sp>
+      <p:sp>
+        <p:nvSpPr>
+          <p:cNvPr id="3" name="Content Placeholder 2"/>
+          <p:cNvSpPr>
+            <a:spLocks noGrp="1"/>
+          </p:cNvSpPr>
+          <p:nvPr>
+            <p:ph idx="1"/>
+          </p:nvPr>
+        </p:nvSpPr>
+        <p:spPr/>
+        <p:txBody>
+          <a:bodyPr/>
+          <a:lstStyle/>
+          <a:p>
+            <a:r>
+              <a:rPr lang="en-US" dirty="0" smtClean="0"/>
+              <a:t>Filtering </a:t>
+            </a:r>
+            <a:r>
+              <a:rPr lang="en-US" dirty="0" err="1" smtClean="0"/>
+              <a:t>untuk</a:t>
+            </a:r>
+            <a:r>
+              <a:rPr lang="en-US" dirty="0" smtClean="0"/>
+              <a:t> </a:t>
+            </a:r>
+            <a:r>
+              <a:rPr lang="en-US" dirty="0" err="1" smtClean="0"/>
+              <a:t>mendeteksi</a:t>
+            </a:r>
+            <a:r>
+              <a:rPr lang="en-US" dirty="0" smtClean="0"/>
+              <a:t> </a:t>
+            </a:r>
+            <a:r>
+              <a:rPr lang="en-US" dirty="0" err="1" smtClean="0"/>
+              <a:t>garis</a:t>
+            </a:r>
+            <a:r>
+              <a:rPr lang="en-US" dirty="0" smtClean="0"/>
+              <a:t> </a:t>
+            </a:r>
+            <a:r>
+              <a:rPr lang="en-US" dirty="0" err="1" smtClean="0"/>
+              <a:t>tepi</a:t>
+            </a:r>
+            <a:endParaRPr lang="en-US" dirty="0" smtClean="0"/>
+          </a:p>
+          <a:p>
+            <a:r>
+              <a:rPr lang="en-AU" dirty="0" err="1" smtClean="0"/>
+              <a:t>Menggunakan</a:t>
+            </a:r>
+            <a:r>
+              <a:rPr lang="en-AU" dirty="0" smtClean="0"/>
+              <a:t> </a:t>
+            </a:r>
+            <a:r>
+              <a:rPr lang="en-AU" dirty="0" err="1" smtClean="0"/>
+              <a:t>metode</a:t>
+            </a:r>
+            <a:r>
+              <a:rPr lang="en-AU" dirty="0" smtClean="0"/>
+              <a:t> </a:t>
+            </a:r>
+            <a:r>
+              <a:rPr lang="en-US" dirty="0" smtClean="0"/>
+              <a:t>canny, </a:t>
+            </a:r>
+            <a:r>
+              <a:rPr lang="en-US" dirty="0" err="1" smtClean="0"/>
+              <a:t>metode</a:t>
+            </a:r>
+            <a:r>
+              <a:rPr lang="en-US" dirty="0" smtClean="0"/>
+              <a:t> </a:t>
+            </a:r>
+            <a:r>
+              <a:rPr lang="en-AU" dirty="0" smtClean="0"/>
+              <a:t>mean </a:t>
+            </a:r>
+            <a:r>
+              <a:rPr lang="en-AU" dirty="0"/>
+              <a:t>shift </a:t>
+            </a:r>
+            <a:r>
+              <a:rPr lang="en-AU" dirty="0" err="1"/>
+              <a:t>dan</a:t>
+            </a:r>
+            <a:r>
+              <a:rPr lang="en-AU" dirty="0"/>
+              <a:t> </a:t>
+            </a:r>
+            <a:r>
+              <a:rPr lang="en-AU" dirty="0" err="1"/>
+              <a:t>klasifikasi</a:t>
+            </a:r>
+            <a:r>
+              <a:rPr lang="en-AU" dirty="0"/>
+              <a:t> </a:t>
+            </a:r>
+            <a:r>
+              <a:rPr lang="en-AU" dirty="0" smtClean="0"/>
+              <a:t>linear</a:t>
+            </a:r>
+            <a:endParaRPr lang="en-US" dirty="0" smtClean="0"/>
+          </a:p>
+          <a:p>
+            <a:endParaRPr lang="en-US" dirty="0"/>
+          </a:p>
+        </p:txBody>
+      </p:sp>
+    </p:spTree>
+  </p:cSld>
+  <p:clrMapOvr>
+    <a:masterClrMapping/>
+  </p:clrMapOvr>
+  <p:timing>
+    <p:tnLst>
+      <p:par>
+        <p:cTn id="1" dur="indefinite" restart="never" nodeType="tmRoot"/>
+      </p:par>
+    </p:tnLst>
+  </p:timing>
+</p:sld>
+</file>
+
+<file path=ppt/slides/slide4.xml><?xml version="1.0" encoding="utf-8"?>
+<p:sld xmlns:a="http://schemas.openxmlformats.org/drawingml/2006/main" xmlns:r="http://schemas.openxmlformats.org/officeDocument/2006/relationships" xmlns:p="http://schemas.openxmlformats.org/presentationml/2006/main">
+  <p:cSld>
+    <p:spTree>
+      <p:nvGrpSpPr>
+        <p:cNvPr id="1" name=""/>
+        <p:cNvGrpSpPr/>
+        <p:nvPr/>
+      </p:nvGrpSpPr>
+      <p:grpSpPr>
+        <a:xfrm>
+          <a:off x="0" y="0"/>
+          <a:ext cx="0" cy="0"/>
+          <a:chOff x="0" y="0"/>
+          <a:chExt cx="0" cy="0"/>
+        </a:xfrm>
+      </p:grpSpPr>
+      <p:sp>
+        <p:nvSpPr>
+          <p:cNvPr id="2" name="Title 1"/>
+          <p:cNvSpPr>
+            <a:spLocks noGrp="1"/>
+          </p:cNvSpPr>
+          <p:nvPr>
+            <p:ph type="title"/>
+          </p:nvPr>
+        </p:nvSpPr>
+        <p:spPr>
+          <a:xfrm>
+            <a:off x="457200" y="0"/>
+            <a:ext cx="8229600" cy="990600"/>
+          </a:xfrm>
+        </p:spPr>
+        <p:txBody>
+          <a:bodyPr/>
+          <a:lstStyle/>
+          <a:p>
+            <a:r>
+              <a:rPr lang="en-US" dirty="0" err="1" smtClean="0"/>
+              <a:t>Alur</a:t>
+            </a:r>
+            <a:r>
+              <a:rPr lang="en-US" dirty="0" smtClean="0"/>
+              <a:t> </a:t>
+            </a:r>
+            <a:r>
+              <a:rPr lang="en-US" dirty="0" err="1" smtClean="0"/>
+              <a:t>Kerja</a:t>
+            </a:r>
+            <a:endParaRPr lang="en-US" dirty="0"/>
+          </a:p>
+        </p:txBody>
+      </p:sp>
+      <p:graphicFrame>
+        <p:nvGraphicFramePr>
+          <p:cNvPr id="6" name="Diagram 5"/>
+          <p:cNvGraphicFramePr/>
+          <p:nvPr/>
+        </p:nvGraphicFramePr>
+        <p:xfrm>
+          <a:off x="732480" y="838200"/>
+          <a:ext cx="7679040" cy="5181600"/>
+        </p:xfrm>
+        <a:graphic>
+          <a:graphicData uri="http://schemas.openxmlformats.org/drawingml/2006/diagram">
+            <dgm:relIds xmlns:dgm="http://schemas.openxmlformats.org/drawingml/2006/diagram" xmlns:r="http://schemas.openxmlformats.org/officeDocument/2006/relationships" r:dm="rId2" r:lo="rId3" r:qs="rId4" r:cs="rId5"/>
+          </a:graphicData>
+        </a:graphic>
+      </p:graphicFrame>
+    </p:spTree>
+  </p:cSld>
+  <p:clrMapOvr>
+    <a:masterClrMapping/>
+  </p:clrMapOvr>
+  <p:timing>
+    <p:tnLst>
+      <p:par>
+        <p:cTn id="1" dur="indefinite" restart="never" nodeType="tmRoot"/>
+      </p:par>
+    </p:tnLst>
+  </p:timing>
+</p:sld>
+</file>
+
+<file path=ppt/slides/slide5.xml><?xml version="1.0" encoding="utf-8"?>
+<p:sld xmlns:a="http://schemas.openxmlformats.org/drawingml/2006/main" xmlns:r="http://schemas.openxmlformats.org/officeDocument/2006/relationships" xmlns:p="http://schemas.openxmlformats.org/presentationml/2006/main">
+  <p:cSld>
+    <p:spTree>
+      <p:nvGrpSpPr>
+        <p:cNvPr id="1" name=""/>
+        <p:cNvGrpSpPr/>
+        <p:nvPr/>
+      </p:nvGrpSpPr>
+      <p:grpSpPr>
+        <a:xfrm>
+          <a:off x="0" y="0"/>
+          <a:ext cx="0" cy="0"/>
+          <a:chOff x="0" y="0"/>
+          <a:chExt cx="0" cy="0"/>
+        </a:xfrm>
+      </p:grpSpPr>
+      <p:sp>
+        <p:nvSpPr>
+          <p:cNvPr id="2" name="Title 1"/>
+          <p:cNvSpPr>
+            <a:spLocks noGrp="1"/>
+          </p:cNvSpPr>
+          <p:nvPr>
+            <p:ph type="title"/>
+          </p:nvPr>
+        </p:nvSpPr>
+        <p:spPr/>
+        <p:txBody>
+          <a:bodyPr/>
+          <a:lstStyle/>
+          <a:p>
+            <a:r>
+              <a:rPr lang="en-US" dirty="0" err="1" smtClean="0"/>
+              <a:t>Ekstraksi</a:t>
+            </a:r>
+            <a:r>
+              <a:rPr lang="en-US" dirty="0" smtClean="0"/>
+              <a:t> Citra: </a:t>
+            </a:r>
+            <a:r>
+              <a:rPr lang="en-US" dirty="0" err="1" smtClean="0"/>
+              <a:t>Aturan</a:t>
+            </a:r>
+            <a:r>
+              <a:rPr lang="en-US" dirty="0" smtClean="0"/>
+              <a:t> 1</a:t>
+            </a:r>
+            <a:endParaRPr lang="en-US" dirty="0"/>
+          </a:p>
+        </p:txBody>
+      </p:sp>
+      <p:pic>
+        <p:nvPicPr>
+          <p:cNvPr id="5" name="Content Placeholder 4"/>
+          <p:cNvPicPr>
+            <a:picLocks noGrp="1"/>
+          </p:cNvPicPr>
+          <p:nvPr>
+            <p:ph idx="1"/>
+          </p:nvPr>
+        </p:nvPicPr>
+        <p:blipFill>
+          <a:blip r:embed="rId2" cstate="print"/>
+          <a:srcRect/>
+          <a:stretch>
+            <a:fillRect/>
+          </a:stretch>
+        </p:blipFill>
+        <p:spPr bwMode="auto">
+          <a:xfrm>
+            <a:off x="2133600" y="1508288"/>
+            <a:ext cx="4876800" cy="4709786"/>
+          </a:xfrm>
+          <a:prstGeom prst="rect">
+            <a:avLst/>
+          </a:prstGeom>
+          <a:noFill/>
+          <a:ln w="9525">
+            <a:noFill/>
+            <a:miter lim="800000"/>
+            <a:headEnd/>
+            <a:tailEnd/>
+          </a:ln>
+        </p:spPr>
+      </p:pic>
+    </p:spTree>
+  </p:cSld>
+  <p:clrMapOvr>
+    <a:masterClrMapping/>
+  </p:clrMapOvr>
+  <p:timing>
+    <p:tnLst>
+      <p:par>
+        <p:cTn id="1" dur="indefinite" restart="never" nodeType="tmRoot"/>
+      </p:par>
+    </p:tnLst>
+  </p:timing>
+</p:sld>
+</file>
+
+<file path=ppt/slides/slide6.xml><?xml version="1.0" encoding="utf-8"?>
+<p:sld xmlns:a="http://schemas.openxmlformats.org/drawingml/2006/main" xmlns:r="http://schemas.openxmlformats.org/officeDocument/2006/relationships" xmlns:p="http://schemas.openxmlformats.org/presentationml/2006/main">
+  <p:cSld>
+    <p:spTree>
+      <p:nvGrpSpPr>
+        <p:cNvPr id="1" name=""/>
+        <p:cNvGrpSpPr/>
+        <p:nvPr/>
+      </p:nvGrpSpPr>
+      <p:grpSpPr>
+        <a:xfrm>
+          <a:off x="0" y="0"/>
+          <a:ext cx="0" cy="0"/>
+          <a:chOff x="0" y="0"/>
+          <a:chExt cx="0" cy="0"/>
+        </a:xfrm>
+      </p:grpSpPr>
+      <p:pic>
+        <p:nvPicPr>
+          <p:cNvPr id="1026" name="Picture 2"/>
+          <p:cNvPicPr>
+            <a:picLocks noGrp="1" noChangeAspect="1" noChangeArrowheads="1"/>
+          </p:cNvPicPr>
+          <p:nvPr>
+            <p:ph idx="1"/>
+          </p:nvPr>
+        </p:nvPicPr>
+        <p:blipFill>
+          <a:blip r:embed="rId2" cstate="print"/>
+          <a:srcRect/>
+          <a:stretch>
+            <a:fillRect/>
+          </a:stretch>
+        </p:blipFill>
+        <p:spPr bwMode="auto">
+          <a:xfrm>
+            <a:off x="0" y="598824"/>
+            <a:ext cx="4724400" cy="2982576"/>
+          </a:xfrm>
+          <a:prstGeom prst="rect">
+            <a:avLst/>
+          </a:prstGeom>
+          <a:noFill/>
+          <a:ln w="9525">
+            <a:noFill/>
+            <a:miter lim="800000"/>
+            <a:headEnd/>
+            <a:tailEnd/>
+          </a:ln>
+        </p:spPr>
+      </p:pic>
+      <p:pic>
+        <p:nvPicPr>
+          <p:cNvPr id="1027" name="Picture 3"/>
+          <p:cNvPicPr>
+            <a:picLocks noChangeAspect="1" noChangeArrowheads="1"/>
+          </p:cNvPicPr>
+          <p:nvPr/>
+        </p:nvPicPr>
+        <p:blipFill>
+          <a:blip r:embed="rId3" cstate="print"/>
+          <a:srcRect/>
+          <a:stretch>
+            <a:fillRect/>
+          </a:stretch>
+        </p:blipFill>
+        <p:spPr bwMode="auto">
+          <a:xfrm>
+            <a:off x="4018456" y="3505201"/>
+            <a:ext cx="5125544" cy="3352800"/>
+          </a:xfrm>
+          <a:prstGeom prst="rect">
+            <a:avLst/>
+          </a:prstGeom>
+          <a:noFill/>
+          <a:ln w="9525">
+            <a:noFill/>
+            <a:miter lim="800000"/>
+            <a:headEnd/>
+            <a:tailEnd/>
+          </a:ln>
+        </p:spPr>
+      </p:pic>
+      <p:sp>
+        <p:nvSpPr>
+          <p:cNvPr id="6" name="Title 1"/>
+          <p:cNvSpPr>
+            <a:spLocks noGrp="1"/>
+          </p:cNvSpPr>
+          <p:nvPr>
+            <p:ph type="title"/>
+          </p:nvPr>
+        </p:nvSpPr>
+        <p:spPr>
+          <a:xfrm>
+            <a:off x="1295400" y="152400"/>
+            <a:ext cx="8229600" cy="1143000"/>
+          </a:xfrm>
+        </p:spPr>
+        <p:txBody>
+          <a:bodyPr>
+            <a:normAutofit/>
+          </a:bodyPr>
+          <a:lstStyle/>
+          <a:p>
+            <a:r>
+              <a:rPr lang="en-US" sz="4800" dirty="0" err="1" smtClean="0"/>
+              <a:t>Ekstraksi</a:t>
+            </a:r>
+            <a:r>
+              <a:rPr lang="en-US" sz="4800" dirty="0" smtClean="0"/>
+              <a:t> Citra: </a:t>
+            </a:r>
+            <a:r>
+              <a:rPr lang="en-US" sz="4800" dirty="0" err="1" smtClean="0"/>
+              <a:t>Aturan</a:t>
+            </a:r>
+            <a:r>
+              <a:rPr lang="en-US" sz="4800" dirty="0" smtClean="0"/>
+              <a:t> 2</a:t>
+            </a:r>
+            <a:endParaRPr lang="en-US" sz="4800" dirty="0"/>
+          </a:p>
+        </p:txBody>
+      </p:sp>
+    </p:spTree>
+  </p:cSld>
+  <p:clrMapOvr>
+    <a:masterClrMapping/>
+  </p:clrMapOvr>
+  <p:timing>
+    <p:tnLst>
+      <p:par>
+        <p:cTn id="1" dur="indefinite" restart="never" nodeType="tmRoot"/>
+      </p:par>
+    </p:tnLst>
+  </p:timing>
+</p:sld>
+</file>
+
+<file path=ppt/slides/slide7.xml><?xml version="1.0" encoding="utf-8"?>
+<p:sld xmlns:a="http://schemas.openxmlformats.org/drawingml/2006/main" xmlns:r="http://schemas.openxmlformats.org/officeDocument/2006/relationships" xmlns:p="http://schemas.openxmlformats.org/presentationml/2006/main">
+  <p:cSld>
+    <p:spTree>
+      <p:nvGrpSpPr>
+        <p:cNvPr id="1" name=""/>
+        <p:cNvGrpSpPr/>
+        <p:nvPr/>
+      </p:nvGrpSpPr>
+      <p:grpSpPr>
+        <a:xfrm>
+          <a:off x="0" y="0"/>
+          <a:ext cx="0" cy="0"/>
+          <a:chOff x="0" y="0"/>
+          <a:chExt cx="0" cy="0"/>
+        </a:xfrm>
+      </p:grpSpPr>
+      <p:sp>
+        <p:nvSpPr>
+          <p:cNvPr id="2" name="Title 1"/>
+          <p:cNvSpPr>
+            <a:spLocks noGrp="1"/>
+          </p:cNvSpPr>
+          <p:nvPr>
+            <p:ph type="title"/>
+          </p:nvPr>
+        </p:nvSpPr>
+        <p:spPr/>
+        <p:txBody>
+          <a:bodyPr/>
+          <a:lstStyle/>
+          <a:p>
+            <a:r>
+              <a:rPr lang="en-US" dirty="0" err="1" smtClean="0"/>
+              <a:t>Ekstraksi</a:t>
+            </a:r>
+            <a:r>
+              <a:rPr lang="en-US" dirty="0" smtClean="0"/>
+              <a:t> Citra: </a:t>
+            </a:r>
+            <a:r>
+              <a:rPr lang="en-US" dirty="0" err="1" smtClean="0"/>
+              <a:t>Aturan</a:t>
+            </a:r>
+            <a:r>
+              <a:rPr lang="en-US" dirty="0" smtClean="0"/>
+              <a:t> 3</a:t>
+            </a:r>
+            <a:endParaRPr lang="en-US" dirty="0"/>
+          </a:p>
+        </p:txBody>
+      </p:sp>
+      <p:pic>
+        <p:nvPicPr>
+          <p:cNvPr id="2052" name="Picture 4"/>
+          <p:cNvPicPr>
+            <a:picLocks noGrp="1" noChangeAspect="1" noChangeArrowheads="1"/>
+          </p:cNvPicPr>
+          <p:nvPr>
+            <p:ph idx="1"/>
+          </p:nvPr>
+        </p:nvPicPr>
+        <p:blipFill>
+          <a:blip r:embed="rId2" cstate="print"/>
+          <a:srcRect/>
+          <a:stretch>
+            <a:fillRect/>
+          </a:stretch>
+        </p:blipFill>
+        <p:spPr bwMode="auto">
+          <a:xfrm>
+            <a:off x="184773" y="1935162"/>
+            <a:ext cx="8774454" cy="3856038"/>
+          </a:xfrm>
+          <a:prstGeom prst="rect">
+            <a:avLst/>
+          </a:prstGeom>
+          <a:noFill/>
+          <a:ln w="9525">
+            <a:noFill/>
+            <a:miter lim="800000"/>
+            <a:headEnd/>
+            <a:tailEnd/>
+          </a:ln>
+        </p:spPr>
+      </p:pic>
+    </p:spTree>
+  </p:cSld>
+  <p:clrMapOvr>
+    <a:masterClrMapping/>
+  </p:clrMapOvr>
+  <p:timing>
+    <p:tnLst>
+      <p:par>
+        <p:cTn id="1" dur="indefinite" restart="never" nodeType="tmRoot"/>
+      </p:par>
+    </p:tnLst>
+  </p:timing>
+</p:sld>
+</file>
+
+<file path=ppt/slides/slide8.xml><?xml version="1.0" encoding="utf-8"?>
+<p:sld xmlns:a="http://schemas.openxmlformats.org/drawingml/2006/main" xmlns:r="http://schemas.openxmlformats.org/officeDocument/2006/relationships" xmlns:p="http://schemas.openxmlformats.org/presentationml/2006/main">
+  <p:cSld>
+    <p:spTree>
+      <p:nvGrpSpPr>
+        <p:cNvPr id="1" name=""/>
+        <p:cNvGrpSpPr/>
+        <p:nvPr/>
+      </p:nvGrpSpPr>
+      <p:grpSpPr>
+        <a:xfrm>
+          <a:off x="0" y="0"/>
+          <a:ext cx="0" cy="0"/>
+          <a:chOff x="0" y="0"/>
+          <a:chExt cx="0" cy="0"/>
+        </a:xfrm>
+      </p:grpSpPr>
+      <p:sp>
+        <p:nvSpPr>
+          <p:cNvPr id="2" name="Title 1"/>
+          <p:cNvSpPr>
+            <a:spLocks noGrp="1"/>
+          </p:cNvSpPr>
+          <p:nvPr>
+            <p:ph type="title"/>
+          </p:nvPr>
+        </p:nvSpPr>
+        <p:spPr/>
+        <p:txBody>
+          <a:bodyPr>
+            <a:normAutofit fontScale="90000"/>
+          </a:bodyPr>
+          <a:lstStyle/>
+          <a:p>
+            <a:r>
+              <a:rPr lang="en-AU" b="1" dirty="0" err="1" smtClean="0"/>
+              <a:t>Identifikasi</a:t>
+            </a:r>
+            <a:r>
+              <a:rPr lang="en-AU" b="1" dirty="0" smtClean="0"/>
+              <a:t> </a:t>
+            </a:r>
+            <a:r>
+              <a:rPr lang="en-AU" b="1" dirty="0" err="1" smtClean="0"/>
+              <a:t>karakter</a:t>
+            </a:r>
+            <a:r>
+              <a:rPr lang="en-AU" b="1" dirty="0" smtClean="0"/>
+              <a:t/>
+            </a:r>
+            <a:br>
+              <a:rPr lang="en-AU" b="1" dirty="0" smtClean="0"/>
+            </a:br>
+            <a:r>
+              <a:rPr lang="en-AU" dirty="0" smtClean="0"/>
+              <a:t>	</a:t>
+            </a:r>
+            <a:r>
+              <a:rPr lang="en-AU" dirty="0" err="1" smtClean="0"/>
+              <a:t>menggunakan</a:t>
+            </a:r>
+            <a:r>
+              <a:rPr lang="en-AU" dirty="0" smtClean="0"/>
+              <a:t> </a:t>
+            </a:r>
+            <a:r>
+              <a:rPr lang="en-AU" dirty="0" err="1" smtClean="0"/>
+              <a:t>teknologi</a:t>
+            </a:r>
+            <a:r>
+              <a:rPr lang="en-AU" dirty="0" smtClean="0"/>
+              <a:t> </a:t>
+            </a:r>
+            <a:r>
+              <a:rPr lang="en-AU" i="1" dirty="0" smtClean="0"/>
+              <a:t>Tesseract</a:t>
+            </a:r>
+            <a:endParaRPr lang="en-US" dirty="0"/>
+          </a:p>
+        </p:txBody>
+      </p:sp>
+      <p:graphicFrame>
+        <p:nvGraphicFramePr>
+          <p:cNvPr id="6" name="Diagram 5"/>
+          <p:cNvGraphicFramePr/>
+          <p:nvPr/>
+        </p:nvGraphicFramePr>
+        <p:xfrm>
+          <a:off x="685800" y="1981200"/>
+          <a:ext cx="8077200" cy="4572000"/>
+        </p:xfrm>
+        <a:graphic>
+          <a:graphicData uri="http://schemas.openxmlformats.org/drawingml/2006/diagram">
+            <dgm:relIds xmlns:dgm="http://schemas.openxmlformats.org/drawingml/2006/diagram" xmlns:r="http://schemas.openxmlformats.org/officeDocument/2006/relationships" r:dm="rId2" r:lo="rId3" r:qs="rId4" r:cs="rId5"/>
+          </a:graphicData>
+        </a:graphic>
+      </p:graphicFrame>
+    </p:spTree>
+  </p:cSld>
+  <p:clrMapOvr>
+    <a:masterClrMapping/>
+  </p:clrMapOvr>
+  <p:timing>
+    <p:tnLst>
+      <p:par>
+        <p:cTn id="1" dur="indefinite" restart="never" nodeType="tmRoot"/>
+      </p:par>
+    </p:tnLst>
+  </p:timing>
+</p:sld>
+</file>
+
+<file path=ppt/slides/slide9.xml><?xml version="1.0" encoding="utf-8"?>
+<p:sld xmlns:a="http://schemas.openxmlformats.org/drawingml/2006/main" xmlns:r="http://schemas.openxmlformats.org/officeDocument/2006/relationships" xmlns:p="http://schemas.openxmlformats.org/presentationml/2006/main">
+  <p:cSld>
+    <p:spTree>
+      <p:nvGrpSpPr>
+        <p:cNvPr id="1" name=""/>
+        <p:cNvGrpSpPr/>
+        <p:nvPr/>
+      </p:nvGrpSpPr>
+      <p:grpSpPr>
+        <a:xfrm>
+          <a:off x="0" y="0"/>
+          <a:ext cx="0" cy="0"/>
+          <a:chOff x="0" y="0"/>
+          <a:chExt cx="0" cy="0"/>
+        </a:xfrm>
+      </p:grpSpPr>
+      <p:sp>
+        <p:nvSpPr>
+          <p:cNvPr id="2" name="Title 1"/>
+          <p:cNvSpPr>
+            <a:spLocks noGrp="1"/>
+          </p:cNvSpPr>
+          <p:nvPr>
+            <p:ph type="title"/>
+          </p:nvPr>
+        </p:nvSpPr>
+        <p:spPr/>
+        <p:txBody>
+          <a:bodyPr/>
+          <a:lstStyle/>
+          <a:p>
+            <a:r>
+              <a:rPr lang="en-US" dirty="0" err="1" smtClean="0"/>
+              <a:t>Hasil</a:t>
+            </a:r>
+            <a:r>
+              <a:rPr lang="en-US" dirty="0" smtClean="0"/>
+              <a:t> Citra</a:t>
+            </a:r>
+            <a:endParaRPr lang="en-US" dirty="0"/>
+          </a:p>
+        </p:txBody>
+      </p:sp>
+      <p:sp>
+        <p:nvSpPr>
+          <p:cNvPr id="3" name="Content Placeholder 2"/>
+          <p:cNvSpPr>
+            <a:spLocks noGrp="1"/>
+          </p:cNvSpPr>
+          <p:nvPr>
+            <p:ph idx="1"/>
+          </p:nvPr>
+        </p:nvSpPr>
+        <p:spPr/>
+        <p:txBody>
+          <a:bodyPr/>
+          <a:lstStyle/>
+          <a:p>
+            <a:endParaRPr lang="en-US" dirty="0"/>
+          </a:p>
+        </p:txBody>
+      </p:sp>
+      <p:pic>
+        <p:nvPicPr>
+          <p:cNvPr id="4" name="Content Placeholder 3"/>
+          <p:cNvPicPr>
+            <a:picLocks/>
+          </p:cNvPicPr>
+          <p:nvPr/>
+        </p:nvPicPr>
+        <p:blipFill>
+          <a:blip r:embed="rId2" cstate="print">
+            <a:extLst>
+              <a:ext uri="{28A0092B-C50C-407E-A947-70E740481C1C}">
+                <a14:useLocalDpi xmlns:ve="http://schemas.openxmlformats.org/markup-compatibility/2006" xmlns:m="http://schemas.openxmlformats.org/officeDocument/2006/math" xmlns:wp="http://schemas.openxmlformats.org/drawingml/2006/wordprocessingDrawing" xmlns:wne="http://schemas.microsoft.com/office/word/2006/wordml" xmlns:a14="http://schemas.microsoft.com/office/drawing/2010/main" xmlns:wps="http://schemas.microsoft.com/office/word/2010/wordprocessingShape" xmlns:wpi="http://schemas.microsoft.com/office/word/2010/wordprocessingInk" xmlns:wpg="http://schemas.microsoft.com/office/word/2010/wordprocessingGroup" xmlns:w14="http://schemas.microsoft.com/office/word/2010/wordml" xmlns:w="http://schemas.openxmlformats.org/wordprocessingml/2006/main" xmlns:w10="urn:schemas-microsoft-com:office:word" xmlns:wp14="http://schemas.microsoft.com/office/word/2010/wordprocessingDrawing" xmlns:v="urn:schemas-microsoft-com:vml" xmlns:o="urn:schemas-microsoft-com:office:office" xmlns:mc="http://schemas.openxmlformats.org/markup-compatibility/2006" xmlns:wpc="http://schemas.microsoft.com/office/word/2010/wordprocessingCanvas" xmlns="" xmlns:pic="http://schemas.openxmlformats.org/drawingml/2006/picture" xmlns:lc="http://schemas.openxmlformats.org/drawingml/2006/lockedCanvas" val="0"/>
+              </a:ext>
+            </a:extLst>
+          </a:blip>
+          <a:srcRect l="2373" t="3546" r="2712" b="3191"/>
+          <a:stretch>
+            <a:fillRect/>
+          </a:stretch>
+        </p:blipFill>
+        <p:spPr bwMode="auto">
+          <a:xfrm>
+            <a:off x="609600" y="2362200"/>
+            <a:ext cx="2431632" cy="2514600"/>
+          </a:xfrm>
+          <a:prstGeom prst="rect">
+            <a:avLst/>
+          </a:prstGeom>
+          <a:noFill/>
+          <a:ln>
+            <a:noFill/>
+          </a:ln>
+        </p:spPr>
+      </p:pic>
+      <p:pic>
+        <p:nvPicPr>
+          <p:cNvPr id="5" name="Picture 4"/>
+          <p:cNvPicPr/>
+          <p:nvPr/>
+        </p:nvPicPr>
+        <p:blipFill>
+          <a:blip r:embed="rId3" cstate="print">
+            <a:extLst>
+              <a:ext uri="{28A0092B-C50C-407E-A947-70E740481C1C}">
+                <a14:useLocalDpi xmlns:ve="http://schemas.openxmlformats.org/markup-compatibility/2006" xmlns:m="http://schemas.openxmlformats.org/officeDocument/2006/math" xmlns:wp="http://schemas.openxmlformats.org/drawingml/2006/wordprocessingDrawing" xmlns:wne="http://schemas.microsoft.com/office/word/2006/wordml" xmlns:a14="http://schemas.microsoft.com/office/drawing/2010/main" xmlns:wps="http://schemas.microsoft.com/office/word/2010/wordprocessingShape" xmlns:wpi="http://schemas.microsoft.com/office/word/2010/wordprocessingInk" xmlns:wpg="http://schemas.microsoft.com/office/word/2010/wordprocessingGroup" xmlns:w14="http://schemas.microsoft.com/office/word/2010/wordml" xmlns:w="http://schemas.openxmlformats.org/wordprocessingml/2006/main" xmlns:w10="urn:schemas-microsoft-com:office:word" xmlns:wp14="http://schemas.microsoft.com/office/word/2010/wordprocessingDrawing" xmlns:v="urn:schemas-microsoft-com:vml" xmlns:o="urn:schemas-microsoft-com:office:office" xmlns:mc="http://schemas.openxmlformats.org/markup-compatibility/2006" xmlns:wpc="http://schemas.microsoft.com/office/word/2010/wordprocessingCanvas" xmlns="" xmlns:pic="http://schemas.openxmlformats.org/drawingml/2006/picture" xmlns:lc="http://schemas.openxmlformats.org/drawingml/2006/lockedCanvas" val="0"/>
+              </a:ext>
+            </a:extLst>
+          </a:blip>
+          <a:srcRect l="1667" r="2667" b="2230"/>
+          <a:stretch>
+            <a:fillRect/>
+          </a:stretch>
+        </p:blipFill>
+        <p:spPr bwMode="auto">
+          <a:xfrm>
+            <a:off x="3429000" y="2362200"/>
+            <a:ext cx="2362200" cy="2590800"/>
+          </a:xfrm>
+          <a:prstGeom prst="rect">
+            <a:avLst/>
+          </a:prstGeom>
+          <a:noFill/>
+          <a:ln>
+            <a:noFill/>
+          </a:ln>
+        </p:spPr>
+      </p:pic>
+      <p:pic>
+        <p:nvPicPr>
+          <p:cNvPr id="6" name="Picture 5"/>
+          <p:cNvPicPr/>
+          <p:nvPr/>
+        </p:nvPicPr>
+        <p:blipFill>
+          <a:blip r:embed="rId4" cstate="print">
+            <a:extLst>
+              <a:ext uri="{28A0092B-C50C-407E-A947-70E740481C1C}">
+                <a14:useLocalDpi xmlns:ve="http://schemas.openxmlformats.org/markup-compatibility/2006" xmlns:m="http://schemas.openxmlformats.org/officeDocument/2006/math" xmlns:wp="http://schemas.openxmlformats.org/drawingml/2006/wordprocessingDrawing" xmlns:wne="http://schemas.microsoft.com/office/word/2006/wordml" xmlns:a14="http://schemas.microsoft.com/office/drawing/2010/main" xmlns:wps="http://schemas.microsoft.com/office/word/2010/wordprocessingShape" xmlns:wpi="http://schemas.microsoft.com/office/word/2010/wordprocessingInk" xmlns:wpg="http://schemas.microsoft.com/office/word/2010/wordprocessingGroup" xmlns:w14="http://schemas.microsoft.com/office/word/2010/wordml" xmlns:w="http://schemas.openxmlformats.org/wordprocessingml/2006/main" xmlns:w10="urn:schemas-microsoft-com:office:word" xmlns:wp14="http://schemas.microsoft.com/office/word/2010/wordprocessingDrawing" xmlns:v="urn:schemas-microsoft-com:vml" xmlns:o="urn:schemas-microsoft-com:office:office" xmlns:mc="http://schemas.openxmlformats.org/markup-compatibility/2006" xmlns:wpc="http://schemas.microsoft.com/office/word/2010/wordprocessingCanvas" xmlns="" xmlns:pic="http://schemas.openxmlformats.org/drawingml/2006/picture" xmlns:lc="http://schemas.openxmlformats.org/drawingml/2006/lockedCanvas" val="0"/>
+              </a:ext>
+            </a:extLst>
+          </a:blip>
+          <a:srcRect l="1983" t="2190" r="2480" b="1825"/>
+          <a:stretch>
+            <a:fillRect/>
+          </a:stretch>
+        </p:blipFill>
+        <p:spPr bwMode="auto">
+          <a:xfrm>
+            <a:off x="6248400" y="2438400"/>
+            <a:ext cx="2362200" cy="2514600"/>
+          </a:xfrm>
+          <a:prstGeom prst="rect">
+            <a:avLst/>
+          </a:prstGeom>
+          <a:noFill/>
+          <a:ln>
+            <a:noFill/>
+          </a:ln>
+        </p:spPr>
+      </p:pic>
     </p:spTree>
   </p:cSld>
   <p:clrMapOvr>
